--- a/Projektpräsentation SE.pptx
+++ b/Projektpräsentation SE.pptx
@@ -11,9 +11,9 @@
     <p:sldId id="263" r:id="rId5"/>
     <p:sldId id="264" r:id="rId6"/>
     <p:sldId id="265" r:id="rId7"/>
-    <p:sldId id="261" r:id="rId8"/>
-    <p:sldId id="266" r:id="rId9"/>
-    <p:sldId id="267" r:id="rId10"/>
+    <p:sldId id="267" r:id="rId8"/>
+    <p:sldId id="261" r:id="rId9"/>
+    <p:sldId id="266" r:id="rId10"/>
     <p:sldId id="260" r:id="rId11"/>
     <p:sldId id="259" r:id="rId12"/>
     <p:sldId id="268" r:id="rId13"/>
@@ -120,6 +120,11 @@
       </a:defRPr>
     </a:lvl9pPr>
   </p:defaultTextStyle>
+  <p:extLst>
+    <p:ext uri="{EFAFB233-063F-42B5-8137-9DF3F51BA10A}">
+      <p15:sldGuideLst xmlns:p15="http://schemas.microsoft.com/office/powerpoint/2012/main"/>
+    </p:ext>
+  </p:extLst>
 </p:presentation>
 </file>
 
@@ -3031,10 +3036,18 @@
           <a:lstStyle/>
           <a:p>
             <a:r>
-              <a:rPr lang="de-DE" dirty="0" smtClean="0"/>
+              <a:rPr lang="de-DE" dirty="0" smtClean="0">
+                <a:solidFill>
+                  <a:schemeClr val="bg1"/>
+                </a:solidFill>
+              </a:rPr>
               <a:t>Projektpräsentation SE: Arschloch</a:t>
             </a:r>
-            <a:endParaRPr lang="de-DE" dirty="0"/>
+            <a:endParaRPr lang="de-DE" dirty="0">
+              <a:solidFill>
+                <a:schemeClr val="bg1"/>
+              </a:solidFill>
+            </a:endParaRPr>
           </a:p>
         </p:txBody>
       </p:sp>
@@ -3845,7 +3858,6 @@
       <p:bgPr>
         <a:blipFill dpi="0" rotWithShape="1">
           <a:blip r:embed="rId2">
-            <a:alphaModFix amt="50000"/>
             <a:lum/>
           </a:blip>
           <a:srcRect/>
@@ -3887,10 +3899,18 @@
           <a:p>
             <a:pPr algn="ctr"/>
             <a:r>
-              <a:rPr lang="de-DE" dirty="0" smtClean="0"/>
+              <a:rPr lang="de-DE" dirty="0" smtClean="0">
+                <a:solidFill>
+                  <a:schemeClr val="bg1"/>
+                </a:solidFill>
+              </a:rPr>
               <a:t>Gliederung</a:t>
             </a:r>
-            <a:endParaRPr lang="de-DE" dirty="0"/>
+            <a:endParaRPr lang="de-DE" dirty="0">
+              <a:solidFill>
+                <a:schemeClr val="bg1"/>
+              </a:solidFill>
+            </a:endParaRPr>
           </a:p>
         </p:txBody>
       </p:sp>
@@ -3935,7 +3955,6 @@
               <a:rPr lang="de-DE" sz="1800" dirty="0" smtClean="0"/>
               <a:t>TUI Development (Thema 4)</a:t>
             </a:r>
-            <a:endParaRPr lang="de-DE" sz="1800" dirty="0" smtClean="0"/>
           </a:p>
           <a:p>
             <a:r>
@@ -3946,7 +3965,11 @@
           <a:p>
             <a:r>
               <a:rPr lang="de-DE" sz="1800" dirty="0" smtClean="0"/>
-              <a:t>MC Code </a:t>
+              <a:t>Model/Controller </a:t>
+            </a:r>
+            <a:r>
+              <a:rPr lang="de-DE" sz="1800" dirty="0" smtClean="0"/>
+              <a:t>Code </a:t>
             </a:r>
             <a:r>
               <a:rPr lang="de-DE" sz="1800" dirty="0" err="1" smtClean="0"/>
@@ -4018,30 +4041,15 @@
   <p:cSld>
     <p:bg>
       <p:bgPr>
-        <a:gradFill>
-          <a:gsLst>
-            <a:gs pos="0">
-              <a:schemeClr val="accent6">
-                <a:lumMod val="0"/>
-                <a:lumOff val="100000"/>
-              </a:schemeClr>
-            </a:gs>
-            <a:gs pos="36000">
-              <a:schemeClr val="accent6">
-                <a:lumMod val="0"/>
-                <a:lumOff val="100000"/>
-              </a:schemeClr>
-            </a:gs>
-            <a:gs pos="100000">
-              <a:schemeClr val="accent6">
-                <a:lumMod val="100000"/>
-              </a:schemeClr>
-            </a:gs>
-          </a:gsLst>
-          <a:path path="circle">
-            <a:fillToRect l="50000" t="-80000" r="50000" b="180000"/>
-          </a:path>
-        </a:gradFill>
+        <a:blipFill dpi="0" rotWithShape="1">
+          <a:blip r:embed="rId2">
+            <a:lum/>
+          </a:blip>
+          <a:srcRect/>
+          <a:stretch>
+            <a:fillRect/>
+          </a:stretch>
+        </a:blipFill>
         <a:effectLst/>
       </p:bgPr>
     </p:bg>
@@ -4116,8 +4124,20 @@
             </a:r>
             <a:r>
               <a:rPr lang="de-DE" dirty="0" smtClean="0"/>
-              <a:t> Chart&gt;</a:t>
-            </a:r>
+              <a:t> </a:t>
+            </a:r>
+            <a:r>
+              <a:rPr lang="de-DE" smtClean="0"/>
+              <a:t>Chart</a:t>
+            </a:r>
+            <a:r>
+              <a:rPr lang="de-DE" smtClean="0"/>
+              <a:t>&gt;</a:t>
+            </a:r>
+            <a:endParaRPr lang="de-DE" dirty="0" smtClean="0"/>
+          </a:p>
+          <a:p>
+            <a:pPr lvl="1"/>
             <a:endParaRPr lang="de-DE" dirty="0"/>
           </a:p>
         </p:txBody>
@@ -4471,6 +4491,103 @@
 <file path=ppt/slides/slide7.xml><?xml version="1.0" encoding="utf-8"?>
 <p:sld xmlns:a="http://schemas.openxmlformats.org/drawingml/2006/main" xmlns:r="http://schemas.openxmlformats.org/officeDocument/2006/relationships" xmlns:p="http://schemas.openxmlformats.org/presentationml/2006/main">
   <p:cSld>
+    <p:spTree>
+      <p:nvGrpSpPr>
+        <p:cNvPr id="1" name=""/>
+        <p:cNvGrpSpPr/>
+        <p:nvPr/>
+      </p:nvGrpSpPr>
+      <p:grpSpPr>
+        <a:xfrm>
+          <a:off x="0" y="0"/>
+          <a:ext cx="0" cy="0"/>
+          <a:chOff x="0" y="0"/>
+          <a:chExt cx="0" cy="0"/>
+        </a:xfrm>
+      </p:grpSpPr>
+      <p:sp>
+        <p:nvSpPr>
+          <p:cNvPr id="2" name="Titel 1"/>
+          <p:cNvSpPr>
+            <a:spLocks noGrp="1"/>
+          </p:cNvSpPr>
+          <p:nvPr>
+            <p:ph type="title"/>
+          </p:nvPr>
+        </p:nvSpPr>
+        <p:spPr/>
+        <p:txBody>
+          <a:bodyPr/>
+          <a:lstStyle/>
+          <a:p>
+            <a:pPr algn="ctr"/>
+            <a:r>
+              <a:rPr lang="de-DE" dirty="0" err="1" smtClean="0"/>
+              <a:t>Matching</a:t>
+            </a:r>
+            <a:r>
+              <a:rPr lang="de-DE" dirty="0" smtClean="0"/>
+              <a:t> </a:t>
+            </a:r>
+            <a:r>
+              <a:rPr lang="de-DE" dirty="0" err="1" smtClean="0"/>
+              <a:t>Textual</a:t>
+            </a:r>
+            <a:r>
+              <a:rPr lang="de-DE" dirty="0" smtClean="0"/>
+              <a:t> Input</a:t>
+            </a:r>
+            <a:endParaRPr lang="de-DE" dirty="0"/>
+          </a:p>
+        </p:txBody>
+      </p:sp>
+      <p:sp>
+        <p:nvSpPr>
+          <p:cNvPr id="3" name="Inhaltsplatzhalter 2"/>
+          <p:cNvSpPr>
+            <a:spLocks noGrp="1"/>
+          </p:cNvSpPr>
+          <p:nvPr>
+            <p:ph idx="1"/>
+          </p:nvPr>
+        </p:nvSpPr>
+        <p:spPr/>
+        <p:txBody>
+          <a:bodyPr/>
+          <a:lstStyle/>
+          <a:p>
+            <a:r>
+              <a:rPr lang="de-DE" dirty="0" smtClean="0"/>
+              <a:t>&lt;Codebeispiel TUI Pattern </a:t>
+            </a:r>
+            <a:r>
+              <a:rPr lang="de-DE" dirty="0" err="1" smtClean="0"/>
+              <a:t>Matching</a:t>
+            </a:r>
+            <a:r>
+              <a:rPr lang="de-DE" dirty="0" smtClean="0"/>
+              <a:t>&gt;</a:t>
+            </a:r>
+            <a:endParaRPr lang="de-DE" dirty="0"/>
+          </a:p>
+        </p:txBody>
+      </p:sp>
+    </p:spTree>
+    <p:extLst>
+      <p:ext uri="{BB962C8B-B14F-4D97-AF65-F5344CB8AC3E}">
+        <p14:creationId xmlns:p14="http://schemas.microsoft.com/office/powerpoint/2010/main" val="2037057039"/>
+      </p:ext>
+    </p:extLst>
+  </p:cSld>
+  <p:clrMapOvr>
+    <a:masterClrMapping/>
+  </p:clrMapOvr>
+</p:sld>
+</file>
+
+<file path=ppt/slides/slide8.xml><?xml version="1.0" encoding="utf-8"?>
+<p:sld xmlns:a="http://schemas.openxmlformats.org/drawingml/2006/main" xmlns:r="http://schemas.openxmlformats.org/officeDocument/2006/relationships" xmlns:p="http://schemas.openxmlformats.org/presentationml/2006/main">
+  <p:cSld>
     <p:bg>
       <p:bgPr>
         <a:solidFill>
@@ -4511,15 +4628,7 @@
             <a:pPr algn="ctr"/>
             <a:r>
               <a:rPr lang="de-DE" dirty="0" smtClean="0"/>
-              <a:t>Model-View-</a:t>
-            </a:r>
-            <a:r>
-              <a:rPr lang="de-DE" dirty="0" err="1" smtClean="0"/>
-              <a:t>Controler</a:t>
-            </a:r>
-            <a:r>
-              <a:rPr lang="de-DE" dirty="0" smtClean="0"/>
-              <a:t> Architektur</a:t>
+              <a:t>Model-View-Controller Architektur</a:t>
             </a:r>
             <a:endParaRPr lang="de-DE" dirty="0"/>
           </a:p>
@@ -4584,115 +4693,6 @@
     <p:extLst>
       <p:ext uri="{BB962C8B-B14F-4D97-AF65-F5344CB8AC3E}">
         <p14:creationId xmlns:p14="http://schemas.microsoft.com/office/powerpoint/2010/main" val="411094406"/>
-      </p:ext>
-    </p:extLst>
-  </p:cSld>
-  <p:clrMapOvr>
-    <a:masterClrMapping/>
-  </p:clrMapOvr>
-</p:sld>
-</file>
-
-<file path=ppt/slides/slide8.xml><?xml version="1.0" encoding="utf-8"?>
-<p:sld xmlns:a="http://schemas.openxmlformats.org/drawingml/2006/main" xmlns:r="http://schemas.openxmlformats.org/officeDocument/2006/relationships" xmlns:p="http://schemas.openxmlformats.org/presentationml/2006/main">
-  <p:cSld>
-    <p:spTree>
-      <p:nvGrpSpPr>
-        <p:cNvPr id="1" name=""/>
-        <p:cNvGrpSpPr/>
-        <p:nvPr/>
-      </p:nvGrpSpPr>
-      <p:grpSpPr>
-        <a:xfrm>
-          <a:off x="0" y="0"/>
-          <a:ext cx="0" cy="0"/>
-          <a:chOff x="0" y="0"/>
-          <a:chExt cx="0" cy="0"/>
-        </a:xfrm>
-      </p:grpSpPr>
-      <p:sp>
-        <p:nvSpPr>
-          <p:cNvPr id="2" name="Titel 1"/>
-          <p:cNvSpPr>
-            <a:spLocks noGrp="1"/>
-          </p:cNvSpPr>
-          <p:nvPr>
-            <p:ph type="title"/>
-          </p:nvPr>
-        </p:nvSpPr>
-        <p:spPr/>
-        <p:txBody>
-          <a:bodyPr/>
-          <a:lstStyle/>
-          <a:p>
-            <a:pPr algn="ctr"/>
-            <a:r>
-              <a:rPr lang="de-DE" dirty="0" smtClean="0"/>
-              <a:t>Code </a:t>
-            </a:r>
-            <a:r>
-              <a:rPr lang="de-DE" dirty="0" err="1" smtClean="0"/>
-              <a:t>Coverage</a:t>
-            </a:r>
-            <a:r>
-              <a:rPr lang="de-DE" dirty="0" smtClean="0"/>
-              <a:t> / Tests</a:t>
-            </a:r>
-            <a:endParaRPr lang="de-DE" dirty="0"/>
-          </a:p>
-        </p:txBody>
-      </p:sp>
-      <p:sp>
-        <p:nvSpPr>
-          <p:cNvPr id="3" name="Inhaltsplatzhalter 2"/>
-          <p:cNvSpPr>
-            <a:spLocks noGrp="1"/>
-          </p:cNvSpPr>
-          <p:nvPr>
-            <p:ph idx="1"/>
-          </p:nvPr>
-        </p:nvSpPr>
-        <p:spPr/>
-        <p:txBody>
-          <a:bodyPr/>
-          <a:lstStyle/>
-          <a:p>
-            <a:r>
-              <a:rPr lang="de-DE" dirty="0" smtClean="0"/>
-              <a:t>&lt;</a:t>
-            </a:r>
-            <a:r>
-              <a:rPr lang="de-DE" dirty="0" err="1" smtClean="0"/>
-              <a:t>insert</a:t>
-            </a:r>
-            <a:r>
-              <a:rPr lang="de-DE" dirty="0" smtClean="0"/>
-              <a:t> </a:t>
-            </a:r>
-            <a:r>
-              <a:rPr lang="de-DE" dirty="0" err="1" smtClean="0"/>
-              <a:t>picture</a:t>
-            </a:r>
-            <a:r>
-              <a:rPr lang="de-DE" dirty="0" smtClean="0"/>
-              <a:t> </a:t>
-            </a:r>
-            <a:r>
-              <a:rPr lang="de-DE" dirty="0" err="1" smtClean="0"/>
-              <a:t>of</a:t>
-            </a:r>
-            <a:r>
-              <a:rPr lang="de-DE" dirty="0" smtClean="0"/>
-              <a:t> CC&gt;</a:t>
-            </a:r>
-            <a:endParaRPr lang="de-DE" dirty="0"/>
-          </a:p>
-        </p:txBody>
-      </p:sp>
-    </p:spTree>
-    <p:extLst>
-      <p:ext uri="{BB962C8B-B14F-4D97-AF65-F5344CB8AC3E}">
-        <p14:creationId xmlns:p14="http://schemas.microsoft.com/office/powerpoint/2010/main" val="1308059267"/>
       </p:ext>
     </p:extLst>
   </p:cSld>
@@ -4736,8 +4736,43 @@
           <a:p>
             <a:pPr algn="ctr"/>
             <a:r>
+              <a:rPr lang="de-DE" dirty="0" smtClean="0"/>
+              <a:t>Code </a:t>
+            </a:r>
+            <a:r>
               <a:rPr lang="de-DE" dirty="0" err="1" smtClean="0"/>
-              <a:t>Matching</a:t>
+              <a:t>Coverage</a:t>
+            </a:r>
+            <a:r>
+              <a:rPr lang="de-DE" dirty="0" smtClean="0"/>
+              <a:t> / Tests</a:t>
+            </a:r>
+            <a:endParaRPr lang="de-DE" dirty="0"/>
+          </a:p>
+        </p:txBody>
+      </p:sp>
+      <p:sp>
+        <p:nvSpPr>
+          <p:cNvPr id="3" name="Inhaltsplatzhalter 2"/>
+          <p:cNvSpPr>
+            <a:spLocks noGrp="1"/>
+          </p:cNvSpPr>
+          <p:nvPr>
+            <p:ph idx="1"/>
+          </p:nvPr>
+        </p:nvSpPr>
+        <p:spPr/>
+        <p:txBody>
+          <a:bodyPr/>
+          <a:lstStyle/>
+          <a:p>
+            <a:r>
+              <a:rPr lang="de-DE" dirty="0" smtClean="0"/>
+              <a:t>&lt;</a:t>
+            </a:r>
+            <a:r>
+              <a:rPr lang="de-DE" dirty="0" err="1" smtClean="0"/>
+              <a:t>insert</a:t>
             </a:r>
             <a:r>
               <a:rPr lang="de-DE" dirty="0" smtClean="0"/>
@@ -4745,42 +4780,19 @@
             </a:r>
             <a:r>
               <a:rPr lang="de-DE" dirty="0" err="1" smtClean="0"/>
-              <a:t>Textual</a:t>
-            </a:r>
-            <a:r>
-              <a:rPr lang="de-DE" dirty="0" smtClean="0"/>
-              <a:t> Input</a:t>
-            </a:r>
-            <a:endParaRPr lang="de-DE" dirty="0"/>
-          </a:p>
-        </p:txBody>
-      </p:sp>
-      <p:sp>
-        <p:nvSpPr>
-          <p:cNvPr id="3" name="Inhaltsplatzhalter 2"/>
-          <p:cNvSpPr>
-            <a:spLocks noGrp="1"/>
-          </p:cNvSpPr>
-          <p:nvPr>
-            <p:ph idx="1"/>
-          </p:nvPr>
-        </p:nvSpPr>
-        <p:spPr/>
-        <p:txBody>
-          <a:bodyPr/>
-          <a:lstStyle/>
-          <a:p>
-            <a:r>
-              <a:rPr lang="de-DE" dirty="0" smtClean="0"/>
-              <a:t>&lt;Codebeispiel TUI Pattern </a:t>
+              <a:t>picture</a:t>
+            </a:r>
+            <a:r>
+              <a:rPr lang="de-DE" dirty="0" smtClean="0"/>
+              <a:t> </a:t>
             </a:r>
             <a:r>
               <a:rPr lang="de-DE" dirty="0" err="1" smtClean="0"/>
-              <a:t>Matching</a:t>
-            </a:r>
-            <a:r>
-              <a:rPr lang="de-DE" dirty="0" smtClean="0"/>
-              <a:t>&gt;</a:t>
+              <a:t>of</a:t>
+            </a:r>
+            <a:r>
+              <a:rPr lang="de-DE" dirty="0" smtClean="0"/>
+              <a:t> CC&gt;</a:t>
             </a:r>
             <a:endParaRPr lang="de-DE" dirty="0"/>
           </a:p>
@@ -4789,7 +4801,7 @@
     </p:spTree>
     <p:extLst>
       <p:ext uri="{BB962C8B-B14F-4D97-AF65-F5344CB8AC3E}">
-        <p14:creationId xmlns:p14="http://schemas.microsoft.com/office/powerpoint/2010/main" val="2037057039"/>
+        <p14:creationId xmlns:p14="http://schemas.microsoft.com/office/powerpoint/2010/main" val="1308059267"/>
       </p:ext>
     </p:extLst>
   </p:cSld>

--- a/Projektpräsentation SE.pptx
+++ b/Projektpräsentation SE.pptx
@@ -14,14 +14,13 @@
     <p:sldId id="267" r:id="rId8"/>
     <p:sldId id="261" r:id="rId9"/>
     <p:sldId id="266" r:id="rId10"/>
-    <p:sldId id="260" r:id="rId11"/>
-    <p:sldId id="259" r:id="rId12"/>
-    <p:sldId id="268" r:id="rId13"/>
-    <p:sldId id="269" r:id="rId14"/>
-    <p:sldId id="270" r:id="rId15"/>
-    <p:sldId id="271" r:id="rId16"/>
-    <p:sldId id="272" r:id="rId17"/>
-    <p:sldId id="273" r:id="rId18"/>
+    <p:sldId id="259" r:id="rId11"/>
+    <p:sldId id="268" r:id="rId12"/>
+    <p:sldId id="269" r:id="rId13"/>
+    <p:sldId id="270" r:id="rId14"/>
+    <p:sldId id="271" r:id="rId15"/>
+    <p:sldId id="272" r:id="rId16"/>
+    <p:sldId id="273" r:id="rId17"/>
   </p:sldIdLst>
   <p:sldSz cx="12192000" cy="6858000"/>
   <p:notesSz cx="6858000" cy="9144000"/>
@@ -259,7 +258,7 @@
           <a:p>
             <a:fld id="{3C5F9BCB-00A0-4E54-A614-FF14A5BEE8D6}" type="datetimeFigureOut">
               <a:rPr lang="de-DE" smtClean="0"/>
-              <a:t>16.01.2018</a:t>
+              <a:t>23.01.2018</a:t>
             </a:fld>
             <a:endParaRPr lang="de-DE"/>
           </a:p>
@@ -429,7 +428,7 @@
           <a:p>
             <a:fld id="{3C5F9BCB-00A0-4E54-A614-FF14A5BEE8D6}" type="datetimeFigureOut">
               <a:rPr lang="de-DE" smtClean="0"/>
-              <a:t>16.01.2018</a:t>
+              <a:t>23.01.2018</a:t>
             </a:fld>
             <a:endParaRPr lang="de-DE"/>
           </a:p>
@@ -609,7 +608,7 @@
           <a:p>
             <a:fld id="{3C5F9BCB-00A0-4E54-A614-FF14A5BEE8D6}" type="datetimeFigureOut">
               <a:rPr lang="de-DE" smtClean="0"/>
-              <a:t>16.01.2018</a:t>
+              <a:t>23.01.2018</a:t>
             </a:fld>
             <a:endParaRPr lang="de-DE"/>
           </a:p>
@@ -779,7 +778,7 @@
           <a:p>
             <a:fld id="{3C5F9BCB-00A0-4E54-A614-FF14A5BEE8D6}" type="datetimeFigureOut">
               <a:rPr lang="de-DE" smtClean="0"/>
-              <a:t>16.01.2018</a:t>
+              <a:t>23.01.2018</a:t>
             </a:fld>
             <a:endParaRPr lang="de-DE"/>
           </a:p>
@@ -1025,7 +1024,7 @@
           <a:p>
             <a:fld id="{3C5F9BCB-00A0-4E54-A614-FF14A5BEE8D6}" type="datetimeFigureOut">
               <a:rPr lang="de-DE" smtClean="0"/>
-              <a:t>16.01.2018</a:t>
+              <a:t>23.01.2018</a:t>
             </a:fld>
             <a:endParaRPr lang="de-DE"/>
           </a:p>
@@ -1257,7 +1256,7 @@
           <a:p>
             <a:fld id="{3C5F9BCB-00A0-4E54-A614-FF14A5BEE8D6}" type="datetimeFigureOut">
               <a:rPr lang="de-DE" smtClean="0"/>
-              <a:t>16.01.2018</a:t>
+              <a:t>23.01.2018</a:t>
             </a:fld>
             <a:endParaRPr lang="de-DE"/>
           </a:p>
@@ -1624,7 +1623,7 @@
           <a:p>
             <a:fld id="{3C5F9BCB-00A0-4E54-A614-FF14A5BEE8D6}" type="datetimeFigureOut">
               <a:rPr lang="de-DE" smtClean="0"/>
-              <a:t>16.01.2018</a:t>
+              <a:t>23.01.2018</a:t>
             </a:fld>
             <a:endParaRPr lang="de-DE"/>
           </a:p>
@@ -1742,7 +1741,7 @@
           <a:p>
             <a:fld id="{3C5F9BCB-00A0-4E54-A614-FF14A5BEE8D6}" type="datetimeFigureOut">
               <a:rPr lang="de-DE" smtClean="0"/>
-              <a:t>16.01.2018</a:t>
+              <a:t>23.01.2018</a:t>
             </a:fld>
             <a:endParaRPr lang="de-DE"/>
           </a:p>
@@ -1837,7 +1836,7 @@
           <a:p>
             <a:fld id="{3C5F9BCB-00A0-4E54-A614-FF14A5BEE8D6}" type="datetimeFigureOut">
               <a:rPr lang="de-DE" smtClean="0"/>
-              <a:t>16.01.2018</a:t>
+              <a:t>23.01.2018</a:t>
             </a:fld>
             <a:endParaRPr lang="de-DE"/>
           </a:p>
@@ -2114,7 +2113,7 @@
           <a:p>
             <a:fld id="{3C5F9BCB-00A0-4E54-A614-FF14A5BEE8D6}" type="datetimeFigureOut">
               <a:rPr lang="de-DE" smtClean="0"/>
-              <a:t>16.01.2018</a:t>
+              <a:t>23.01.2018</a:t>
             </a:fld>
             <a:endParaRPr lang="de-DE"/>
           </a:p>
@@ -2367,7 +2366,7 @@
           <a:p>
             <a:fld id="{3C5F9BCB-00A0-4E54-A614-FF14A5BEE8D6}" type="datetimeFigureOut">
               <a:rPr lang="de-DE" smtClean="0"/>
-              <a:t>16.01.2018</a:t>
+              <a:t>23.01.2018</a:t>
             </a:fld>
             <a:endParaRPr lang="de-DE"/>
           </a:p>
@@ -2432,9 +2431,18 @@
 <p:sldMaster xmlns:a="http://schemas.openxmlformats.org/drawingml/2006/main" xmlns:r="http://schemas.openxmlformats.org/officeDocument/2006/relationships" xmlns:p="http://schemas.openxmlformats.org/presentationml/2006/main">
   <p:cSld>
     <p:bg>
-      <p:bgRef idx="1001">
-        <a:schemeClr val="bg1"/>
-      </p:bgRef>
+      <p:bgPr>
+        <a:blipFill dpi="0" rotWithShape="1">
+          <a:blip r:embed="rId13">
+            <a:lum/>
+          </a:blip>
+          <a:srcRect/>
+          <a:stretch>
+            <a:fillRect/>
+          </a:stretch>
+        </a:blipFill>
+        <a:effectLst/>
+      </p:bgPr>
     </p:bg>
     <p:spTree>
       <p:nvGrpSpPr>
@@ -2580,7 +2588,7 @@
           <a:p>
             <a:fld id="{3C5F9BCB-00A0-4E54-A614-FF14A5BEE8D6}" type="datetimeFigureOut">
               <a:rPr lang="de-DE" smtClean="0"/>
-              <a:t>16.01.2018</a:t>
+              <a:t>23.01.2018</a:t>
             </a:fld>
             <a:endParaRPr lang="de-DE"/>
           </a:p>
@@ -3072,10 +3080,18 @@
           <a:lstStyle/>
           <a:p>
             <a:r>
-              <a:rPr lang="de-DE" dirty="0" smtClean="0"/>
+              <a:rPr lang="de-DE" dirty="0" smtClean="0">
+                <a:solidFill>
+                  <a:schemeClr val="bg1"/>
+                </a:solidFill>
+              </a:rPr>
               <a:t>Gruppe 5: Ralph Segi, Jan Kaiser</a:t>
             </a:r>
-            <a:endParaRPr lang="de-DE" dirty="0"/>
+            <a:endParaRPr lang="de-DE" dirty="0">
+              <a:solidFill>
+                <a:schemeClr val="bg1"/>
+              </a:solidFill>
+            </a:endParaRPr>
           </a:p>
         </p:txBody>
       </p:sp>
@@ -3102,14 +3118,6 @@
 <file path=ppt/slides/slide10.xml><?xml version="1.0" encoding="utf-8"?>
 <p:sld xmlns:a="http://schemas.openxmlformats.org/drawingml/2006/main" xmlns:r="http://schemas.openxmlformats.org/officeDocument/2006/relationships" xmlns:p="http://schemas.openxmlformats.org/presentationml/2006/main">
   <p:cSld>
-    <p:bg>
-      <p:bgPr>
-        <a:solidFill>
-          <a:schemeClr val="bg1"/>
-        </a:solidFill>
-        <a:effectLst/>
-      </p:bgPr>
-    </p:bg>
     <p:spTree>
       <p:nvGrpSpPr>
         <p:cNvPr id="1" name=""/>
@@ -3141,36 +3149,63 @@
           <a:p>
             <a:pPr algn="ctr"/>
             <a:r>
+              <a:rPr lang="de-DE" dirty="0" smtClean="0">
+                <a:solidFill>
+                  <a:schemeClr val="bg1"/>
+                </a:solidFill>
+              </a:rPr>
+              <a:t>Design Patterns</a:t>
+            </a:r>
+            <a:endParaRPr lang="de-DE" dirty="0">
+              <a:solidFill>
+                <a:schemeClr val="bg1"/>
+              </a:solidFill>
+            </a:endParaRPr>
+          </a:p>
+        </p:txBody>
+      </p:sp>
+      <p:sp>
+        <p:nvSpPr>
+          <p:cNvPr id="3" name="Inhaltsplatzhalter 2"/>
+          <p:cNvSpPr>
+            <a:spLocks noGrp="1"/>
+          </p:cNvSpPr>
+          <p:nvPr>
+            <p:ph idx="1"/>
+          </p:nvPr>
+        </p:nvSpPr>
+        <p:spPr/>
+        <p:txBody>
+          <a:bodyPr/>
+          <a:lstStyle/>
+          <a:p>
+            <a:r>
               <a:rPr lang="de-DE" dirty="0" smtClean="0"/>
-              <a:t>CI, Build tools (with Jenkins / Sonar)</a:t>
-            </a:r>
-            <a:endParaRPr lang="de-DE" dirty="0"/>
-          </a:p>
-        </p:txBody>
-      </p:sp>
-      <p:sp>
-        <p:nvSpPr>
-          <p:cNvPr id="3" name="Inhaltsplatzhalter 2"/>
-          <p:cNvSpPr>
-            <a:spLocks noGrp="1"/>
-          </p:cNvSpPr>
-          <p:nvPr>
-            <p:ph idx="1"/>
-          </p:nvPr>
-        </p:nvSpPr>
-        <p:spPr/>
-        <p:txBody>
-          <a:bodyPr/>
-          <a:lstStyle/>
-          <a:p>
-            <a:endParaRPr lang="de-DE" dirty="0"/>
+              <a:t>Observer</a:t>
+            </a:r>
+          </a:p>
+          <a:p>
+            <a:r>
+              <a:rPr lang="de-DE" dirty="0" smtClean="0"/>
+              <a:t>Singleton</a:t>
+            </a:r>
+          </a:p>
+          <a:p>
+            <a:r>
+              <a:rPr lang="de-DE" dirty="0" err="1" smtClean="0"/>
+              <a:t>Strategy</a:t>
+            </a:r>
+            <a:r>
+              <a:rPr lang="de-DE" dirty="0" smtClean="0"/>
+              <a:t>/State Pattern</a:t>
+            </a:r>
           </a:p>
         </p:txBody>
       </p:sp>
     </p:spTree>
     <p:extLst>
       <p:ext uri="{BB962C8B-B14F-4D97-AF65-F5344CB8AC3E}">
-        <p14:creationId xmlns:p14="http://schemas.microsoft.com/office/powerpoint/2010/main" val="51417347"/>
+        <p14:creationId xmlns:p14="http://schemas.microsoft.com/office/powerpoint/2010/main" val="1613925234"/>
       </p:ext>
     </p:extLst>
   </p:cSld>
@@ -3183,14 +3218,6 @@
 <file path=ppt/slides/slide11.xml><?xml version="1.0" encoding="utf-8"?>
 <p:sld xmlns:a="http://schemas.openxmlformats.org/drawingml/2006/main" xmlns:r="http://schemas.openxmlformats.org/officeDocument/2006/relationships" xmlns:p="http://schemas.openxmlformats.org/presentationml/2006/main">
   <p:cSld>
-    <p:bg>
-      <p:bgPr>
-        <a:solidFill>
-          <a:schemeClr val="bg1"/>
-        </a:solidFill>
-        <a:effectLst/>
-      </p:bgPr>
-    </p:bg>
     <p:spTree>
       <p:nvGrpSpPr>
         <p:cNvPr id="1" name=""/>
@@ -3222,55 +3249,72 @@
           <a:p>
             <a:pPr algn="ctr"/>
             <a:r>
+              <a:rPr lang="de-DE" dirty="0" smtClean="0">
+                <a:solidFill>
+                  <a:schemeClr val="bg1"/>
+                </a:solidFill>
+              </a:rPr>
+              <a:t>Observer Pattern</a:t>
+            </a:r>
+            <a:endParaRPr lang="de-DE" dirty="0">
+              <a:solidFill>
+                <a:schemeClr val="bg1"/>
+              </a:solidFill>
+            </a:endParaRPr>
+          </a:p>
+        </p:txBody>
+      </p:sp>
+      <p:sp>
+        <p:nvSpPr>
+          <p:cNvPr id="3" name="Inhaltsplatzhalter 2"/>
+          <p:cNvSpPr>
+            <a:spLocks noGrp="1"/>
+          </p:cNvSpPr>
+          <p:nvPr>
+            <p:ph idx="1"/>
+          </p:nvPr>
+        </p:nvSpPr>
+        <p:spPr/>
+        <p:txBody>
+          <a:bodyPr/>
+          <a:lstStyle/>
+          <a:p>
+            <a:r>
               <a:rPr lang="de-DE" dirty="0" smtClean="0"/>
-              <a:t>Design Patterns</a:t>
+              <a:t>&lt;Code </a:t>
+            </a:r>
+            <a:r>
+              <a:rPr lang="de-DE" dirty="0" err="1" smtClean="0"/>
+              <a:t>Example</a:t>
+            </a:r>
+            <a:r>
+              <a:rPr lang="de-DE" dirty="0" smtClean="0"/>
+              <a:t> / Code </a:t>
+            </a:r>
+            <a:r>
+              <a:rPr lang="de-DE" dirty="0" err="1" smtClean="0"/>
+              <a:t>Structure</a:t>
+            </a:r>
+            <a:r>
+              <a:rPr lang="de-DE" dirty="0" smtClean="0"/>
+              <a:t> </a:t>
+            </a:r>
+            <a:r>
+              <a:rPr lang="de-DE" dirty="0" err="1" smtClean="0"/>
+              <a:t>picture</a:t>
+            </a:r>
+            <a:r>
+              <a:rPr lang="de-DE" dirty="0" smtClean="0"/>
+              <a:t>&gt; / UML Diagramm</a:t>
             </a:r>
             <a:endParaRPr lang="de-DE" dirty="0"/>
-          </a:p>
-        </p:txBody>
-      </p:sp>
-      <p:sp>
-        <p:nvSpPr>
-          <p:cNvPr id="3" name="Inhaltsplatzhalter 2"/>
-          <p:cNvSpPr>
-            <a:spLocks noGrp="1"/>
-          </p:cNvSpPr>
-          <p:nvPr>
-            <p:ph idx="1"/>
-          </p:nvPr>
-        </p:nvSpPr>
-        <p:spPr/>
-        <p:txBody>
-          <a:bodyPr/>
-          <a:lstStyle/>
-          <a:p>
-            <a:r>
-              <a:rPr lang="de-DE" dirty="0" smtClean="0"/>
-              <a:t>Observer</a:t>
-            </a:r>
-          </a:p>
-          <a:p>
-            <a:r>
-              <a:rPr lang="de-DE" dirty="0" smtClean="0"/>
-              <a:t>Singleton</a:t>
-            </a:r>
-          </a:p>
-          <a:p>
-            <a:r>
-              <a:rPr lang="de-DE" dirty="0" err="1" smtClean="0"/>
-              <a:t>Strategy</a:t>
-            </a:r>
-            <a:r>
-              <a:rPr lang="de-DE" dirty="0" smtClean="0"/>
-              <a:t>/State Pattern</a:t>
-            </a:r>
           </a:p>
         </p:txBody>
       </p:sp>
     </p:spTree>
     <p:extLst>
       <p:ext uri="{BB962C8B-B14F-4D97-AF65-F5344CB8AC3E}">
-        <p14:creationId xmlns:p14="http://schemas.microsoft.com/office/powerpoint/2010/main" val="1613925234"/>
+        <p14:creationId xmlns:p14="http://schemas.microsoft.com/office/powerpoint/2010/main" val="4019749663"/>
       </p:ext>
     </p:extLst>
   </p:cSld>
@@ -3314,10 +3358,18 @@
           <a:p>
             <a:pPr algn="ctr"/>
             <a:r>
-              <a:rPr lang="de-DE" dirty="0" smtClean="0"/>
-              <a:t>Observer Pattern</a:t>
-            </a:r>
-            <a:endParaRPr lang="de-DE" dirty="0"/>
+              <a:rPr lang="de-DE" dirty="0" smtClean="0">
+                <a:solidFill>
+                  <a:schemeClr val="bg1"/>
+                </a:solidFill>
+              </a:rPr>
+              <a:t>Singleton</a:t>
+            </a:r>
+            <a:endParaRPr lang="de-DE" dirty="0">
+              <a:solidFill>
+                <a:schemeClr val="bg1"/>
+              </a:solidFill>
+            </a:endParaRPr>
           </a:p>
         </p:txBody>
       </p:sp>
@@ -3346,23 +3398,7 @@
             </a:r>
             <a:r>
               <a:rPr lang="de-DE" dirty="0" smtClean="0"/>
-              <a:t> / Code </a:t>
-            </a:r>
-            <a:r>
-              <a:rPr lang="de-DE" dirty="0" err="1" smtClean="0"/>
-              <a:t>Structure</a:t>
-            </a:r>
-            <a:r>
-              <a:rPr lang="de-DE" dirty="0" smtClean="0"/>
-              <a:t> </a:t>
-            </a:r>
-            <a:r>
-              <a:rPr lang="de-DE" dirty="0" err="1" smtClean="0"/>
-              <a:t>picture</a:t>
-            </a:r>
-            <a:r>
-              <a:rPr lang="de-DE" dirty="0" smtClean="0"/>
-              <a:t>&gt; / UML Diagramm</a:t>
+              <a:t>&gt;</a:t>
             </a:r>
             <a:endParaRPr lang="de-DE" dirty="0"/>
           </a:p>
@@ -3371,7 +3407,7 @@
     </p:spTree>
     <p:extLst>
       <p:ext uri="{BB962C8B-B14F-4D97-AF65-F5344CB8AC3E}">
-        <p14:creationId xmlns:p14="http://schemas.microsoft.com/office/powerpoint/2010/main" val="4019749663"/>
+        <p14:creationId xmlns:p14="http://schemas.microsoft.com/office/powerpoint/2010/main" val="910030437"/>
       </p:ext>
     </p:extLst>
   </p:cSld>
@@ -3415,39 +3451,71 @@
           <a:p>
             <a:pPr algn="ctr"/>
             <a:r>
+              <a:rPr lang="de-DE" dirty="0" smtClean="0">
+                <a:solidFill>
+                  <a:schemeClr val="bg1"/>
+                </a:solidFill>
+              </a:rPr>
+              <a:t>Strategy / State Pattern</a:t>
+            </a:r>
+            <a:endParaRPr lang="de-DE" dirty="0">
+              <a:solidFill>
+                <a:schemeClr val="bg1"/>
+              </a:solidFill>
+            </a:endParaRPr>
+          </a:p>
+        </p:txBody>
+      </p:sp>
+      <p:sp>
+        <p:nvSpPr>
+          <p:cNvPr id="3" name="Inhaltsplatzhalter 2"/>
+          <p:cNvSpPr>
+            <a:spLocks noGrp="1"/>
+          </p:cNvSpPr>
+          <p:nvPr>
+            <p:ph idx="1"/>
+          </p:nvPr>
+        </p:nvSpPr>
+        <p:spPr/>
+        <p:txBody>
+          <a:bodyPr/>
+          <a:lstStyle/>
+          <a:p>
+            <a:r>
               <a:rPr lang="de-DE" dirty="0" smtClean="0"/>
-              <a:t>Singleton</a:t>
-            </a:r>
-            <a:endParaRPr lang="de-DE" dirty="0"/>
-          </a:p>
-        </p:txBody>
-      </p:sp>
-      <p:sp>
-        <p:nvSpPr>
-          <p:cNvPr id="3" name="Inhaltsplatzhalter 2"/>
-          <p:cNvSpPr>
-            <a:spLocks noGrp="1"/>
-          </p:cNvSpPr>
-          <p:nvPr>
-            <p:ph idx="1"/>
-          </p:nvPr>
-        </p:nvSpPr>
-        <p:spPr/>
-        <p:txBody>
-          <a:bodyPr/>
-          <a:lstStyle/>
-          <a:p>
+              <a:t>Eins von beiden aufzeigen, </a:t>
+            </a:r>
+            <a:r>
+              <a:rPr lang="de-DE" dirty="0" err="1" smtClean="0"/>
+              <a:t>evtl</a:t>
+            </a:r>
             <a:r>
               <a:rPr lang="de-DE" dirty="0" smtClean="0"/>
-              <a:t>&lt;Code </a:t>
+              <a:t> Strategy (</a:t>
             </a:r>
             <a:r>
               <a:rPr lang="de-DE" dirty="0" err="1" smtClean="0"/>
-              <a:t>Example</a:t>
+              <a:t>LanguageHandler</a:t>
             </a:r>
             <a:r>
               <a:rPr lang="de-DE" dirty="0" smtClean="0"/>
-              <a:t>&gt;</a:t>
+              <a:t>) für </a:t>
+            </a:r>
+            <a:r>
+              <a:rPr lang="de-DE" dirty="0" err="1" smtClean="0"/>
+              <a:t>Dependendy</a:t>
+            </a:r>
+            <a:r>
+              <a:rPr lang="de-DE" dirty="0" smtClean="0"/>
+              <a:t> </a:t>
+            </a:r>
+            <a:r>
+              <a:rPr lang="de-DE" dirty="0" err="1" smtClean="0"/>
+              <a:t>Injection</a:t>
+            </a:r>
+            <a:r>
+              <a:rPr lang="de-DE" dirty="0" smtClean="0"/>
+              <a:t> verwenden</a:t>
             </a:r>
             <a:endParaRPr lang="de-DE" dirty="0"/>
           </a:p>
@@ -3456,7 +3524,7 @@
     </p:spTree>
     <p:extLst>
       <p:ext uri="{BB962C8B-B14F-4D97-AF65-F5344CB8AC3E}">
-        <p14:creationId xmlns:p14="http://schemas.microsoft.com/office/powerpoint/2010/main" val="910030437"/>
+        <p14:creationId xmlns:p14="http://schemas.microsoft.com/office/powerpoint/2010/main" val="1008572906"/>
       </p:ext>
     </p:extLst>
   </p:cSld>
@@ -3500,63 +3568,53 @@
           <a:p>
             <a:pPr algn="ctr"/>
             <a:r>
+              <a:rPr lang="de-DE" dirty="0" smtClean="0">
+                <a:solidFill>
+                  <a:schemeClr val="bg1"/>
+                </a:solidFill>
+              </a:rPr>
+              <a:t>GUI Development</a:t>
+            </a:r>
+            <a:endParaRPr lang="de-DE" dirty="0">
+              <a:solidFill>
+                <a:schemeClr val="bg1"/>
+              </a:solidFill>
+            </a:endParaRPr>
+          </a:p>
+        </p:txBody>
+      </p:sp>
+      <p:sp>
+        <p:nvSpPr>
+          <p:cNvPr id="3" name="Inhaltsplatzhalter 2"/>
+          <p:cNvSpPr>
+            <a:spLocks noGrp="1"/>
+          </p:cNvSpPr>
+          <p:nvPr>
+            <p:ph idx="1"/>
+          </p:nvPr>
+        </p:nvSpPr>
+        <p:spPr/>
+        <p:txBody>
+          <a:bodyPr/>
+          <a:lstStyle/>
+          <a:p>
+            <a:r>
               <a:rPr lang="de-DE" dirty="0" smtClean="0"/>
-              <a:t>Strategy / State Pattern</a:t>
-            </a:r>
-            <a:endParaRPr lang="de-DE" dirty="0"/>
-          </a:p>
-        </p:txBody>
-      </p:sp>
-      <p:sp>
-        <p:nvSpPr>
-          <p:cNvPr id="3" name="Inhaltsplatzhalter 2"/>
-          <p:cNvSpPr>
-            <a:spLocks noGrp="1"/>
-          </p:cNvSpPr>
-          <p:nvPr>
-            <p:ph idx="1"/>
-          </p:nvPr>
-        </p:nvSpPr>
-        <p:spPr/>
-        <p:txBody>
-          <a:bodyPr/>
-          <a:lstStyle/>
-          <a:p>
+              <a:t>&lt;Code </a:t>
+            </a:r>
+            <a:r>
+              <a:rPr lang="de-DE" dirty="0" err="1" smtClean="0"/>
+              <a:t>Example</a:t>
+            </a:r>
             <a:r>
               <a:rPr lang="de-DE" dirty="0" smtClean="0"/>
-              <a:t>Eins von beiden aufzeigen, </a:t>
-            </a:r>
-            <a:r>
-              <a:rPr lang="de-DE" dirty="0" err="1" smtClean="0"/>
-              <a:t>evtl</a:t>
-            </a:r>
+              <a:t>&gt;</a:t>
+            </a:r>
+          </a:p>
+          <a:p>
             <a:r>
               <a:rPr lang="de-DE" dirty="0" smtClean="0"/>
-              <a:t> Strategy (</a:t>
-            </a:r>
-            <a:r>
-              <a:rPr lang="de-DE" dirty="0" err="1" smtClean="0"/>
-              <a:t>LanguageHandler</a:t>
-            </a:r>
-            <a:r>
-              <a:rPr lang="de-DE" dirty="0" smtClean="0"/>
-              <a:t>) für </a:t>
-            </a:r>
-            <a:r>
-              <a:rPr lang="de-DE" dirty="0" err="1" smtClean="0"/>
-              <a:t>Dependendy</a:t>
-            </a:r>
-            <a:r>
-              <a:rPr lang="de-DE" dirty="0" smtClean="0"/>
-              <a:t> </a:t>
-            </a:r>
-            <a:r>
-              <a:rPr lang="de-DE" dirty="0" err="1" smtClean="0"/>
-              <a:t>Injection</a:t>
-            </a:r>
-            <a:r>
-              <a:rPr lang="de-DE" dirty="0" smtClean="0"/>
-              <a:t> verwenden</a:t>
+              <a:t>Scala Future</a:t>
             </a:r>
             <a:endParaRPr lang="de-DE" dirty="0"/>
           </a:p>
@@ -3565,7 +3623,7 @@
     </p:spTree>
     <p:extLst>
       <p:ext uri="{BB962C8B-B14F-4D97-AF65-F5344CB8AC3E}">
-        <p14:creationId xmlns:p14="http://schemas.microsoft.com/office/powerpoint/2010/main" val="1008572906"/>
+        <p14:creationId xmlns:p14="http://schemas.microsoft.com/office/powerpoint/2010/main" val="2130972528"/>
       </p:ext>
     </p:extLst>
   </p:cSld>
@@ -3609,45 +3667,55 @@
           <a:p>
             <a:pPr algn="ctr"/>
             <a:r>
+              <a:rPr lang="de-DE" dirty="0" smtClean="0">
+                <a:solidFill>
+                  <a:schemeClr val="bg1"/>
+                </a:solidFill>
+              </a:rPr>
+              <a:t>Components &amp; Interfaces</a:t>
+            </a:r>
+            <a:endParaRPr lang="de-DE" dirty="0">
+              <a:solidFill>
+                <a:schemeClr val="bg1"/>
+              </a:solidFill>
+            </a:endParaRPr>
+          </a:p>
+        </p:txBody>
+      </p:sp>
+      <p:sp>
+        <p:nvSpPr>
+          <p:cNvPr id="3" name="Inhaltsplatzhalter 2"/>
+          <p:cNvSpPr>
+            <a:spLocks noGrp="1"/>
+          </p:cNvSpPr>
+          <p:nvPr>
+            <p:ph idx="1"/>
+          </p:nvPr>
+        </p:nvSpPr>
+        <p:spPr/>
+        <p:txBody>
+          <a:bodyPr/>
+          <a:lstStyle/>
+          <a:p>
+            <a:r>
               <a:rPr lang="de-DE" dirty="0" smtClean="0"/>
-              <a:t>GUI Development</a:t>
-            </a:r>
-            <a:endParaRPr lang="de-DE" dirty="0"/>
-          </a:p>
-        </p:txBody>
-      </p:sp>
-      <p:sp>
-        <p:nvSpPr>
-          <p:cNvPr id="3" name="Inhaltsplatzhalter 2"/>
-          <p:cNvSpPr>
-            <a:spLocks noGrp="1"/>
-          </p:cNvSpPr>
-          <p:nvPr>
-            <p:ph idx="1"/>
-          </p:nvPr>
-        </p:nvSpPr>
-        <p:spPr/>
-        <p:txBody>
-          <a:bodyPr/>
-          <a:lstStyle/>
-          <a:p>
+              <a:t>&lt;Code / </a:t>
+            </a:r>
+            <a:r>
+              <a:rPr lang="de-DE" dirty="0" err="1" smtClean="0"/>
+              <a:t>Structure</a:t>
+            </a:r>
             <a:r>
               <a:rPr lang="de-DE" dirty="0" smtClean="0"/>
-              <a:t>&lt;Code </a:t>
+              <a:t> </a:t>
             </a:r>
             <a:r>
               <a:rPr lang="de-DE" dirty="0" err="1" smtClean="0"/>
-              <a:t>Example</a:t>
+              <a:t>picture</a:t>
             </a:r>
             <a:r>
               <a:rPr lang="de-DE" dirty="0" smtClean="0"/>
               <a:t>&gt;</a:t>
-            </a:r>
-          </a:p>
-          <a:p>
-            <a:r>
-              <a:rPr lang="de-DE" dirty="0" smtClean="0"/>
-              <a:t>Scala Future</a:t>
             </a:r>
             <a:endParaRPr lang="de-DE" dirty="0"/>
           </a:p>
@@ -3656,7 +3724,7 @@
     </p:spTree>
     <p:extLst>
       <p:ext uri="{BB962C8B-B14F-4D97-AF65-F5344CB8AC3E}">
-        <p14:creationId xmlns:p14="http://schemas.microsoft.com/office/powerpoint/2010/main" val="2130972528"/>
+        <p14:creationId xmlns:p14="http://schemas.microsoft.com/office/powerpoint/2010/main" val="3390244853"/>
       </p:ext>
     </p:extLst>
   </p:cSld>
@@ -3700,43 +3768,59 @@
           <a:p>
             <a:pPr algn="ctr"/>
             <a:r>
+              <a:rPr lang="de-DE" dirty="0" err="1" smtClean="0">
+                <a:solidFill>
+                  <a:schemeClr val="bg1"/>
+                </a:solidFill>
+              </a:rPr>
+              <a:t>Dependency</a:t>
+            </a:r>
+            <a:r>
+              <a:rPr lang="de-DE" dirty="0" smtClean="0">
+                <a:solidFill>
+                  <a:schemeClr val="bg1"/>
+                </a:solidFill>
+              </a:rPr>
+              <a:t> </a:t>
+            </a:r>
+            <a:r>
+              <a:rPr lang="de-DE" dirty="0" err="1" smtClean="0">
+                <a:solidFill>
+                  <a:schemeClr val="bg1"/>
+                </a:solidFill>
+              </a:rPr>
+              <a:t>Injection</a:t>
+            </a:r>
+            <a:endParaRPr lang="de-DE" dirty="0">
+              <a:solidFill>
+                <a:schemeClr val="bg1"/>
+              </a:solidFill>
+            </a:endParaRPr>
+          </a:p>
+        </p:txBody>
+      </p:sp>
+      <p:sp>
+        <p:nvSpPr>
+          <p:cNvPr id="3" name="Inhaltsplatzhalter 2"/>
+          <p:cNvSpPr>
+            <a:spLocks noGrp="1"/>
+          </p:cNvSpPr>
+          <p:nvPr>
+            <p:ph idx="1"/>
+          </p:nvPr>
+        </p:nvSpPr>
+        <p:spPr/>
+        <p:txBody>
+          <a:bodyPr/>
+          <a:lstStyle/>
+          <a:p>
+            <a:r>
               <a:rPr lang="de-DE" dirty="0" smtClean="0"/>
-              <a:t>Components &amp; Interfaces</a:t>
-            </a:r>
-            <a:endParaRPr lang="de-DE" dirty="0"/>
-          </a:p>
-        </p:txBody>
-      </p:sp>
-      <p:sp>
-        <p:nvSpPr>
-          <p:cNvPr id="3" name="Inhaltsplatzhalter 2"/>
-          <p:cNvSpPr>
-            <a:spLocks noGrp="1"/>
-          </p:cNvSpPr>
-          <p:nvPr>
-            <p:ph idx="1"/>
-          </p:nvPr>
-        </p:nvSpPr>
-        <p:spPr/>
-        <p:txBody>
-          <a:bodyPr/>
-          <a:lstStyle/>
-          <a:p>
-            <a:r>
-              <a:rPr lang="de-DE" dirty="0" smtClean="0"/>
-              <a:t>&lt;Code / </a:t>
+              <a:t>&lt;Code </a:t>
             </a:r>
             <a:r>
               <a:rPr lang="de-DE" dirty="0" err="1" smtClean="0"/>
-              <a:t>Structure</a:t>
-            </a:r>
-            <a:r>
-              <a:rPr lang="de-DE" dirty="0" smtClean="0"/>
-              <a:t> </a:t>
-            </a:r>
-            <a:r>
-              <a:rPr lang="de-DE" dirty="0" err="1" smtClean="0"/>
-              <a:t>picture</a:t>
+              <a:t>Example</a:t>
             </a:r>
             <a:r>
               <a:rPr lang="de-DE" dirty="0" smtClean="0"/>
@@ -3749,7 +3833,7 @@
     </p:spTree>
     <p:extLst>
       <p:ext uri="{BB962C8B-B14F-4D97-AF65-F5344CB8AC3E}">
-        <p14:creationId xmlns:p14="http://schemas.microsoft.com/office/powerpoint/2010/main" val="3390244853"/>
+        <p14:creationId xmlns:p14="http://schemas.microsoft.com/office/powerpoint/2010/main" val="2347765009"/>
       </p:ext>
     </p:extLst>
   </p:cSld>
@@ -3759,7 +3843,7 @@
 </p:sld>
 </file>
 
-<file path=ppt/slides/slide17.xml><?xml version="1.0" encoding="utf-8"?>
+<file path=ppt/slides/slide2.xml><?xml version="1.0" encoding="utf-8"?>
 <p:sld xmlns:a="http://schemas.openxmlformats.org/drawingml/2006/main" xmlns:r="http://schemas.openxmlformats.org/officeDocument/2006/relationships" xmlns:p="http://schemas.openxmlformats.org/presentationml/2006/main">
   <p:cSld>
     <p:spTree>
@@ -3786,113 +3870,12 @@
             <p:ph type="title"/>
           </p:nvPr>
         </p:nvSpPr>
-        <p:spPr/>
-        <p:txBody>
-          <a:bodyPr/>
-          <a:lstStyle/>
-          <a:p>
-            <a:r>
-              <a:rPr lang="de-DE" dirty="0" err="1" smtClean="0"/>
-              <a:t>Dependency</a:t>
-            </a:r>
-            <a:r>
-              <a:rPr lang="de-DE" dirty="0" smtClean="0"/>
-              <a:t> </a:t>
-            </a:r>
-            <a:r>
-              <a:rPr lang="de-DE" dirty="0" err="1" smtClean="0"/>
-              <a:t>Injection</a:t>
-            </a:r>
-            <a:endParaRPr lang="de-DE" dirty="0"/>
-          </a:p>
-        </p:txBody>
-      </p:sp>
-      <p:sp>
-        <p:nvSpPr>
-          <p:cNvPr id="3" name="Inhaltsplatzhalter 2"/>
-          <p:cNvSpPr>
-            <a:spLocks noGrp="1"/>
-          </p:cNvSpPr>
-          <p:nvPr>
-            <p:ph idx="1"/>
-          </p:nvPr>
-        </p:nvSpPr>
-        <p:spPr/>
-        <p:txBody>
-          <a:bodyPr/>
-          <a:lstStyle/>
-          <a:p>
-            <a:r>
-              <a:rPr lang="de-DE" dirty="0" smtClean="0"/>
-              <a:t>&lt;Code </a:t>
-            </a:r>
-            <a:r>
-              <a:rPr lang="de-DE" dirty="0" err="1" smtClean="0"/>
-              <a:t>Example</a:t>
-            </a:r>
-            <a:r>
-              <a:rPr lang="de-DE" dirty="0" smtClean="0"/>
-              <a:t>&gt;</a:t>
-            </a:r>
-            <a:endParaRPr lang="de-DE" dirty="0"/>
-          </a:p>
-        </p:txBody>
-      </p:sp>
-    </p:spTree>
-    <p:extLst>
-      <p:ext uri="{BB962C8B-B14F-4D97-AF65-F5344CB8AC3E}">
-        <p14:creationId xmlns:p14="http://schemas.microsoft.com/office/powerpoint/2010/main" val="2347765009"/>
-      </p:ext>
-    </p:extLst>
-  </p:cSld>
-  <p:clrMapOvr>
-    <a:masterClrMapping/>
-  </p:clrMapOvr>
-</p:sld>
-</file>
-
-<file path=ppt/slides/slide2.xml><?xml version="1.0" encoding="utf-8"?>
-<p:sld xmlns:a="http://schemas.openxmlformats.org/drawingml/2006/main" xmlns:r="http://schemas.openxmlformats.org/officeDocument/2006/relationships" xmlns:p="http://schemas.openxmlformats.org/presentationml/2006/main">
-  <p:cSld>
-    <p:bg>
-      <p:bgPr>
-        <a:blipFill dpi="0" rotWithShape="1">
-          <a:blip r:embed="rId2">
-            <a:lum/>
-          </a:blip>
-          <a:srcRect/>
-          <a:stretch>
-            <a:fillRect/>
-          </a:stretch>
-        </a:blipFill>
-        <a:effectLst/>
-      </p:bgPr>
-    </p:bg>
-    <p:spTree>
-      <p:nvGrpSpPr>
-        <p:cNvPr id="1" name=""/>
-        <p:cNvGrpSpPr/>
-        <p:nvPr/>
-      </p:nvGrpSpPr>
-      <p:grpSpPr>
-        <a:xfrm>
-          <a:off x="0" y="0"/>
-          <a:ext cx="0" cy="0"/>
-          <a:chOff x="0" y="0"/>
-          <a:chExt cx="0" cy="0"/>
-        </a:xfrm>
-      </p:grpSpPr>
-      <p:sp>
-        <p:nvSpPr>
-          <p:cNvPr id="2" name="Titel 1"/>
-          <p:cNvSpPr>
-            <a:spLocks noGrp="1"/>
-          </p:cNvSpPr>
-          <p:nvPr>
-            <p:ph type="title"/>
-          </p:nvPr>
-        </p:nvSpPr>
-        <p:spPr/>
+        <p:spPr>
+          <a:xfrm>
+            <a:off x="626445" y="307374"/>
+            <a:ext cx="10515600" cy="1325563"/>
+          </a:xfrm>
+        </p:spPr>
         <p:txBody>
           <a:bodyPr/>
           <a:lstStyle/>
@@ -3932,87 +3915,137 @@
           <a:lstStyle/>
           <a:p>
             <a:r>
-              <a:rPr lang="de-DE" sz="1800" dirty="0" smtClean="0"/>
+              <a:rPr lang="de-DE" sz="1800" dirty="0" smtClean="0">
+                <a:solidFill>
+                  <a:schemeClr val="bg1"/>
+                </a:solidFill>
+              </a:rPr>
               <a:t>Organisation: (Thema 2 u. 3)</a:t>
             </a:r>
           </a:p>
           <a:p>
             <a:pPr lvl="1"/>
             <a:r>
-              <a:rPr lang="de-DE" sz="1800" dirty="0" smtClean="0"/>
+              <a:rPr lang="de-DE" sz="1800" dirty="0" smtClean="0">
+                <a:solidFill>
+                  <a:schemeClr val="bg1"/>
+                </a:solidFill>
+              </a:rPr>
               <a:t>Scrum</a:t>
             </a:r>
           </a:p>
           <a:p>
             <a:pPr lvl="1"/>
             <a:r>
-              <a:rPr lang="de-DE" sz="1800" dirty="0" smtClean="0"/>
+              <a:rPr lang="de-DE" sz="1800" dirty="0" smtClean="0">
+                <a:solidFill>
+                  <a:schemeClr val="bg1"/>
+                </a:solidFill>
+              </a:rPr>
               <a:t>Git</a:t>
             </a:r>
           </a:p>
           <a:p>
             <a:r>
-              <a:rPr lang="de-DE" sz="1800" dirty="0" smtClean="0"/>
+              <a:rPr lang="de-DE" sz="1800" dirty="0" smtClean="0">
+                <a:solidFill>
+                  <a:schemeClr val="bg1"/>
+                </a:solidFill>
+              </a:rPr>
               <a:t>TUI Development (Thema 4)</a:t>
             </a:r>
           </a:p>
           <a:p>
             <a:r>
-              <a:rPr lang="de-DE" sz="1800" dirty="0" smtClean="0"/>
+              <a:rPr lang="de-DE" sz="1800" dirty="0" smtClean="0">
+                <a:solidFill>
+                  <a:schemeClr val="bg1"/>
+                </a:solidFill>
+              </a:rPr>
               <a:t>MVC</a:t>
             </a:r>
           </a:p>
           <a:p>
             <a:r>
-              <a:rPr lang="de-DE" sz="1800" dirty="0" smtClean="0"/>
-              <a:t>Model/Controller </a:t>
-            </a:r>
-            <a:r>
-              <a:rPr lang="de-DE" sz="1800" dirty="0" smtClean="0"/>
-              <a:t>Code </a:t>
-            </a:r>
-            <a:r>
-              <a:rPr lang="de-DE" sz="1800" dirty="0" err="1" smtClean="0"/>
+              <a:rPr lang="de-DE" sz="1800" dirty="0" smtClean="0">
+                <a:solidFill>
+                  <a:schemeClr val="bg1"/>
+                </a:solidFill>
+              </a:rPr>
+              <a:t>Model/Controller Code </a:t>
+            </a:r>
+            <a:r>
+              <a:rPr lang="de-DE" sz="1800" dirty="0" err="1" smtClean="0">
+                <a:solidFill>
+                  <a:schemeClr val="bg1"/>
+                </a:solidFill>
+              </a:rPr>
               <a:t>Coverage</a:t>
             </a:r>
-            <a:endParaRPr lang="de-DE" sz="1800" dirty="0" smtClean="0"/>
-          </a:p>
-          <a:p>
-            <a:r>
-              <a:rPr lang="de-DE" sz="1800" dirty="0" err="1" smtClean="0"/>
-              <a:t>Metrics</a:t>
-            </a:r>
-            <a:r>
-              <a:rPr lang="de-DE" sz="1800" dirty="0" smtClean="0"/>
-              <a:t> (Sonar)</a:t>
-            </a:r>
-          </a:p>
-          <a:p>
-            <a:r>
-              <a:rPr lang="de-DE" sz="1800" dirty="0" smtClean="0"/>
-              <a:t>Design Patterns</a:t>
-            </a:r>
-          </a:p>
-          <a:p>
-            <a:r>
-              <a:rPr lang="de-DE" sz="1800" dirty="0" smtClean="0"/>
+            <a:endParaRPr lang="de-DE" sz="1800" dirty="0" smtClean="0">
+              <a:solidFill>
+                <a:schemeClr val="bg1"/>
+              </a:solidFill>
+            </a:endParaRPr>
+          </a:p>
+          <a:p>
+            <a:r>
+              <a:rPr lang="de-DE" sz="1800" dirty="0" smtClean="0">
+                <a:solidFill>
+                  <a:schemeClr val="bg1"/>
+                </a:solidFill>
+              </a:rPr>
+              <a:t>Design </a:t>
+            </a:r>
+            <a:r>
+              <a:rPr lang="de-DE" sz="1800" dirty="0" smtClean="0">
+                <a:solidFill>
+                  <a:schemeClr val="bg1"/>
+                </a:solidFill>
+              </a:rPr>
+              <a:t>Patterns</a:t>
+            </a:r>
+          </a:p>
+          <a:p>
+            <a:r>
+              <a:rPr lang="de-DE" sz="1800" dirty="0" smtClean="0">
+                <a:solidFill>
+                  <a:schemeClr val="bg1"/>
+                </a:solidFill>
+              </a:rPr>
               <a:t>Components &amp; Interfaces</a:t>
             </a:r>
           </a:p>
           <a:p>
             <a:r>
-              <a:rPr lang="de-DE" sz="1800" dirty="0" err="1" smtClean="0"/>
+              <a:rPr lang="de-DE" sz="1800" dirty="0" err="1" smtClean="0">
+                <a:solidFill>
+                  <a:schemeClr val="bg1"/>
+                </a:solidFill>
+              </a:rPr>
               <a:t>Dependency</a:t>
             </a:r>
             <a:r>
-              <a:rPr lang="de-DE" sz="1800" dirty="0" smtClean="0"/>
+              <a:rPr lang="de-DE" sz="1800" dirty="0" smtClean="0">
+                <a:solidFill>
+                  <a:schemeClr val="bg1"/>
+                </a:solidFill>
+              </a:rPr>
               <a:t> </a:t>
             </a:r>
             <a:r>
-              <a:rPr lang="de-DE" sz="1800" dirty="0" err="1" smtClean="0"/>
+              <a:rPr lang="de-DE" sz="1800" dirty="0" err="1" smtClean="0">
+                <a:solidFill>
+                  <a:schemeClr val="bg1"/>
+                </a:solidFill>
+              </a:rPr>
               <a:t>Injection</a:t>
             </a:r>
-            <a:endParaRPr lang="de-DE" sz="1800" dirty="0" smtClean="0"/>
+            <a:endParaRPr lang="de-DE" sz="1800" dirty="0" smtClean="0">
+              <a:solidFill>
+                <a:schemeClr val="bg1"/>
+              </a:solidFill>
+            </a:endParaRPr>
           </a:p>
         </p:txBody>
       </p:sp>
@@ -4039,20 +4072,6 @@
 <file path=ppt/slides/slide3.xml><?xml version="1.0" encoding="utf-8"?>
 <p:sld xmlns:a="http://schemas.openxmlformats.org/drawingml/2006/main" xmlns:r="http://schemas.openxmlformats.org/officeDocument/2006/relationships" xmlns:p="http://schemas.openxmlformats.org/presentationml/2006/main">
   <p:cSld>
-    <p:bg>
-      <p:bgPr>
-        <a:blipFill dpi="0" rotWithShape="1">
-          <a:blip r:embed="rId2">
-            <a:lum/>
-          </a:blip>
-          <a:srcRect/>
-          <a:stretch>
-            <a:fillRect/>
-          </a:stretch>
-        </a:blipFill>
-        <a:effectLst/>
-      </p:bgPr>
-    </p:bg>
     <p:spTree>
       <p:nvGrpSpPr>
         <p:cNvPr id="1" name=""/>
@@ -4084,64 +4103,50 @@
           <a:p>
             <a:pPr algn="ctr"/>
             <a:r>
-              <a:rPr lang="de-DE" dirty="0" smtClean="0"/>
+              <a:rPr lang="de-DE" dirty="0" smtClean="0">
+                <a:solidFill>
+                  <a:schemeClr val="bg1"/>
+                </a:solidFill>
+              </a:rPr>
               <a:t>Scrum – Sprint 1</a:t>
             </a:r>
-            <a:endParaRPr lang="de-DE" dirty="0"/>
-          </a:p>
-        </p:txBody>
-      </p:sp>
-      <p:sp>
-        <p:nvSpPr>
-          <p:cNvPr id="3" name="Inhaltsplatzhalter 2"/>
-          <p:cNvSpPr>
-            <a:spLocks noGrp="1"/>
-          </p:cNvSpPr>
+            <a:endParaRPr lang="de-DE" dirty="0">
+              <a:solidFill>
+                <a:schemeClr val="bg1"/>
+              </a:solidFill>
+            </a:endParaRPr>
+          </a:p>
+        </p:txBody>
+      </p:sp>
+      <p:pic>
+        <p:nvPicPr>
+          <p:cNvPr id="4" name="Inhaltsplatzhalter 3"/>
+          <p:cNvPicPr>
+            <a:picLocks noGrp="1" noChangeAspect="1"/>
+          </p:cNvPicPr>
           <p:nvPr>
             <p:ph idx="1"/>
           </p:nvPr>
-        </p:nvSpPr>
-        <p:spPr/>
-        <p:txBody>
-          <a:bodyPr/>
-          <a:lstStyle/>
-          <a:p>
-            <a:r>
-              <a:rPr lang="de-DE" dirty="0" smtClean="0"/>
-              <a:t>&lt;</a:t>
-            </a:r>
-            <a:r>
-              <a:rPr lang="de-DE" dirty="0" err="1" smtClean="0"/>
-              <a:t>insert</a:t>
-            </a:r>
-            <a:r>
-              <a:rPr lang="de-DE" dirty="0" smtClean="0"/>
-              <a:t> Sprint 1 </a:t>
-            </a:r>
-            <a:r>
-              <a:rPr lang="de-DE" dirty="0" err="1" smtClean="0"/>
-              <a:t>Burndown</a:t>
-            </a:r>
-            <a:r>
-              <a:rPr lang="de-DE" dirty="0" smtClean="0"/>
-              <a:t> </a:t>
-            </a:r>
-            <a:r>
-              <a:rPr lang="de-DE" smtClean="0"/>
-              <a:t>Chart</a:t>
-            </a:r>
-            <a:r>
-              <a:rPr lang="de-DE" smtClean="0"/>
-              <a:t>&gt;</a:t>
-            </a:r>
-            <a:endParaRPr lang="de-DE" dirty="0" smtClean="0"/>
-          </a:p>
-          <a:p>
-            <a:pPr lvl="1"/>
-            <a:endParaRPr lang="de-DE" dirty="0"/>
-          </a:p>
-        </p:txBody>
-      </p:sp>
+        </p:nvPicPr>
+        <p:blipFill>
+          <a:blip r:embed="rId2">
+            <a:extLst>
+              <a:ext uri="{28A0092B-C50C-407E-A947-70E740481C1C}">
+                <a14:useLocalDpi xmlns:a14="http://schemas.microsoft.com/office/drawing/2010/main" val="0"/>
+              </a:ext>
+            </a:extLst>
+          </a:blip>
+          <a:stretch>
+            <a:fillRect/>
+          </a:stretch>
+        </p:blipFill>
+        <p:spPr>
+          <a:xfrm>
+            <a:off x="2828724" y="1893001"/>
+            <a:ext cx="6534552" cy="4351338"/>
+          </a:xfrm>
+        </p:spPr>
+      </p:pic>
     </p:spTree>
     <p:extLst>
       <p:ext uri="{BB962C8B-B14F-4D97-AF65-F5344CB8AC3E}">
@@ -4158,17 +4163,6 @@
 <file path=ppt/slides/slide4.xml><?xml version="1.0" encoding="utf-8"?>
 <p:sld xmlns:a="http://schemas.openxmlformats.org/drawingml/2006/main" xmlns:r="http://schemas.openxmlformats.org/officeDocument/2006/relationships" xmlns:p="http://schemas.openxmlformats.org/presentationml/2006/main">
   <p:cSld>
-    <p:bg>
-      <p:bgPr>
-        <a:blipFill>
-          <a:blip r:embed="rId2">
-            <a:alphaModFix amt="75000"/>
-          </a:blip>
-          <a:tile tx="0" ty="0" sx="100000" sy="100000" flip="none" algn="tl"/>
-        </a:blipFill>
-        <a:effectLst/>
-      </p:bgPr>
-    </p:bg>
     <p:spTree>
       <p:nvGrpSpPr>
         <p:cNvPr id="1" name=""/>
@@ -4200,10 +4194,18 @@
           <a:p>
             <a:pPr algn="ctr"/>
             <a:r>
-              <a:rPr lang="de-DE" dirty="0" smtClean="0"/>
+              <a:rPr lang="de-DE" dirty="0" smtClean="0">
+                <a:solidFill>
+                  <a:schemeClr val="bg1"/>
+                </a:solidFill>
+              </a:rPr>
               <a:t>Scrum – Sprint 2</a:t>
             </a:r>
-            <a:endParaRPr lang="de-DE" dirty="0"/>
+            <a:endParaRPr lang="de-DE" dirty="0">
+              <a:solidFill>
+                <a:schemeClr val="bg1"/>
+              </a:solidFill>
+            </a:endParaRPr>
           </a:p>
         </p:txBody>
       </p:sp>
@@ -4262,17 +4264,6 @@
 <file path=ppt/slides/slide5.xml><?xml version="1.0" encoding="utf-8"?>
 <p:sld xmlns:a="http://schemas.openxmlformats.org/drawingml/2006/main" xmlns:r="http://schemas.openxmlformats.org/officeDocument/2006/relationships" xmlns:p="http://schemas.openxmlformats.org/presentationml/2006/main">
   <p:cSld>
-    <p:bg>
-      <p:bgPr>
-        <a:blipFill>
-          <a:blip r:embed="rId2">
-            <a:alphaModFix amt="75000"/>
-          </a:blip>
-          <a:tile tx="0" ty="0" sx="100000" sy="100000" flip="none" algn="tl"/>
-        </a:blipFill>
-        <a:effectLst/>
-      </p:bgPr>
-    </p:bg>
     <p:spTree>
       <p:nvGrpSpPr>
         <p:cNvPr id="1" name=""/>
@@ -4304,72 +4295,58 @@
           <a:p>
             <a:pPr algn="ctr"/>
             <a:r>
-              <a:rPr lang="de-DE" dirty="0" smtClean="0"/>
+              <a:rPr lang="de-DE" dirty="0" smtClean="0">
+                <a:solidFill>
+                  <a:schemeClr val="bg1"/>
+                </a:solidFill>
+              </a:rPr>
               <a:t>Git - </a:t>
             </a:r>
             <a:r>
-              <a:rPr lang="de-DE" dirty="0" err="1" smtClean="0"/>
+              <a:rPr lang="de-DE" dirty="0" err="1" smtClean="0">
+                <a:solidFill>
+                  <a:schemeClr val="bg1"/>
+                </a:solidFill>
+              </a:rPr>
               <a:t>Contributers</a:t>
             </a:r>
-            <a:endParaRPr lang="de-DE" dirty="0"/>
-          </a:p>
-        </p:txBody>
-      </p:sp>
-      <p:sp>
-        <p:nvSpPr>
-          <p:cNvPr id="3" name="Inhaltsplatzhalter 2"/>
-          <p:cNvSpPr>
-            <a:spLocks noGrp="1"/>
-          </p:cNvSpPr>
+            <a:endParaRPr lang="de-DE" dirty="0">
+              <a:solidFill>
+                <a:schemeClr val="bg1"/>
+              </a:solidFill>
+            </a:endParaRPr>
+          </a:p>
+        </p:txBody>
+      </p:sp>
+      <p:pic>
+        <p:nvPicPr>
+          <p:cNvPr id="4" name="Inhaltsplatzhalter 3"/>
+          <p:cNvPicPr>
+            <a:picLocks noGrp="1" noChangeAspect="1"/>
+          </p:cNvPicPr>
           <p:nvPr>
             <p:ph idx="1"/>
           </p:nvPr>
-        </p:nvSpPr>
-        <p:spPr/>
-        <p:txBody>
-          <a:bodyPr/>
-          <a:lstStyle/>
-          <a:p>
-            <a:r>
-              <a:rPr lang="de-DE" dirty="0" smtClean="0"/>
-              <a:t>&lt;</a:t>
-            </a:r>
-            <a:r>
-              <a:rPr lang="de-DE" dirty="0" err="1" smtClean="0"/>
-              <a:t>insert</a:t>
-            </a:r>
-            <a:r>
-              <a:rPr lang="de-DE" dirty="0" smtClean="0"/>
-              <a:t> </a:t>
-            </a:r>
-            <a:r>
-              <a:rPr lang="de-DE" dirty="0" err="1" smtClean="0"/>
-              <a:t>picture</a:t>
-            </a:r>
-            <a:r>
-              <a:rPr lang="de-DE" dirty="0" smtClean="0"/>
-              <a:t> </a:t>
-            </a:r>
-            <a:r>
-              <a:rPr lang="de-DE" dirty="0" err="1" smtClean="0"/>
-              <a:t>of</a:t>
-            </a:r>
-            <a:r>
-              <a:rPr lang="de-DE" dirty="0" smtClean="0"/>
-              <a:t> </a:t>
-            </a:r>
-            <a:r>
-              <a:rPr lang="de-DE" dirty="0" err="1" smtClean="0"/>
-              <a:t>Contributer</a:t>
-            </a:r>
-            <a:r>
-              <a:rPr lang="de-DE" dirty="0" smtClean="0"/>
-              <a:t> Graph&gt;</a:t>
-            </a:r>
-            <a:endParaRPr lang="de-DE" dirty="0"/>
-          </a:p>
-        </p:txBody>
-      </p:sp>
+        </p:nvPicPr>
+        <p:blipFill>
+          <a:blip r:embed="rId2">
+            <a:extLst>
+              <a:ext uri="{28A0092B-C50C-407E-A947-70E740481C1C}">
+                <a14:useLocalDpi xmlns:a14="http://schemas.microsoft.com/office/drawing/2010/main" val="0"/>
+              </a:ext>
+            </a:extLst>
+          </a:blip>
+          <a:stretch>
+            <a:fillRect/>
+          </a:stretch>
+        </p:blipFill>
+        <p:spPr>
+          <a:xfrm>
+            <a:off x="2877378" y="1825625"/>
+            <a:ext cx="6437244" cy="4351338"/>
+          </a:xfrm>
+        </p:spPr>
+      </p:pic>
     </p:spTree>
     <p:extLst>
       <p:ext uri="{BB962C8B-B14F-4D97-AF65-F5344CB8AC3E}">
@@ -4417,64 +4394,82 @@
           <a:p>
             <a:pPr algn="ctr"/>
             <a:r>
-              <a:rPr lang="de-DE" dirty="0" smtClean="0"/>
-              <a:t>Git - </a:t>
-            </a:r>
-            <a:r>
-              <a:rPr lang="de-DE" dirty="0" err="1" smtClean="0"/>
+              <a:rPr lang="de-DE" dirty="0" err="1" smtClean="0">
+                <a:solidFill>
+                  <a:schemeClr val="bg1"/>
+                </a:solidFill>
+              </a:rPr>
+              <a:t>Git</a:t>
+            </a:r>
+            <a:r>
+              <a:rPr lang="de-DE" dirty="0" smtClean="0">
+                <a:solidFill>
+                  <a:schemeClr val="bg1"/>
+                </a:solidFill>
+              </a:rPr>
+              <a:t> </a:t>
+            </a:r>
+            <a:r>
+              <a:rPr lang="de-DE" dirty="0" smtClean="0">
+                <a:solidFill>
+                  <a:schemeClr val="bg1"/>
+                </a:solidFill>
+              </a:rPr>
+              <a:t>– </a:t>
+            </a:r>
+            <a:r>
+              <a:rPr lang="de-DE" dirty="0" err="1" smtClean="0">
+                <a:solidFill>
+                  <a:schemeClr val="bg1"/>
+                </a:solidFill>
+              </a:rPr>
               <a:t>Commits</a:t>
             </a:r>
-            <a:endParaRPr lang="de-DE" dirty="0"/>
-          </a:p>
-        </p:txBody>
-      </p:sp>
-      <p:sp>
-        <p:nvSpPr>
-          <p:cNvPr id="3" name="Inhaltsplatzhalter 2"/>
-          <p:cNvSpPr>
-            <a:spLocks noGrp="1"/>
-          </p:cNvSpPr>
+            <a:r>
+              <a:rPr lang="de-DE" dirty="0" smtClean="0">
+                <a:solidFill>
+                  <a:schemeClr val="bg1"/>
+                </a:solidFill>
+              </a:rPr>
+              <a:t> (Sprint 1)</a:t>
+            </a:r>
+            <a:endParaRPr lang="de-DE" dirty="0">
+              <a:solidFill>
+                <a:schemeClr val="bg1"/>
+              </a:solidFill>
+            </a:endParaRPr>
+          </a:p>
+        </p:txBody>
+      </p:sp>
+      <p:pic>
+        <p:nvPicPr>
+          <p:cNvPr id="4" name="Inhaltsplatzhalter 3"/>
+          <p:cNvPicPr>
+            <a:picLocks noGrp="1" noChangeAspect="1"/>
+          </p:cNvPicPr>
           <p:nvPr>
             <p:ph idx="1"/>
           </p:nvPr>
-        </p:nvSpPr>
-        <p:spPr/>
-        <p:txBody>
-          <a:bodyPr/>
-          <a:lstStyle/>
-          <a:p>
-            <a:r>
-              <a:rPr lang="de-DE" dirty="0" smtClean="0"/>
-              <a:t>&lt;</a:t>
-            </a:r>
-            <a:r>
-              <a:rPr lang="de-DE" dirty="0" err="1" smtClean="0"/>
-              <a:t>insert</a:t>
-            </a:r>
-            <a:r>
-              <a:rPr lang="de-DE" dirty="0" smtClean="0"/>
-              <a:t> </a:t>
-            </a:r>
-            <a:r>
-              <a:rPr lang="de-DE" dirty="0" err="1" smtClean="0"/>
-              <a:t>Commits</a:t>
-            </a:r>
-            <a:r>
-              <a:rPr lang="de-DE" dirty="0" smtClean="0"/>
-              <a:t> </a:t>
-            </a:r>
-            <a:r>
-              <a:rPr lang="de-DE" dirty="0" err="1" smtClean="0"/>
-              <a:t>picture</a:t>
-            </a:r>
-            <a:r>
-              <a:rPr lang="de-DE" dirty="0" smtClean="0"/>
-              <a:t>&gt;</a:t>
-            </a:r>
-            <a:endParaRPr lang="de-DE" dirty="0"/>
-          </a:p>
-        </p:txBody>
-      </p:sp>
+        </p:nvPicPr>
+        <p:blipFill>
+          <a:blip r:embed="rId2">
+            <a:extLst>
+              <a:ext uri="{28A0092B-C50C-407E-A947-70E740481C1C}">
+                <a14:useLocalDpi xmlns:a14="http://schemas.microsoft.com/office/drawing/2010/main" val="0"/>
+              </a:ext>
+            </a:extLst>
+          </a:blip>
+          <a:stretch>
+            <a:fillRect/>
+          </a:stretch>
+        </p:blipFill>
+        <p:spPr>
+          <a:xfrm>
+            <a:off x="3118564" y="1825625"/>
+            <a:ext cx="5954872" cy="4351338"/>
+          </a:xfrm>
+        </p:spPr>
+      </p:pic>
     </p:spTree>
     <p:extLst>
       <p:ext uri="{BB962C8B-B14F-4D97-AF65-F5344CB8AC3E}">
@@ -4522,22 +4517,42 @@
           <a:p>
             <a:pPr algn="ctr"/>
             <a:r>
-              <a:rPr lang="de-DE" dirty="0" err="1" smtClean="0"/>
+              <a:rPr lang="de-DE" dirty="0" err="1" smtClean="0">
+                <a:solidFill>
+                  <a:schemeClr val="bg1"/>
+                </a:solidFill>
+              </a:rPr>
               <a:t>Matching</a:t>
             </a:r>
             <a:r>
-              <a:rPr lang="de-DE" dirty="0" smtClean="0"/>
+              <a:rPr lang="de-DE" dirty="0" smtClean="0">
+                <a:solidFill>
+                  <a:schemeClr val="bg1"/>
+                </a:solidFill>
+              </a:rPr>
               <a:t> </a:t>
             </a:r>
             <a:r>
-              <a:rPr lang="de-DE" dirty="0" err="1" smtClean="0"/>
+              <a:rPr lang="de-DE" dirty="0" err="1" smtClean="0">
+                <a:solidFill>
+                  <a:schemeClr val="bg1"/>
+                </a:solidFill>
+              </a:rPr>
               <a:t>Textual</a:t>
             </a:r>
             <a:r>
-              <a:rPr lang="de-DE" dirty="0" smtClean="0"/>
+              <a:rPr lang="de-DE" dirty="0" smtClean="0">
+                <a:solidFill>
+                  <a:schemeClr val="bg1"/>
+                </a:solidFill>
+              </a:rPr>
               <a:t> Input</a:t>
             </a:r>
-            <a:endParaRPr lang="de-DE" dirty="0"/>
+            <a:endParaRPr lang="de-DE" dirty="0">
+              <a:solidFill>
+                <a:schemeClr val="bg1"/>
+              </a:solidFill>
+            </a:endParaRPr>
           </a:p>
         </p:txBody>
       </p:sp>
@@ -4588,14 +4603,6 @@
 <file path=ppt/slides/slide8.xml><?xml version="1.0" encoding="utf-8"?>
 <p:sld xmlns:a="http://schemas.openxmlformats.org/drawingml/2006/main" xmlns:r="http://schemas.openxmlformats.org/officeDocument/2006/relationships" xmlns:p="http://schemas.openxmlformats.org/presentationml/2006/main">
   <p:cSld>
-    <p:bg>
-      <p:bgPr>
-        <a:solidFill>
-          <a:schemeClr val="bg1"/>
-        </a:solidFill>
-        <a:effectLst/>
-      </p:bgPr>
-    </p:bg>
     <p:spTree>
       <p:nvGrpSpPr>
         <p:cNvPr id="1" name=""/>
@@ -4627,64 +4634,65 @@
           <a:p>
             <a:pPr algn="ctr"/>
             <a:r>
-              <a:rPr lang="de-DE" dirty="0" smtClean="0"/>
+              <a:rPr lang="de-DE" dirty="0" smtClean="0">
+                <a:solidFill>
+                  <a:schemeClr val="bg1"/>
+                </a:solidFill>
+              </a:rPr>
               <a:t>Model-View-Controller Architektur</a:t>
             </a:r>
-            <a:endParaRPr lang="de-DE" dirty="0"/>
-          </a:p>
-        </p:txBody>
-      </p:sp>
-      <p:sp>
-        <p:nvSpPr>
-          <p:cNvPr id="3" name="Inhaltsplatzhalter 2"/>
-          <p:cNvSpPr>
-            <a:spLocks noGrp="1"/>
-          </p:cNvSpPr>
-          <p:nvPr>
-            <p:ph idx="1"/>
-          </p:nvPr>
-        </p:nvSpPr>
-        <p:spPr/>
-        <p:txBody>
-          <a:bodyPr/>
-          <a:lstStyle/>
-          <a:p>
-            <a:r>
-              <a:rPr lang="de-DE" dirty="0" smtClean="0"/>
-              <a:t>&lt;</a:t>
-            </a:r>
-            <a:r>
-              <a:rPr lang="de-DE" dirty="0" err="1" smtClean="0"/>
-              <a:t>insert</a:t>
-            </a:r>
-            <a:r>
-              <a:rPr lang="de-DE" dirty="0" smtClean="0"/>
-              <a:t> </a:t>
-            </a:r>
-            <a:r>
-              <a:rPr lang="de-DE" dirty="0" err="1" smtClean="0"/>
-              <a:t>picture</a:t>
-            </a:r>
-            <a:r>
-              <a:rPr lang="de-DE" dirty="0" smtClean="0"/>
-              <a:t> </a:t>
-            </a:r>
-            <a:r>
-              <a:rPr lang="de-DE" dirty="0" err="1" smtClean="0"/>
-              <a:t>of</a:t>
-            </a:r>
-            <a:r>
-              <a:rPr lang="de-DE" dirty="0" smtClean="0"/>
-              <a:t> MVC-</a:t>
-            </a:r>
-            <a:r>
-              <a:rPr lang="de-DE" dirty="0" err="1" smtClean="0"/>
-              <a:t>architecture</a:t>
-            </a:r>
-            <a:r>
-              <a:rPr lang="de-DE" dirty="0" smtClean="0"/>
-              <a:t>&gt;</a:t>
-            </a:r>
+            <a:endParaRPr lang="de-DE" dirty="0">
+              <a:solidFill>
+                <a:schemeClr val="bg1"/>
+              </a:solidFill>
+            </a:endParaRPr>
+          </a:p>
+        </p:txBody>
+      </p:sp>
+      <p:pic>
+        <p:nvPicPr>
+          <p:cNvPr id="4" name="Inhaltsplatzhalter 3"/>
+          <p:cNvPicPr>
+            <a:picLocks noGrp="1" noChangeAspect="1"/>
+          </p:cNvPicPr>
+          <p:nvPr>
+            <p:ph sz="half" idx="1"/>
+          </p:nvPr>
+        </p:nvPicPr>
+        <p:blipFill>
+          <a:blip r:embed="rId2">
+            <a:extLst>
+              <a:ext uri="{28A0092B-C50C-407E-A947-70E740481C1C}">
+                <a14:useLocalDpi xmlns:a14="http://schemas.microsoft.com/office/drawing/2010/main" val="0"/>
+              </a:ext>
+            </a:extLst>
+          </a:blip>
+          <a:stretch>
+            <a:fillRect/>
+          </a:stretch>
+        </p:blipFill>
+        <p:spPr>
+          <a:xfrm>
+            <a:off x="1833340" y="2091265"/>
+            <a:ext cx="3191320" cy="3820058"/>
+          </a:xfrm>
+        </p:spPr>
+      </p:pic>
+      <p:sp>
+        <p:nvSpPr>
+          <p:cNvPr id="5" name="Inhaltsplatzhalter 4"/>
+          <p:cNvSpPr>
+            <a:spLocks noGrp="1"/>
+          </p:cNvSpPr>
+          <p:nvPr>
+            <p:ph sz="half" idx="2"/>
+          </p:nvPr>
+        </p:nvSpPr>
+        <p:spPr/>
+        <p:txBody>
+          <a:bodyPr/>
+          <a:lstStyle/>
+          <a:p>
             <a:endParaRPr lang="de-DE" dirty="0"/>
           </a:p>
         </p:txBody>
@@ -4736,18 +4744,34 @@
           <a:p>
             <a:pPr algn="ctr"/>
             <a:r>
-              <a:rPr lang="de-DE" dirty="0" smtClean="0"/>
+              <a:rPr lang="de-DE" dirty="0" smtClean="0">
+                <a:solidFill>
+                  <a:schemeClr val="bg1"/>
+                </a:solidFill>
+              </a:rPr>
               <a:t>Code </a:t>
             </a:r>
             <a:r>
-              <a:rPr lang="de-DE" dirty="0" err="1" smtClean="0"/>
+              <a:rPr lang="de-DE" dirty="0" err="1" smtClean="0">
+                <a:solidFill>
+                  <a:schemeClr val="bg1"/>
+                </a:solidFill>
+              </a:rPr>
               <a:t>Coverage</a:t>
             </a:r>
             <a:r>
-              <a:rPr lang="de-DE" dirty="0" smtClean="0"/>
+              <a:rPr lang="de-DE" dirty="0" smtClean="0">
+                <a:solidFill>
+                  <a:schemeClr val="bg1"/>
+                </a:solidFill>
+              </a:rPr>
               <a:t> / Tests</a:t>
             </a:r>
-            <a:endParaRPr lang="de-DE" dirty="0"/>
+            <a:endParaRPr lang="de-DE" dirty="0">
+              <a:solidFill>
+                <a:schemeClr val="bg1"/>
+              </a:solidFill>
+            </a:endParaRPr>
           </a:p>
         </p:txBody>
       </p:sp>

--- a/Projektpräsentation SE.pptx
+++ b/Projektpräsentation SE.pptx
@@ -8,9 +8,9 @@
     <p:sldId id="256" r:id="rId2"/>
     <p:sldId id="257" r:id="rId3"/>
     <p:sldId id="262" r:id="rId4"/>
-    <p:sldId id="263" r:id="rId5"/>
-    <p:sldId id="264" r:id="rId6"/>
-    <p:sldId id="265" r:id="rId7"/>
+    <p:sldId id="265" r:id="rId5"/>
+    <p:sldId id="263" r:id="rId6"/>
+    <p:sldId id="264" r:id="rId7"/>
     <p:sldId id="267" r:id="rId8"/>
     <p:sldId id="261" r:id="rId9"/>
     <p:sldId id="266" r:id="rId10"/>
@@ -258,7 +258,7 @@
           <a:p>
             <a:fld id="{3C5F9BCB-00A0-4E54-A614-FF14A5BEE8D6}" type="datetimeFigureOut">
               <a:rPr lang="de-DE" smtClean="0"/>
-              <a:t>23.01.2018</a:t>
+              <a:t>24.01.2018</a:t>
             </a:fld>
             <a:endParaRPr lang="de-DE"/>
           </a:p>
@@ -428,7 +428,7 @@
           <a:p>
             <a:fld id="{3C5F9BCB-00A0-4E54-A614-FF14A5BEE8D6}" type="datetimeFigureOut">
               <a:rPr lang="de-DE" smtClean="0"/>
-              <a:t>23.01.2018</a:t>
+              <a:t>24.01.2018</a:t>
             </a:fld>
             <a:endParaRPr lang="de-DE"/>
           </a:p>
@@ -608,7 +608,7 @@
           <a:p>
             <a:fld id="{3C5F9BCB-00A0-4E54-A614-FF14A5BEE8D6}" type="datetimeFigureOut">
               <a:rPr lang="de-DE" smtClean="0"/>
-              <a:t>23.01.2018</a:t>
+              <a:t>24.01.2018</a:t>
             </a:fld>
             <a:endParaRPr lang="de-DE"/>
           </a:p>
@@ -778,7 +778,7 @@
           <a:p>
             <a:fld id="{3C5F9BCB-00A0-4E54-A614-FF14A5BEE8D6}" type="datetimeFigureOut">
               <a:rPr lang="de-DE" smtClean="0"/>
-              <a:t>23.01.2018</a:t>
+              <a:t>24.01.2018</a:t>
             </a:fld>
             <a:endParaRPr lang="de-DE"/>
           </a:p>
@@ -1024,7 +1024,7 @@
           <a:p>
             <a:fld id="{3C5F9BCB-00A0-4E54-A614-FF14A5BEE8D6}" type="datetimeFigureOut">
               <a:rPr lang="de-DE" smtClean="0"/>
-              <a:t>23.01.2018</a:t>
+              <a:t>24.01.2018</a:t>
             </a:fld>
             <a:endParaRPr lang="de-DE"/>
           </a:p>
@@ -1256,7 +1256,7 @@
           <a:p>
             <a:fld id="{3C5F9BCB-00A0-4E54-A614-FF14A5BEE8D6}" type="datetimeFigureOut">
               <a:rPr lang="de-DE" smtClean="0"/>
-              <a:t>23.01.2018</a:t>
+              <a:t>24.01.2018</a:t>
             </a:fld>
             <a:endParaRPr lang="de-DE"/>
           </a:p>
@@ -1623,7 +1623,7 @@
           <a:p>
             <a:fld id="{3C5F9BCB-00A0-4E54-A614-FF14A5BEE8D6}" type="datetimeFigureOut">
               <a:rPr lang="de-DE" smtClean="0"/>
-              <a:t>23.01.2018</a:t>
+              <a:t>24.01.2018</a:t>
             </a:fld>
             <a:endParaRPr lang="de-DE"/>
           </a:p>
@@ -1741,7 +1741,7 @@
           <a:p>
             <a:fld id="{3C5F9BCB-00A0-4E54-A614-FF14A5BEE8D6}" type="datetimeFigureOut">
               <a:rPr lang="de-DE" smtClean="0"/>
-              <a:t>23.01.2018</a:t>
+              <a:t>24.01.2018</a:t>
             </a:fld>
             <a:endParaRPr lang="de-DE"/>
           </a:p>
@@ -1836,7 +1836,7 @@
           <a:p>
             <a:fld id="{3C5F9BCB-00A0-4E54-A614-FF14A5BEE8D6}" type="datetimeFigureOut">
               <a:rPr lang="de-DE" smtClean="0"/>
-              <a:t>23.01.2018</a:t>
+              <a:t>24.01.2018</a:t>
             </a:fld>
             <a:endParaRPr lang="de-DE"/>
           </a:p>
@@ -2113,7 +2113,7 @@
           <a:p>
             <a:fld id="{3C5F9BCB-00A0-4E54-A614-FF14A5BEE8D6}" type="datetimeFigureOut">
               <a:rPr lang="de-DE" smtClean="0"/>
-              <a:t>23.01.2018</a:t>
+              <a:t>24.01.2018</a:t>
             </a:fld>
             <a:endParaRPr lang="de-DE"/>
           </a:p>
@@ -2366,7 +2366,7 @@
           <a:p>
             <a:fld id="{3C5F9BCB-00A0-4E54-A614-FF14A5BEE8D6}" type="datetimeFigureOut">
               <a:rPr lang="de-DE" smtClean="0"/>
-              <a:t>23.01.2018</a:t>
+              <a:t>24.01.2018</a:t>
             </a:fld>
             <a:endParaRPr lang="de-DE"/>
           </a:p>
@@ -2588,7 +2588,7 @@
           <a:p>
             <a:fld id="{3C5F9BCB-00A0-4E54-A614-FF14A5BEE8D6}" type="datetimeFigureOut">
               <a:rPr lang="de-DE" smtClean="0"/>
-              <a:t>23.01.2018</a:t>
+              <a:t>24.01.2018</a:t>
             </a:fld>
             <a:endParaRPr lang="de-DE"/>
           </a:p>
@@ -3180,25 +3180,38 @@
           <a:lstStyle/>
           <a:p>
             <a:r>
-              <a:rPr lang="de-DE" dirty="0" smtClean="0"/>
+              <a:rPr lang="de-DE" dirty="0" smtClean="0">
+                <a:solidFill>
+                  <a:schemeClr val="bg1"/>
+                </a:solidFill>
+              </a:rPr>
               <a:t>Observer</a:t>
             </a:r>
           </a:p>
           <a:p>
             <a:r>
-              <a:rPr lang="de-DE" dirty="0" smtClean="0"/>
+              <a:rPr lang="de-DE" dirty="0" smtClean="0">
+                <a:solidFill>
+                  <a:schemeClr val="bg1"/>
+                </a:solidFill>
+              </a:rPr>
               <a:t>Singleton</a:t>
             </a:r>
           </a:p>
           <a:p>
             <a:r>
-              <a:rPr lang="de-DE" dirty="0" err="1" smtClean="0"/>
+              <a:rPr lang="de-DE" dirty="0" err="1" smtClean="0">
+                <a:solidFill>
+                  <a:schemeClr val="bg1"/>
+                </a:solidFill>
+              </a:rPr>
               <a:t>Strategy</a:t>
             </a:r>
-            <a:r>
-              <a:rPr lang="de-DE" dirty="0" smtClean="0"/>
-              <a:t>/State Pattern</a:t>
-            </a:r>
+            <a:endParaRPr lang="de-DE" dirty="0" smtClean="0">
+              <a:solidFill>
+                <a:schemeClr val="bg1"/>
+              </a:solidFill>
+            </a:endParaRPr>
           </a:p>
         </p:txBody>
       </p:sp>
@@ -3373,37 +3386,35 @@
           </a:p>
         </p:txBody>
       </p:sp>
-      <p:sp>
-        <p:nvSpPr>
-          <p:cNvPr id="3" name="Inhaltsplatzhalter 2"/>
-          <p:cNvSpPr>
-            <a:spLocks noGrp="1"/>
-          </p:cNvSpPr>
+      <p:pic>
+        <p:nvPicPr>
+          <p:cNvPr id="4" name="Inhaltsplatzhalter 3"/>
+          <p:cNvPicPr>
+            <a:picLocks noGrp="1" noChangeAspect="1"/>
+          </p:cNvPicPr>
           <p:nvPr>
             <p:ph idx="1"/>
           </p:nvPr>
-        </p:nvSpPr>
-        <p:spPr/>
-        <p:txBody>
-          <a:bodyPr/>
-          <a:lstStyle/>
-          <a:p>
-            <a:r>
-              <a:rPr lang="de-DE" dirty="0" smtClean="0"/>
-              <a:t>&lt;Code </a:t>
-            </a:r>
-            <a:r>
-              <a:rPr lang="de-DE" dirty="0" err="1" smtClean="0"/>
-              <a:t>Example</a:t>
-            </a:r>
-            <a:r>
-              <a:rPr lang="de-DE" dirty="0" smtClean="0"/>
-              <a:t>&gt;</a:t>
-            </a:r>
-            <a:endParaRPr lang="de-DE" dirty="0"/>
-          </a:p>
-        </p:txBody>
-      </p:sp>
+        </p:nvPicPr>
+        <p:blipFill>
+          <a:blip r:embed="rId2">
+            <a:extLst>
+              <a:ext uri="{28A0092B-C50C-407E-A947-70E740481C1C}">
+                <a14:useLocalDpi xmlns:a14="http://schemas.microsoft.com/office/drawing/2010/main" val="0"/>
+              </a:ext>
+            </a:extLst>
+          </a:blip>
+          <a:stretch>
+            <a:fillRect/>
+          </a:stretch>
+        </p:blipFill>
+        <p:spPr>
+          <a:xfrm>
+            <a:off x="1752553" y="2242623"/>
+            <a:ext cx="8198755" cy="2412885"/>
+          </a:xfrm>
+        </p:spPr>
+      </p:pic>
     </p:spTree>
     <p:extLst>
       <p:ext uri="{BB962C8B-B14F-4D97-AF65-F5344CB8AC3E}">
@@ -3451,12 +3462,28 @@
           <a:p>
             <a:pPr algn="ctr"/>
             <a:r>
+              <a:rPr lang="de-DE" dirty="0" err="1" smtClean="0">
+                <a:solidFill>
+                  <a:schemeClr val="bg1"/>
+                </a:solidFill>
+              </a:rPr>
+              <a:t>Strategy</a:t>
+            </a:r>
+            <a:r>
+              <a:rPr lang="de-DE" dirty="0">
+                <a:solidFill>
+                  <a:schemeClr val="bg1"/>
+                </a:solidFill>
+              </a:rPr>
+              <a:t> </a:t>
+            </a:r>
+            <a:r>
               <a:rPr lang="de-DE" dirty="0" smtClean="0">
                 <a:solidFill>
                   <a:schemeClr val="bg1"/>
                 </a:solidFill>
               </a:rPr>
-              <a:t>Strategy / State Pattern</a:t>
+              <a:t>Pattern</a:t>
             </a:r>
             <a:endParaRPr lang="de-DE" dirty="0">
               <a:solidFill>
@@ -3466,61 +3493,161 @@
           </a:p>
         </p:txBody>
       </p:sp>
-      <p:sp>
-        <p:nvSpPr>
-          <p:cNvPr id="3" name="Inhaltsplatzhalter 2"/>
-          <p:cNvSpPr>
-            <a:spLocks noGrp="1"/>
-          </p:cNvSpPr>
+      <p:pic>
+        <p:nvPicPr>
+          <p:cNvPr id="6" name="Inhaltsplatzhalter 5"/>
+          <p:cNvPicPr>
+            <a:picLocks noGrp="1" noChangeAspect="1"/>
+          </p:cNvPicPr>
           <p:nvPr>
             <p:ph idx="1"/>
           </p:nvPr>
-        </p:nvSpPr>
-        <p:spPr/>
-        <p:txBody>
-          <a:bodyPr/>
-          <a:lstStyle/>
-          <a:p>
-            <a:r>
-              <a:rPr lang="de-DE" dirty="0" smtClean="0"/>
-              <a:t>Eins von beiden aufzeigen, </a:t>
-            </a:r>
-            <a:r>
-              <a:rPr lang="de-DE" dirty="0" err="1" smtClean="0"/>
-              <a:t>evtl</a:t>
-            </a:r>
-            <a:r>
-              <a:rPr lang="de-DE" dirty="0" smtClean="0"/>
-              <a:t> Strategy (</a:t>
-            </a:r>
-            <a:r>
-              <a:rPr lang="de-DE" dirty="0" err="1" smtClean="0"/>
-              <a:t>LanguageHandler</a:t>
-            </a:r>
-            <a:r>
-              <a:rPr lang="de-DE" dirty="0" smtClean="0"/>
-              <a:t>) für </a:t>
-            </a:r>
-            <a:r>
-              <a:rPr lang="de-DE" dirty="0" err="1" smtClean="0"/>
-              <a:t>Dependendy</a:t>
-            </a:r>
-            <a:r>
-              <a:rPr lang="de-DE" dirty="0" smtClean="0"/>
-              <a:t> </a:t>
-            </a:r>
-            <a:r>
-              <a:rPr lang="de-DE" dirty="0" err="1" smtClean="0"/>
-              <a:t>Injection</a:t>
-            </a:r>
-            <a:r>
-              <a:rPr lang="de-DE" dirty="0" smtClean="0"/>
-              <a:t> verwenden</a:t>
-            </a:r>
-            <a:endParaRPr lang="de-DE" dirty="0"/>
-          </a:p>
-        </p:txBody>
-      </p:sp>
+        </p:nvPicPr>
+        <p:blipFill>
+          <a:blip r:embed="rId2">
+            <a:extLst>
+              <a:ext uri="{28A0092B-C50C-407E-A947-70E740481C1C}">
+                <a14:useLocalDpi xmlns:a14="http://schemas.microsoft.com/office/drawing/2010/main" val="0"/>
+              </a:ext>
+            </a:extLst>
+          </a:blip>
+          <a:stretch>
+            <a:fillRect/>
+          </a:stretch>
+        </p:blipFill>
+        <p:spPr>
+          <a:xfrm>
+            <a:off x="170367" y="3382576"/>
+            <a:ext cx="5210525" cy="3281835"/>
+          </a:xfrm>
+        </p:spPr>
+      </p:pic>
+      <p:pic>
+        <p:nvPicPr>
+          <p:cNvPr id="7" name="Grafik 6"/>
+          <p:cNvPicPr>
+            <a:picLocks noChangeAspect="1"/>
+          </p:cNvPicPr>
+          <p:nvPr/>
+        </p:nvPicPr>
+        <p:blipFill>
+          <a:blip r:embed="rId3">
+            <a:extLst>
+              <a:ext uri="{28A0092B-C50C-407E-A947-70E740481C1C}">
+                <a14:useLocalDpi xmlns:a14="http://schemas.microsoft.com/office/drawing/2010/main" val="0"/>
+              </a:ext>
+            </a:extLst>
+          </a:blip>
+          <a:stretch>
+            <a:fillRect/>
+          </a:stretch>
+        </p:blipFill>
+        <p:spPr>
+          <a:xfrm>
+            <a:off x="1378091" y="1456830"/>
+            <a:ext cx="8430802" cy="1571844"/>
+          </a:xfrm>
+          <a:prstGeom prst="rect">
+            <a:avLst/>
+          </a:prstGeom>
+        </p:spPr>
+      </p:pic>
+      <p:cxnSp>
+        <p:nvCxnSpPr>
+          <p:cNvPr id="10" name="Gerade Verbindung mit Pfeil 9"/>
+          <p:cNvCxnSpPr/>
+          <p:nvPr/>
+        </p:nvCxnSpPr>
+        <p:spPr>
+          <a:xfrm>
+            <a:off x="2652584" y="2570205"/>
+            <a:ext cx="0" cy="947352"/>
+          </a:xfrm>
+          <a:prstGeom prst="straightConnector1">
+            <a:avLst/>
+          </a:prstGeom>
+          <a:ln>
+            <a:tailEnd type="triangle"/>
+          </a:ln>
+        </p:spPr>
+        <p:style>
+          <a:lnRef idx="3">
+            <a:schemeClr val="dk1"/>
+          </a:lnRef>
+          <a:fillRef idx="0">
+            <a:schemeClr val="dk1"/>
+          </a:fillRef>
+          <a:effectRef idx="2">
+            <a:schemeClr val="dk1"/>
+          </a:effectRef>
+          <a:fontRef idx="minor">
+            <a:schemeClr val="tx1"/>
+          </a:fontRef>
+        </p:style>
+      </p:cxnSp>
+      <p:pic>
+        <p:nvPicPr>
+          <p:cNvPr id="15" name="Grafik 14"/>
+          <p:cNvPicPr>
+            <a:picLocks noChangeAspect="1"/>
+          </p:cNvPicPr>
+          <p:nvPr/>
+        </p:nvPicPr>
+        <p:blipFill>
+          <a:blip r:embed="rId4">
+            <a:extLst>
+              <a:ext uri="{28A0092B-C50C-407E-A947-70E740481C1C}">
+                <a14:useLocalDpi xmlns:a14="http://schemas.microsoft.com/office/drawing/2010/main" val="0"/>
+              </a:ext>
+            </a:extLst>
+          </a:blip>
+          <a:stretch>
+            <a:fillRect/>
+          </a:stretch>
+        </p:blipFill>
+        <p:spPr>
+          <a:xfrm>
+            <a:off x="5630588" y="3382575"/>
+            <a:ext cx="6417229" cy="2754613"/>
+          </a:xfrm>
+          <a:prstGeom prst="rect">
+            <a:avLst/>
+          </a:prstGeom>
+        </p:spPr>
+      </p:pic>
+      <p:cxnSp>
+        <p:nvCxnSpPr>
+          <p:cNvPr id="17" name="Gerade Verbindung mit Pfeil 16"/>
+          <p:cNvCxnSpPr/>
+          <p:nvPr/>
+        </p:nvCxnSpPr>
+        <p:spPr>
+          <a:xfrm flipH="1">
+            <a:off x="6944497" y="2570205"/>
+            <a:ext cx="1054444" cy="881449"/>
+          </a:xfrm>
+          <a:prstGeom prst="straightConnector1">
+            <a:avLst/>
+          </a:prstGeom>
+          <a:ln>
+            <a:tailEnd type="triangle"/>
+          </a:ln>
+        </p:spPr>
+        <p:style>
+          <a:lnRef idx="3">
+            <a:schemeClr val="dk1"/>
+          </a:lnRef>
+          <a:fillRef idx="0">
+            <a:schemeClr val="dk1"/>
+          </a:fillRef>
+          <a:effectRef idx="2">
+            <a:schemeClr val="dk1"/>
+          </a:effectRef>
+          <a:fontRef idx="minor">
+            <a:schemeClr val="tx1"/>
+          </a:fontRef>
+        </p:style>
+      </p:cxnSp>
     </p:spTree>
     <p:extLst>
       <p:ext uri="{BB962C8B-B14F-4D97-AF65-F5344CB8AC3E}">
@@ -3697,26 +3824,6 @@
           <a:bodyPr/>
           <a:lstStyle/>
           <a:p>
-            <a:r>
-              <a:rPr lang="de-DE" dirty="0" smtClean="0"/>
-              <a:t>&lt;Code / </a:t>
-            </a:r>
-            <a:r>
-              <a:rPr lang="de-DE" dirty="0" err="1" smtClean="0"/>
-              <a:t>Structure</a:t>
-            </a:r>
-            <a:r>
-              <a:rPr lang="de-DE" dirty="0" smtClean="0"/>
-              <a:t> </a:t>
-            </a:r>
-            <a:r>
-              <a:rPr lang="de-DE" dirty="0" err="1" smtClean="0"/>
-              <a:t>picture</a:t>
-            </a:r>
-            <a:r>
-              <a:rPr lang="de-DE" dirty="0" smtClean="0"/>
-              <a:t>&gt;</a:t>
-            </a:r>
             <a:endParaRPr lang="de-DE" dirty="0"/>
           </a:p>
         </p:txBody>
@@ -3995,15 +4102,7 @@
                   <a:schemeClr val="bg1"/>
                 </a:solidFill>
               </a:rPr>
-              <a:t>Design </a:t>
-            </a:r>
-            <a:r>
-              <a:rPr lang="de-DE" sz="1800" dirty="0" smtClean="0">
-                <a:solidFill>
-                  <a:schemeClr val="bg1"/>
-                </a:solidFill>
-              </a:rPr>
-              <a:t>Patterns</a:t>
+              <a:t>Design Patterns</a:t>
             </a:r>
           </a:p>
           <a:p>
@@ -4194,12 +4293,36 @@
           <a:p>
             <a:pPr algn="ctr"/>
             <a:r>
+              <a:rPr lang="de-DE" dirty="0" err="1" smtClean="0">
+                <a:solidFill>
+                  <a:schemeClr val="bg1"/>
+                </a:solidFill>
+              </a:rPr>
+              <a:t>Git</a:t>
+            </a:r>
+            <a:r>
               <a:rPr lang="de-DE" dirty="0" smtClean="0">
                 <a:solidFill>
                   <a:schemeClr val="bg1"/>
                 </a:solidFill>
               </a:rPr>
-              <a:t>Scrum – Sprint 2</a:t>
+              <a:t> – </a:t>
+            </a:r>
+            <a:r>
+              <a:rPr lang="de-DE" dirty="0" err="1" smtClean="0">
+                <a:solidFill>
+                  <a:schemeClr val="bg1"/>
+                </a:solidFill>
+              </a:rPr>
+              <a:t>Commits</a:t>
+            </a:r>
+            <a:r>
+              <a:rPr lang="de-DE" dirty="0" smtClean="0">
+                <a:solidFill>
+                  <a:schemeClr val="bg1"/>
+                </a:solidFill>
+              </a:rPr>
+              <a:t> (Sprint 1)</a:t>
             </a:r>
             <a:endParaRPr lang="de-DE" dirty="0">
               <a:solidFill>
@@ -4209,45 +4332,126 @@
           </a:p>
         </p:txBody>
       </p:sp>
-      <p:sp>
-        <p:nvSpPr>
-          <p:cNvPr id="3" name="Inhaltsplatzhalter 2"/>
-          <p:cNvSpPr>
-            <a:spLocks noGrp="1"/>
-          </p:cNvSpPr>
+      <p:pic>
+        <p:nvPicPr>
+          <p:cNvPr id="4" name="Inhaltsplatzhalter 3"/>
+          <p:cNvPicPr>
+            <a:picLocks noGrp="1" noChangeAspect="1"/>
+          </p:cNvPicPr>
           <p:nvPr>
             <p:ph idx="1"/>
           </p:nvPr>
-        </p:nvSpPr>
-        <p:spPr/>
-        <p:txBody>
-          <a:bodyPr/>
-          <a:lstStyle/>
-          <a:p>
-            <a:r>
-              <a:rPr lang="de-DE" dirty="0" smtClean="0"/>
-              <a:t>&lt;</a:t>
-            </a:r>
-            <a:r>
-              <a:rPr lang="de-DE" dirty="0" err="1" smtClean="0"/>
-              <a:t>insert</a:t>
-            </a:r>
-            <a:r>
-              <a:rPr lang="de-DE" dirty="0" smtClean="0"/>
-              <a:t> Sprint 2 </a:t>
-            </a:r>
-            <a:r>
-              <a:rPr lang="de-DE" dirty="0" err="1" smtClean="0"/>
-              <a:t>Burndown</a:t>
-            </a:r>
-            <a:r>
-              <a:rPr lang="de-DE" dirty="0" smtClean="0"/>
-              <a:t> Chart&gt;</a:t>
-            </a:r>
-            <a:endParaRPr lang="de-DE" dirty="0"/>
-          </a:p>
-        </p:txBody>
-      </p:sp>
+        </p:nvPicPr>
+        <p:blipFill>
+          <a:blip r:embed="rId2">
+            <a:extLst>
+              <a:ext uri="{28A0092B-C50C-407E-A947-70E740481C1C}">
+                <a14:useLocalDpi xmlns:a14="http://schemas.microsoft.com/office/drawing/2010/main" val="0"/>
+              </a:ext>
+            </a:extLst>
+          </a:blip>
+          <a:stretch>
+            <a:fillRect/>
+          </a:stretch>
+        </p:blipFill>
+        <p:spPr>
+          <a:xfrm>
+            <a:off x="3118564" y="1825625"/>
+            <a:ext cx="5954872" cy="4351338"/>
+          </a:xfrm>
+        </p:spPr>
+      </p:pic>
+    </p:spTree>
+    <p:extLst>
+      <p:ext uri="{BB962C8B-B14F-4D97-AF65-F5344CB8AC3E}">
+        <p14:creationId xmlns:p14="http://schemas.microsoft.com/office/powerpoint/2010/main" val="1632432467"/>
+      </p:ext>
+    </p:extLst>
+  </p:cSld>
+  <p:clrMapOvr>
+    <a:masterClrMapping/>
+  </p:clrMapOvr>
+</p:sld>
+</file>
+
+<file path=ppt/slides/slide5.xml><?xml version="1.0" encoding="utf-8"?>
+<p:sld xmlns:a="http://schemas.openxmlformats.org/drawingml/2006/main" xmlns:r="http://schemas.openxmlformats.org/officeDocument/2006/relationships" xmlns:p="http://schemas.openxmlformats.org/presentationml/2006/main">
+  <p:cSld>
+    <p:spTree>
+      <p:nvGrpSpPr>
+        <p:cNvPr id="1" name=""/>
+        <p:cNvGrpSpPr/>
+        <p:nvPr/>
+      </p:nvGrpSpPr>
+      <p:grpSpPr>
+        <a:xfrm>
+          <a:off x="0" y="0"/>
+          <a:ext cx="0" cy="0"/>
+          <a:chOff x="0" y="0"/>
+          <a:chExt cx="0" cy="0"/>
+        </a:xfrm>
+      </p:grpSpPr>
+      <p:sp>
+        <p:nvSpPr>
+          <p:cNvPr id="2" name="Titel 1"/>
+          <p:cNvSpPr>
+            <a:spLocks noGrp="1"/>
+          </p:cNvSpPr>
+          <p:nvPr>
+            <p:ph type="title"/>
+          </p:nvPr>
+        </p:nvSpPr>
+        <p:spPr/>
+        <p:txBody>
+          <a:bodyPr/>
+          <a:lstStyle/>
+          <a:p>
+            <a:pPr algn="ctr"/>
+            <a:r>
+              <a:rPr lang="de-DE" dirty="0" smtClean="0">
+                <a:solidFill>
+                  <a:schemeClr val="bg1"/>
+                </a:solidFill>
+              </a:rPr>
+              <a:t>Scrum – Sprint 2</a:t>
+            </a:r>
+            <a:endParaRPr lang="de-DE" dirty="0">
+              <a:solidFill>
+                <a:schemeClr val="bg1"/>
+              </a:solidFill>
+            </a:endParaRPr>
+          </a:p>
+        </p:txBody>
+      </p:sp>
+      <p:pic>
+        <p:nvPicPr>
+          <p:cNvPr id="4" name="Inhaltsplatzhalter 3"/>
+          <p:cNvPicPr>
+            <a:picLocks noGrp="1" noChangeAspect="1"/>
+          </p:cNvPicPr>
+          <p:nvPr>
+            <p:ph idx="1"/>
+          </p:nvPr>
+        </p:nvPicPr>
+        <p:blipFill>
+          <a:blip r:embed="rId2">
+            <a:extLst>
+              <a:ext uri="{28A0092B-C50C-407E-A947-70E740481C1C}">
+                <a14:useLocalDpi xmlns:a14="http://schemas.microsoft.com/office/drawing/2010/main" val="0"/>
+              </a:ext>
+            </a:extLst>
+          </a:blip>
+          <a:stretch>
+            <a:fillRect/>
+          </a:stretch>
+        </p:blipFill>
+        <p:spPr>
+          <a:xfrm>
+            <a:off x="2770443" y="1825625"/>
+            <a:ext cx="6651114" cy="4351338"/>
+          </a:xfrm>
+        </p:spPr>
+      </p:pic>
     </p:spTree>
     <p:extLst>
       <p:ext uri="{BB962C8B-B14F-4D97-AF65-F5344CB8AC3E}">
@@ -4261,7 +4465,7 @@
 </p:sld>
 </file>
 
-<file path=ppt/slides/slide5.xml><?xml version="1.0" encoding="utf-8"?>
+<file path=ppt/slides/slide6.xml><?xml version="1.0" encoding="utf-8"?>
 <p:sld xmlns:a="http://schemas.openxmlformats.org/drawingml/2006/main" xmlns:r="http://schemas.openxmlformats.org/officeDocument/2006/relationships" xmlns:p="http://schemas.openxmlformats.org/presentationml/2006/main">
   <p:cSld>
     <p:spTree>
@@ -4360,129 +4564,6 @@
 </p:sld>
 </file>
 
-<file path=ppt/slides/slide6.xml><?xml version="1.0" encoding="utf-8"?>
-<p:sld xmlns:a="http://schemas.openxmlformats.org/drawingml/2006/main" xmlns:r="http://schemas.openxmlformats.org/officeDocument/2006/relationships" xmlns:p="http://schemas.openxmlformats.org/presentationml/2006/main">
-  <p:cSld>
-    <p:spTree>
-      <p:nvGrpSpPr>
-        <p:cNvPr id="1" name=""/>
-        <p:cNvGrpSpPr/>
-        <p:nvPr/>
-      </p:nvGrpSpPr>
-      <p:grpSpPr>
-        <a:xfrm>
-          <a:off x="0" y="0"/>
-          <a:ext cx="0" cy="0"/>
-          <a:chOff x="0" y="0"/>
-          <a:chExt cx="0" cy="0"/>
-        </a:xfrm>
-      </p:grpSpPr>
-      <p:sp>
-        <p:nvSpPr>
-          <p:cNvPr id="2" name="Titel 1"/>
-          <p:cNvSpPr>
-            <a:spLocks noGrp="1"/>
-          </p:cNvSpPr>
-          <p:nvPr>
-            <p:ph type="title"/>
-          </p:nvPr>
-        </p:nvSpPr>
-        <p:spPr/>
-        <p:txBody>
-          <a:bodyPr/>
-          <a:lstStyle/>
-          <a:p>
-            <a:pPr algn="ctr"/>
-            <a:r>
-              <a:rPr lang="de-DE" dirty="0" err="1" smtClean="0">
-                <a:solidFill>
-                  <a:schemeClr val="bg1"/>
-                </a:solidFill>
-              </a:rPr>
-              <a:t>Git</a:t>
-            </a:r>
-            <a:r>
-              <a:rPr lang="de-DE" dirty="0" smtClean="0">
-                <a:solidFill>
-                  <a:schemeClr val="bg1"/>
-                </a:solidFill>
-              </a:rPr>
-              <a:t> </a:t>
-            </a:r>
-            <a:r>
-              <a:rPr lang="de-DE" dirty="0" smtClean="0">
-                <a:solidFill>
-                  <a:schemeClr val="bg1"/>
-                </a:solidFill>
-              </a:rPr>
-              <a:t>– </a:t>
-            </a:r>
-            <a:r>
-              <a:rPr lang="de-DE" dirty="0" err="1" smtClean="0">
-                <a:solidFill>
-                  <a:schemeClr val="bg1"/>
-                </a:solidFill>
-              </a:rPr>
-              <a:t>Commits</a:t>
-            </a:r>
-            <a:r>
-              <a:rPr lang="de-DE" dirty="0" smtClean="0">
-                <a:solidFill>
-                  <a:schemeClr val="bg1"/>
-                </a:solidFill>
-              </a:rPr>
-              <a:t> (Sprint 1)</a:t>
-            </a:r>
-            <a:endParaRPr lang="de-DE" dirty="0">
-              <a:solidFill>
-                <a:schemeClr val="bg1"/>
-              </a:solidFill>
-            </a:endParaRPr>
-          </a:p>
-        </p:txBody>
-      </p:sp>
-      <p:pic>
-        <p:nvPicPr>
-          <p:cNvPr id="4" name="Inhaltsplatzhalter 3"/>
-          <p:cNvPicPr>
-            <a:picLocks noGrp="1" noChangeAspect="1"/>
-          </p:cNvPicPr>
-          <p:nvPr>
-            <p:ph idx="1"/>
-          </p:nvPr>
-        </p:nvPicPr>
-        <p:blipFill>
-          <a:blip r:embed="rId2">
-            <a:extLst>
-              <a:ext uri="{28A0092B-C50C-407E-A947-70E740481C1C}">
-                <a14:useLocalDpi xmlns:a14="http://schemas.microsoft.com/office/drawing/2010/main" val="0"/>
-              </a:ext>
-            </a:extLst>
-          </a:blip>
-          <a:stretch>
-            <a:fillRect/>
-          </a:stretch>
-        </p:blipFill>
-        <p:spPr>
-          <a:xfrm>
-            <a:off x="3118564" y="1825625"/>
-            <a:ext cx="5954872" cy="4351338"/>
-          </a:xfrm>
-        </p:spPr>
-      </p:pic>
-    </p:spTree>
-    <p:extLst>
-      <p:ext uri="{BB962C8B-B14F-4D97-AF65-F5344CB8AC3E}">
-        <p14:creationId xmlns:p14="http://schemas.microsoft.com/office/powerpoint/2010/main" val="1632432467"/>
-      </p:ext>
-    </p:extLst>
-  </p:cSld>
-  <p:clrMapOvr>
-    <a:masterClrMapping/>
-  </p:clrMapOvr>
-</p:sld>
-</file>
-
 <file path=ppt/slides/slide7.xml><?xml version="1.0" encoding="utf-8"?>
 <p:sld xmlns:a="http://schemas.openxmlformats.org/drawingml/2006/main" xmlns:r="http://schemas.openxmlformats.org/officeDocument/2006/relationships" xmlns:p="http://schemas.openxmlformats.org/presentationml/2006/main">
   <p:cSld>
@@ -4517,36 +4598,12 @@
           <a:p>
             <a:pPr algn="ctr"/>
             <a:r>
-              <a:rPr lang="de-DE" dirty="0" err="1" smtClean="0">
-                <a:solidFill>
-                  <a:schemeClr val="bg1"/>
-                </a:solidFill>
-              </a:rPr>
-              <a:t>Matching</a:t>
-            </a:r>
-            <a:r>
               <a:rPr lang="de-DE" dirty="0" smtClean="0">
                 <a:solidFill>
                   <a:schemeClr val="bg1"/>
                 </a:solidFill>
               </a:rPr>
-              <a:t> </a:t>
-            </a:r>
-            <a:r>
-              <a:rPr lang="de-DE" dirty="0" err="1" smtClean="0">
-                <a:solidFill>
-                  <a:schemeClr val="bg1"/>
-                </a:solidFill>
-              </a:rPr>
-              <a:t>Textual</a:t>
-            </a:r>
-            <a:r>
-              <a:rPr lang="de-DE" dirty="0" smtClean="0">
-                <a:solidFill>
-                  <a:schemeClr val="bg1"/>
-                </a:solidFill>
-              </a:rPr>
-              <a:t> Input</a:t>
+              <a:t>TUI Development</a:t>
             </a:r>
             <a:endParaRPr lang="de-DE" dirty="0">
               <a:solidFill>
@@ -4639,7 +4696,15 @@
                   <a:schemeClr val="bg1"/>
                 </a:solidFill>
               </a:rPr>
-              <a:t>Model-View-Controller Architektur</a:t>
+              <a:t>Model-View-Controller </a:t>
+            </a:r>
+            <a:r>
+              <a:rPr lang="de-DE" dirty="0" smtClean="0">
+                <a:solidFill>
+                  <a:schemeClr val="bg1"/>
+                </a:solidFill>
+              </a:rPr>
+              <a:t>Architektur</a:t>
             </a:r>
             <a:endParaRPr lang="de-DE" dirty="0">
               <a:solidFill>
@@ -4649,9 +4714,426 @@
           </a:p>
         </p:txBody>
       </p:sp>
+      <p:sp>
+        <p:nvSpPr>
+          <p:cNvPr id="5" name="Inhaltsplatzhalter 4"/>
+          <p:cNvSpPr>
+            <a:spLocks noGrp="1"/>
+          </p:cNvSpPr>
+          <p:nvPr>
+            <p:ph sz="half" idx="2"/>
+          </p:nvPr>
+        </p:nvSpPr>
+        <p:spPr/>
+        <p:txBody>
+          <a:bodyPr/>
+          <a:lstStyle/>
+          <a:p>
+            <a:r>
+              <a:rPr lang="de-DE" sz="1800" dirty="0" err="1" smtClean="0">
+                <a:solidFill>
+                  <a:schemeClr val="bg1"/>
+                </a:solidFill>
+              </a:rPr>
+              <a:t>environmentController</a:t>
+            </a:r>
+            <a:r>
+              <a:rPr lang="de-DE" sz="1800" dirty="0" smtClean="0">
+                <a:solidFill>
+                  <a:schemeClr val="bg1"/>
+                </a:solidFill>
+              </a:rPr>
+              <a:t>:</a:t>
+            </a:r>
+          </a:p>
+          <a:p>
+            <a:pPr lvl="1"/>
+            <a:r>
+              <a:rPr lang="de-DE" sz="1800" dirty="0" smtClean="0">
+                <a:solidFill>
+                  <a:schemeClr val="bg1"/>
+                </a:solidFill>
+              </a:rPr>
+              <a:t>Game Settings &amp; JSON / XML</a:t>
+            </a:r>
+          </a:p>
+          <a:p>
+            <a:r>
+              <a:rPr lang="de-DE" sz="1800" dirty="0" err="1" smtClean="0">
+                <a:solidFill>
+                  <a:schemeClr val="bg1"/>
+                </a:solidFill>
+              </a:rPr>
+              <a:t>gameController</a:t>
+            </a:r>
+            <a:r>
+              <a:rPr lang="de-DE" sz="1800" dirty="0" smtClean="0">
+                <a:solidFill>
+                  <a:schemeClr val="bg1"/>
+                </a:solidFill>
+              </a:rPr>
+              <a:t>:</a:t>
+            </a:r>
+          </a:p>
+          <a:p>
+            <a:pPr lvl="1"/>
+            <a:r>
+              <a:rPr lang="de-DE" sz="1800" dirty="0" err="1" smtClean="0">
+                <a:solidFill>
+                  <a:schemeClr val="bg1"/>
+                </a:solidFill>
+              </a:rPr>
+              <a:t>controls</a:t>
+            </a:r>
+            <a:r>
+              <a:rPr lang="de-DE" sz="1800" dirty="0" smtClean="0">
+                <a:solidFill>
+                  <a:schemeClr val="bg1"/>
+                </a:solidFill>
+              </a:rPr>
+              <a:t> </a:t>
+            </a:r>
+            <a:r>
+              <a:rPr lang="de-DE" sz="1800" dirty="0" err="1" smtClean="0">
+                <a:solidFill>
+                  <a:schemeClr val="bg1"/>
+                </a:solidFill>
+              </a:rPr>
+              <a:t>game</a:t>
+            </a:r>
+            <a:r>
+              <a:rPr lang="de-DE" sz="1800" dirty="0" smtClean="0">
+                <a:solidFill>
+                  <a:schemeClr val="bg1"/>
+                </a:solidFill>
+              </a:rPr>
+              <a:t> </a:t>
+            </a:r>
+            <a:r>
+              <a:rPr lang="de-DE" sz="1800" dirty="0" err="1" smtClean="0">
+                <a:solidFill>
+                  <a:schemeClr val="bg1"/>
+                </a:solidFill>
+              </a:rPr>
+              <a:t>states</a:t>
+            </a:r>
+            <a:endParaRPr lang="de-DE" sz="1800" dirty="0">
+              <a:solidFill>
+                <a:schemeClr val="bg1"/>
+              </a:solidFill>
+            </a:endParaRPr>
+          </a:p>
+          <a:p>
+            <a:pPr lvl="1"/>
+            <a:r>
+              <a:rPr lang="de-DE" sz="1800" dirty="0" err="1" smtClean="0">
+                <a:solidFill>
+                  <a:schemeClr val="bg1"/>
+                </a:solidFill>
+              </a:rPr>
+              <a:t>publishes</a:t>
+            </a:r>
+            <a:r>
+              <a:rPr lang="de-DE" sz="1800" dirty="0" smtClean="0">
+                <a:solidFill>
+                  <a:schemeClr val="bg1"/>
+                </a:solidFill>
+              </a:rPr>
+              <a:t> </a:t>
+            </a:r>
+            <a:r>
+              <a:rPr lang="de-DE" sz="1800" dirty="0" err="1" smtClean="0">
+                <a:solidFill>
+                  <a:schemeClr val="bg1"/>
+                </a:solidFill>
+              </a:rPr>
+              <a:t>events</a:t>
+            </a:r>
+            <a:endParaRPr lang="de-DE" sz="1800" dirty="0" smtClean="0">
+              <a:solidFill>
+                <a:schemeClr val="bg1"/>
+              </a:solidFill>
+            </a:endParaRPr>
+          </a:p>
+          <a:p>
+            <a:r>
+              <a:rPr lang="de-DE" sz="1800" dirty="0" err="1" smtClean="0">
+                <a:solidFill>
+                  <a:schemeClr val="bg1"/>
+                </a:solidFill>
+              </a:rPr>
+              <a:t>languageController</a:t>
+            </a:r>
+            <a:r>
+              <a:rPr lang="de-DE" sz="1800" dirty="0" smtClean="0">
+                <a:solidFill>
+                  <a:schemeClr val="bg1"/>
+                </a:solidFill>
+              </a:rPr>
+              <a:t>:</a:t>
+            </a:r>
+          </a:p>
+          <a:p>
+            <a:pPr lvl="1"/>
+            <a:r>
+              <a:rPr lang="de-DE" sz="1800" dirty="0" err="1">
+                <a:solidFill>
+                  <a:schemeClr val="bg1"/>
+                </a:solidFill>
+              </a:rPr>
+              <a:t>c</a:t>
+            </a:r>
+            <a:r>
+              <a:rPr lang="de-DE" sz="1800" dirty="0" err="1" smtClean="0">
+                <a:solidFill>
+                  <a:schemeClr val="bg1"/>
+                </a:solidFill>
+              </a:rPr>
+              <a:t>ontrols</a:t>
+            </a:r>
+            <a:r>
+              <a:rPr lang="de-DE" sz="1800" dirty="0" smtClean="0">
+                <a:solidFill>
+                  <a:schemeClr val="bg1"/>
+                </a:solidFill>
+              </a:rPr>
+              <a:t> </a:t>
+            </a:r>
+            <a:r>
+              <a:rPr lang="de-DE" sz="1800" dirty="0" err="1" smtClean="0">
+                <a:solidFill>
+                  <a:schemeClr val="bg1"/>
+                </a:solidFill>
+              </a:rPr>
+              <a:t>translations</a:t>
+            </a:r>
+            <a:r>
+              <a:rPr lang="de-DE" sz="1800" dirty="0" smtClean="0">
+                <a:solidFill>
+                  <a:schemeClr val="bg1"/>
+                </a:solidFill>
+              </a:rPr>
+              <a:t> Ger/Eng</a:t>
+            </a:r>
+          </a:p>
+          <a:p>
+            <a:r>
+              <a:rPr lang="de-DE" sz="1800" dirty="0" smtClean="0">
+                <a:solidFill>
+                  <a:schemeClr val="bg1"/>
+                </a:solidFill>
+              </a:rPr>
+              <a:t>Model </a:t>
+            </a:r>
+            <a:r>
+              <a:rPr lang="de-DE" sz="1800" dirty="0" err="1" smtClean="0">
+                <a:solidFill>
+                  <a:schemeClr val="bg1"/>
+                </a:solidFill>
+              </a:rPr>
+              <a:t>contains</a:t>
+            </a:r>
+            <a:r>
+              <a:rPr lang="de-DE" sz="1800" dirty="0">
+                <a:solidFill>
+                  <a:schemeClr val="bg1"/>
+                </a:solidFill>
+              </a:rPr>
+              <a:t> </a:t>
+            </a:r>
+            <a:r>
+              <a:rPr lang="de-DE" sz="1800" dirty="0" err="1" smtClean="0">
+                <a:solidFill>
+                  <a:schemeClr val="bg1"/>
+                </a:solidFill>
+              </a:rPr>
+              <a:t>languages</a:t>
+            </a:r>
+            <a:r>
+              <a:rPr lang="de-DE" sz="1800" dirty="0" smtClean="0">
+                <a:solidFill>
+                  <a:schemeClr val="bg1"/>
+                </a:solidFill>
+              </a:rPr>
+              <a:t>, </a:t>
+            </a:r>
+            <a:r>
+              <a:rPr lang="de-DE" sz="1800" dirty="0" err="1" smtClean="0">
+                <a:solidFill>
+                  <a:schemeClr val="bg1"/>
+                </a:solidFill>
+              </a:rPr>
+              <a:t>card</a:t>
+            </a:r>
+            <a:r>
+              <a:rPr lang="de-DE" sz="1800" dirty="0" smtClean="0">
+                <a:solidFill>
+                  <a:schemeClr val="bg1"/>
+                </a:solidFill>
+              </a:rPr>
+              <a:t> </a:t>
+            </a:r>
+            <a:r>
+              <a:rPr lang="de-DE" sz="1800" dirty="0" err="1" smtClean="0">
+                <a:solidFill>
+                  <a:schemeClr val="bg1"/>
+                </a:solidFill>
+              </a:rPr>
+              <a:t>structure</a:t>
+            </a:r>
+            <a:r>
+              <a:rPr lang="de-DE" sz="1800" dirty="0" smtClean="0">
+                <a:solidFill>
+                  <a:schemeClr val="bg1"/>
+                </a:solidFill>
+              </a:rPr>
+              <a:t>, deck </a:t>
+            </a:r>
+            <a:r>
+              <a:rPr lang="de-DE" sz="1800" dirty="0" err="1" smtClean="0">
+                <a:solidFill>
+                  <a:schemeClr val="bg1"/>
+                </a:solidFill>
+              </a:rPr>
+              <a:t>structure</a:t>
+            </a:r>
+            <a:r>
+              <a:rPr lang="de-DE" sz="1800" dirty="0" smtClean="0">
+                <a:solidFill>
+                  <a:schemeClr val="bg1"/>
+                </a:solidFill>
+              </a:rPr>
+              <a:t>, </a:t>
+            </a:r>
+            <a:r>
+              <a:rPr lang="de-DE" sz="1800" dirty="0" err="1" smtClean="0">
+                <a:solidFill>
+                  <a:schemeClr val="bg1"/>
+                </a:solidFill>
+              </a:rPr>
+              <a:t>languages</a:t>
+            </a:r>
+            <a:r>
+              <a:rPr lang="de-DE" sz="1800" dirty="0" smtClean="0">
+                <a:solidFill>
+                  <a:schemeClr val="bg1"/>
+                </a:solidFill>
+              </a:rPr>
+              <a:t>, </a:t>
+            </a:r>
+            <a:r>
+              <a:rPr lang="de-DE" sz="1800" dirty="0" err="1" smtClean="0">
+                <a:solidFill>
+                  <a:schemeClr val="bg1"/>
+                </a:solidFill>
+              </a:rPr>
+              <a:t>messages</a:t>
+            </a:r>
+            <a:r>
+              <a:rPr lang="de-DE" sz="1800" dirty="0" smtClean="0">
+                <a:solidFill>
+                  <a:schemeClr val="bg1"/>
+                </a:solidFill>
+              </a:rPr>
+              <a:t>, </a:t>
+            </a:r>
+            <a:r>
+              <a:rPr lang="de-DE" sz="1800" dirty="0" err="1" smtClean="0">
+                <a:solidFill>
+                  <a:schemeClr val="bg1"/>
+                </a:solidFill>
+              </a:rPr>
+              <a:t>gui</a:t>
+            </a:r>
+            <a:r>
+              <a:rPr lang="de-DE" sz="1800" dirty="0" smtClean="0">
+                <a:solidFill>
+                  <a:schemeClr val="bg1"/>
+                </a:solidFill>
+              </a:rPr>
+              <a:t> </a:t>
+            </a:r>
+            <a:r>
+              <a:rPr lang="de-DE" sz="1800" dirty="0" err="1" smtClean="0">
+                <a:solidFill>
+                  <a:schemeClr val="bg1"/>
+                </a:solidFill>
+              </a:rPr>
+              <a:t>images</a:t>
+            </a:r>
+            <a:r>
+              <a:rPr lang="de-DE" sz="1800" dirty="0" smtClean="0">
+                <a:solidFill>
+                  <a:schemeClr val="bg1"/>
+                </a:solidFill>
+              </a:rPr>
+              <a:t>, </a:t>
+            </a:r>
+            <a:r>
+              <a:rPr lang="de-DE" sz="1800" dirty="0" err="1" smtClean="0">
+                <a:solidFill>
+                  <a:schemeClr val="bg1"/>
+                </a:solidFill>
+              </a:rPr>
+              <a:t>player</a:t>
+            </a:r>
+            <a:r>
+              <a:rPr lang="de-DE" sz="1800" dirty="0" smtClean="0">
+                <a:solidFill>
+                  <a:schemeClr val="bg1"/>
+                </a:solidFill>
+              </a:rPr>
+              <a:t> </a:t>
+            </a:r>
+            <a:r>
+              <a:rPr lang="de-DE" sz="1800" dirty="0" err="1" smtClean="0">
+                <a:solidFill>
+                  <a:schemeClr val="bg1"/>
+                </a:solidFill>
+              </a:rPr>
+              <a:t>class</a:t>
+            </a:r>
+            <a:endParaRPr lang="de-DE" sz="1800" dirty="0" smtClean="0">
+              <a:solidFill>
+                <a:schemeClr val="bg1"/>
+              </a:solidFill>
+            </a:endParaRPr>
+          </a:p>
+          <a:p>
+            <a:r>
+              <a:rPr lang="de-DE" sz="1800" dirty="0" smtClean="0">
+                <a:solidFill>
+                  <a:schemeClr val="bg1"/>
+                </a:solidFill>
+              </a:rPr>
+              <a:t>View </a:t>
+            </a:r>
+            <a:r>
+              <a:rPr lang="de-DE" sz="1800" dirty="0" err="1" smtClean="0">
+                <a:solidFill>
+                  <a:schemeClr val="bg1"/>
+                </a:solidFill>
+              </a:rPr>
+              <a:t>contains</a:t>
+            </a:r>
+            <a:r>
+              <a:rPr lang="de-DE" sz="1800" dirty="0" smtClean="0">
+                <a:solidFill>
+                  <a:schemeClr val="bg1"/>
+                </a:solidFill>
+              </a:rPr>
+              <a:t> GUI / TUI</a:t>
+            </a:r>
+            <a:endParaRPr lang="de-DE" sz="1400" dirty="0"/>
+          </a:p>
+          <a:p>
+            <a:endParaRPr lang="de-DE" dirty="0" smtClean="0"/>
+          </a:p>
+        </p:txBody>
+      </p:sp>
       <p:pic>
         <p:nvPicPr>
-          <p:cNvPr id="4" name="Inhaltsplatzhalter 3"/>
+          <p:cNvPr id="6" name="Inhaltsplatzhalter 5"/>
           <p:cNvPicPr>
             <a:picLocks noGrp="1" noChangeAspect="1"/>
           </p:cNvPicPr>
@@ -4673,30 +5155,11 @@
         </p:blipFill>
         <p:spPr>
           <a:xfrm>
-            <a:off x="1833340" y="2091265"/>
-            <a:ext cx="3191320" cy="3820058"/>
+            <a:off x="1323656" y="1825625"/>
+            <a:ext cx="4210688" cy="4351338"/>
           </a:xfrm>
         </p:spPr>
       </p:pic>
-      <p:sp>
-        <p:nvSpPr>
-          <p:cNvPr id="5" name="Inhaltsplatzhalter 4"/>
-          <p:cNvSpPr>
-            <a:spLocks noGrp="1"/>
-          </p:cNvSpPr>
-          <p:nvPr>
-            <p:ph sz="half" idx="2"/>
-          </p:nvPr>
-        </p:nvSpPr>
-        <p:spPr/>
-        <p:txBody>
-          <a:bodyPr/>
-          <a:lstStyle/>
-          <a:p>
-            <a:endParaRPr lang="de-DE" dirty="0"/>
-          </a:p>
-        </p:txBody>
-      </p:sp>
     </p:spTree>
     <p:extLst>
       <p:ext uri="{BB962C8B-B14F-4D97-AF65-F5344CB8AC3E}">
@@ -4775,53 +5238,35 @@
           </a:p>
         </p:txBody>
       </p:sp>
-      <p:sp>
-        <p:nvSpPr>
-          <p:cNvPr id="3" name="Inhaltsplatzhalter 2"/>
-          <p:cNvSpPr>
-            <a:spLocks noGrp="1"/>
-          </p:cNvSpPr>
+      <p:pic>
+        <p:nvPicPr>
+          <p:cNvPr id="4" name="Inhaltsplatzhalter 3"/>
+          <p:cNvPicPr>
+            <a:picLocks noGrp="1" noChangeAspect="1"/>
+          </p:cNvPicPr>
           <p:nvPr>
             <p:ph idx="1"/>
           </p:nvPr>
-        </p:nvSpPr>
-        <p:spPr/>
-        <p:txBody>
-          <a:bodyPr/>
-          <a:lstStyle/>
-          <a:p>
-            <a:r>
-              <a:rPr lang="de-DE" dirty="0" smtClean="0"/>
-              <a:t>&lt;</a:t>
-            </a:r>
-            <a:r>
-              <a:rPr lang="de-DE" dirty="0" err="1" smtClean="0"/>
-              <a:t>insert</a:t>
-            </a:r>
-            <a:r>
-              <a:rPr lang="de-DE" dirty="0" smtClean="0"/>
-              <a:t> </a:t>
-            </a:r>
-            <a:r>
-              <a:rPr lang="de-DE" dirty="0" err="1" smtClean="0"/>
-              <a:t>picture</a:t>
-            </a:r>
-            <a:r>
-              <a:rPr lang="de-DE" dirty="0" smtClean="0"/>
-              <a:t> </a:t>
-            </a:r>
-            <a:r>
-              <a:rPr lang="de-DE" dirty="0" err="1" smtClean="0"/>
-              <a:t>of</a:t>
-            </a:r>
-            <a:r>
-              <a:rPr lang="de-DE" dirty="0" smtClean="0"/>
-              <a:t> CC&gt;</a:t>
-            </a:r>
-            <a:endParaRPr lang="de-DE" dirty="0"/>
-          </a:p>
-        </p:txBody>
-      </p:sp>
+        </p:nvPicPr>
+        <p:blipFill>
+          <a:blip r:embed="rId2">
+            <a:extLst>
+              <a:ext uri="{28A0092B-C50C-407E-A947-70E740481C1C}">
+                <a14:useLocalDpi xmlns:a14="http://schemas.microsoft.com/office/drawing/2010/main" val="0"/>
+              </a:ext>
+            </a:extLst>
+          </a:blip>
+          <a:stretch>
+            <a:fillRect/>
+          </a:stretch>
+        </p:blipFill>
+        <p:spPr>
+          <a:xfrm>
+            <a:off x="838200" y="2404781"/>
+            <a:ext cx="10515600" cy="3193026"/>
+          </a:xfrm>
+        </p:spPr>
+      </p:pic>
     </p:spTree>
     <p:extLst>
       <p:ext uri="{BB962C8B-B14F-4D97-AF65-F5344CB8AC3E}">

--- a/Projektpräsentation SE.pptx
+++ b/Projektpräsentation SE.pptx
@@ -3741,7 +3741,11 @@
           <a:p>
             <a:r>
               <a:rPr lang="de-DE" dirty="0" smtClean="0"/>
-              <a:t>Scala Future</a:t>
+              <a:t>Scala </a:t>
+            </a:r>
+            <a:r>
+              <a:rPr lang="de-DE" dirty="0" smtClean="0"/>
+              <a:t>Future?</a:t>
             </a:r>
             <a:endParaRPr lang="de-DE" dirty="0"/>
           </a:p>
@@ -3809,25 +3813,125 @@
           </a:p>
         </p:txBody>
       </p:sp>
-      <p:sp>
-        <p:nvSpPr>
-          <p:cNvPr id="3" name="Inhaltsplatzhalter 2"/>
-          <p:cNvSpPr>
-            <a:spLocks noGrp="1"/>
-          </p:cNvSpPr>
+      <p:pic>
+        <p:nvPicPr>
+          <p:cNvPr id="5" name="Grafik 4"/>
+          <p:cNvPicPr>
+            <a:picLocks noChangeAspect="1"/>
+          </p:cNvPicPr>
+          <p:nvPr/>
+        </p:nvPicPr>
+        <p:blipFill>
+          <a:blip r:embed="rId2">
+            <a:extLst>
+              <a:ext uri="{28A0092B-C50C-407E-A947-70E740481C1C}">
+                <a14:useLocalDpi xmlns:a14="http://schemas.microsoft.com/office/drawing/2010/main" val="0"/>
+              </a:ext>
+            </a:extLst>
+          </a:blip>
+          <a:stretch>
+            <a:fillRect/>
+          </a:stretch>
+        </p:blipFill>
+        <p:spPr>
+          <a:xfrm>
+            <a:off x="117476" y="2187336"/>
+            <a:ext cx="3283059" cy="1236708"/>
+          </a:xfrm>
+          <a:prstGeom prst="rect">
+            <a:avLst/>
+          </a:prstGeom>
+        </p:spPr>
+      </p:pic>
+      <p:pic>
+        <p:nvPicPr>
+          <p:cNvPr id="7" name="Inhaltsplatzhalter 6"/>
+          <p:cNvPicPr>
+            <a:picLocks noGrp="1" noChangeAspect="1"/>
+          </p:cNvPicPr>
           <p:nvPr>
             <p:ph idx="1"/>
           </p:nvPr>
-        </p:nvSpPr>
-        <p:spPr/>
-        <p:txBody>
-          <a:bodyPr/>
-          <a:lstStyle/>
-          <a:p>
-            <a:endParaRPr lang="de-DE" dirty="0"/>
-          </a:p>
-        </p:txBody>
-      </p:sp>
+        </p:nvPicPr>
+        <p:blipFill>
+          <a:blip r:embed="rId3">
+            <a:extLst>
+              <a:ext uri="{28A0092B-C50C-407E-A947-70E740481C1C}">
+                <a14:useLocalDpi xmlns:a14="http://schemas.microsoft.com/office/drawing/2010/main" val="0"/>
+              </a:ext>
+            </a:extLst>
+          </a:blip>
+          <a:stretch>
+            <a:fillRect/>
+          </a:stretch>
+        </p:blipFill>
+        <p:spPr>
+          <a:xfrm>
+            <a:off x="3421295" y="2187336"/>
+            <a:ext cx="2929853" cy="1330221"/>
+          </a:xfrm>
+        </p:spPr>
+      </p:pic>
+      <p:pic>
+        <p:nvPicPr>
+          <p:cNvPr id="8" name="Grafik 7"/>
+          <p:cNvPicPr>
+            <a:picLocks noChangeAspect="1"/>
+          </p:cNvPicPr>
+          <p:nvPr/>
+        </p:nvPicPr>
+        <p:blipFill>
+          <a:blip r:embed="rId4">
+            <a:extLst>
+              <a:ext uri="{28A0092B-C50C-407E-A947-70E740481C1C}">
+                <a14:useLocalDpi xmlns:a14="http://schemas.microsoft.com/office/drawing/2010/main" val="0"/>
+              </a:ext>
+            </a:extLst>
+          </a:blip>
+          <a:stretch>
+            <a:fillRect/>
+          </a:stretch>
+        </p:blipFill>
+        <p:spPr>
+          <a:xfrm>
+            <a:off x="6371909" y="1910146"/>
+            <a:ext cx="5614146" cy="4021097"/>
+          </a:xfrm>
+          <a:prstGeom prst="rect">
+            <a:avLst/>
+          </a:prstGeom>
+        </p:spPr>
+      </p:pic>
+      <p:pic>
+        <p:nvPicPr>
+          <p:cNvPr id="9" name="Grafik 8"/>
+          <p:cNvPicPr>
+            <a:picLocks noChangeAspect="1"/>
+          </p:cNvPicPr>
+          <p:nvPr/>
+        </p:nvPicPr>
+        <p:blipFill>
+          <a:blip r:embed="rId5">
+            <a:extLst>
+              <a:ext uri="{28A0092B-C50C-407E-A947-70E740481C1C}">
+                <a14:useLocalDpi xmlns:a14="http://schemas.microsoft.com/office/drawing/2010/main" val="0"/>
+              </a:ext>
+            </a:extLst>
+          </a:blip>
+          <a:stretch>
+            <a:fillRect/>
+          </a:stretch>
+        </p:blipFill>
+        <p:spPr>
+          <a:xfrm>
+            <a:off x="218991" y="3920693"/>
+            <a:ext cx="6064670" cy="2010549"/>
+          </a:xfrm>
+          <a:prstGeom prst="rect">
+            <a:avLst/>
+          </a:prstGeom>
+        </p:spPr>
+      </p:pic>
     </p:spTree>
     <p:extLst>
       <p:ext uri="{BB962C8B-B14F-4D97-AF65-F5344CB8AC3E}">
@@ -4630,15 +4734,7 @@
           <a:p>
             <a:r>
               <a:rPr lang="de-DE" dirty="0" smtClean="0"/>
-              <a:t>&lt;Codebeispiel TUI Pattern </a:t>
-            </a:r>
-            <a:r>
-              <a:rPr lang="de-DE" dirty="0" err="1" smtClean="0"/>
-              <a:t>Matching</a:t>
-            </a:r>
-            <a:r>
-              <a:rPr lang="de-DE" dirty="0" smtClean="0"/>
-              <a:t>&gt;</a:t>
+              <a:t>Logger?</a:t>
             </a:r>
             <a:endParaRPr lang="de-DE" dirty="0"/>
           </a:p>
@@ -4696,15 +4792,7 @@
                   <a:schemeClr val="bg1"/>
                 </a:solidFill>
               </a:rPr>
-              <a:t>Model-View-Controller </a:t>
-            </a:r>
-            <a:r>
-              <a:rPr lang="de-DE" dirty="0" smtClean="0">
-                <a:solidFill>
-                  <a:schemeClr val="bg1"/>
-                </a:solidFill>
-              </a:rPr>
-              <a:t>Architektur</a:t>
+              <a:t>Model-View-Controller Architektur</a:t>
             </a:r>
             <a:endParaRPr lang="de-DE" dirty="0">
               <a:solidFill>

--- a/Projektpräsentation SE.pptx
+++ b/Projektpräsentation SE.pptx
@@ -12,13 +12,13 @@
     <p:sldId id="263" r:id="rId6"/>
     <p:sldId id="264" r:id="rId7"/>
     <p:sldId id="267" r:id="rId8"/>
-    <p:sldId id="261" r:id="rId9"/>
-    <p:sldId id="266" r:id="rId10"/>
-    <p:sldId id="259" r:id="rId11"/>
-    <p:sldId id="268" r:id="rId12"/>
-    <p:sldId id="269" r:id="rId13"/>
-    <p:sldId id="270" r:id="rId14"/>
-    <p:sldId id="271" r:id="rId15"/>
+    <p:sldId id="271" r:id="rId9"/>
+    <p:sldId id="261" r:id="rId10"/>
+    <p:sldId id="266" r:id="rId11"/>
+    <p:sldId id="259" r:id="rId12"/>
+    <p:sldId id="268" r:id="rId13"/>
+    <p:sldId id="269" r:id="rId14"/>
+    <p:sldId id="270" r:id="rId15"/>
     <p:sldId id="272" r:id="rId16"/>
     <p:sldId id="273" r:id="rId17"/>
   </p:sldIdLst>
@@ -3049,7 +3049,46 @@
                   <a:schemeClr val="bg1"/>
                 </a:solidFill>
               </a:rPr>
-              <a:t>Projektpräsentation SE: Arschloch</a:t>
+              <a:t>Project </a:t>
+            </a:r>
+            <a:r>
+              <a:rPr lang="de-DE" dirty="0" err="1">
+                <a:solidFill>
+                  <a:schemeClr val="bg1"/>
+                </a:solidFill>
+              </a:rPr>
+              <a:t>P</a:t>
+            </a:r>
+            <a:r>
+              <a:rPr lang="de-DE" dirty="0" err="1" smtClean="0">
+                <a:solidFill>
+                  <a:schemeClr val="bg1"/>
+                </a:solidFill>
+              </a:rPr>
+              <a:t>resentation</a:t>
+            </a:r>
+            <a:r>
+              <a:rPr lang="de-DE" dirty="0" smtClean="0">
+                <a:solidFill>
+                  <a:schemeClr val="bg1"/>
+                </a:solidFill>
+              </a:rPr>
+              <a:t> SE:</a:t>
+            </a:r>
+            <a:br>
+              <a:rPr lang="de-DE" dirty="0" smtClean="0">
+                <a:solidFill>
+                  <a:schemeClr val="bg1"/>
+                </a:solidFill>
+              </a:rPr>
+            </a:br>
+            <a:r>
+              <a:rPr lang="de-DE" dirty="0" smtClean="0">
+                <a:solidFill>
+                  <a:schemeClr val="bg1"/>
+                </a:solidFill>
+              </a:rPr>
+              <a:t>Arschloch</a:t>
             </a:r>
             <a:endParaRPr lang="de-DE" dirty="0">
               <a:solidFill>
@@ -3085,7 +3124,15 @@
                   <a:schemeClr val="bg1"/>
                 </a:solidFill>
               </a:rPr>
-              <a:t>Gruppe 5: Ralph Segi, Jan Kaiser</a:t>
+              <a:t>Group 5</a:t>
+            </a:r>
+            <a:r>
+              <a:rPr lang="de-DE" dirty="0" smtClean="0">
+                <a:solidFill>
+                  <a:schemeClr val="bg1"/>
+                </a:solidFill>
+              </a:rPr>
+              <a:t>: Ralph Segi, Jan Kaiser</a:t>
             </a:r>
             <a:endParaRPr lang="de-DE" dirty="0">
               <a:solidFill>
@@ -3154,7 +3201,23 @@
                   <a:schemeClr val="bg1"/>
                 </a:solidFill>
               </a:rPr>
-              <a:t>Design Patterns</a:t>
+              <a:t>Code </a:t>
+            </a:r>
+            <a:r>
+              <a:rPr lang="de-DE" dirty="0" err="1" smtClean="0">
+                <a:solidFill>
+                  <a:schemeClr val="bg1"/>
+                </a:solidFill>
+              </a:rPr>
+              <a:t>Coverage</a:t>
+            </a:r>
+            <a:r>
+              <a:rPr lang="de-DE" dirty="0" smtClean="0">
+                <a:solidFill>
+                  <a:schemeClr val="bg1"/>
+                </a:solidFill>
+              </a:rPr>
+              <a:t> / Tests</a:t>
             </a:r>
             <a:endParaRPr lang="de-DE" dirty="0">
               <a:solidFill>
@@ -3164,67 +3227,52 @@
           </a:p>
         </p:txBody>
       </p:sp>
-      <p:sp>
-        <p:nvSpPr>
-          <p:cNvPr id="3" name="Inhaltsplatzhalter 2"/>
-          <p:cNvSpPr>
-            <a:spLocks noGrp="1"/>
-          </p:cNvSpPr>
+      <p:pic>
+        <p:nvPicPr>
+          <p:cNvPr id="4" name="Inhaltsplatzhalter 3"/>
+          <p:cNvPicPr>
+            <a:picLocks noGrp="1" noChangeAspect="1"/>
+          </p:cNvPicPr>
           <p:nvPr>
             <p:ph idx="1"/>
           </p:nvPr>
-        </p:nvSpPr>
-        <p:spPr/>
-        <p:txBody>
-          <a:bodyPr/>
-          <a:lstStyle/>
-          <a:p>
-            <a:r>
-              <a:rPr lang="de-DE" dirty="0" smtClean="0">
-                <a:solidFill>
-                  <a:schemeClr val="bg1"/>
-                </a:solidFill>
-              </a:rPr>
-              <a:t>Observer</a:t>
-            </a:r>
-          </a:p>
-          <a:p>
-            <a:r>
-              <a:rPr lang="de-DE" dirty="0" smtClean="0">
-                <a:solidFill>
-                  <a:schemeClr val="bg1"/>
-                </a:solidFill>
-              </a:rPr>
-              <a:t>Singleton</a:t>
-            </a:r>
-          </a:p>
-          <a:p>
-            <a:r>
-              <a:rPr lang="de-DE" dirty="0" err="1" smtClean="0">
-                <a:solidFill>
-                  <a:schemeClr val="bg1"/>
-                </a:solidFill>
-              </a:rPr>
-              <a:t>Strategy</a:t>
-            </a:r>
-            <a:endParaRPr lang="de-DE" dirty="0" smtClean="0">
-              <a:solidFill>
-                <a:schemeClr val="bg1"/>
-              </a:solidFill>
-            </a:endParaRPr>
-          </a:p>
-        </p:txBody>
-      </p:sp>
+        </p:nvPicPr>
+        <p:blipFill>
+          <a:blip r:embed="rId2">
+            <a:extLst>
+              <a:ext uri="{28A0092B-C50C-407E-A947-70E740481C1C}">
+                <a14:useLocalDpi xmlns:a14="http://schemas.microsoft.com/office/drawing/2010/main" val="0"/>
+              </a:ext>
+            </a:extLst>
+          </a:blip>
+          <a:stretch>
+            <a:fillRect/>
+          </a:stretch>
+        </p:blipFill>
+        <p:spPr>
+          <a:xfrm>
+            <a:off x="838200" y="2404781"/>
+            <a:ext cx="10515600" cy="3193026"/>
+          </a:xfrm>
+        </p:spPr>
+      </p:pic>
     </p:spTree>
     <p:extLst>
       <p:ext uri="{BB962C8B-B14F-4D97-AF65-F5344CB8AC3E}">
-        <p14:creationId xmlns:p14="http://schemas.microsoft.com/office/powerpoint/2010/main" val="1613925234"/>
+        <p14:creationId xmlns:p14="http://schemas.microsoft.com/office/powerpoint/2010/main" val="1308059267"/>
       </p:ext>
     </p:extLst>
   </p:cSld>
   <p:clrMapOvr>
     <a:masterClrMapping/>
   </p:clrMapOvr>
+  <p:timing>
+    <p:tnLst>
+      <p:par>
+        <p:cTn id="1" dur="indefinite" restart="never" nodeType="tmRoot"/>
+      </p:par>
+    </p:tnLst>
+  </p:timing>
 </p:sld>
 </file>
 
@@ -3267,7 +3315,7 @@
                   <a:schemeClr val="bg1"/>
                 </a:solidFill>
               </a:rPr>
-              <a:t>Observer Pattern</a:t>
+              <a:t>Design Patterns</a:t>
             </a:r>
             <a:endParaRPr lang="de-DE" dirty="0">
               <a:solidFill>
@@ -3293,47 +3341,58 @@
           <a:lstStyle/>
           <a:p>
             <a:r>
-              <a:rPr lang="de-DE" dirty="0" smtClean="0"/>
-              <a:t>&lt;Code </a:t>
-            </a:r>
-            <a:r>
-              <a:rPr lang="de-DE" dirty="0" err="1" smtClean="0"/>
-              <a:t>Example</a:t>
-            </a:r>
-            <a:r>
-              <a:rPr lang="de-DE" dirty="0" smtClean="0"/>
-              <a:t> / Code </a:t>
-            </a:r>
-            <a:r>
-              <a:rPr lang="de-DE" dirty="0" err="1" smtClean="0"/>
-              <a:t>Structure</a:t>
-            </a:r>
-            <a:r>
-              <a:rPr lang="de-DE" dirty="0" smtClean="0"/>
-              <a:t> </a:t>
-            </a:r>
-            <a:r>
-              <a:rPr lang="de-DE" dirty="0" err="1" smtClean="0"/>
-              <a:t>picture</a:t>
-            </a:r>
-            <a:r>
-              <a:rPr lang="de-DE" dirty="0" smtClean="0"/>
-              <a:t>&gt; / UML Diagramm</a:t>
-            </a:r>
-            <a:endParaRPr lang="de-DE" dirty="0"/>
+              <a:rPr lang="de-DE" dirty="0" smtClean="0">
+                <a:solidFill>
+                  <a:schemeClr val="bg1"/>
+                </a:solidFill>
+              </a:rPr>
+              <a:t>Observer</a:t>
+            </a:r>
+          </a:p>
+          <a:p>
+            <a:r>
+              <a:rPr lang="de-DE" dirty="0" smtClean="0">
+                <a:solidFill>
+                  <a:schemeClr val="bg1"/>
+                </a:solidFill>
+              </a:rPr>
+              <a:t>Singleton</a:t>
+            </a:r>
+          </a:p>
+          <a:p>
+            <a:r>
+              <a:rPr lang="de-DE" dirty="0" err="1" smtClean="0">
+                <a:solidFill>
+                  <a:schemeClr val="bg1"/>
+                </a:solidFill>
+              </a:rPr>
+              <a:t>Strategy</a:t>
+            </a:r>
+            <a:endParaRPr lang="de-DE" dirty="0" smtClean="0">
+              <a:solidFill>
+                <a:schemeClr val="bg1"/>
+              </a:solidFill>
+            </a:endParaRPr>
           </a:p>
         </p:txBody>
       </p:sp>
     </p:spTree>
     <p:extLst>
       <p:ext uri="{BB962C8B-B14F-4D97-AF65-F5344CB8AC3E}">
-        <p14:creationId xmlns:p14="http://schemas.microsoft.com/office/powerpoint/2010/main" val="4019749663"/>
+        <p14:creationId xmlns:p14="http://schemas.microsoft.com/office/powerpoint/2010/main" val="1613925234"/>
       </p:ext>
     </p:extLst>
   </p:cSld>
   <p:clrMapOvr>
     <a:masterClrMapping/>
   </p:clrMapOvr>
+  <p:timing>
+    <p:tnLst>
+      <p:par>
+        <p:cTn id="1" dur="indefinite" restart="never" nodeType="tmRoot"/>
+      </p:par>
+    </p:tnLst>
+  </p:timing>
 </p:sld>
 </file>
 
@@ -3376,7 +3435,7 @@
                   <a:schemeClr val="bg1"/>
                 </a:solidFill>
               </a:rPr>
-              <a:t>Singleton</a:t>
+              <a:t>Observer Pattern</a:t>
             </a:r>
             <a:endParaRPr lang="de-DE" dirty="0">
               <a:solidFill>
@@ -3386,14 +3445,960 @@
           </a:p>
         </p:txBody>
       </p:sp>
+      <p:sp>
+        <p:nvSpPr>
+          <p:cNvPr id="4" name="Textplatzhalter 3"/>
+          <p:cNvSpPr>
+            <a:spLocks noGrp="1"/>
+          </p:cNvSpPr>
+          <p:nvPr>
+            <p:ph type="body" idx="1"/>
+          </p:nvPr>
+        </p:nvSpPr>
+        <p:spPr/>
+        <p:txBody>
+          <a:bodyPr/>
+          <a:lstStyle/>
+          <a:p>
+            <a:r>
+              <a:rPr lang="de-DE" dirty="0" smtClean="0">
+                <a:solidFill>
+                  <a:schemeClr val="bg1"/>
+                </a:solidFill>
+              </a:rPr>
+              <a:t>Observable</a:t>
+            </a:r>
+            <a:endParaRPr lang="de-DE" dirty="0">
+              <a:solidFill>
+                <a:schemeClr val="bg1"/>
+              </a:solidFill>
+            </a:endParaRPr>
+          </a:p>
+        </p:txBody>
+      </p:sp>
+      <p:sp>
+        <p:nvSpPr>
+          <p:cNvPr id="3" name="Inhaltsplatzhalter 2"/>
+          <p:cNvSpPr>
+            <a:spLocks noGrp="1"/>
+          </p:cNvSpPr>
+          <p:nvPr>
+            <p:ph sz="half" idx="2"/>
+          </p:nvPr>
+        </p:nvSpPr>
+        <p:spPr/>
+        <p:txBody>
+          <a:bodyPr/>
+          <a:lstStyle/>
+          <a:p>
+            <a:r>
+              <a:rPr lang="de-DE" dirty="0" err="1" smtClean="0">
+                <a:solidFill>
+                  <a:schemeClr val="bg1"/>
+                </a:solidFill>
+              </a:rPr>
+              <a:t>Uses</a:t>
+            </a:r>
+            <a:r>
+              <a:rPr lang="de-DE" dirty="0" smtClean="0">
+                <a:solidFill>
+                  <a:schemeClr val="bg1"/>
+                </a:solidFill>
+              </a:rPr>
+              <a:t> </a:t>
+            </a:r>
+            <a:r>
+              <a:rPr lang="de-DE" dirty="0" err="1" smtClean="0">
+                <a:solidFill>
+                  <a:schemeClr val="bg1"/>
+                </a:solidFill>
+              </a:rPr>
+              <a:t>scala.swing.Publisher</a:t>
+            </a:r>
+            <a:r>
+              <a:rPr lang="de-DE" dirty="0" smtClean="0">
+                <a:solidFill>
+                  <a:schemeClr val="bg1"/>
+                </a:solidFill>
+              </a:rPr>
+              <a:t> </a:t>
+            </a:r>
+            <a:r>
+              <a:rPr lang="de-DE" dirty="0" err="1" smtClean="0">
+                <a:solidFill>
+                  <a:schemeClr val="bg1"/>
+                </a:solidFill>
+              </a:rPr>
+              <a:t>to</a:t>
+            </a:r>
+            <a:r>
+              <a:rPr lang="de-DE" dirty="0" smtClean="0">
+                <a:solidFill>
+                  <a:schemeClr val="bg1"/>
+                </a:solidFill>
+              </a:rPr>
+              <a:t> </a:t>
+            </a:r>
+            <a:r>
+              <a:rPr lang="de-DE" dirty="0" err="1" smtClean="0">
+                <a:solidFill>
+                  <a:schemeClr val="bg1"/>
+                </a:solidFill>
+              </a:rPr>
+              <a:t>publish</a:t>
+            </a:r>
+            <a:r>
+              <a:rPr lang="de-DE" dirty="0" smtClean="0">
+                <a:solidFill>
+                  <a:schemeClr val="bg1"/>
+                </a:solidFill>
+              </a:rPr>
+              <a:t> </a:t>
+            </a:r>
+            <a:r>
+              <a:rPr lang="de-DE" dirty="0" err="1" smtClean="0">
+                <a:solidFill>
+                  <a:schemeClr val="bg1"/>
+                </a:solidFill>
+              </a:rPr>
+              <a:t>scala.swing.Event</a:t>
+            </a:r>
+            <a:endParaRPr lang="de-DE" dirty="0" smtClean="0">
+              <a:solidFill>
+                <a:schemeClr val="bg1"/>
+              </a:solidFill>
+            </a:endParaRPr>
+          </a:p>
+          <a:p>
+            <a:r>
+              <a:rPr lang="de-DE" dirty="0" err="1" smtClean="0">
+                <a:solidFill>
+                  <a:schemeClr val="bg1"/>
+                </a:solidFill>
+              </a:rPr>
+              <a:t>Implemented</a:t>
+            </a:r>
+            <a:r>
+              <a:rPr lang="de-DE" dirty="0" smtClean="0">
+                <a:solidFill>
+                  <a:schemeClr val="bg1"/>
+                </a:solidFill>
+              </a:rPr>
+              <a:t> in </a:t>
+            </a:r>
+            <a:r>
+              <a:rPr lang="de-DE" dirty="0" err="1" smtClean="0">
+                <a:solidFill>
+                  <a:schemeClr val="bg1"/>
+                </a:solidFill>
+              </a:rPr>
+              <a:t>the</a:t>
+            </a:r>
+            <a:r>
+              <a:rPr lang="de-DE" dirty="0" smtClean="0">
+                <a:solidFill>
+                  <a:schemeClr val="bg1"/>
+                </a:solidFill>
+              </a:rPr>
+              <a:t> </a:t>
+            </a:r>
+            <a:r>
+              <a:rPr lang="de-DE" dirty="0" err="1" smtClean="0">
+                <a:solidFill>
+                  <a:schemeClr val="bg1"/>
+                </a:solidFill>
+              </a:rPr>
+              <a:t>game</a:t>
+            </a:r>
+            <a:r>
+              <a:rPr lang="de-DE" dirty="0" smtClean="0">
+                <a:solidFill>
+                  <a:schemeClr val="bg1"/>
+                </a:solidFill>
+              </a:rPr>
+              <a:t> </a:t>
+            </a:r>
+            <a:r>
+              <a:rPr lang="de-DE" dirty="0" err="1" smtClean="0">
+                <a:solidFill>
+                  <a:schemeClr val="bg1"/>
+                </a:solidFill>
+              </a:rPr>
+              <a:t>handler</a:t>
+            </a:r>
+            <a:endParaRPr lang="de-DE" dirty="0" smtClean="0">
+              <a:solidFill>
+                <a:schemeClr val="bg1"/>
+              </a:solidFill>
+            </a:endParaRPr>
+          </a:p>
+          <a:p>
+            <a:endParaRPr lang="de-DE" dirty="0"/>
+          </a:p>
+        </p:txBody>
+      </p:sp>
+      <p:sp>
+        <p:nvSpPr>
+          <p:cNvPr id="5" name="Textplatzhalter 4"/>
+          <p:cNvSpPr>
+            <a:spLocks noGrp="1"/>
+          </p:cNvSpPr>
+          <p:nvPr>
+            <p:ph type="body" sz="quarter" idx="3"/>
+          </p:nvPr>
+        </p:nvSpPr>
+        <p:spPr/>
+        <p:txBody>
+          <a:bodyPr/>
+          <a:lstStyle/>
+          <a:p>
+            <a:r>
+              <a:rPr lang="de-DE" dirty="0" smtClean="0">
+                <a:solidFill>
+                  <a:schemeClr val="bg1"/>
+                </a:solidFill>
+              </a:rPr>
+              <a:t>Observer</a:t>
+            </a:r>
+            <a:endParaRPr lang="de-DE" dirty="0">
+              <a:solidFill>
+                <a:schemeClr val="bg1"/>
+              </a:solidFill>
+            </a:endParaRPr>
+          </a:p>
+        </p:txBody>
+      </p:sp>
+      <p:sp>
+        <p:nvSpPr>
+          <p:cNvPr id="6" name="Inhaltsplatzhalter 5"/>
+          <p:cNvSpPr>
+            <a:spLocks noGrp="1"/>
+          </p:cNvSpPr>
+          <p:nvPr>
+            <p:ph sz="quarter" idx="4"/>
+          </p:nvPr>
+        </p:nvSpPr>
+        <p:spPr/>
+        <p:txBody>
+          <a:bodyPr/>
+          <a:lstStyle/>
+          <a:p>
+            <a:r>
+              <a:rPr lang="de-DE" dirty="0" err="1" smtClean="0">
+                <a:solidFill>
+                  <a:schemeClr val="bg1"/>
+                </a:solidFill>
+              </a:rPr>
+              <a:t>Uses</a:t>
+            </a:r>
+            <a:r>
+              <a:rPr lang="de-DE" dirty="0" smtClean="0">
+                <a:solidFill>
+                  <a:schemeClr val="bg1"/>
+                </a:solidFill>
+              </a:rPr>
+              <a:t> </a:t>
+            </a:r>
+            <a:r>
+              <a:rPr lang="de-DE" dirty="0" err="1" smtClean="0">
+                <a:solidFill>
+                  <a:schemeClr val="bg1"/>
+                </a:solidFill>
+              </a:rPr>
+              <a:t>scala.swing.Reactor</a:t>
+            </a:r>
+            <a:r>
+              <a:rPr lang="de-DE" dirty="0" smtClean="0">
+                <a:solidFill>
+                  <a:schemeClr val="bg1"/>
+                </a:solidFill>
+              </a:rPr>
+              <a:t> </a:t>
+            </a:r>
+            <a:r>
+              <a:rPr lang="de-DE" dirty="0" err="1" smtClean="0">
+                <a:solidFill>
+                  <a:schemeClr val="bg1"/>
+                </a:solidFill>
+              </a:rPr>
+              <a:t>to</a:t>
+            </a:r>
+            <a:r>
+              <a:rPr lang="de-DE" dirty="0" smtClean="0">
+                <a:solidFill>
+                  <a:schemeClr val="bg1"/>
+                </a:solidFill>
+              </a:rPr>
+              <a:t> </a:t>
+            </a:r>
+            <a:r>
+              <a:rPr lang="de-DE" dirty="0" err="1" smtClean="0">
+                <a:solidFill>
+                  <a:schemeClr val="bg1"/>
+                </a:solidFill>
+              </a:rPr>
+              <a:t>receives</a:t>
+            </a:r>
+            <a:r>
+              <a:rPr lang="de-DE" dirty="0" smtClean="0">
+                <a:solidFill>
+                  <a:schemeClr val="bg1"/>
+                </a:solidFill>
+              </a:rPr>
+              <a:t> </a:t>
+            </a:r>
+            <a:r>
+              <a:rPr lang="de-DE" dirty="0" err="1" smtClean="0">
+                <a:solidFill>
+                  <a:schemeClr val="bg1"/>
+                </a:solidFill>
+              </a:rPr>
+              <a:t>scala.swing.Event</a:t>
+            </a:r>
+            <a:endParaRPr lang="de-DE" dirty="0" smtClean="0">
+              <a:solidFill>
+                <a:schemeClr val="bg1"/>
+              </a:solidFill>
+            </a:endParaRPr>
+          </a:p>
+          <a:p>
+            <a:r>
+              <a:rPr lang="de-DE" dirty="0" err="1" smtClean="0">
+                <a:solidFill>
+                  <a:schemeClr val="bg1"/>
+                </a:solidFill>
+              </a:rPr>
+              <a:t>Implemented</a:t>
+            </a:r>
+            <a:r>
+              <a:rPr lang="de-DE" dirty="0" smtClean="0">
+                <a:solidFill>
+                  <a:schemeClr val="bg1"/>
+                </a:solidFill>
+              </a:rPr>
+              <a:t> in </a:t>
+            </a:r>
+            <a:r>
+              <a:rPr lang="de-DE" dirty="0" err="1" smtClean="0">
+                <a:solidFill>
+                  <a:schemeClr val="bg1"/>
+                </a:solidFill>
+              </a:rPr>
+              <a:t>the</a:t>
+            </a:r>
+            <a:r>
+              <a:rPr lang="de-DE" dirty="0" smtClean="0">
+                <a:solidFill>
+                  <a:schemeClr val="bg1"/>
+                </a:solidFill>
+              </a:rPr>
+              <a:t> </a:t>
+            </a:r>
+            <a:r>
+              <a:rPr lang="de-DE" dirty="0" err="1" smtClean="0">
+                <a:solidFill>
+                  <a:schemeClr val="bg1"/>
+                </a:solidFill>
+              </a:rPr>
+              <a:t>views</a:t>
+            </a:r>
+            <a:r>
+              <a:rPr lang="de-DE" dirty="0" smtClean="0">
+                <a:solidFill>
+                  <a:schemeClr val="bg1"/>
+                </a:solidFill>
+              </a:rPr>
+              <a:t> (TUI </a:t>
+            </a:r>
+            <a:r>
+              <a:rPr lang="de-DE" dirty="0" err="1" smtClean="0">
+                <a:solidFill>
+                  <a:schemeClr val="bg1"/>
+                </a:solidFill>
+              </a:rPr>
+              <a:t>and</a:t>
+            </a:r>
+            <a:r>
+              <a:rPr lang="de-DE" dirty="0" smtClean="0">
+                <a:solidFill>
+                  <a:schemeClr val="bg1"/>
+                </a:solidFill>
+              </a:rPr>
+              <a:t> GUI)</a:t>
+            </a:r>
+          </a:p>
+          <a:p>
+            <a:endParaRPr lang="de-DE" dirty="0">
+              <a:solidFill>
+                <a:schemeClr val="bg1"/>
+              </a:solidFill>
+            </a:endParaRPr>
+          </a:p>
+        </p:txBody>
+      </p:sp>
       <p:pic>
         <p:nvPicPr>
-          <p:cNvPr id="4" name="Inhaltsplatzhalter 3"/>
+          <p:cNvPr id="7" name="Grafik 6"/>
+          <p:cNvPicPr>
+            <a:picLocks noChangeAspect="1"/>
+          </p:cNvPicPr>
+          <p:nvPr/>
+        </p:nvPicPr>
+        <p:blipFill>
+          <a:blip r:embed="rId2"/>
+          <a:stretch>
+            <a:fillRect/>
+          </a:stretch>
+        </p:blipFill>
+        <p:spPr>
+          <a:xfrm>
+            <a:off x="2104231" y="5049044"/>
+            <a:ext cx="2628900" cy="219075"/>
+          </a:xfrm>
+          <a:prstGeom prst="rect">
+            <a:avLst/>
+          </a:prstGeom>
+        </p:spPr>
+      </p:pic>
+      <p:pic>
+        <p:nvPicPr>
+          <p:cNvPr id="9" name="Grafik 8"/>
+          <p:cNvPicPr>
+            <a:picLocks noChangeAspect="1"/>
+          </p:cNvPicPr>
+          <p:nvPr/>
+        </p:nvPicPr>
+        <p:blipFill>
+          <a:blip r:embed="rId3"/>
+          <a:stretch>
+            <a:fillRect/>
+          </a:stretch>
+        </p:blipFill>
+        <p:spPr>
+          <a:xfrm>
+            <a:off x="6142357" y="5342450"/>
+            <a:ext cx="5213031" cy="847213"/>
+          </a:xfrm>
+          <a:prstGeom prst="rect">
+            <a:avLst/>
+          </a:prstGeom>
+        </p:spPr>
+      </p:pic>
+      <p:pic>
+        <p:nvPicPr>
+          <p:cNvPr id="10" name="Grafik 9"/>
+          <p:cNvPicPr>
+            <a:picLocks noChangeAspect="1"/>
+          </p:cNvPicPr>
+          <p:nvPr/>
+        </p:nvPicPr>
+        <p:blipFill>
+          <a:blip r:embed="rId4"/>
+          <a:stretch>
+            <a:fillRect/>
+          </a:stretch>
+        </p:blipFill>
+        <p:spPr>
+          <a:xfrm>
+            <a:off x="1832768" y="5713413"/>
+            <a:ext cx="3171825" cy="476250"/>
+          </a:xfrm>
+          <a:prstGeom prst="rect">
+            <a:avLst/>
+          </a:prstGeom>
+        </p:spPr>
+      </p:pic>
+    </p:spTree>
+    <p:extLst>
+      <p:ext uri="{BB962C8B-B14F-4D97-AF65-F5344CB8AC3E}">
+        <p14:creationId xmlns:p14="http://schemas.microsoft.com/office/powerpoint/2010/main" val="4019749663"/>
+      </p:ext>
+    </p:extLst>
+  </p:cSld>
+  <p:clrMapOvr>
+    <a:masterClrMapping/>
+  </p:clrMapOvr>
+  <p:timing>
+    <p:tnLst>
+      <p:par>
+        <p:cTn id="1" dur="indefinite" restart="never" nodeType="tmRoot"/>
+      </p:par>
+    </p:tnLst>
+  </p:timing>
+</p:sld>
+</file>
+
+<file path=ppt/slides/slide13.xml><?xml version="1.0" encoding="utf-8"?>
+<p:sld xmlns:a="http://schemas.openxmlformats.org/drawingml/2006/main" xmlns:r="http://schemas.openxmlformats.org/officeDocument/2006/relationships" xmlns:p="http://schemas.openxmlformats.org/presentationml/2006/main">
+  <p:cSld>
+    <p:spTree>
+      <p:nvGrpSpPr>
+        <p:cNvPr id="1" name=""/>
+        <p:cNvGrpSpPr/>
+        <p:nvPr/>
+      </p:nvGrpSpPr>
+      <p:grpSpPr>
+        <a:xfrm>
+          <a:off x="0" y="0"/>
+          <a:ext cx="0" cy="0"/>
+          <a:chOff x="0" y="0"/>
+          <a:chExt cx="0" cy="0"/>
+        </a:xfrm>
+      </p:grpSpPr>
+      <p:sp>
+        <p:nvSpPr>
+          <p:cNvPr id="2" name="Titel 1"/>
+          <p:cNvSpPr>
+            <a:spLocks noGrp="1"/>
+          </p:cNvSpPr>
+          <p:nvPr>
+            <p:ph type="title"/>
+          </p:nvPr>
+        </p:nvSpPr>
+        <p:spPr/>
+        <p:txBody>
+          <a:bodyPr/>
+          <a:lstStyle/>
+          <a:p>
+            <a:pPr algn="ctr"/>
+            <a:r>
+              <a:rPr lang="de-DE" dirty="0" smtClean="0">
+                <a:solidFill>
+                  <a:schemeClr val="bg1"/>
+                </a:solidFill>
+              </a:rPr>
+              <a:t>Singleton</a:t>
+            </a:r>
+            <a:endParaRPr lang="de-DE" dirty="0">
+              <a:solidFill>
+                <a:schemeClr val="bg1"/>
+              </a:solidFill>
+            </a:endParaRPr>
+          </a:p>
+        </p:txBody>
+      </p:sp>
+      <p:sp>
+        <p:nvSpPr>
+          <p:cNvPr id="7" name="Inhaltsplatzhalter 6"/>
+          <p:cNvSpPr>
+            <a:spLocks noGrp="1"/>
+          </p:cNvSpPr>
+          <p:nvPr>
+            <p:ph sz="half" idx="2"/>
+          </p:nvPr>
+        </p:nvSpPr>
+        <p:spPr/>
+        <p:txBody>
+          <a:bodyPr/>
+          <a:lstStyle/>
+          <a:p>
+            <a:r>
+              <a:rPr lang="de-DE" dirty="0" smtClean="0">
+                <a:solidFill>
+                  <a:schemeClr val="bg1"/>
+                </a:solidFill>
+              </a:rPr>
+              <a:t>Singleton </a:t>
+            </a:r>
+            <a:r>
+              <a:rPr lang="en-GB" dirty="0" smtClean="0">
+                <a:solidFill>
+                  <a:schemeClr val="bg1"/>
+                </a:solidFill>
+              </a:rPr>
+              <a:t>through</a:t>
+            </a:r>
+            <a:r>
+              <a:rPr lang="de-DE" dirty="0" smtClean="0">
+                <a:solidFill>
+                  <a:schemeClr val="bg1"/>
+                </a:solidFill>
+              </a:rPr>
+              <a:t> </a:t>
+            </a:r>
+            <a:r>
+              <a:rPr lang="de-DE" dirty="0" err="1" smtClean="0">
+                <a:solidFill>
+                  <a:schemeClr val="bg1"/>
+                </a:solidFill>
+              </a:rPr>
+              <a:t>injection</a:t>
+            </a:r>
+            <a:r>
+              <a:rPr lang="de-DE" dirty="0" smtClean="0">
+                <a:solidFill>
+                  <a:schemeClr val="bg1"/>
+                </a:solidFill>
+              </a:rPr>
+              <a:t>. @Singleton </a:t>
+            </a:r>
+            <a:r>
+              <a:rPr lang="de-DE" dirty="0" err="1" smtClean="0">
+                <a:solidFill>
+                  <a:schemeClr val="bg1"/>
+                </a:solidFill>
+              </a:rPr>
+              <a:t>makes</a:t>
+            </a:r>
+            <a:r>
+              <a:rPr lang="de-DE" dirty="0" smtClean="0">
+                <a:solidFill>
+                  <a:schemeClr val="bg1"/>
+                </a:solidFill>
+              </a:rPr>
+              <a:t> </a:t>
+            </a:r>
+            <a:r>
+              <a:rPr lang="de-DE" dirty="0" err="1" smtClean="0">
+                <a:solidFill>
+                  <a:schemeClr val="bg1"/>
+                </a:solidFill>
+              </a:rPr>
+              <a:t>sure</a:t>
+            </a:r>
+            <a:r>
+              <a:rPr lang="de-DE" dirty="0" smtClean="0">
+                <a:solidFill>
+                  <a:schemeClr val="bg1"/>
+                </a:solidFill>
+              </a:rPr>
+              <a:t> </a:t>
+            </a:r>
+            <a:r>
+              <a:rPr lang="de-DE" dirty="0" err="1" smtClean="0">
+                <a:solidFill>
+                  <a:schemeClr val="bg1"/>
+                </a:solidFill>
+              </a:rPr>
+              <a:t>to</a:t>
+            </a:r>
+            <a:r>
+              <a:rPr lang="de-DE" dirty="0" smtClean="0">
+                <a:solidFill>
+                  <a:schemeClr val="bg1"/>
+                </a:solidFill>
+              </a:rPr>
+              <a:t> </a:t>
+            </a:r>
+            <a:r>
+              <a:rPr lang="de-DE" dirty="0" err="1" smtClean="0">
+                <a:solidFill>
+                  <a:schemeClr val="bg1"/>
+                </a:solidFill>
+              </a:rPr>
+              <a:t>inject</a:t>
+            </a:r>
+            <a:r>
+              <a:rPr lang="de-DE" dirty="0" smtClean="0">
+                <a:solidFill>
+                  <a:schemeClr val="bg1"/>
+                </a:solidFill>
+              </a:rPr>
+              <a:t> </a:t>
+            </a:r>
+            <a:r>
+              <a:rPr lang="de-DE" dirty="0" err="1" smtClean="0">
+                <a:solidFill>
+                  <a:schemeClr val="bg1"/>
+                </a:solidFill>
+              </a:rPr>
+              <a:t>only</a:t>
+            </a:r>
+            <a:r>
+              <a:rPr lang="de-DE" dirty="0" smtClean="0">
+                <a:solidFill>
+                  <a:schemeClr val="bg1"/>
+                </a:solidFill>
+              </a:rPr>
+              <a:t> </a:t>
+            </a:r>
+            <a:r>
+              <a:rPr lang="de-DE" dirty="0" err="1" smtClean="0">
+                <a:solidFill>
+                  <a:schemeClr val="bg1"/>
+                </a:solidFill>
+              </a:rPr>
+              <a:t>one</a:t>
+            </a:r>
+            <a:r>
+              <a:rPr lang="de-DE" dirty="0" smtClean="0">
+                <a:solidFill>
+                  <a:schemeClr val="bg1"/>
+                </a:solidFill>
+              </a:rPr>
+              <a:t> </a:t>
+            </a:r>
+            <a:r>
+              <a:rPr lang="de-DE" dirty="0" err="1" smtClean="0">
+                <a:solidFill>
+                  <a:schemeClr val="bg1"/>
+                </a:solidFill>
+              </a:rPr>
+              <a:t>instance</a:t>
+            </a:r>
+            <a:r>
+              <a:rPr lang="de-DE" dirty="0" smtClean="0">
+                <a:solidFill>
+                  <a:schemeClr val="bg1"/>
+                </a:solidFill>
+              </a:rPr>
+              <a:t> </a:t>
+            </a:r>
+            <a:r>
+              <a:rPr lang="de-DE" dirty="0" err="1" smtClean="0">
+                <a:solidFill>
+                  <a:schemeClr val="bg1"/>
+                </a:solidFill>
+              </a:rPr>
+              <a:t>to</a:t>
+            </a:r>
+            <a:r>
+              <a:rPr lang="de-DE" dirty="0" smtClean="0">
+                <a:solidFill>
+                  <a:schemeClr val="bg1"/>
+                </a:solidFill>
+              </a:rPr>
+              <a:t> </a:t>
+            </a:r>
+            <a:r>
+              <a:rPr lang="de-DE" dirty="0" err="1" smtClean="0">
+                <a:solidFill>
+                  <a:schemeClr val="bg1"/>
+                </a:solidFill>
+              </a:rPr>
+              <a:t>each</a:t>
+            </a:r>
+            <a:r>
+              <a:rPr lang="de-DE" dirty="0" smtClean="0">
+                <a:solidFill>
+                  <a:schemeClr val="bg1"/>
+                </a:solidFill>
+              </a:rPr>
+              <a:t> „</a:t>
+            </a:r>
+            <a:r>
+              <a:rPr lang="de-DE" dirty="0" err="1" smtClean="0">
+                <a:solidFill>
+                  <a:schemeClr val="bg1"/>
+                </a:solidFill>
+              </a:rPr>
+              <a:t>injector</a:t>
+            </a:r>
+            <a:r>
+              <a:rPr lang="de-DE" dirty="0" smtClean="0">
+                <a:solidFill>
+                  <a:schemeClr val="bg1"/>
+                </a:solidFill>
+              </a:rPr>
+              <a:t>“</a:t>
+            </a:r>
+          </a:p>
+          <a:p>
+            <a:endParaRPr lang="de-DE" dirty="0" smtClean="0">
+              <a:solidFill>
+                <a:schemeClr val="bg1"/>
+              </a:solidFill>
+            </a:endParaRPr>
+          </a:p>
+          <a:p>
+            <a:r>
+              <a:rPr lang="de-DE" dirty="0" err="1" smtClean="0">
+                <a:solidFill>
+                  <a:schemeClr val="bg1"/>
+                </a:solidFill>
+              </a:rPr>
+              <a:t>We</a:t>
+            </a:r>
+            <a:r>
+              <a:rPr lang="de-DE" dirty="0" smtClean="0">
+                <a:solidFill>
+                  <a:schemeClr val="bg1"/>
+                </a:solidFill>
+              </a:rPr>
+              <a:t> also </a:t>
+            </a:r>
+            <a:r>
+              <a:rPr lang="de-DE" dirty="0" err="1" smtClean="0">
+                <a:solidFill>
+                  <a:schemeClr val="bg1"/>
+                </a:solidFill>
+              </a:rPr>
+              <a:t>use</a:t>
+            </a:r>
+            <a:r>
+              <a:rPr lang="de-DE" dirty="0" smtClean="0">
+                <a:solidFill>
+                  <a:schemeClr val="bg1"/>
+                </a:solidFill>
+              </a:rPr>
+              <a:t> </a:t>
+            </a:r>
+            <a:r>
+              <a:rPr lang="de-DE" dirty="0">
+                <a:solidFill>
+                  <a:schemeClr val="bg1"/>
+                </a:solidFill>
+              </a:rPr>
+              <a:t>S</a:t>
+            </a:r>
+            <a:r>
+              <a:rPr lang="de-DE" dirty="0" smtClean="0">
+                <a:solidFill>
+                  <a:schemeClr val="bg1"/>
+                </a:solidFill>
+              </a:rPr>
+              <a:t>cala Objects </a:t>
+            </a:r>
+            <a:r>
+              <a:rPr lang="de-DE" dirty="0" err="1" smtClean="0">
+                <a:solidFill>
+                  <a:schemeClr val="bg1"/>
+                </a:solidFill>
+              </a:rPr>
+              <a:t>to</a:t>
+            </a:r>
+            <a:r>
+              <a:rPr lang="de-DE" dirty="0" smtClean="0">
+                <a:solidFill>
+                  <a:schemeClr val="bg1"/>
+                </a:solidFill>
+              </a:rPr>
+              <a:t> </a:t>
+            </a:r>
+            <a:r>
+              <a:rPr lang="de-DE" dirty="0" err="1" smtClean="0">
+                <a:solidFill>
+                  <a:schemeClr val="bg1"/>
+                </a:solidFill>
+              </a:rPr>
+              <a:t>act</a:t>
+            </a:r>
+            <a:r>
+              <a:rPr lang="de-DE" dirty="0" smtClean="0">
+                <a:solidFill>
+                  <a:schemeClr val="bg1"/>
+                </a:solidFill>
+              </a:rPr>
+              <a:t> </a:t>
+            </a:r>
+            <a:r>
+              <a:rPr lang="de-DE" dirty="0" err="1" smtClean="0">
+                <a:solidFill>
+                  <a:schemeClr val="bg1"/>
+                </a:solidFill>
+              </a:rPr>
+              <a:t>as</a:t>
+            </a:r>
+            <a:r>
+              <a:rPr lang="de-DE" dirty="0" smtClean="0">
+                <a:solidFill>
+                  <a:schemeClr val="bg1"/>
+                </a:solidFill>
+              </a:rPr>
+              <a:t> Singletons </a:t>
+            </a:r>
+            <a:r>
+              <a:rPr lang="de-DE" dirty="0" err="1" smtClean="0">
+                <a:solidFill>
+                  <a:schemeClr val="bg1"/>
+                </a:solidFill>
+              </a:rPr>
+              <a:t>to</a:t>
+            </a:r>
+            <a:r>
+              <a:rPr lang="de-DE" dirty="0" smtClean="0">
+                <a:solidFill>
+                  <a:schemeClr val="bg1"/>
+                </a:solidFill>
+              </a:rPr>
+              <a:t> handle </a:t>
+            </a:r>
+            <a:r>
+              <a:rPr lang="de-DE" dirty="0" err="1" smtClean="0">
+                <a:solidFill>
+                  <a:schemeClr val="bg1"/>
+                </a:solidFill>
+              </a:rPr>
+              <a:t>eg</a:t>
+            </a:r>
+            <a:r>
+              <a:rPr lang="de-DE" dirty="0" smtClean="0">
+                <a:solidFill>
+                  <a:schemeClr val="bg1"/>
+                </a:solidFill>
+              </a:rPr>
+              <a:t>. </a:t>
+            </a:r>
+            <a:r>
+              <a:rPr lang="de-DE" dirty="0" err="1">
+                <a:solidFill>
+                  <a:schemeClr val="bg1"/>
+                </a:solidFill>
+              </a:rPr>
+              <a:t>o</a:t>
+            </a:r>
+            <a:r>
+              <a:rPr lang="de-DE" dirty="0" err="1" smtClean="0">
+                <a:solidFill>
+                  <a:schemeClr val="bg1"/>
+                </a:solidFill>
+              </a:rPr>
+              <a:t>ur</a:t>
+            </a:r>
+            <a:r>
+              <a:rPr lang="de-DE" dirty="0" smtClean="0">
+                <a:solidFill>
+                  <a:schemeClr val="bg1"/>
+                </a:solidFill>
+              </a:rPr>
+              <a:t> </a:t>
+            </a:r>
+            <a:r>
+              <a:rPr lang="de-DE" dirty="0" err="1" smtClean="0">
+                <a:solidFill>
+                  <a:schemeClr val="bg1"/>
+                </a:solidFill>
+              </a:rPr>
+              <a:t>game</a:t>
+            </a:r>
+            <a:r>
+              <a:rPr lang="de-DE" dirty="0" smtClean="0">
+                <a:solidFill>
+                  <a:schemeClr val="bg1"/>
+                </a:solidFill>
+              </a:rPr>
+              <a:t> </a:t>
+            </a:r>
+            <a:r>
+              <a:rPr lang="de-DE" dirty="0" err="1" smtClean="0">
+                <a:solidFill>
+                  <a:schemeClr val="bg1"/>
+                </a:solidFill>
+              </a:rPr>
+              <a:t>settings</a:t>
+            </a:r>
+            <a:endParaRPr lang="de-DE" dirty="0" smtClean="0">
+              <a:solidFill>
+                <a:schemeClr val="bg1"/>
+              </a:solidFill>
+            </a:endParaRPr>
+          </a:p>
+          <a:p>
+            <a:endParaRPr lang="de-DE" dirty="0"/>
+          </a:p>
+          <a:p>
+            <a:endParaRPr lang="de-DE" dirty="0"/>
+          </a:p>
+        </p:txBody>
+      </p:sp>
+      <p:pic>
+        <p:nvPicPr>
+          <p:cNvPr id="8" name="Inhaltsplatzhalter 3"/>
           <p:cNvPicPr>
             <a:picLocks noGrp="1" noChangeAspect="1"/>
           </p:cNvPicPr>
           <p:nvPr>
-            <p:ph idx="1"/>
+            <p:ph sz="half" idx="1"/>
           </p:nvPr>
         </p:nvPicPr>
         <p:blipFill>
@@ -3410,9 +4415,33 @@
         </p:blipFill>
         <p:spPr>
           <a:xfrm>
-            <a:off x="1752553" y="2242623"/>
-            <a:ext cx="8198755" cy="2412885"/>
+            <a:off x="838200" y="1825625"/>
+            <a:ext cx="5181600" cy="1524939"/>
           </a:xfrm>
+        </p:spPr>
+      </p:pic>
+      <p:pic>
+        <p:nvPicPr>
+          <p:cNvPr id="9" name="Grafik 8"/>
+          <p:cNvPicPr>
+            <a:picLocks noChangeAspect="1"/>
+          </p:cNvPicPr>
+          <p:nvPr/>
+        </p:nvPicPr>
+        <p:blipFill>
+          <a:blip r:embed="rId3"/>
+          <a:stretch>
+            <a:fillRect/>
+          </a:stretch>
+        </p:blipFill>
+        <p:spPr>
+          <a:xfrm>
+            <a:off x="838200" y="4128879"/>
+            <a:ext cx="5119291" cy="1058475"/>
+          </a:xfrm>
+          <a:prstGeom prst="rect">
+            <a:avLst/>
+          </a:prstGeom>
         </p:spPr>
       </p:pic>
     </p:spTree>
@@ -3425,10 +4454,17 @@
   <p:clrMapOvr>
     <a:masterClrMapping/>
   </p:clrMapOvr>
+  <p:timing>
+    <p:tnLst>
+      <p:par>
+        <p:cTn id="1" dur="indefinite" restart="never" nodeType="tmRoot"/>
+      </p:par>
+    </p:tnLst>
+  </p:timing>
 </p:sld>
 </file>
 
-<file path=ppt/slides/slide13.xml><?xml version="1.0" encoding="utf-8"?>
+<file path=ppt/slides/slide14.xml><?xml version="1.0" encoding="utf-8"?>
 <p:sld xmlns:a="http://schemas.openxmlformats.org/drawingml/2006/main" xmlns:r="http://schemas.openxmlformats.org/officeDocument/2006/relationships" xmlns:p="http://schemas.openxmlformats.org/presentationml/2006/main">
   <p:cSld>
     <p:spTree>
@@ -3658,109 +4694,13 @@
   <p:clrMapOvr>
     <a:masterClrMapping/>
   </p:clrMapOvr>
-</p:sld>
-</file>
-
-<file path=ppt/slides/slide14.xml><?xml version="1.0" encoding="utf-8"?>
-<p:sld xmlns:a="http://schemas.openxmlformats.org/drawingml/2006/main" xmlns:r="http://schemas.openxmlformats.org/officeDocument/2006/relationships" xmlns:p="http://schemas.openxmlformats.org/presentationml/2006/main">
-  <p:cSld>
-    <p:spTree>
-      <p:nvGrpSpPr>
-        <p:cNvPr id="1" name=""/>
-        <p:cNvGrpSpPr/>
-        <p:nvPr/>
-      </p:nvGrpSpPr>
-      <p:grpSpPr>
-        <a:xfrm>
-          <a:off x="0" y="0"/>
-          <a:ext cx="0" cy="0"/>
-          <a:chOff x="0" y="0"/>
-          <a:chExt cx="0" cy="0"/>
-        </a:xfrm>
-      </p:grpSpPr>
-      <p:sp>
-        <p:nvSpPr>
-          <p:cNvPr id="2" name="Titel 1"/>
-          <p:cNvSpPr>
-            <a:spLocks noGrp="1"/>
-          </p:cNvSpPr>
-          <p:nvPr>
-            <p:ph type="title"/>
-          </p:nvPr>
-        </p:nvSpPr>
-        <p:spPr/>
-        <p:txBody>
-          <a:bodyPr/>
-          <a:lstStyle/>
-          <a:p>
-            <a:pPr algn="ctr"/>
-            <a:r>
-              <a:rPr lang="de-DE" dirty="0" smtClean="0">
-                <a:solidFill>
-                  <a:schemeClr val="bg1"/>
-                </a:solidFill>
-              </a:rPr>
-              <a:t>GUI Development</a:t>
-            </a:r>
-            <a:endParaRPr lang="de-DE" dirty="0">
-              <a:solidFill>
-                <a:schemeClr val="bg1"/>
-              </a:solidFill>
-            </a:endParaRPr>
-          </a:p>
-        </p:txBody>
-      </p:sp>
-      <p:sp>
-        <p:nvSpPr>
-          <p:cNvPr id="3" name="Inhaltsplatzhalter 2"/>
-          <p:cNvSpPr>
-            <a:spLocks noGrp="1"/>
-          </p:cNvSpPr>
-          <p:nvPr>
-            <p:ph idx="1"/>
-          </p:nvPr>
-        </p:nvSpPr>
-        <p:spPr/>
-        <p:txBody>
-          <a:bodyPr/>
-          <a:lstStyle/>
-          <a:p>
-            <a:r>
-              <a:rPr lang="de-DE" dirty="0" smtClean="0"/>
-              <a:t>&lt;Code </a:t>
-            </a:r>
-            <a:r>
-              <a:rPr lang="de-DE" dirty="0" err="1" smtClean="0"/>
-              <a:t>Example</a:t>
-            </a:r>
-            <a:r>
-              <a:rPr lang="de-DE" dirty="0" smtClean="0"/>
-              <a:t>&gt;</a:t>
-            </a:r>
-          </a:p>
-          <a:p>
-            <a:r>
-              <a:rPr lang="de-DE" dirty="0" smtClean="0"/>
-              <a:t>Scala </a:t>
-            </a:r>
-            <a:r>
-              <a:rPr lang="de-DE" dirty="0" smtClean="0"/>
-              <a:t>Future?</a:t>
-            </a:r>
-            <a:endParaRPr lang="de-DE" dirty="0"/>
-          </a:p>
-        </p:txBody>
-      </p:sp>
-    </p:spTree>
-    <p:extLst>
-      <p:ext uri="{BB962C8B-B14F-4D97-AF65-F5344CB8AC3E}">
-        <p14:creationId xmlns:p14="http://schemas.microsoft.com/office/powerpoint/2010/main" val="2130972528"/>
-      </p:ext>
-    </p:extLst>
-  </p:cSld>
-  <p:clrMapOvr>
-    <a:masterClrMapping/>
-  </p:clrMapOvr>
+  <p:timing>
+    <p:tnLst>
+      <p:par>
+        <p:cTn id="1" dur="indefinite" restart="never" nodeType="tmRoot"/>
+      </p:par>
+    </p:tnLst>
+  </p:timing>
 </p:sld>
 </file>
 
@@ -3835,8 +4775,8 @@
         </p:blipFill>
         <p:spPr>
           <a:xfrm>
-            <a:off x="117476" y="2187336"/>
-            <a:ext cx="3283059" cy="1236708"/>
+            <a:off x="218991" y="2187336"/>
+            <a:ext cx="3181544" cy="1236708"/>
           </a:xfrm>
           <a:prstGeom prst="rect">
             <a:avLst/>
@@ -3867,8 +4807,8 @@
         </p:blipFill>
         <p:spPr>
           <a:xfrm>
-            <a:off x="3421295" y="2187336"/>
-            <a:ext cx="2929853" cy="1330221"/>
+            <a:off x="3421295" y="2187337"/>
+            <a:ext cx="2862366" cy="1236708"/>
           </a:xfrm>
         </p:spPr>
       </p:pic>
@@ -3894,8 +4834,8 @@
         </p:blipFill>
         <p:spPr>
           <a:xfrm>
-            <a:off x="6371909" y="1910146"/>
-            <a:ext cx="5614146" cy="4021097"/>
+            <a:off x="6371909" y="2187336"/>
+            <a:ext cx="5614146" cy="3743907"/>
           </a:xfrm>
           <a:prstGeom prst="rect">
             <a:avLst/>
@@ -3924,8 +4864,8 @@
         </p:blipFill>
         <p:spPr>
           <a:xfrm>
-            <a:off x="218991" y="3920693"/>
-            <a:ext cx="6064670" cy="2010549"/>
+            <a:off x="218991" y="4324865"/>
+            <a:ext cx="6064670" cy="1606377"/>
           </a:xfrm>
           <a:prstGeom prst="rect">
             <a:avLst/>
@@ -3942,6 +4882,13 @@
   <p:clrMapOvr>
     <a:masterClrMapping/>
   </p:clrMapOvr>
+  <p:timing>
+    <p:tnLst>
+      <p:par>
+        <p:cTn id="1" dur="indefinite" restart="never" nodeType="tmRoot"/>
+      </p:par>
+    </p:tnLst>
+  </p:timing>
 </p:sld>
 </file>
 
@@ -4025,22 +4972,406 @@
           <a:bodyPr/>
           <a:lstStyle/>
           <a:p>
-            <a:r>
-              <a:rPr lang="de-DE" dirty="0" smtClean="0"/>
-              <a:t>&lt;Code </a:t>
-            </a:r>
-            <a:r>
-              <a:rPr lang="de-DE" dirty="0" err="1" smtClean="0"/>
-              <a:t>Example</a:t>
-            </a:r>
-            <a:r>
-              <a:rPr lang="de-DE" dirty="0" smtClean="0"/>
-              <a:t>&gt;</a:t>
-            </a:r>
-            <a:endParaRPr lang="de-DE" dirty="0"/>
-          </a:p>
-        </p:txBody>
-      </p:sp>
+            <a:pPr marL="0" indent="0">
+              <a:buNone/>
+            </a:pPr>
+            <a:r>
+              <a:rPr lang="de-DE" dirty="0" err="1" smtClean="0">
+                <a:solidFill>
+                  <a:schemeClr val="bg1"/>
+                </a:solidFill>
+              </a:rPr>
+              <a:t>We</a:t>
+            </a:r>
+            <a:r>
+              <a:rPr lang="de-DE" dirty="0" smtClean="0">
+                <a:solidFill>
+                  <a:schemeClr val="bg1"/>
+                </a:solidFill>
+              </a:rPr>
+              <a:t> </a:t>
+            </a:r>
+            <a:r>
+              <a:rPr lang="de-DE" dirty="0" err="1" smtClean="0">
+                <a:solidFill>
+                  <a:schemeClr val="bg1"/>
+                </a:solidFill>
+              </a:rPr>
+              <a:t>create</a:t>
+            </a:r>
+            <a:r>
+              <a:rPr lang="de-DE" dirty="0" smtClean="0">
+                <a:solidFill>
+                  <a:schemeClr val="bg1"/>
+                </a:solidFill>
+              </a:rPr>
+              <a:t> </a:t>
+            </a:r>
+            <a:r>
+              <a:rPr lang="de-DE" dirty="0" err="1" smtClean="0">
+                <a:solidFill>
+                  <a:schemeClr val="bg1"/>
+                </a:solidFill>
+              </a:rPr>
+              <a:t>our</a:t>
+            </a:r>
+            <a:r>
+              <a:rPr lang="de-DE" dirty="0" smtClean="0">
+                <a:solidFill>
+                  <a:schemeClr val="bg1"/>
+                </a:solidFill>
+              </a:rPr>
+              <a:t> </a:t>
+            </a:r>
+            <a:r>
+              <a:rPr lang="de-DE" dirty="0" err="1" smtClean="0">
+                <a:solidFill>
+                  <a:schemeClr val="bg1"/>
+                </a:solidFill>
+              </a:rPr>
+              <a:t>Injection</a:t>
+            </a:r>
+            <a:r>
+              <a:rPr lang="de-DE" dirty="0" smtClean="0">
+                <a:solidFill>
+                  <a:schemeClr val="bg1"/>
+                </a:solidFill>
+              </a:rPr>
+              <a:t> „</a:t>
+            </a:r>
+            <a:r>
+              <a:rPr lang="de-DE" dirty="0" err="1" smtClean="0">
+                <a:solidFill>
+                  <a:schemeClr val="bg1"/>
+                </a:solidFill>
+              </a:rPr>
+              <a:t>manager</a:t>
+            </a:r>
+            <a:r>
+              <a:rPr lang="de-DE" dirty="0" smtClean="0">
+                <a:solidFill>
+                  <a:schemeClr val="bg1"/>
+                </a:solidFill>
+              </a:rPr>
+              <a:t>“ </a:t>
+            </a:r>
+            <a:r>
+              <a:rPr lang="de-DE" dirty="0" err="1" smtClean="0">
+                <a:solidFill>
+                  <a:schemeClr val="bg1"/>
+                </a:solidFill>
+              </a:rPr>
+              <a:t>with</a:t>
+            </a:r>
+            <a:r>
+              <a:rPr lang="de-DE" dirty="0" smtClean="0">
+                <a:solidFill>
+                  <a:schemeClr val="bg1"/>
+                </a:solidFill>
+              </a:rPr>
+              <a:t> Google </a:t>
+            </a:r>
+            <a:r>
+              <a:rPr lang="de-DE" dirty="0" err="1" smtClean="0">
+                <a:solidFill>
+                  <a:schemeClr val="bg1"/>
+                </a:solidFill>
+              </a:rPr>
+              <a:t>Guice</a:t>
+            </a:r>
+            <a:endParaRPr lang="de-DE" dirty="0" smtClean="0">
+              <a:solidFill>
+                <a:schemeClr val="bg1"/>
+              </a:solidFill>
+            </a:endParaRPr>
+          </a:p>
+          <a:p>
+            <a:pPr marL="0" indent="0">
+              <a:buNone/>
+            </a:pPr>
+            <a:endParaRPr lang="de-DE" dirty="0">
+              <a:solidFill>
+                <a:schemeClr val="bg1"/>
+              </a:solidFill>
+            </a:endParaRPr>
+          </a:p>
+          <a:p>
+            <a:pPr marL="0" indent="0">
+              <a:buNone/>
+            </a:pPr>
+            <a:endParaRPr lang="de-DE" dirty="0" smtClean="0">
+              <a:solidFill>
+                <a:schemeClr val="bg1"/>
+              </a:solidFill>
+            </a:endParaRPr>
+          </a:p>
+          <a:p>
+            <a:pPr marL="0" indent="0">
+              <a:buNone/>
+            </a:pPr>
+            <a:endParaRPr lang="de-DE" dirty="0">
+              <a:solidFill>
+                <a:schemeClr val="bg1"/>
+              </a:solidFill>
+            </a:endParaRPr>
+          </a:p>
+          <a:p>
+            <a:pPr marL="0" indent="0">
+              <a:buNone/>
+            </a:pPr>
+            <a:r>
+              <a:rPr lang="de-DE" dirty="0" err="1" smtClean="0">
+                <a:solidFill>
+                  <a:schemeClr val="bg1"/>
+                </a:solidFill>
+              </a:rPr>
+              <a:t>We</a:t>
+            </a:r>
+            <a:r>
+              <a:rPr lang="de-DE" dirty="0" smtClean="0">
+                <a:solidFill>
+                  <a:schemeClr val="bg1"/>
+                </a:solidFill>
+              </a:rPr>
+              <a:t> </a:t>
+            </a:r>
+            <a:r>
+              <a:rPr lang="de-DE" dirty="0" err="1" smtClean="0">
+                <a:solidFill>
+                  <a:schemeClr val="bg1"/>
+                </a:solidFill>
+              </a:rPr>
+              <a:t>dynamically</a:t>
+            </a:r>
+            <a:r>
+              <a:rPr lang="de-DE" dirty="0" smtClean="0">
+                <a:solidFill>
+                  <a:schemeClr val="bg1"/>
+                </a:solidFill>
+              </a:rPr>
+              <a:t> </a:t>
+            </a:r>
+            <a:r>
+              <a:rPr lang="de-DE" dirty="0" err="1" smtClean="0">
+                <a:solidFill>
+                  <a:schemeClr val="bg1"/>
+                </a:solidFill>
+              </a:rPr>
+              <a:t>load</a:t>
+            </a:r>
+            <a:r>
+              <a:rPr lang="de-DE" dirty="0" smtClean="0">
+                <a:solidFill>
+                  <a:schemeClr val="bg1"/>
+                </a:solidFill>
+              </a:rPr>
+              <a:t> </a:t>
+            </a:r>
+            <a:r>
+              <a:rPr lang="de-DE" dirty="0" err="1" smtClean="0">
+                <a:solidFill>
+                  <a:schemeClr val="bg1"/>
+                </a:solidFill>
+              </a:rPr>
+              <a:t>our</a:t>
+            </a:r>
+            <a:r>
+              <a:rPr lang="de-DE" dirty="0" smtClean="0">
+                <a:solidFill>
+                  <a:schemeClr val="bg1"/>
+                </a:solidFill>
+              </a:rPr>
+              <a:t> </a:t>
+            </a:r>
+            <a:r>
+              <a:rPr lang="de-DE" dirty="0" err="1" smtClean="0">
+                <a:solidFill>
+                  <a:schemeClr val="bg1"/>
+                </a:solidFill>
+              </a:rPr>
+              <a:t>gameHandler</a:t>
+            </a:r>
+            <a:r>
+              <a:rPr lang="de-DE" dirty="0" smtClean="0">
+                <a:solidFill>
+                  <a:schemeClr val="bg1"/>
+                </a:solidFill>
+              </a:rPr>
+              <a:t> </a:t>
+            </a:r>
+            <a:r>
+              <a:rPr lang="de-DE" dirty="0" err="1" smtClean="0">
+                <a:solidFill>
+                  <a:schemeClr val="bg1"/>
+                </a:solidFill>
+              </a:rPr>
+              <a:t>implementation</a:t>
+            </a:r>
+            <a:r>
+              <a:rPr lang="de-DE" dirty="0" smtClean="0">
+                <a:solidFill>
+                  <a:schemeClr val="bg1"/>
+                </a:solidFill>
+              </a:rPr>
+              <a:t> </a:t>
+            </a:r>
+            <a:r>
+              <a:rPr lang="de-DE" dirty="0" err="1" smtClean="0">
+                <a:solidFill>
+                  <a:schemeClr val="bg1"/>
+                </a:solidFill>
+              </a:rPr>
+              <a:t>which</a:t>
+            </a:r>
+            <a:r>
+              <a:rPr lang="de-DE" dirty="0" smtClean="0">
+                <a:solidFill>
+                  <a:schemeClr val="bg1"/>
+                </a:solidFill>
+              </a:rPr>
+              <a:t> </a:t>
+            </a:r>
+            <a:r>
+              <a:rPr lang="de-DE" dirty="0" err="1" smtClean="0">
+                <a:solidFill>
+                  <a:schemeClr val="bg1"/>
+                </a:solidFill>
+              </a:rPr>
+              <a:t>is</a:t>
+            </a:r>
+            <a:r>
+              <a:rPr lang="de-DE" dirty="0" smtClean="0">
+                <a:solidFill>
+                  <a:schemeClr val="bg1"/>
+                </a:solidFill>
+              </a:rPr>
+              <a:t> </a:t>
+            </a:r>
+            <a:r>
+              <a:rPr lang="de-DE" dirty="0" err="1" smtClean="0">
+                <a:solidFill>
+                  <a:schemeClr val="bg1"/>
+                </a:solidFill>
+              </a:rPr>
+              <a:t>injected</a:t>
+            </a:r>
+            <a:r>
+              <a:rPr lang="de-DE" dirty="0" smtClean="0">
+                <a:solidFill>
+                  <a:schemeClr val="bg1"/>
+                </a:solidFill>
+              </a:rPr>
+              <a:t> </a:t>
+            </a:r>
+            <a:r>
+              <a:rPr lang="de-DE" dirty="0" err="1" smtClean="0">
+                <a:solidFill>
+                  <a:schemeClr val="bg1"/>
+                </a:solidFill>
+              </a:rPr>
+              <a:t>into</a:t>
+            </a:r>
+            <a:r>
+              <a:rPr lang="de-DE" dirty="0" smtClean="0">
+                <a:solidFill>
+                  <a:schemeClr val="bg1"/>
+                </a:solidFill>
+              </a:rPr>
+              <a:t> </a:t>
+            </a:r>
+            <a:r>
+              <a:rPr lang="de-DE" dirty="0" err="1" smtClean="0">
+                <a:solidFill>
+                  <a:schemeClr val="bg1"/>
+                </a:solidFill>
+              </a:rPr>
+              <a:t>the</a:t>
+            </a:r>
+            <a:r>
+              <a:rPr lang="de-DE" dirty="0" smtClean="0">
+                <a:solidFill>
+                  <a:schemeClr val="bg1"/>
+                </a:solidFill>
+              </a:rPr>
+              <a:t> TUI </a:t>
+            </a:r>
+            <a:r>
+              <a:rPr lang="de-DE" dirty="0" err="1" smtClean="0">
+                <a:solidFill>
+                  <a:schemeClr val="bg1"/>
+                </a:solidFill>
+              </a:rPr>
+              <a:t>and</a:t>
+            </a:r>
+            <a:r>
+              <a:rPr lang="de-DE" dirty="0" smtClean="0">
+                <a:solidFill>
+                  <a:schemeClr val="bg1"/>
+                </a:solidFill>
+              </a:rPr>
+              <a:t> GUI</a:t>
+            </a:r>
+          </a:p>
+          <a:p>
+            <a:pPr marL="0" indent="0">
+              <a:buNone/>
+            </a:pPr>
+            <a:endParaRPr lang="de-DE" dirty="0" smtClean="0">
+              <a:solidFill>
+                <a:schemeClr val="bg1"/>
+              </a:solidFill>
+            </a:endParaRPr>
+          </a:p>
+        </p:txBody>
+      </p:sp>
+      <p:pic>
+        <p:nvPicPr>
+          <p:cNvPr id="4" name="Grafik 3"/>
+          <p:cNvPicPr>
+            <a:picLocks noChangeAspect="1"/>
+          </p:cNvPicPr>
+          <p:nvPr/>
+        </p:nvPicPr>
+        <p:blipFill>
+          <a:blip r:embed="rId2"/>
+          <a:stretch>
+            <a:fillRect/>
+          </a:stretch>
+        </p:blipFill>
+        <p:spPr>
+          <a:xfrm>
+            <a:off x="1819275" y="2398193"/>
+            <a:ext cx="8553450" cy="1152525"/>
+          </a:xfrm>
+          <a:prstGeom prst="rect">
+            <a:avLst/>
+          </a:prstGeom>
+        </p:spPr>
+      </p:pic>
+      <p:pic>
+        <p:nvPicPr>
+          <p:cNvPr id="5" name="Grafik 4"/>
+          <p:cNvPicPr>
+            <a:picLocks noChangeAspect="1"/>
+          </p:cNvPicPr>
+          <p:nvPr/>
+        </p:nvPicPr>
+        <p:blipFill>
+          <a:blip r:embed="rId3"/>
+          <a:stretch>
+            <a:fillRect/>
+          </a:stretch>
+        </p:blipFill>
+        <p:spPr>
+          <a:xfrm>
+            <a:off x="3519487" y="4772603"/>
+            <a:ext cx="5153025" cy="1209675"/>
+          </a:xfrm>
+          <a:prstGeom prst="rect">
+            <a:avLst/>
+          </a:prstGeom>
+        </p:spPr>
+      </p:pic>
     </p:spTree>
     <p:extLst>
       <p:ext uri="{BB962C8B-B14F-4D97-AF65-F5344CB8AC3E}">
@@ -4051,6 +5382,13 @@
   <p:clrMapOvr>
     <a:masterClrMapping/>
   </p:clrMapOvr>
+  <p:timing>
+    <p:tnLst>
+      <p:par>
+        <p:cTn id="1" dur="indefinite" restart="never" nodeType="tmRoot"/>
+      </p:par>
+    </p:tnLst>
+  </p:timing>
 </p:sld>
 </file>
 
@@ -4098,7 +5436,31 @@
                   <a:schemeClr val="bg1"/>
                 </a:solidFill>
               </a:rPr>
-              <a:t>Gliederung</a:t>
+              <a:t>Table </a:t>
+            </a:r>
+            <a:r>
+              <a:rPr lang="de-DE" dirty="0" err="1" smtClean="0">
+                <a:solidFill>
+                  <a:schemeClr val="bg1"/>
+                </a:solidFill>
+              </a:rPr>
+              <a:t>of</a:t>
+            </a:r>
+            <a:r>
+              <a:rPr lang="de-DE" dirty="0" smtClean="0">
+                <a:solidFill>
+                  <a:schemeClr val="bg1"/>
+                </a:solidFill>
+              </a:rPr>
+              <a:t> </a:t>
+            </a:r>
+            <a:r>
+              <a:rPr lang="de-DE" dirty="0" err="1" smtClean="0">
+                <a:solidFill>
+                  <a:schemeClr val="bg1"/>
+                </a:solidFill>
+              </a:rPr>
+              <a:t>content</a:t>
             </a:r>
             <a:endParaRPr lang="de-DE" dirty="0">
               <a:solidFill>
@@ -4131,29 +5493,57 @@
                   <a:schemeClr val="bg1"/>
                 </a:solidFill>
               </a:rPr>
-              <a:t>Organisation: (Thema 2 u. 3)</a:t>
+              <a:t>Organisation:</a:t>
             </a:r>
           </a:p>
           <a:p>
             <a:pPr lvl="1"/>
             <a:r>
+              <a:rPr lang="de-DE" sz="1800" dirty="0" err="1" smtClean="0">
+                <a:solidFill>
+                  <a:schemeClr val="bg1"/>
+                </a:solidFill>
+              </a:rPr>
+              <a:t>Scrum</a:t>
+            </a:r>
+            <a:endParaRPr lang="de-DE" sz="1800" dirty="0" smtClean="0">
+              <a:solidFill>
+                <a:schemeClr val="bg1"/>
+              </a:solidFill>
+            </a:endParaRPr>
+          </a:p>
+          <a:p>
+            <a:pPr lvl="1"/>
+            <a:r>
+              <a:rPr lang="de-DE" sz="1800" dirty="0" err="1" smtClean="0">
+                <a:solidFill>
+                  <a:schemeClr val="bg1"/>
+                </a:solidFill>
+              </a:rPr>
+              <a:t>Git</a:t>
+            </a:r>
+            <a:endParaRPr lang="de-DE" sz="1800" dirty="0" smtClean="0">
+              <a:solidFill>
+                <a:schemeClr val="bg1"/>
+              </a:solidFill>
+            </a:endParaRPr>
+          </a:p>
+          <a:p>
+            <a:r>
               <a:rPr lang="de-DE" sz="1800" dirty="0" smtClean="0">
                 <a:solidFill>
                   <a:schemeClr val="bg1"/>
                 </a:solidFill>
               </a:rPr>
-              <a:t>Scrum</a:t>
-            </a:r>
-          </a:p>
-          <a:p>
-            <a:pPr lvl="1"/>
+              <a:t>TUI </a:t>
+            </a:r>
             <a:r>
               <a:rPr lang="de-DE" sz="1800" dirty="0" smtClean="0">
                 <a:solidFill>
                   <a:schemeClr val="bg1"/>
                 </a:solidFill>
               </a:rPr>
-              <a:t>Git</a:t>
+              <a:t>Development</a:t>
             </a:r>
           </a:p>
           <a:p>
@@ -4163,8 +5553,13 @@
                   <a:schemeClr val="bg1"/>
                 </a:solidFill>
               </a:rPr>
-              <a:t>TUI Development (Thema 4)</a:t>
-            </a:r>
+              <a:t>GUI Development</a:t>
+            </a:r>
+            <a:endParaRPr lang="de-DE" sz="1800" dirty="0" smtClean="0">
+              <a:solidFill>
+                <a:schemeClr val="bg1"/>
+              </a:solidFill>
+            </a:endParaRPr>
           </a:p>
           <a:p>
             <a:r>
@@ -4306,12 +5701,36 @@
           <a:p>
             <a:pPr algn="ctr"/>
             <a:r>
-              <a:rPr lang="de-DE" dirty="0" smtClean="0">
-                <a:solidFill>
-                  <a:schemeClr val="bg1"/>
-                </a:solidFill>
-              </a:rPr>
-              <a:t>Scrum – Sprint 1</a:t>
+              <a:rPr lang="de-DE" dirty="0" err="1" smtClean="0">
+                <a:solidFill>
+                  <a:schemeClr val="bg1"/>
+                </a:solidFill>
+              </a:rPr>
+              <a:t>Scrum</a:t>
+            </a:r>
+            <a:r>
+              <a:rPr lang="de-DE" dirty="0" smtClean="0">
+                <a:solidFill>
+                  <a:schemeClr val="bg1"/>
+                </a:solidFill>
+              </a:rPr>
+              <a:t> </a:t>
+            </a:r>
+            <a:r>
+              <a:rPr lang="de-DE" dirty="0">
+                <a:solidFill>
+                  <a:schemeClr val="bg1"/>
+                </a:solidFill>
+              </a:rPr>
+              <a:t>- </a:t>
+            </a:r>
+            <a:r>
+              <a:rPr lang="de-DE" dirty="0" smtClean="0">
+                <a:solidFill>
+                  <a:schemeClr val="bg1"/>
+                </a:solidFill>
+              </a:rPr>
+              <a:t>Sprint 1</a:t>
             </a:r>
             <a:endParaRPr lang="de-DE" dirty="0">
               <a:solidFill>
@@ -4360,6 +5779,13 @@
   <p:clrMapOvr>
     <a:masterClrMapping/>
   </p:clrMapOvr>
+  <p:timing>
+    <p:tnLst>
+      <p:par>
+        <p:cTn id="1" dur="indefinite" restart="never" nodeType="tmRoot"/>
+      </p:par>
+    </p:tnLst>
+  </p:timing>
 </p:sld>
 </file>
 
@@ -4410,7 +5836,15 @@
                   <a:schemeClr val="bg1"/>
                 </a:solidFill>
               </a:rPr>
-              <a:t> – </a:t>
+              <a:t> </a:t>
+            </a:r>
+            <a:r>
+              <a:rPr lang="de-DE" dirty="0">
+                <a:solidFill>
+                  <a:schemeClr val="bg1"/>
+                </a:solidFill>
+              </a:rPr>
+              <a:t>- </a:t>
             </a:r>
             <a:r>
               <a:rPr lang="de-DE" dirty="0" err="1" smtClean="0">
@@ -4475,6 +5909,13 @@
   <p:clrMapOvr>
     <a:masterClrMapping/>
   </p:clrMapOvr>
+  <p:timing>
+    <p:tnLst>
+      <p:par>
+        <p:cTn id="1" dur="indefinite" restart="never" nodeType="tmRoot"/>
+      </p:par>
+    </p:tnLst>
+  </p:timing>
 </p:sld>
 </file>
 
@@ -4512,12 +5953,36 @@
           <a:p>
             <a:pPr algn="ctr"/>
             <a:r>
-              <a:rPr lang="de-DE" dirty="0" smtClean="0">
-                <a:solidFill>
-                  <a:schemeClr val="bg1"/>
-                </a:solidFill>
-              </a:rPr>
-              <a:t>Scrum – Sprint 2</a:t>
+              <a:rPr lang="de-DE" dirty="0" err="1" smtClean="0">
+                <a:solidFill>
+                  <a:schemeClr val="bg1"/>
+                </a:solidFill>
+              </a:rPr>
+              <a:t>Scrum</a:t>
+            </a:r>
+            <a:r>
+              <a:rPr lang="de-DE" dirty="0" smtClean="0">
+                <a:solidFill>
+                  <a:schemeClr val="bg1"/>
+                </a:solidFill>
+              </a:rPr>
+              <a:t> </a:t>
+            </a:r>
+            <a:r>
+              <a:rPr lang="de-DE" dirty="0">
+                <a:solidFill>
+                  <a:schemeClr val="bg1"/>
+                </a:solidFill>
+              </a:rPr>
+              <a:t>- </a:t>
+            </a:r>
+            <a:r>
+              <a:rPr lang="de-DE" dirty="0" smtClean="0">
+                <a:solidFill>
+                  <a:schemeClr val="bg1"/>
+                </a:solidFill>
+              </a:rPr>
+              <a:t>Sprint 2</a:t>
             </a:r>
             <a:endParaRPr lang="de-DE" dirty="0">
               <a:solidFill>
@@ -4566,6 +6031,13 @@
   <p:clrMapOvr>
     <a:masterClrMapping/>
   </p:clrMapOvr>
+  <p:timing>
+    <p:tnLst>
+      <p:par>
+        <p:cTn id="1" dur="indefinite" restart="never" nodeType="tmRoot"/>
+      </p:par>
+    </p:tnLst>
+  </p:timing>
 </p:sld>
 </file>
 
@@ -4603,20 +6075,44 @@
           <a:p>
             <a:pPr algn="ctr"/>
             <a:r>
-              <a:rPr lang="de-DE" dirty="0" smtClean="0">
-                <a:solidFill>
-                  <a:schemeClr val="bg1"/>
-                </a:solidFill>
-              </a:rPr>
-              <a:t>Git - </a:t>
-            </a:r>
-            <a:r>
-              <a:rPr lang="de-DE" dirty="0" err="1" smtClean="0">
-                <a:solidFill>
-                  <a:schemeClr val="bg1"/>
-                </a:solidFill>
-              </a:rPr>
-              <a:t>Contributers</a:t>
+              <a:rPr lang="de-DE" dirty="0" err="1" smtClean="0">
+                <a:solidFill>
+                  <a:schemeClr val="bg1"/>
+                </a:solidFill>
+              </a:rPr>
+              <a:t>Git</a:t>
+            </a:r>
+            <a:r>
+              <a:rPr lang="de-DE" dirty="0" smtClean="0">
+                <a:solidFill>
+                  <a:schemeClr val="bg1"/>
+                </a:solidFill>
+              </a:rPr>
+              <a:t> </a:t>
+            </a:r>
+            <a:r>
+              <a:rPr lang="de-DE" dirty="0">
+                <a:solidFill>
+                  <a:schemeClr val="bg1"/>
+                </a:solidFill>
+              </a:rPr>
+              <a:t>-</a:t>
+            </a:r>
+            <a:r>
+              <a:rPr lang="de-DE" dirty="0" smtClean="0">
+                <a:solidFill>
+                  <a:schemeClr val="bg1"/>
+                </a:solidFill>
+              </a:rPr>
+              <a:t> </a:t>
+            </a:r>
+            <a:r>
+              <a:rPr lang="de-DE" dirty="0" err="1" smtClean="0">
+                <a:solidFill>
+                  <a:schemeClr val="bg1"/>
+                </a:solidFill>
+              </a:rPr>
+              <a:t>Contributors</a:t>
             </a:r>
             <a:endParaRPr lang="de-DE" dirty="0">
               <a:solidFill>
@@ -4665,6 +6161,13 @@
   <p:clrMapOvr>
     <a:masterClrMapping/>
   </p:clrMapOvr>
+  <p:timing>
+    <p:tnLst>
+      <p:par>
+        <p:cTn id="1" dur="indefinite" restart="never" nodeType="tmRoot"/>
+      </p:par>
+    </p:tnLst>
+  </p:timing>
 </p:sld>
 </file>
 
@@ -4717,29 +6220,546 @@
           </a:p>
         </p:txBody>
       </p:sp>
-      <p:sp>
-        <p:nvSpPr>
-          <p:cNvPr id="3" name="Inhaltsplatzhalter 2"/>
-          <p:cNvSpPr>
-            <a:spLocks noGrp="1"/>
-          </p:cNvSpPr>
-          <p:nvPr>
-            <p:ph idx="1"/>
+      <p:pic>
+        <p:nvPicPr>
+          <p:cNvPr id="14" name="Inhaltsplatzhalter 13"/>
+          <p:cNvPicPr>
+            <a:picLocks noGrp="1" noChangeAspect="1"/>
+          </p:cNvPicPr>
+          <p:nvPr>
+            <p:ph sz="half" idx="1"/>
+          </p:nvPr>
+        </p:nvPicPr>
+        <p:blipFill>
+          <a:blip r:embed="rId2"/>
+          <a:stretch>
+            <a:fillRect/>
+          </a:stretch>
+        </p:blipFill>
+        <p:spPr>
+          <a:xfrm>
+            <a:off x="838200" y="1825625"/>
+            <a:ext cx="5181600" cy="2099502"/>
+          </a:xfrm>
+          <a:prstGeom prst="rect">
+            <a:avLst/>
+          </a:prstGeom>
+        </p:spPr>
+      </p:pic>
+      <p:sp>
+        <p:nvSpPr>
+          <p:cNvPr id="13" name="Inhaltsplatzhalter 12"/>
+          <p:cNvSpPr>
+            <a:spLocks noGrp="1"/>
+          </p:cNvSpPr>
+          <p:nvPr>
+            <p:ph sz="half" idx="2"/>
           </p:nvPr>
         </p:nvSpPr>
         <p:spPr/>
         <p:txBody>
-          <a:bodyPr/>
+          <a:bodyPr>
+            <a:normAutofit/>
+          </a:bodyPr>
           <a:lstStyle/>
           <a:p>
             <a:r>
-              <a:rPr lang="de-DE" dirty="0" smtClean="0"/>
-              <a:t>Logger?</a:t>
-            </a:r>
-            <a:endParaRPr lang="de-DE" dirty="0"/>
-          </a:p>
-        </p:txBody>
-      </p:sp>
+              <a:rPr lang="de-DE" sz="2000" dirty="0" err="1" smtClean="0">
+                <a:solidFill>
+                  <a:schemeClr val="bg1"/>
+                </a:solidFill>
+              </a:rPr>
+              <a:t>Injects</a:t>
+            </a:r>
+            <a:r>
+              <a:rPr lang="de-DE" sz="2000" dirty="0" smtClean="0">
+                <a:solidFill>
+                  <a:schemeClr val="bg1"/>
+                </a:solidFill>
+              </a:rPr>
+              <a:t> </a:t>
+            </a:r>
+            <a:r>
+              <a:rPr lang="de-DE" sz="2000" dirty="0" err="1" smtClean="0">
+                <a:solidFill>
+                  <a:schemeClr val="bg1"/>
+                </a:solidFill>
+              </a:rPr>
+              <a:t>the</a:t>
+            </a:r>
+            <a:r>
+              <a:rPr lang="de-DE" sz="2000" dirty="0" smtClean="0">
+                <a:solidFill>
+                  <a:schemeClr val="bg1"/>
+                </a:solidFill>
+              </a:rPr>
+              <a:t> </a:t>
+            </a:r>
+            <a:r>
+              <a:rPr lang="de-DE" sz="2000" dirty="0" err="1" smtClean="0">
+                <a:solidFill>
+                  <a:schemeClr val="bg1"/>
+                </a:solidFill>
+              </a:rPr>
+              <a:t>controller</a:t>
+            </a:r>
+            <a:r>
+              <a:rPr lang="de-DE" sz="2000" dirty="0" smtClean="0">
+                <a:solidFill>
+                  <a:schemeClr val="bg1"/>
+                </a:solidFill>
+              </a:rPr>
+              <a:t> (</a:t>
+            </a:r>
+            <a:r>
+              <a:rPr lang="de-DE" sz="2000" dirty="0" err="1" smtClean="0">
+                <a:solidFill>
+                  <a:schemeClr val="bg1"/>
+                </a:solidFill>
+              </a:rPr>
+              <a:t>our</a:t>
+            </a:r>
+            <a:r>
+              <a:rPr lang="de-DE" sz="2000" dirty="0" smtClean="0">
+                <a:solidFill>
+                  <a:schemeClr val="bg1"/>
+                </a:solidFill>
+              </a:rPr>
+              <a:t> </a:t>
+            </a:r>
+            <a:r>
+              <a:rPr lang="de-DE" sz="2000" dirty="0" err="1" smtClean="0">
+                <a:solidFill>
+                  <a:schemeClr val="bg1"/>
+                </a:solidFill>
+              </a:rPr>
+              <a:t>game</a:t>
+            </a:r>
+            <a:r>
+              <a:rPr lang="de-DE" sz="2000" dirty="0" smtClean="0">
+                <a:solidFill>
+                  <a:schemeClr val="bg1"/>
+                </a:solidFill>
+              </a:rPr>
+              <a:t> </a:t>
+            </a:r>
+            <a:r>
+              <a:rPr lang="de-DE" sz="2000" dirty="0" err="1" smtClean="0">
+                <a:solidFill>
+                  <a:schemeClr val="bg1"/>
+                </a:solidFill>
+              </a:rPr>
+              <a:t>handler</a:t>
+            </a:r>
+            <a:r>
+              <a:rPr lang="de-DE" sz="2000" dirty="0" smtClean="0">
+                <a:solidFill>
+                  <a:schemeClr val="bg1"/>
+                </a:solidFill>
+              </a:rPr>
+              <a:t>)</a:t>
+            </a:r>
+          </a:p>
+          <a:p>
+            <a:r>
+              <a:rPr lang="de-DE" sz="2000" dirty="0" smtClean="0">
+                <a:solidFill>
+                  <a:schemeClr val="bg1"/>
+                </a:solidFill>
+              </a:rPr>
+              <a:t>Listens </a:t>
+            </a:r>
+            <a:r>
+              <a:rPr lang="de-DE" sz="2000" dirty="0" err="1" smtClean="0">
+                <a:solidFill>
+                  <a:schemeClr val="bg1"/>
+                </a:solidFill>
+              </a:rPr>
+              <a:t>to</a:t>
+            </a:r>
+            <a:r>
+              <a:rPr lang="de-DE" sz="2000" dirty="0" smtClean="0">
+                <a:solidFill>
+                  <a:schemeClr val="bg1"/>
+                </a:solidFill>
+              </a:rPr>
+              <a:t> </a:t>
+            </a:r>
+            <a:r>
+              <a:rPr lang="de-DE" sz="2000" dirty="0" err="1" smtClean="0">
+                <a:solidFill>
+                  <a:schemeClr val="bg1"/>
+                </a:solidFill>
+              </a:rPr>
+              <a:t>the</a:t>
+            </a:r>
+            <a:r>
+              <a:rPr lang="de-DE" sz="2000" dirty="0" smtClean="0">
+                <a:solidFill>
+                  <a:schemeClr val="bg1"/>
+                </a:solidFill>
+              </a:rPr>
+              <a:t> </a:t>
+            </a:r>
+            <a:r>
+              <a:rPr lang="de-DE" sz="2000" dirty="0" err="1" smtClean="0">
+                <a:solidFill>
+                  <a:schemeClr val="bg1"/>
+                </a:solidFill>
+              </a:rPr>
+              <a:t>controller</a:t>
+            </a:r>
+            <a:r>
+              <a:rPr lang="de-DE" sz="2000" dirty="0" smtClean="0">
+                <a:solidFill>
+                  <a:schemeClr val="bg1"/>
+                </a:solidFill>
+              </a:rPr>
+              <a:t> </a:t>
+            </a:r>
+            <a:r>
+              <a:rPr lang="de-DE" sz="2000" dirty="0" err="1" smtClean="0">
+                <a:solidFill>
+                  <a:schemeClr val="bg1"/>
+                </a:solidFill>
+              </a:rPr>
+              <a:t>publisher</a:t>
+            </a:r>
+            <a:endParaRPr lang="de-DE" sz="2000" dirty="0" smtClean="0">
+              <a:solidFill>
+                <a:schemeClr val="bg1"/>
+              </a:solidFill>
+            </a:endParaRPr>
+          </a:p>
+          <a:p>
+            <a:r>
+              <a:rPr lang="de-DE" sz="2000" dirty="0" err="1" smtClean="0">
+                <a:solidFill>
+                  <a:schemeClr val="bg1"/>
+                </a:solidFill>
+              </a:rPr>
+              <a:t>Affects</a:t>
+            </a:r>
+            <a:r>
+              <a:rPr lang="de-DE" sz="2000" dirty="0" smtClean="0">
+                <a:solidFill>
+                  <a:schemeClr val="bg1"/>
+                </a:solidFill>
+              </a:rPr>
+              <a:t> also </a:t>
+            </a:r>
+            <a:r>
+              <a:rPr lang="de-DE" sz="2000" dirty="0" err="1" smtClean="0">
+                <a:solidFill>
+                  <a:schemeClr val="bg1"/>
+                </a:solidFill>
+              </a:rPr>
+              <a:t>the</a:t>
+            </a:r>
+            <a:r>
+              <a:rPr lang="de-DE" sz="2000" dirty="0" smtClean="0">
+                <a:solidFill>
+                  <a:schemeClr val="bg1"/>
+                </a:solidFill>
+              </a:rPr>
+              <a:t> GUI </a:t>
+            </a:r>
+            <a:r>
+              <a:rPr lang="de-DE" sz="2000" dirty="0" err="1" smtClean="0">
+                <a:solidFill>
+                  <a:schemeClr val="bg1"/>
+                </a:solidFill>
+              </a:rPr>
+              <a:t>through</a:t>
+            </a:r>
+            <a:r>
+              <a:rPr lang="de-DE" sz="2000" dirty="0" smtClean="0">
+                <a:solidFill>
+                  <a:schemeClr val="bg1"/>
+                </a:solidFill>
+              </a:rPr>
+              <a:t> </a:t>
+            </a:r>
+            <a:r>
+              <a:rPr lang="de-DE" sz="2000" dirty="0" err="1" smtClean="0">
+                <a:solidFill>
+                  <a:schemeClr val="bg1"/>
+                </a:solidFill>
+              </a:rPr>
+              <a:t>the</a:t>
+            </a:r>
+            <a:r>
+              <a:rPr lang="de-DE" sz="2000" dirty="0" smtClean="0">
+                <a:solidFill>
+                  <a:schemeClr val="bg1"/>
+                </a:solidFill>
+              </a:rPr>
+              <a:t> </a:t>
+            </a:r>
+            <a:r>
+              <a:rPr lang="de-DE" sz="2000" dirty="0" err="1" smtClean="0">
+                <a:solidFill>
+                  <a:schemeClr val="bg1"/>
+                </a:solidFill>
+              </a:rPr>
+              <a:t>game</a:t>
+            </a:r>
+            <a:r>
+              <a:rPr lang="de-DE" sz="2000" dirty="0" smtClean="0">
+                <a:solidFill>
+                  <a:schemeClr val="bg1"/>
+                </a:solidFill>
+              </a:rPr>
+              <a:t> </a:t>
+            </a:r>
+            <a:r>
+              <a:rPr lang="de-DE" sz="2000" dirty="0" err="1" smtClean="0">
+                <a:solidFill>
+                  <a:schemeClr val="bg1"/>
+                </a:solidFill>
+              </a:rPr>
+              <a:t>handler</a:t>
+            </a:r>
+            <a:endParaRPr lang="de-DE" sz="2000" dirty="0" smtClean="0">
+              <a:solidFill>
+                <a:schemeClr val="bg1"/>
+              </a:solidFill>
+            </a:endParaRPr>
+          </a:p>
+          <a:p>
+            <a:endParaRPr lang="de-DE" sz="2000" dirty="0">
+              <a:solidFill>
+                <a:schemeClr val="bg1"/>
+              </a:solidFill>
+            </a:endParaRPr>
+          </a:p>
+          <a:p>
+            <a:pPr marL="0" indent="0">
+              <a:buNone/>
+            </a:pPr>
+            <a:endParaRPr lang="de-DE" sz="2000" dirty="0" smtClean="0">
+              <a:solidFill>
+                <a:schemeClr val="bg1"/>
+              </a:solidFill>
+            </a:endParaRPr>
+          </a:p>
+          <a:p>
+            <a:r>
+              <a:rPr lang="de-DE" sz="2000" dirty="0" err="1" smtClean="0">
+                <a:solidFill>
+                  <a:schemeClr val="bg1"/>
+                </a:solidFill>
+              </a:rPr>
+              <a:t>Uses</a:t>
+            </a:r>
+            <a:r>
+              <a:rPr lang="de-DE" sz="2000" dirty="0" smtClean="0">
+                <a:solidFill>
+                  <a:schemeClr val="bg1"/>
+                </a:solidFill>
+              </a:rPr>
+              <a:t> </a:t>
+            </a:r>
+            <a:r>
+              <a:rPr lang="de-DE" sz="2000" dirty="0" err="1">
+                <a:solidFill>
+                  <a:schemeClr val="bg1"/>
+                </a:solidFill>
+              </a:rPr>
+              <a:t>backlog</a:t>
+            </a:r>
+            <a:r>
+              <a:rPr lang="de-DE" sz="2000" dirty="0">
+                <a:solidFill>
+                  <a:schemeClr val="bg1"/>
+                </a:solidFill>
+              </a:rPr>
+              <a:t> </a:t>
+            </a:r>
+            <a:r>
+              <a:rPr lang="de-DE" sz="2000" dirty="0" err="1">
+                <a:solidFill>
+                  <a:schemeClr val="bg1"/>
+                </a:solidFill>
+              </a:rPr>
+              <a:t>to</a:t>
+            </a:r>
+            <a:r>
+              <a:rPr lang="de-DE" sz="2000" dirty="0">
+                <a:solidFill>
+                  <a:schemeClr val="bg1"/>
+                </a:solidFill>
+              </a:rPr>
+              <a:t> </a:t>
+            </a:r>
+            <a:r>
+              <a:rPr lang="de-DE" sz="2000" dirty="0" err="1">
+                <a:solidFill>
+                  <a:schemeClr val="bg1"/>
+                </a:solidFill>
+              </a:rPr>
+              <a:t>write</a:t>
+            </a:r>
+            <a:r>
+              <a:rPr lang="de-DE" sz="2000" dirty="0">
+                <a:solidFill>
+                  <a:schemeClr val="bg1"/>
+                </a:solidFill>
+              </a:rPr>
+              <a:t> out </a:t>
+            </a:r>
+            <a:r>
+              <a:rPr lang="de-DE" sz="2000" dirty="0" err="1" smtClean="0">
+                <a:solidFill>
+                  <a:schemeClr val="bg1"/>
+                </a:solidFill>
+              </a:rPr>
+              <a:t>to</a:t>
+            </a:r>
+            <a:r>
+              <a:rPr lang="de-DE" sz="2000" dirty="0" smtClean="0">
+                <a:solidFill>
+                  <a:schemeClr val="bg1"/>
+                </a:solidFill>
+              </a:rPr>
+              <a:t> a </a:t>
+            </a:r>
+            <a:r>
+              <a:rPr lang="de-DE" sz="2000" dirty="0" err="1">
+                <a:solidFill>
+                  <a:schemeClr val="bg1"/>
+                </a:solidFill>
+              </a:rPr>
+              <a:t>file</a:t>
+            </a:r>
+            <a:r>
+              <a:rPr lang="de-DE" sz="2000" dirty="0">
+                <a:solidFill>
+                  <a:schemeClr val="bg1"/>
+                </a:solidFill>
+              </a:rPr>
+              <a:t> </a:t>
+            </a:r>
+            <a:r>
+              <a:rPr lang="de-DE" sz="2000" dirty="0" err="1">
+                <a:solidFill>
+                  <a:schemeClr val="bg1"/>
+                </a:solidFill>
+              </a:rPr>
+              <a:t>and</a:t>
+            </a:r>
+            <a:r>
+              <a:rPr lang="de-DE" sz="2000" dirty="0">
+                <a:solidFill>
+                  <a:schemeClr val="bg1"/>
+                </a:solidFill>
+              </a:rPr>
+              <a:t> </a:t>
+            </a:r>
+            <a:r>
+              <a:rPr lang="de-DE" sz="2000" dirty="0" err="1">
+                <a:solidFill>
+                  <a:schemeClr val="bg1"/>
+                </a:solidFill>
+              </a:rPr>
+              <a:t>the</a:t>
+            </a:r>
+            <a:r>
+              <a:rPr lang="de-DE" sz="2000" dirty="0">
+                <a:solidFill>
+                  <a:schemeClr val="bg1"/>
+                </a:solidFill>
+              </a:rPr>
+              <a:t> </a:t>
+            </a:r>
+            <a:r>
+              <a:rPr lang="de-DE" sz="2000" dirty="0" err="1" smtClean="0">
+                <a:solidFill>
+                  <a:schemeClr val="bg1"/>
+                </a:solidFill>
+              </a:rPr>
+              <a:t>console</a:t>
+            </a:r>
+            <a:r>
+              <a:rPr lang="de-DE" sz="2000" dirty="0" smtClean="0">
+                <a:solidFill>
+                  <a:schemeClr val="bg1"/>
+                </a:solidFill>
+              </a:rPr>
+              <a:t> (logback.xml </a:t>
+            </a:r>
+            <a:r>
+              <a:rPr lang="de-DE" sz="2000" dirty="0" err="1" smtClean="0">
+                <a:solidFill>
+                  <a:schemeClr val="bg1"/>
+                </a:solidFill>
+              </a:rPr>
+              <a:t>example</a:t>
+            </a:r>
+            <a:r>
+              <a:rPr lang="de-DE" sz="2000" dirty="0" smtClean="0">
+                <a:solidFill>
+                  <a:schemeClr val="bg1"/>
+                </a:solidFill>
+              </a:rPr>
+              <a:t>)</a:t>
+            </a:r>
+            <a:endParaRPr lang="de-DE" sz="2000" dirty="0">
+              <a:solidFill>
+                <a:schemeClr val="bg1"/>
+              </a:solidFill>
+            </a:endParaRPr>
+          </a:p>
+        </p:txBody>
+      </p:sp>
+      <p:pic>
+        <p:nvPicPr>
+          <p:cNvPr id="17" name="Grafik 16"/>
+          <p:cNvPicPr>
+            <a:picLocks noChangeAspect="1"/>
+          </p:cNvPicPr>
+          <p:nvPr/>
+        </p:nvPicPr>
+        <p:blipFill>
+          <a:blip r:embed="rId3"/>
+          <a:stretch>
+            <a:fillRect/>
+          </a:stretch>
+        </p:blipFill>
+        <p:spPr>
+          <a:xfrm>
+            <a:off x="1824527" y="4060064"/>
+            <a:ext cx="4195273" cy="2459769"/>
+          </a:xfrm>
+          <a:prstGeom prst="rect">
+            <a:avLst/>
+          </a:prstGeom>
+        </p:spPr>
+      </p:pic>
+      <p:pic>
+        <p:nvPicPr>
+          <p:cNvPr id="18" name="Grafik 17"/>
+          <p:cNvPicPr>
+            <a:picLocks noChangeAspect="1"/>
+          </p:cNvPicPr>
+          <p:nvPr/>
+        </p:nvPicPr>
+        <p:blipFill>
+          <a:blip r:embed="rId4"/>
+          <a:stretch>
+            <a:fillRect/>
+          </a:stretch>
+        </p:blipFill>
+        <p:spPr>
+          <a:xfrm>
+            <a:off x="7605315" y="4905375"/>
+            <a:ext cx="2315369" cy="1614458"/>
+          </a:xfrm>
+          <a:prstGeom prst="rect">
+            <a:avLst/>
+          </a:prstGeom>
+        </p:spPr>
+      </p:pic>
     </p:spTree>
     <p:extLst>
       <p:ext uri="{BB962C8B-B14F-4D97-AF65-F5344CB8AC3E}">
@@ -4750,6 +6770,13 @@
   <p:clrMapOvr>
     <a:masterClrMapping/>
   </p:clrMapOvr>
+  <p:timing>
+    <p:tnLst>
+      <p:par>
+        <p:cTn id="1" dur="indefinite" restart="never" nodeType="tmRoot"/>
+      </p:par>
+    </p:tnLst>
+  </p:timing>
 </p:sld>
 </file>
 
@@ -4792,7 +6819,7 @@
                   <a:schemeClr val="bg1"/>
                 </a:solidFill>
               </a:rPr>
-              <a:t>Model-View-Controller Architektur</a:t>
+              <a:t>GUI Development</a:t>
             </a:r>
             <a:endParaRPr lang="de-DE" dirty="0">
               <a:solidFill>
@@ -4802,6 +6829,619 @@
           </a:p>
         </p:txBody>
       </p:sp>
+      <p:pic>
+        <p:nvPicPr>
+          <p:cNvPr id="6" name="Inhaltsplatzhalter 5"/>
+          <p:cNvPicPr>
+            <a:picLocks noGrp="1" noChangeAspect="1"/>
+          </p:cNvPicPr>
+          <p:nvPr>
+            <p:ph sz="half" idx="1"/>
+          </p:nvPr>
+        </p:nvPicPr>
+        <p:blipFill>
+          <a:blip r:embed="rId2"/>
+          <a:stretch>
+            <a:fillRect/>
+          </a:stretch>
+        </p:blipFill>
+        <p:spPr>
+          <a:xfrm>
+            <a:off x="1585912" y="2748108"/>
+            <a:ext cx="3686175" cy="685800"/>
+          </a:xfrm>
+          <a:prstGeom prst="rect">
+            <a:avLst/>
+          </a:prstGeom>
+        </p:spPr>
+      </p:pic>
+      <p:sp>
+        <p:nvSpPr>
+          <p:cNvPr id="4" name="Inhaltsplatzhalter 3"/>
+          <p:cNvSpPr>
+            <a:spLocks noGrp="1"/>
+          </p:cNvSpPr>
+          <p:nvPr>
+            <p:ph sz="half" idx="2"/>
+          </p:nvPr>
+        </p:nvSpPr>
+        <p:spPr/>
+        <p:txBody>
+          <a:bodyPr/>
+          <a:lstStyle/>
+          <a:p>
+            <a:r>
+              <a:rPr lang="de-DE" dirty="0" err="1" smtClean="0">
+                <a:solidFill>
+                  <a:schemeClr val="bg1"/>
+                </a:solidFill>
+              </a:rPr>
+              <a:t>Uses</a:t>
+            </a:r>
+            <a:r>
+              <a:rPr lang="de-DE" dirty="0" smtClean="0">
+                <a:solidFill>
+                  <a:schemeClr val="bg1"/>
+                </a:solidFill>
+              </a:rPr>
+              <a:t> </a:t>
+            </a:r>
+            <a:r>
+              <a:rPr lang="de-DE" dirty="0" err="1">
+                <a:solidFill>
+                  <a:schemeClr val="bg1"/>
+                </a:solidFill>
+              </a:rPr>
+              <a:t>S</a:t>
+            </a:r>
+            <a:r>
+              <a:rPr lang="de-DE" dirty="0" err="1" smtClean="0">
+                <a:solidFill>
+                  <a:schemeClr val="bg1"/>
+                </a:solidFill>
+              </a:rPr>
+              <a:t>calaFX</a:t>
+            </a:r>
+            <a:r>
+              <a:rPr lang="de-DE" dirty="0" smtClean="0">
+                <a:solidFill>
+                  <a:schemeClr val="bg1"/>
+                </a:solidFill>
+              </a:rPr>
+              <a:t> </a:t>
+            </a:r>
+            <a:r>
+              <a:rPr lang="de-DE" dirty="0" err="1" smtClean="0">
+                <a:solidFill>
+                  <a:schemeClr val="bg1"/>
+                </a:solidFill>
+              </a:rPr>
+              <a:t>merged</a:t>
+            </a:r>
+            <a:r>
+              <a:rPr lang="de-DE" dirty="0" smtClean="0">
+                <a:solidFill>
+                  <a:schemeClr val="bg1"/>
+                </a:solidFill>
+              </a:rPr>
+              <a:t> </a:t>
+            </a:r>
+            <a:r>
+              <a:rPr lang="de-DE" dirty="0" err="1" smtClean="0">
+                <a:solidFill>
+                  <a:schemeClr val="bg1"/>
+                </a:solidFill>
+              </a:rPr>
+              <a:t>into</a:t>
+            </a:r>
+            <a:r>
+              <a:rPr lang="de-DE" dirty="0" smtClean="0">
+                <a:solidFill>
+                  <a:schemeClr val="bg1"/>
+                </a:solidFill>
+              </a:rPr>
+              <a:t> a swing </a:t>
+            </a:r>
+            <a:r>
+              <a:rPr lang="de-DE" dirty="0" err="1" smtClean="0">
+                <a:solidFill>
+                  <a:schemeClr val="bg1"/>
+                </a:solidFill>
+              </a:rPr>
+              <a:t>frame</a:t>
+            </a:r>
+            <a:endParaRPr lang="de-DE" dirty="0" smtClean="0">
+              <a:solidFill>
+                <a:schemeClr val="bg1"/>
+              </a:solidFill>
+            </a:endParaRPr>
+          </a:p>
+          <a:p>
+            <a:r>
+              <a:rPr lang="de-DE" dirty="0" err="1" smtClean="0">
+                <a:solidFill>
+                  <a:schemeClr val="bg1"/>
+                </a:solidFill>
+              </a:rPr>
+              <a:t>Forced</a:t>
+            </a:r>
+            <a:r>
+              <a:rPr lang="de-DE" dirty="0" smtClean="0">
+                <a:solidFill>
+                  <a:schemeClr val="bg1"/>
+                </a:solidFill>
+              </a:rPr>
+              <a:t> </a:t>
+            </a:r>
+            <a:r>
+              <a:rPr lang="de-DE" dirty="0" err="1" smtClean="0">
+                <a:solidFill>
+                  <a:schemeClr val="bg1"/>
+                </a:solidFill>
+              </a:rPr>
+              <a:t>us</a:t>
+            </a:r>
+            <a:r>
+              <a:rPr lang="de-DE" dirty="0" smtClean="0">
+                <a:solidFill>
+                  <a:schemeClr val="bg1"/>
+                </a:solidFill>
+              </a:rPr>
+              <a:t> </a:t>
+            </a:r>
+            <a:r>
+              <a:rPr lang="de-DE" dirty="0" err="1" smtClean="0">
+                <a:solidFill>
+                  <a:schemeClr val="bg1"/>
+                </a:solidFill>
+              </a:rPr>
+              <a:t>to</a:t>
+            </a:r>
+            <a:r>
+              <a:rPr lang="de-DE" dirty="0" smtClean="0">
+                <a:solidFill>
+                  <a:schemeClr val="bg1"/>
+                </a:solidFill>
+              </a:rPr>
+              <a:t> </a:t>
+            </a:r>
+            <a:r>
+              <a:rPr lang="de-DE" dirty="0" err="1" smtClean="0">
+                <a:solidFill>
+                  <a:schemeClr val="bg1"/>
+                </a:solidFill>
+              </a:rPr>
+              <a:t>make</a:t>
+            </a:r>
+            <a:r>
+              <a:rPr lang="de-DE" dirty="0" smtClean="0">
+                <a:solidFill>
+                  <a:schemeClr val="bg1"/>
+                </a:solidFill>
+              </a:rPr>
+              <a:t> </a:t>
+            </a:r>
+            <a:r>
+              <a:rPr lang="de-DE" dirty="0" err="1" smtClean="0">
+                <a:solidFill>
+                  <a:schemeClr val="bg1"/>
+                </a:solidFill>
+              </a:rPr>
+              <a:t>sure</a:t>
+            </a:r>
+            <a:r>
+              <a:rPr lang="de-DE" dirty="0" smtClean="0">
+                <a:solidFill>
+                  <a:schemeClr val="bg1"/>
+                </a:solidFill>
+              </a:rPr>
+              <a:t> </a:t>
+            </a:r>
+            <a:r>
+              <a:rPr lang="de-DE" dirty="0" err="1" smtClean="0">
+                <a:solidFill>
+                  <a:schemeClr val="bg1"/>
+                </a:solidFill>
+              </a:rPr>
+              <a:t>methods</a:t>
+            </a:r>
+            <a:r>
+              <a:rPr lang="de-DE" dirty="0" smtClean="0">
+                <a:solidFill>
+                  <a:schemeClr val="bg1"/>
+                </a:solidFill>
+              </a:rPr>
+              <a:t> </a:t>
+            </a:r>
+            <a:r>
+              <a:rPr lang="de-DE" dirty="0" err="1" smtClean="0">
+                <a:solidFill>
+                  <a:schemeClr val="bg1"/>
+                </a:solidFill>
+              </a:rPr>
+              <a:t>run</a:t>
+            </a:r>
+            <a:r>
+              <a:rPr lang="de-DE" dirty="0" smtClean="0">
+                <a:solidFill>
+                  <a:schemeClr val="bg1"/>
+                </a:solidFill>
+              </a:rPr>
+              <a:t> in </a:t>
+            </a:r>
+            <a:r>
+              <a:rPr lang="de-DE" dirty="0" err="1" smtClean="0">
+                <a:solidFill>
+                  <a:schemeClr val="bg1"/>
+                </a:solidFill>
+              </a:rPr>
+              <a:t>the</a:t>
+            </a:r>
+            <a:r>
+              <a:rPr lang="de-DE" dirty="0" smtClean="0">
+                <a:solidFill>
+                  <a:schemeClr val="bg1"/>
+                </a:solidFill>
+              </a:rPr>
+              <a:t> FX </a:t>
+            </a:r>
+            <a:r>
+              <a:rPr lang="de-DE" dirty="0" err="1" smtClean="0">
+                <a:solidFill>
+                  <a:schemeClr val="bg1"/>
+                </a:solidFill>
+              </a:rPr>
+              <a:t>Application</a:t>
+            </a:r>
+            <a:r>
+              <a:rPr lang="de-DE" dirty="0" smtClean="0">
+                <a:solidFill>
+                  <a:schemeClr val="bg1"/>
+                </a:solidFill>
+              </a:rPr>
+              <a:t> Thread</a:t>
+            </a:r>
+          </a:p>
+          <a:p>
+            <a:r>
+              <a:rPr lang="de-DE" dirty="0" err="1" smtClean="0">
+                <a:solidFill>
+                  <a:schemeClr val="bg1"/>
+                </a:solidFill>
+              </a:rPr>
+              <a:t>Affects</a:t>
+            </a:r>
+            <a:r>
+              <a:rPr lang="de-DE" dirty="0" smtClean="0">
+                <a:solidFill>
+                  <a:schemeClr val="bg1"/>
+                </a:solidFill>
+              </a:rPr>
+              <a:t> TUI (</a:t>
+            </a:r>
+            <a:r>
+              <a:rPr lang="de-DE" dirty="0" err="1" smtClean="0">
+                <a:solidFill>
+                  <a:schemeClr val="bg1"/>
+                </a:solidFill>
+              </a:rPr>
+              <a:t>obviously</a:t>
+            </a:r>
+            <a:r>
+              <a:rPr lang="de-DE" dirty="0" smtClean="0">
+                <a:solidFill>
+                  <a:schemeClr val="bg1"/>
+                </a:solidFill>
+              </a:rPr>
+              <a:t>)</a:t>
+            </a:r>
+          </a:p>
+          <a:p>
+            <a:r>
+              <a:rPr lang="de-DE" dirty="0" err="1" smtClean="0">
+                <a:solidFill>
+                  <a:schemeClr val="bg1"/>
+                </a:solidFill>
+              </a:rPr>
+              <a:t>ScalaFX</a:t>
+            </a:r>
+            <a:r>
+              <a:rPr lang="de-DE" dirty="0" smtClean="0">
+                <a:solidFill>
+                  <a:schemeClr val="bg1"/>
+                </a:solidFill>
+              </a:rPr>
+              <a:t> </a:t>
+            </a:r>
+            <a:r>
+              <a:rPr lang="de-DE" dirty="0" err="1" smtClean="0">
+                <a:solidFill>
+                  <a:schemeClr val="bg1"/>
+                </a:solidFill>
+              </a:rPr>
+              <a:t>offers</a:t>
+            </a:r>
+            <a:r>
+              <a:rPr lang="de-DE" dirty="0" smtClean="0">
+                <a:solidFill>
+                  <a:schemeClr val="bg1"/>
+                </a:solidFill>
+              </a:rPr>
+              <a:t> </a:t>
+            </a:r>
+            <a:r>
+              <a:rPr lang="de-DE" dirty="0" err="1" smtClean="0">
+                <a:solidFill>
+                  <a:schemeClr val="bg1"/>
+                </a:solidFill>
+              </a:rPr>
+              <a:t>awesome</a:t>
+            </a:r>
+            <a:r>
+              <a:rPr lang="de-DE" dirty="0" smtClean="0">
+                <a:solidFill>
+                  <a:schemeClr val="bg1"/>
+                </a:solidFill>
+              </a:rPr>
+              <a:t> Properties </a:t>
+            </a:r>
+            <a:r>
+              <a:rPr lang="de-DE" dirty="0" err="1" smtClean="0">
+                <a:solidFill>
+                  <a:schemeClr val="bg1"/>
+                </a:solidFill>
+              </a:rPr>
+              <a:t>that</a:t>
+            </a:r>
+            <a:r>
+              <a:rPr lang="de-DE" dirty="0" smtClean="0">
+                <a:solidFill>
+                  <a:schemeClr val="bg1"/>
+                </a:solidFill>
+              </a:rPr>
+              <a:t> </a:t>
+            </a:r>
+            <a:r>
+              <a:rPr lang="de-DE" dirty="0" err="1" smtClean="0">
+                <a:solidFill>
+                  <a:schemeClr val="bg1"/>
+                </a:solidFill>
+              </a:rPr>
+              <a:t>can</a:t>
+            </a:r>
+            <a:r>
+              <a:rPr lang="de-DE" dirty="0" smtClean="0">
+                <a:solidFill>
+                  <a:schemeClr val="bg1"/>
+                </a:solidFill>
+              </a:rPr>
+              <a:t> </a:t>
+            </a:r>
+            <a:r>
+              <a:rPr lang="de-DE" dirty="0" err="1" smtClean="0">
+                <a:solidFill>
+                  <a:schemeClr val="bg1"/>
+                </a:solidFill>
+              </a:rPr>
+              <a:t>be</a:t>
+            </a:r>
+            <a:r>
+              <a:rPr lang="de-DE" dirty="0" smtClean="0">
+                <a:solidFill>
+                  <a:schemeClr val="bg1"/>
+                </a:solidFill>
+              </a:rPr>
+              <a:t> </a:t>
+            </a:r>
+            <a:r>
+              <a:rPr lang="de-DE" dirty="0" err="1" smtClean="0">
+                <a:solidFill>
+                  <a:schemeClr val="bg1"/>
+                </a:solidFill>
+              </a:rPr>
+              <a:t>bound</a:t>
+            </a:r>
+            <a:r>
+              <a:rPr lang="de-DE" dirty="0" smtClean="0">
+                <a:solidFill>
+                  <a:schemeClr val="bg1"/>
+                </a:solidFill>
+              </a:rPr>
+              <a:t> like </a:t>
+            </a:r>
+            <a:r>
+              <a:rPr lang="de-DE" dirty="0" err="1" smtClean="0">
+                <a:solidFill>
+                  <a:schemeClr val="bg1"/>
+                </a:solidFill>
+              </a:rPr>
+              <a:t>that</a:t>
+            </a:r>
+            <a:r>
+              <a:rPr lang="de-DE" dirty="0" smtClean="0">
+                <a:solidFill>
+                  <a:schemeClr val="bg1"/>
+                </a:solidFill>
+              </a:rPr>
+              <a:t>:</a:t>
+            </a:r>
+            <a:br>
+              <a:rPr lang="de-DE" dirty="0" smtClean="0">
+                <a:solidFill>
+                  <a:schemeClr val="bg1"/>
+                </a:solidFill>
+              </a:rPr>
+            </a:br>
+            <a:r>
+              <a:rPr lang="de-DE" dirty="0" smtClean="0">
+                <a:solidFill>
+                  <a:schemeClr val="bg1"/>
+                </a:solidFill>
+              </a:rPr>
+              <a:t>Something &lt;== Property()</a:t>
+            </a:r>
+          </a:p>
+          <a:p>
+            <a:endParaRPr lang="de-DE" dirty="0">
+              <a:solidFill>
+                <a:schemeClr val="bg1"/>
+              </a:solidFill>
+            </a:endParaRPr>
+          </a:p>
+          <a:p>
+            <a:endParaRPr lang="de-DE" dirty="0"/>
+          </a:p>
+        </p:txBody>
+      </p:sp>
+      <p:pic>
+        <p:nvPicPr>
+          <p:cNvPr id="5" name="Grafik 4"/>
+          <p:cNvPicPr>
+            <a:picLocks noChangeAspect="1"/>
+          </p:cNvPicPr>
+          <p:nvPr/>
+        </p:nvPicPr>
+        <p:blipFill>
+          <a:blip r:embed="rId3"/>
+          <a:stretch>
+            <a:fillRect/>
+          </a:stretch>
+        </p:blipFill>
+        <p:spPr>
+          <a:xfrm>
+            <a:off x="838200" y="1825625"/>
+            <a:ext cx="5181600" cy="787544"/>
+          </a:xfrm>
+          <a:prstGeom prst="rect">
+            <a:avLst/>
+          </a:prstGeom>
+        </p:spPr>
+      </p:pic>
+      <p:pic>
+        <p:nvPicPr>
+          <p:cNvPr id="7" name="Grafik 6"/>
+          <p:cNvPicPr>
+            <a:picLocks noChangeAspect="1"/>
+          </p:cNvPicPr>
+          <p:nvPr/>
+        </p:nvPicPr>
+        <p:blipFill>
+          <a:blip r:embed="rId4"/>
+          <a:stretch>
+            <a:fillRect/>
+          </a:stretch>
+        </p:blipFill>
+        <p:spPr>
+          <a:xfrm>
+            <a:off x="1314272" y="3568846"/>
+            <a:ext cx="4229456" cy="2936774"/>
+          </a:xfrm>
+          <a:prstGeom prst="rect">
+            <a:avLst/>
+          </a:prstGeom>
+        </p:spPr>
+      </p:pic>
+      <p:pic>
+        <p:nvPicPr>
+          <p:cNvPr id="8" name="Grafik 7"/>
+          <p:cNvPicPr>
+            <a:picLocks noChangeAspect="1"/>
+          </p:cNvPicPr>
+          <p:nvPr/>
+        </p:nvPicPr>
+        <p:blipFill>
+          <a:blip r:embed="rId5"/>
+          <a:stretch>
+            <a:fillRect/>
+          </a:stretch>
+        </p:blipFill>
+        <p:spPr>
+          <a:xfrm>
+            <a:off x="6300787" y="6010275"/>
+            <a:ext cx="4924425" cy="333375"/>
+          </a:xfrm>
+          <a:prstGeom prst="rect">
+            <a:avLst/>
+          </a:prstGeom>
+        </p:spPr>
+      </p:pic>
+    </p:spTree>
+    <p:extLst>
+      <p:ext uri="{BB962C8B-B14F-4D97-AF65-F5344CB8AC3E}">
+        <p14:creationId xmlns:p14="http://schemas.microsoft.com/office/powerpoint/2010/main" val="2130972528"/>
+      </p:ext>
+    </p:extLst>
+  </p:cSld>
+  <p:clrMapOvr>
+    <a:masterClrMapping/>
+  </p:clrMapOvr>
+  <p:timing>
+    <p:tnLst>
+      <p:par>
+        <p:cTn id="1" dur="indefinite" restart="never" nodeType="tmRoot"/>
+      </p:par>
+    </p:tnLst>
+  </p:timing>
+</p:sld>
+</file>
+
+<file path=ppt/slides/slide9.xml><?xml version="1.0" encoding="utf-8"?>
+<p:sld xmlns:a="http://schemas.openxmlformats.org/drawingml/2006/main" xmlns:r="http://schemas.openxmlformats.org/officeDocument/2006/relationships" xmlns:p="http://schemas.openxmlformats.org/presentationml/2006/main">
+  <p:cSld>
+    <p:spTree>
+      <p:nvGrpSpPr>
+        <p:cNvPr id="1" name=""/>
+        <p:cNvGrpSpPr/>
+        <p:nvPr/>
+      </p:nvGrpSpPr>
+      <p:grpSpPr>
+        <a:xfrm>
+          <a:off x="0" y="0"/>
+          <a:ext cx="0" cy="0"/>
+          <a:chOff x="0" y="0"/>
+          <a:chExt cx="0" cy="0"/>
+        </a:xfrm>
+      </p:grpSpPr>
+      <p:sp>
+        <p:nvSpPr>
+          <p:cNvPr id="2" name="Titel 1"/>
+          <p:cNvSpPr>
+            <a:spLocks noGrp="1"/>
+          </p:cNvSpPr>
+          <p:nvPr>
+            <p:ph type="title"/>
+          </p:nvPr>
+        </p:nvSpPr>
+        <p:spPr/>
+        <p:txBody>
+          <a:bodyPr/>
+          <a:lstStyle/>
+          <a:p>
+            <a:pPr algn="ctr"/>
+            <a:r>
+              <a:rPr lang="de-DE" dirty="0" smtClean="0">
+                <a:solidFill>
+                  <a:schemeClr val="bg1"/>
+                </a:solidFill>
+              </a:rPr>
+              <a:t>Model-View-Controller </a:t>
+            </a:r>
+            <a:r>
+              <a:rPr lang="de-DE" dirty="0" err="1" smtClean="0">
+                <a:solidFill>
+                  <a:schemeClr val="bg1"/>
+                </a:solidFill>
+              </a:rPr>
+              <a:t>Architecture</a:t>
+            </a:r>
+            <a:endParaRPr lang="de-DE" dirty="0">
+              <a:solidFill>
+                <a:schemeClr val="bg1"/>
+              </a:solidFill>
+            </a:endParaRPr>
+          </a:p>
+        </p:txBody>
+      </p:sp>
       <p:sp>
         <p:nvSpPr>
           <p:cNvPr id="5" name="Inhaltsplatzhalter 4"/>
@@ -4919,7 +7559,7 @@
                   <a:schemeClr val="bg1"/>
                 </a:solidFill>
               </a:rPr>
-              <a:t>publishes</a:t>
+              <a:t>publish</a:t>
             </a:r>
             <a:r>
               <a:rPr lang="de-DE" sz="1800" dirty="0" smtClean="0">
@@ -5258,113 +7898,13 @@
   <p:clrMapOvr>
     <a:masterClrMapping/>
   </p:clrMapOvr>
-</p:sld>
-</file>
-
-<file path=ppt/slides/slide9.xml><?xml version="1.0" encoding="utf-8"?>
-<p:sld xmlns:a="http://schemas.openxmlformats.org/drawingml/2006/main" xmlns:r="http://schemas.openxmlformats.org/officeDocument/2006/relationships" xmlns:p="http://schemas.openxmlformats.org/presentationml/2006/main">
-  <p:cSld>
-    <p:spTree>
-      <p:nvGrpSpPr>
-        <p:cNvPr id="1" name=""/>
-        <p:cNvGrpSpPr/>
-        <p:nvPr/>
-      </p:nvGrpSpPr>
-      <p:grpSpPr>
-        <a:xfrm>
-          <a:off x="0" y="0"/>
-          <a:ext cx="0" cy="0"/>
-          <a:chOff x="0" y="0"/>
-          <a:chExt cx="0" cy="0"/>
-        </a:xfrm>
-      </p:grpSpPr>
-      <p:sp>
-        <p:nvSpPr>
-          <p:cNvPr id="2" name="Titel 1"/>
-          <p:cNvSpPr>
-            <a:spLocks noGrp="1"/>
-          </p:cNvSpPr>
-          <p:nvPr>
-            <p:ph type="title"/>
-          </p:nvPr>
-        </p:nvSpPr>
-        <p:spPr/>
-        <p:txBody>
-          <a:bodyPr/>
-          <a:lstStyle/>
-          <a:p>
-            <a:pPr algn="ctr"/>
-            <a:r>
-              <a:rPr lang="de-DE" dirty="0" smtClean="0">
-                <a:solidFill>
-                  <a:schemeClr val="bg1"/>
-                </a:solidFill>
-              </a:rPr>
-              <a:t>Code </a:t>
-            </a:r>
-            <a:r>
-              <a:rPr lang="de-DE" dirty="0" err="1" smtClean="0">
-                <a:solidFill>
-                  <a:schemeClr val="bg1"/>
-                </a:solidFill>
-              </a:rPr>
-              <a:t>Coverage</a:t>
-            </a:r>
-            <a:r>
-              <a:rPr lang="de-DE" dirty="0" smtClean="0">
-                <a:solidFill>
-                  <a:schemeClr val="bg1"/>
-                </a:solidFill>
-              </a:rPr>
-              <a:t> / Tests</a:t>
-            </a:r>
-            <a:endParaRPr lang="de-DE" dirty="0">
-              <a:solidFill>
-                <a:schemeClr val="bg1"/>
-              </a:solidFill>
-            </a:endParaRPr>
-          </a:p>
-        </p:txBody>
-      </p:sp>
-      <p:pic>
-        <p:nvPicPr>
-          <p:cNvPr id="4" name="Inhaltsplatzhalter 3"/>
-          <p:cNvPicPr>
-            <a:picLocks noGrp="1" noChangeAspect="1"/>
-          </p:cNvPicPr>
-          <p:nvPr>
-            <p:ph idx="1"/>
-          </p:nvPr>
-        </p:nvPicPr>
-        <p:blipFill>
-          <a:blip r:embed="rId2">
-            <a:extLst>
-              <a:ext uri="{28A0092B-C50C-407E-A947-70E740481C1C}">
-                <a14:useLocalDpi xmlns:a14="http://schemas.microsoft.com/office/drawing/2010/main" val="0"/>
-              </a:ext>
-            </a:extLst>
-          </a:blip>
-          <a:stretch>
-            <a:fillRect/>
-          </a:stretch>
-        </p:blipFill>
-        <p:spPr>
-          <a:xfrm>
-            <a:off x="838200" y="2404781"/>
-            <a:ext cx="10515600" cy="3193026"/>
-          </a:xfrm>
-        </p:spPr>
-      </p:pic>
-    </p:spTree>
-    <p:extLst>
-      <p:ext uri="{BB962C8B-B14F-4D97-AF65-F5344CB8AC3E}">
-        <p14:creationId xmlns:p14="http://schemas.microsoft.com/office/powerpoint/2010/main" val="1308059267"/>
-      </p:ext>
-    </p:extLst>
-  </p:cSld>
-  <p:clrMapOvr>
-    <a:masterClrMapping/>
-  </p:clrMapOvr>
+  <p:timing>
+    <p:tnLst>
+      <p:par>
+        <p:cTn id="1" dur="indefinite" restart="never" nodeType="tmRoot"/>
+      </p:par>
+    </p:tnLst>
+  </p:timing>
 </p:sld>
 </file>
 

--- a/Projektpräsentation SE.pptx
+++ b/Projektpräsentation SE.pptx
@@ -4,6 +4,9 @@
   <p:sldMasterIdLst>
     <p:sldMasterId id="2147483648" r:id="rId1"/>
   </p:sldMasterIdLst>
+  <p:notesMasterIdLst>
+    <p:notesMasterId r:id="rId19"/>
+  </p:notesMasterIdLst>
   <p:sldIdLst>
     <p:sldId id="256" r:id="rId2"/>
     <p:sldId id="257" r:id="rId3"/>
@@ -14,13 +17,14 @@
     <p:sldId id="267" r:id="rId8"/>
     <p:sldId id="271" r:id="rId9"/>
     <p:sldId id="261" r:id="rId10"/>
-    <p:sldId id="266" r:id="rId11"/>
-    <p:sldId id="259" r:id="rId12"/>
-    <p:sldId id="268" r:id="rId13"/>
-    <p:sldId id="269" r:id="rId14"/>
-    <p:sldId id="270" r:id="rId15"/>
-    <p:sldId id="272" r:id="rId16"/>
-    <p:sldId id="273" r:id="rId17"/>
+    <p:sldId id="274" r:id="rId11"/>
+    <p:sldId id="266" r:id="rId12"/>
+    <p:sldId id="259" r:id="rId13"/>
+    <p:sldId id="268" r:id="rId14"/>
+    <p:sldId id="269" r:id="rId15"/>
+    <p:sldId id="270" r:id="rId16"/>
+    <p:sldId id="272" r:id="rId17"/>
+    <p:sldId id="273" r:id="rId18"/>
   </p:sldIdLst>
   <p:sldSz cx="12192000" cy="6858000"/>
   <p:notesSz cx="6858000" cy="9144000"/>
@@ -127,6 +131,440 @@
 </p:presentation>
 </file>
 
+<file path=ppt/notesMasters/notesMaster1.xml><?xml version="1.0" encoding="utf-8"?>
+<p:notesMaster xmlns:a="http://schemas.openxmlformats.org/drawingml/2006/main" xmlns:r="http://schemas.openxmlformats.org/officeDocument/2006/relationships" xmlns:p="http://schemas.openxmlformats.org/presentationml/2006/main">
+  <p:cSld>
+    <p:bg>
+      <p:bgRef idx="1001">
+        <a:schemeClr val="bg1"/>
+      </p:bgRef>
+    </p:bg>
+    <p:spTree>
+      <p:nvGrpSpPr>
+        <p:cNvPr id="1" name=""/>
+        <p:cNvGrpSpPr/>
+        <p:nvPr/>
+      </p:nvGrpSpPr>
+      <p:grpSpPr>
+        <a:xfrm>
+          <a:off x="0" y="0"/>
+          <a:ext cx="0" cy="0"/>
+          <a:chOff x="0" y="0"/>
+          <a:chExt cx="0" cy="0"/>
+        </a:xfrm>
+      </p:grpSpPr>
+      <p:sp>
+        <p:nvSpPr>
+          <p:cNvPr id="2" name="Kopfzeilenplatzhalter 1"/>
+          <p:cNvSpPr>
+            <a:spLocks noGrp="1"/>
+          </p:cNvSpPr>
+          <p:nvPr>
+            <p:ph type="hdr" sz="quarter"/>
+          </p:nvPr>
+        </p:nvSpPr>
+        <p:spPr>
+          <a:xfrm>
+            <a:off x="0" y="0"/>
+            <a:ext cx="2971800" cy="458788"/>
+          </a:xfrm>
+          <a:prstGeom prst="rect">
+            <a:avLst/>
+          </a:prstGeom>
+        </p:spPr>
+        <p:txBody>
+          <a:bodyPr vert="horz" lIns="91440" tIns="45720" rIns="91440" bIns="45720" rtlCol="0"/>
+          <a:lstStyle>
+            <a:lvl1pPr algn="l">
+              <a:defRPr sz="1200"/>
+            </a:lvl1pPr>
+          </a:lstStyle>
+          <a:p>
+            <a:endParaRPr lang="en-GB"/>
+          </a:p>
+        </p:txBody>
+      </p:sp>
+      <p:sp>
+        <p:nvSpPr>
+          <p:cNvPr id="3" name="Datumsplatzhalter 2"/>
+          <p:cNvSpPr>
+            <a:spLocks noGrp="1"/>
+          </p:cNvSpPr>
+          <p:nvPr>
+            <p:ph type="dt" idx="1"/>
+          </p:nvPr>
+        </p:nvSpPr>
+        <p:spPr>
+          <a:xfrm>
+            <a:off x="3884613" y="0"/>
+            <a:ext cx="2971800" cy="458788"/>
+          </a:xfrm>
+          <a:prstGeom prst="rect">
+            <a:avLst/>
+          </a:prstGeom>
+        </p:spPr>
+        <p:txBody>
+          <a:bodyPr vert="horz" lIns="91440" tIns="45720" rIns="91440" bIns="45720" rtlCol="0"/>
+          <a:lstStyle>
+            <a:lvl1pPr algn="r">
+              <a:defRPr sz="1200"/>
+            </a:lvl1pPr>
+          </a:lstStyle>
+          <a:p>
+            <a:fld id="{175F6421-5CFC-4B1B-B59B-7D6C646BAE35}" type="datetimeFigureOut">
+              <a:rPr lang="en-GB" smtClean="0"/>
+              <a:t>25/01/2018</a:t>
+            </a:fld>
+            <a:endParaRPr lang="en-GB"/>
+          </a:p>
+        </p:txBody>
+      </p:sp>
+      <p:sp>
+        <p:nvSpPr>
+          <p:cNvPr id="4" name="Folienbildplatzhalter 3"/>
+          <p:cNvSpPr>
+            <a:spLocks noGrp="1" noRot="1" noChangeAspect="1"/>
+          </p:cNvSpPr>
+          <p:nvPr>
+            <p:ph type="sldImg" idx="2"/>
+          </p:nvPr>
+        </p:nvSpPr>
+        <p:spPr>
+          <a:xfrm>
+            <a:off x="685800" y="1143000"/>
+            <a:ext cx="5486400" cy="3086100"/>
+          </a:xfrm>
+          <a:prstGeom prst="rect">
+            <a:avLst/>
+          </a:prstGeom>
+          <a:noFill/>
+          <a:ln w="12700">
+            <a:solidFill>
+              <a:prstClr val="black"/>
+            </a:solidFill>
+          </a:ln>
+        </p:spPr>
+        <p:txBody>
+          <a:bodyPr vert="horz" lIns="91440" tIns="45720" rIns="91440" bIns="45720" rtlCol="0" anchor="ctr"/>
+          <a:lstStyle/>
+          <a:p>
+            <a:endParaRPr lang="en-GB"/>
+          </a:p>
+        </p:txBody>
+      </p:sp>
+      <p:sp>
+        <p:nvSpPr>
+          <p:cNvPr id="5" name="Notizenplatzhalter 4"/>
+          <p:cNvSpPr>
+            <a:spLocks noGrp="1"/>
+          </p:cNvSpPr>
+          <p:nvPr>
+            <p:ph type="body" sz="quarter" idx="3"/>
+          </p:nvPr>
+        </p:nvSpPr>
+        <p:spPr>
+          <a:xfrm>
+            <a:off x="685800" y="4400550"/>
+            <a:ext cx="5486400" cy="3600450"/>
+          </a:xfrm>
+          <a:prstGeom prst="rect">
+            <a:avLst/>
+          </a:prstGeom>
+        </p:spPr>
+        <p:txBody>
+          <a:bodyPr vert="horz" lIns="91440" tIns="45720" rIns="91440" bIns="45720" rtlCol="0"/>
+          <a:lstStyle/>
+          <a:p>
+            <a:pPr lvl="0"/>
+            <a:r>
+              <a:rPr lang="de-DE" smtClean="0"/>
+              <a:t>Textmasterformat bearbeiten</a:t>
+            </a:r>
+          </a:p>
+          <a:p>
+            <a:pPr lvl="1"/>
+            <a:r>
+              <a:rPr lang="de-DE" smtClean="0"/>
+              <a:t>Zweite Ebene</a:t>
+            </a:r>
+          </a:p>
+          <a:p>
+            <a:pPr lvl="2"/>
+            <a:r>
+              <a:rPr lang="de-DE" smtClean="0"/>
+              <a:t>Dritte Ebene</a:t>
+            </a:r>
+          </a:p>
+          <a:p>
+            <a:pPr lvl="3"/>
+            <a:r>
+              <a:rPr lang="de-DE" smtClean="0"/>
+              <a:t>Vierte Ebene</a:t>
+            </a:r>
+          </a:p>
+          <a:p>
+            <a:pPr lvl="4"/>
+            <a:r>
+              <a:rPr lang="de-DE" smtClean="0"/>
+              <a:t>Fünfte Ebene</a:t>
+            </a:r>
+            <a:endParaRPr lang="en-GB"/>
+          </a:p>
+        </p:txBody>
+      </p:sp>
+      <p:sp>
+        <p:nvSpPr>
+          <p:cNvPr id="6" name="Fußzeilenplatzhalter 5"/>
+          <p:cNvSpPr>
+            <a:spLocks noGrp="1"/>
+          </p:cNvSpPr>
+          <p:nvPr>
+            <p:ph type="ftr" sz="quarter" idx="4"/>
+          </p:nvPr>
+        </p:nvSpPr>
+        <p:spPr>
+          <a:xfrm>
+            <a:off x="0" y="8685213"/>
+            <a:ext cx="2971800" cy="458787"/>
+          </a:xfrm>
+          <a:prstGeom prst="rect">
+            <a:avLst/>
+          </a:prstGeom>
+        </p:spPr>
+        <p:txBody>
+          <a:bodyPr vert="horz" lIns="91440" tIns="45720" rIns="91440" bIns="45720" rtlCol="0" anchor="b"/>
+          <a:lstStyle>
+            <a:lvl1pPr algn="l">
+              <a:defRPr sz="1200"/>
+            </a:lvl1pPr>
+          </a:lstStyle>
+          <a:p>
+            <a:endParaRPr lang="en-GB"/>
+          </a:p>
+        </p:txBody>
+      </p:sp>
+      <p:sp>
+        <p:nvSpPr>
+          <p:cNvPr id="7" name="Foliennummernplatzhalter 6"/>
+          <p:cNvSpPr>
+            <a:spLocks noGrp="1"/>
+          </p:cNvSpPr>
+          <p:nvPr>
+            <p:ph type="sldNum" sz="quarter" idx="5"/>
+          </p:nvPr>
+        </p:nvSpPr>
+        <p:spPr>
+          <a:xfrm>
+            <a:off x="3884613" y="8685213"/>
+            <a:ext cx="2971800" cy="458787"/>
+          </a:xfrm>
+          <a:prstGeom prst="rect">
+            <a:avLst/>
+          </a:prstGeom>
+        </p:spPr>
+        <p:txBody>
+          <a:bodyPr vert="horz" lIns="91440" tIns="45720" rIns="91440" bIns="45720" rtlCol="0" anchor="b"/>
+          <a:lstStyle>
+            <a:lvl1pPr algn="r">
+              <a:defRPr sz="1200"/>
+            </a:lvl1pPr>
+          </a:lstStyle>
+          <a:p>
+            <a:fld id="{CC890AFA-3657-458A-9F71-E1CF6FDEF012}" type="slidenum">
+              <a:rPr lang="en-GB" smtClean="0"/>
+              <a:t>‹Nr.›</a:t>
+            </a:fld>
+            <a:endParaRPr lang="en-GB"/>
+          </a:p>
+        </p:txBody>
+      </p:sp>
+    </p:spTree>
+    <p:extLst>
+      <p:ext uri="{BB962C8B-B14F-4D97-AF65-F5344CB8AC3E}">
+        <p14:creationId xmlns:p14="http://schemas.microsoft.com/office/powerpoint/2010/main" val="2994597371"/>
+      </p:ext>
+    </p:extLst>
+  </p:cSld>
+  <p:clrMap bg1="lt1" tx1="dk1" bg2="lt2" tx2="dk2" accent1="accent1" accent2="accent2" accent3="accent3" accent4="accent4" accent5="accent5" accent6="accent6" hlink="hlink" folHlink="folHlink"/>
+  <p:notesStyle>
+    <a:lvl1pPr marL="0" algn="l" defTabSz="914400" rtl="0" eaLnBrk="1" latinLnBrk="0" hangingPunct="1">
+      <a:defRPr sz="1200" kern="1200">
+        <a:solidFill>
+          <a:schemeClr val="tx1"/>
+        </a:solidFill>
+        <a:latin typeface="+mn-lt"/>
+        <a:ea typeface="+mn-ea"/>
+        <a:cs typeface="+mn-cs"/>
+      </a:defRPr>
+    </a:lvl1pPr>
+    <a:lvl2pPr marL="457200" algn="l" defTabSz="914400" rtl="0" eaLnBrk="1" latinLnBrk="0" hangingPunct="1">
+      <a:defRPr sz="1200" kern="1200">
+        <a:solidFill>
+          <a:schemeClr val="tx1"/>
+        </a:solidFill>
+        <a:latin typeface="+mn-lt"/>
+        <a:ea typeface="+mn-ea"/>
+        <a:cs typeface="+mn-cs"/>
+      </a:defRPr>
+    </a:lvl2pPr>
+    <a:lvl3pPr marL="914400" algn="l" defTabSz="914400" rtl="0" eaLnBrk="1" latinLnBrk="0" hangingPunct="1">
+      <a:defRPr sz="1200" kern="1200">
+        <a:solidFill>
+          <a:schemeClr val="tx1"/>
+        </a:solidFill>
+        <a:latin typeface="+mn-lt"/>
+        <a:ea typeface="+mn-ea"/>
+        <a:cs typeface="+mn-cs"/>
+      </a:defRPr>
+    </a:lvl3pPr>
+    <a:lvl4pPr marL="1371600" algn="l" defTabSz="914400" rtl="0" eaLnBrk="1" latinLnBrk="0" hangingPunct="1">
+      <a:defRPr sz="1200" kern="1200">
+        <a:solidFill>
+          <a:schemeClr val="tx1"/>
+        </a:solidFill>
+        <a:latin typeface="+mn-lt"/>
+        <a:ea typeface="+mn-ea"/>
+        <a:cs typeface="+mn-cs"/>
+      </a:defRPr>
+    </a:lvl4pPr>
+    <a:lvl5pPr marL="1828800" algn="l" defTabSz="914400" rtl="0" eaLnBrk="1" latinLnBrk="0" hangingPunct="1">
+      <a:defRPr sz="1200" kern="1200">
+        <a:solidFill>
+          <a:schemeClr val="tx1"/>
+        </a:solidFill>
+        <a:latin typeface="+mn-lt"/>
+        <a:ea typeface="+mn-ea"/>
+        <a:cs typeface="+mn-cs"/>
+      </a:defRPr>
+    </a:lvl5pPr>
+    <a:lvl6pPr marL="2286000" algn="l" defTabSz="914400" rtl="0" eaLnBrk="1" latinLnBrk="0" hangingPunct="1">
+      <a:defRPr sz="1200" kern="1200">
+        <a:solidFill>
+          <a:schemeClr val="tx1"/>
+        </a:solidFill>
+        <a:latin typeface="+mn-lt"/>
+        <a:ea typeface="+mn-ea"/>
+        <a:cs typeface="+mn-cs"/>
+      </a:defRPr>
+    </a:lvl6pPr>
+    <a:lvl7pPr marL="2743200" algn="l" defTabSz="914400" rtl="0" eaLnBrk="1" latinLnBrk="0" hangingPunct="1">
+      <a:defRPr sz="1200" kern="1200">
+        <a:solidFill>
+          <a:schemeClr val="tx1"/>
+        </a:solidFill>
+        <a:latin typeface="+mn-lt"/>
+        <a:ea typeface="+mn-ea"/>
+        <a:cs typeface="+mn-cs"/>
+      </a:defRPr>
+    </a:lvl7pPr>
+    <a:lvl8pPr marL="3200400" algn="l" defTabSz="914400" rtl="0" eaLnBrk="1" latinLnBrk="0" hangingPunct="1">
+      <a:defRPr sz="1200" kern="1200">
+        <a:solidFill>
+          <a:schemeClr val="tx1"/>
+        </a:solidFill>
+        <a:latin typeface="+mn-lt"/>
+        <a:ea typeface="+mn-ea"/>
+        <a:cs typeface="+mn-cs"/>
+      </a:defRPr>
+    </a:lvl8pPr>
+    <a:lvl9pPr marL="3657600" algn="l" defTabSz="914400" rtl="0" eaLnBrk="1" latinLnBrk="0" hangingPunct="1">
+      <a:defRPr sz="1200" kern="1200">
+        <a:solidFill>
+          <a:schemeClr val="tx1"/>
+        </a:solidFill>
+        <a:latin typeface="+mn-lt"/>
+        <a:ea typeface="+mn-ea"/>
+        <a:cs typeface="+mn-cs"/>
+      </a:defRPr>
+    </a:lvl9pPr>
+  </p:notesStyle>
+</p:notesMaster>
+</file>
+
+<file path=ppt/notesSlides/notesSlide1.xml><?xml version="1.0" encoding="utf-8"?>
+<p:notes xmlns:a="http://schemas.openxmlformats.org/drawingml/2006/main" xmlns:r="http://schemas.openxmlformats.org/officeDocument/2006/relationships" xmlns:p="http://schemas.openxmlformats.org/presentationml/2006/main">
+  <p:cSld>
+    <p:spTree>
+      <p:nvGrpSpPr>
+        <p:cNvPr id="1" name=""/>
+        <p:cNvGrpSpPr/>
+        <p:nvPr/>
+      </p:nvGrpSpPr>
+      <p:grpSpPr>
+        <a:xfrm>
+          <a:off x="0" y="0"/>
+          <a:ext cx="0" cy="0"/>
+          <a:chOff x="0" y="0"/>
+          <a:chExt cx="0" cy="0"/>
+        </a:xfrm>
+      </p:grpSpPr>
+      <p:sp>
+        <p:nvSpPr>
+          <p:cNvPr id="2" name="Folienbildplatzhalter 1"/>
+          <p:cNvSpPr>
+            <a:spLocks noGrp="1" noRot="1" noChangeAspect="1"/>
+          </p:cNvSpPr>
+          <p:nvPr>
+            <p:ph type="sldImg"/>
+          </p:nvPr>
+        </p:nvSpPr>
+        <p:spPr/>
+      </p:sp>
+      <p:sp>
+        <p:nvSpPr>
+          <p:cNvPr id="3" name="Notizenplatzhalter 2"/>
+          <p:cNvSpPr>
+            <a:spLocks noGrp="1"/>
+          </p:cNvSpPr>
+          <p:nvPr>
+            <p:ph type="body" idx="1"/>
+          </p:nvPr>
+        </p:nvSpPr>
+        <p:spPr/>
+        <p:txBody>
+          <a:bodyPr/>
+          <a:lstStyle/>
+          <a:p>
+            <a:endParaRPr lang="en-GB" dirty="0"/>
+          </a:p>
+        </p:txBody>
+      </p:sp>
+      <p:sp>
+        <p:nvSpPr>
+          <p:cNvPr id="4" name="Foliennummernplatzhalter 3"/>
+          <p:cNvSpPr>
+            <a:spLocks noGrp="1"/>
+          </p:cNvSpPr>
+          <p:nvPr>
+            <p:ph type="sldNum" sz="quarter" idx="10"/>
+          </p:nvPr>
+        </p:nvSpPr>
+        <p:spPr/>
+        <p:txBody>
+          <a:bodyPr/>
+          <a:lstStyle/>
+          <a:p>
+            <a:fld id="{CC890AFA-3657-458A-9F71-E1CF6FDEF012}" type="slidenum">
+              <a:rPr lang="en-GB" smtClean="0"/>
+              <a:t>17</a:t>
+            </a:fld>
+            <a:endParaRPr lang="en-GB"/>
+          </a:p>
+        </p:txBody>
+      </p:sp>
+    </p:spTree>
+    <p:extLst>
+      <p:ext uri="{BB962C8B-B14F-4D97-AF65-F5344CB8AC3E}">
+        <p14:creationId xmlns:p14="http://schemas.microsoft.com/office/powerpoint/2010/main" val="2323107874"/>
+      </p:ext>
+    </p:extLst>
+  </p:cSld>
+  <p:clrMapOvr>
+    <a:masterClrMapping/>
+  </p:clrMapOvr>
+</p:notes>
+</file>
+
 <file path=ppt/slideLayouts/slideLayout1.xml><?xml version="1.0" encoding="utf-8"?>
 <p:sldLayout xmlns:a="http://schemas.openxmlformats.org/drawingml/2006/main" xmlns:r="http://schemas.openxmlformats.org/officeDocument/2006/relationships" xmlns:p="http://schemas.openxmlformats.org/presentationml/2006/main" type="title" preserve="1">
   <p:cSld name="Titelfolie">
@@ -258,7 +696,7 @@
           <a:p>
             <a:fld id="{3C5F9BCB-00A0-4E54-A614-FF14A5BEE8D6}" type="datetimeFigureOut">
               <a:rPr lang="de-DE" smtClean="0"/>
-              <a:t>24.01.2018</a:t>
+              <a:t>25.01.2018</a:t>
             </a:fld>
             <a:endParaRPr lang="de-DE"/>
           </a:p>
@@ -428,7 +866,7 @@
           <a:p>
             <a:fld id="{3C5F9BCB-00A0-4E54-A614-FF14A5BEE8D6}" type="datetimeFigureOut">
               <a:rPr lang="de-DE" smtClean="0"/>
-              <a:t>24.01.2018</a:t>
+              <a:t>25.01.2018</a:t>
             </a:fld>
             <a:endParaRPr lang="de-DE"/>
           </a:p>
@@ -608,7 +1046,7 @@
           <a:p>
             <a:fld id="{3C5F9BCB-00A0-4E54-A614-FF14A5BEE8D6}" type="datetimeFigureOut">
               <a:rPr lang="de-DE" smtClean="0"/>
-              <a:t>24.01.2018</a:t>
+              <a:t>25.01.2018</a:t>
             </a:fld>
             <a:endParaRPr lang="de-DE"/>
           </a:p>
@@ -778,7 +1216,7 @@
           <a:p>
             <a:fld id="{3C5F9BCB-00A0-4E54-A614-FF14A5BEE8D6}" type="datetimeFigureOut">
               <a:rPr lang="de-DE" smtClean="0"/>
-              <a:t>24.01.2018</a:t>
+              <a:t>25.01.2018</a:t>
             </a:fld>
             <a:endParaRPr lang="de-DE"/>
           </a:p>
@@ -1024,7 +1462,7 @@
           <a:p>
             <a:fld id="{3C5F9BCB-00A0-4E54-A614-FF14A5BEE8D6}" type="datetimeFigureOut">
               <a:rPr lang="de-DE" smtClean="0"/>
-              <a:t>24.01.2018</a:t>
+              <a:t>25.01.2018</a:t>
             </a:fld>
             <a:endParaRPr lang="de-DE"/>
           </a:p>
@@ -1256,7 +1694,7 @@
           <a:p>
             <a:fld id="{3C5F9BCB-00A0-4E54-A614-FF14A5BEE8D6}" type="datetimeFigureOut">
               <a:rPr lang="de-DE" smtClean="0"/>
-              <a:t>24.01.2018</a:t>
+              <a:t>25.01.2018</a:t>
             </a:fld>
             <a:endParaRPr lang="de-DE"/>
           </a:p>
@@ -1623,7 +2061,7 @@
           <a:p>
             <a:fld id="{3C5F9BCB-00A0-4E54-A614-FF14A5BEE8D6}" type="datetimeFigureOut">
               <a:rPr lang="de-DE" smtClean="0"/>
-              <a:t>24.01.2018</a:t>
+              <a:t>25.01.2018</a:t>
             </a:fld>
             <a:endParaRPr lang="de-DE"/>
           </a:p>
@@ -1741,7 +2179,7 @@
           <a:p>
             <a:fld id="{3C5F9BCB-00A0-4E54-A614-FF14A5BEE8D6}" type="datetimeFigureOut">
               <a:rPr lang="de-DE" smtClean="0"/>
-              <a:t>24.01.2018</a:t>
+              <a:t>25.01.2018</a:t>
             </a:fld>
             <a:endParaRPr lang="de-DE"/>
           </a:p>
@@ -1836,7 +2274,7 @@
           <a:p>
             <a:fld id="{3C5F9BCB-00A0-4E54-A614-FF14A5BEE8D6}" type="datetimeFigureOut">
               <a:rPr lang="de-DE" smtClean="0"/>
-              <a:t>24.01.2018</a:t>
+              <a:t>25.01.2018</a:t>
             </a:fld>
             <a:endParaRPr lang="de-DE"/>
           </a:p>
@@ -2113,7 +2551,7 @@
           <a:p>
             <a:fld id="{3C5F9BCB-00A0-4E54-A614-FF14A5BEE8D6}" type="datetimeFigureOut">
               <a:rPr lang="de-DE" smtClean="0"/>
-              <a:t>24.01.2018</a:t>
+              <a:t>25.01.2018</a:t>
             </a:fld>
             <a:endParaRPr lang="de-DE"/>
           </a:p>
@@ -2366,7 +2804,7 @@
           <a:p>
             <a:fld id="{3C5F9BCB-00A0-4E54-A614-FF14A5BEE8D6}" type="datetimeFigureOut">
               <a:rPr lang="de-DE" smtClean="0"/>
-              <a:t>24.01.2018</a:t>
+              <a:t>25.01.2018</a:t>
             </a:fld>
             <a:endParaRPr lang="de-DE"/>
           </a:p>
@@ -2588,7 +3026,7 @@
           <a:p>
             <a:fld id="{3C5F9BCB-00A0-4E54-A614-FF14A5BEE8D6}" type="datetimeFigureOut">
               <a:rPr lang="de-DE" smtClean="0"/>
-              <a:t>24.01.2018</a:t>
+              <a:t>25.01.2018</a:t>
             </a:fld>
             <a:endParaRPr lang="de-DE"/>
           </a:p>
@@ -3044,53 +3482,29 @@
           <a:lstStyle/>
           <a:p>
             <a:r>
-              <a:rPr lang="de-DE" dirty="0" smtClean="0">
-                <a:solidFill>
-                  <a:schemeClr val="bg1"/>
-                </a:solidFill>
-              </a:rPr>
-              <a:t>Project </a:t>
-            </a:r>
-            <a:r>
-              <a:rPr lang="de-DE" dirty="0" err="1">
-                <a:solidFill>
-                  <a:schemeClr val="bg1"/>
-                </a:solidFill>
-              </a:rPr>
-              <a:t>P</a:t>
-            </a:r>
-            <a:r>
-              <a:rPr lang="de-DE" dirty="0" err="1" smtClean="0">
-                <a:solidFill>
-                  <a:schemeClr val="bg1"/>
-                </a:solidFill>
-              </a:rPr>
-              <a:t>resentation</a:t>
-            </a:r>
-            <a:r>
-              <a:rPr lang="de-DE" dirty="0" smtClean="0">
-                <a:solidFill>
-                  <a:schemeClr val="bg1"/>
-                </a:solidFill>
-              </a:rPr>
-              <a:t> SE:</a:t>
+              <a:rPr lang="en-US" noProof="0" dirty="0" smtClean="0">
+                <a:solidFill>
+                  <a:schemeClr val="bg1"/>
+                </a:solidFill>
+              </a:rPr>
+              <a:t>Project Presentation SE:</a:t>
             </a:r>
             <a:br>
-              <a:rPr lang="de-DE" dirty="0" smtClean="0">
+              <a:rPr lang="en-US" noProof="0" dirty="0" smtClean="0">
                 <a:solidFill>
                   <a:schemeClr val="bg1"/>
                 </a:solidFill>
               </a:rPr>
             </a:br>
             <a:r>
-              <a:rPr lang="de-DE" dirty="0" smtClean="0">
+              <a:rPr lang="en-US" noProof="0" dirty="0" smtClean="0">
                 <a:solidFill>
                   <a:schemeClr val="bg1"/>
                 </a:solidFill>
               </a:rPr>
               <a:t>Arschloch</a:t>
             </a:r>
-            <a:endParaRPr lang="de-DE" dirty="0">
+            <a:endParaRPr lang="en-US" noProof="0" dirty="0">
               <a:solidFill>
                 <a:schemeClr val="bg1"/>
               </a:solidFill>
@@ -3119,22 +3533,14 @@
           <a:lstStyle/>
           <a:p>
             <a:r>
-              <a:rPr lang="de-DE" dirty="0" smtClean="0">
-                <a:solidFill>
-                  <a:schemeClr val="bg1"/>
-                </a:solidFill>
-              </a:rPr>
-              <a:t>Group 5</a:t>
-            </a:r>
-            <a:r>
-              <a:rPr lang="de-DE" dirty="0" smtClean="0">
-                <a:solidFill>
-                  <a:schemeClr val="bg1"/>
-                </a:solidFill>
-              </a:rPr>
-              <a:t>: Ralph Segi, Jan Kaiser</a:t>
-            </a:r>
-            <a:endParaRPr lang="de-DE" dirty="0">
+              <a:rPr lang="en-US" noProof="0" dirty="0" smtClean="0">
+                <a:solidFill>
+                  <a:schemeClr val="bg1"/>
+                </a:solidFill>
+              </a:rPr>
+              <a:t>Group 5: Ralph Segi, Jan Kaiser</a:t>
+            </a:r>
+            <a:endParaRPr lang="en-US" noProof="0" dirty="0">
               <a:solidFill>
                 <a:schemeClr val="bg1"/>
               </a:solidFill>
@@ -3196,30 +3602,239 @@
           <a:p>
             <a:pPr algn="ctr"/>
             <a:r>
-              <a:rPr lang="de-DE" dirty="0" smtClean="0">
-                <a:solidFill>
-                  <a:schemeClr val="bg1"/>
-                </a:solidFill>
-              </a:rPr>
-              <a:t>Code </a:t>
-            </a:r>
-            <a:r>
-              <a:rPr lang="de-DE" dirty="0" err="1" smtClean="0">
-                <a:solidFill>
-                  <a:schemeClr val="bg1"/>
-                </a:solidFill>
-              </a:rPr>
-              <a:t>Coverage</a:t>
-            </a:r>
-            <a:r>
-              <a:rPr lang="de-DE" dirty="0" smtClean="0">
-                <a:solidFill>
-                  <a:schemeClr val="bg1"/>
-                </a:solidFill>
-              </a:rPr>
-              <a:t> / Tests</a:t>
-            </a:r>
-            <a:endParaRPr lang="de-DE" dirty="0">
+              <a:rPr lang="en-US" noProof="0" dirty="0" smtClean="0">
+                <a:solidFill>
+                  <a:schemeClr val="bg1"/>
+                </a:solidFill>
+              </a:rPr>
+              <a:t>Localization</a:t>
+            </a:r>
+            <a:endParaRPr lang="en-US" noProof="0" dirty="0">
+              <a:solidFill>
+                <a:schemeClr val="bg1"/>
+              </a:solidFill>
+            </a:endParaRPr>
+          </a:p>
+        </p:txBody>
+      </p:sp>
+      <p:sp>
+        <p:nvSpPr>
+          <p:cNvPr id="5" name="Inhaltsplatzhalter 4"/>
+          <p:cNvSpPr>
+            <a:spLocks noGrp="1"/>
+          </p:cNvSpPr>
+          <p:nvPr>
+            <p:ph sz="half" idx="2"/>
+          </p:nvPr>
+        </p:nvSpPr>
+        <p:spPr/>
+        <p:txBody>
+          <a:bodyPr/>
+          <a:lstStyle/>
+          <a:p>
+            <a:r>
+              <a:rPr lang="en-US" sz="1800" noProof="0" dirty="0" smtClean="0">
+                <a:solidFill>
+                  <a:schemeClr val="bg1"/>
+                </a:solidFill>
+              </a:rPr>
+              <a:t>We created a trait that is inherited by every specific language we want to implement</a:t>
+            </a:r>
+          </a:p>
+          <a:p>
+            <a:r>
+              <a:rPr lang="en-US" sz="1800" noProof="0" dirty="0" smtClean="0">
+                <a:solidFill>
+                  <a:schemeClr val="bg1"/>
+                </a:solidFill>
+              </a:rPr>
+              <a:t>Our </a:t>
+            </a:r>
+            <a:r>
+              <a:rPr lang="en-US" sz="1800" noProof="0" dirty="0" err="1" smtClean="0">
+                <a:solidFill>
+                  <a:schemeClr val="bg1"/>
+                </a:solidFill>
+              </a:rPr>
+              <a:t>LanguageTranslator</a:t>
+            </a:r>
+            <a:r>
+              <a:rPr lang="en-US" sz="1800" noProof="0" dirty="0" smtClean="0">
+                <a:solidFill>
+                  <a:schemeClr val="bg1"/>
+                </a:solidFill>
+              </a:rPr>
+              <a:t> object calls the </a:t>
+            </a:r>
+            <a:r>
+              <a:rPr lang="en-US" sz="1800" noProof="0" dirty="0" err="1" smtClean="0">
+                <a:solidFill>
+                  <a:schemeClr val="bg1"/>
+                </a:solidFill>
+              </a:rPr>
+              <a:t>getTranslation</a:t>
+            </a:r>
+            <a:r>
+              <a:rPr lang="en-US" sz="1800" noProof="0" dirty="0" smtClean="0">
+                <a:solidFill>
+                  <a:schemeClr val="bg1"/>
+                </a:solidFill>
+              </a:rPr>
+              <a:t>/</a:t>
+            </a:r>
+            <a:r>
+              <a:rPr lang="en-US" sz="1800" noProof="0" dirty="0" err="1" smtClean="0">
+                <a:solidFill>
+                  <a:schemeClr val="bg1"/>
+                </a:solidFill>
+              </a:rPr>
+              <a:t>getTranslationWithOption</a:t>
+            </a:r>
+            <a:r>
+              <a:rPr lang="en-US" sz="1800" noProof="0" dirty="0" smtClean="0">
+                <a:solidFill>
+                  <a:schemeClr val="bg1"/>
+                </a:solidFill>
+              </a:rPr>
+              <a:t> method</a:t>
+            </a:r>
+          </a:p>
+          <a:p>
+            <a:r>
+              <a:rPr lang="en-US" sz="1800" noProof="0" dirty="0" smtClean="0">
+                <a:solidFill>
+                  <a:schemeClr val="bg1"/>
+                </a:solidFill>
+              </a:rPr>
+              <a:t>The </a:t>
+            </a:r>
+            <a:r>
+              <a:rPr lang="en-US" sz="1800" noProof="0" dirty="0" err="1" smtClean="0">
+                <a:solidFill>
+                  <a:schemeClr val="bg1"/>
+                </a:solidFill>
+              </a:rPr>
+              <a:t>LanguageTranslator</a:t>
+            </a:r>
+            <a:r>
+              <a:rPr lang="en-US" sz="1800" noProof="0" dirty="0" smtClean="0">
+                <a:solidFill>
+                  <a:schemeClr val="bg1"/>
+                </a:solidFill>
+              </a:rPr>
+              <a:t> holds a map with </a:t>
+            </a:r>
+            <a:r>
+              <a:rPr lang="en-US" sz="1800" noProof="0" dirty="0" err="1" smtClean="0">
+                <a:solidFill>
+                  <a:schemeClr val="bg1"/>
+                </a:solidFill>
+              </a:rPr>
+              <a:t>StringProperties</a:t>
+            </a:r>
+            <a:r>
+              <a:rPr lang="en-US" sz="1800" noProof="0" dirty="0" smtClean="0">
+                <a:solidFill>
+                  <a:schemeClr val="bg1"/>
+                </a:solidFill>
+              </a:rPr>
+              <a:t> that can be changed at runtime to translate the GUI (and every following message in the TUI/GUI) to the specific language</a:t>
+            </a:r>
+            <a:endParaRPr lang="en-US" sz="1400" noProof="0" dirty="0" smtClean="0"/>
+          </a:p>
+          <a:p>
+            <a:endParaRPr lang="en-US" noProof="0" dirty="0" smtClean="0"/>
+          </a:p>
+        </p:txBody>
+      </p:sp>
+      <p:pic>
+        <p:nvPicPr>
+          <p:cNvPr id="4" name="Inhaltsplatzhalter 3"/>
+          <p:cNvPicPr>
+            <a:picLocks noGrp="1" noChangeAspect="1"/>
+          </p:cNvPicPr>
+          <p:nvPr>
+            <p:ph sz="half" idx="1"/>
+          </p:nvPr>
+        </p:nvPicPr>
+        <p:blipFill>
+          <a:blip r:embed="rId2"/>
+          <a:stretch>
+            <a:fillRect/>
+          </a:stretch>
+        </p:blipFill>
+        <p:spPr>
+          <a:xfrm>
+            <a:off x="838200" y="2323056"/>
+            <a:ext cx="5181600" cy="3356476"/>
+          </a:xfrm>
+          <a:prstGeom prst="rect">
+            <a:avLst/>
+          </a:prstGeom>
+        </p:spPr>
+      </p:pic>
+    </p:spTree>
+    <p:extLst>
+      <p:ext uri="{BB962C8B-B14F-4D97-AF65-F5344CB8AC3E}">
+        <p14:creationId xmlns:p14="http://schemas.microsoft.com/office/powerpoint/2010/main" val="2441022433"/>
+      </p:ext>
+    </p:extLst>
+  </p:cSld>
+  <p:clrMapOvr>
+    <a:masterClrMapping/>
+  </p:clrMapOvr>
+  <p:timing>
+    <p:tnLst>
+      <p:par>
+        <p:cTn id="1" dur="indefinite" restart="never" nodeType="tmRoot"/>
+      </p:par>
+    </p:tnLst>
+  </p:timing>
+</p:sld>
+</file>
+
+<file path=ppt/slides/slide11.xml><?xml version="1.0" encoding="utf-8"?>
+<p:sld xmlns:a="http://schemas.openxmlformats.org/drawingml/2006/main" xmlns:r="http://schemas.openxmlformats.org/officeDocument/2006/relationships" xmlns:p="http://schemas.openxmlformats.org/presentationml/2006/main">
+  <p:cSld>
+    <p:spTree>
+      <p:nvGrpSpPr>
+        <p:cNvPr id="1" name=""/>
+        <p:cNvGrpSpPr/>
+        <p:nvPr/>
+      </p:nvGrpSpPr>
+      <p:grpSpPr>
+        <a:xfrm>
+          <a:off x="0" y="0"/>
+          <a:ext cx="0" cy="0"/>
+          <a:chOff x="0" y="0"/>
+          <a:chExt cx="0" cy="0"/>
+        </a:xfrm>
+      </p:grpSpPr>
+      <p:sp>
+        <p:nvSpPr>
+          <p:cNvPr id="2" name="Titel 1"/>
+          <p:cNvSpPr>
+            <a:spLocks noGrp="1"/>
+          </p:cNvSpPr>
+          <p:nvPr>
+            <p:ph type="title"/>
+          </p:nvPr>
+        </p:nvSpPr>
+        <p:spPr/>
+        <p:txBody>
+          <a:bodyPr/>
+          <a:lstStyle/>
+          <a:p>
+            <a:pPr algn="ctr"/>
+            <a:r>
+              <a:rPr lang="en-US" noProof="0" dirty="0" smtClean="0">
+                <a:solidFill>
+                  <a:schemeClr val="bg1"/>
+                </a:solidFill>
+              </a:rPr>
+              <a:t>Code Coverage / Tests</a:t>
+            </a:r>
+            <a:endParaRPr lang="en-US" noProof="0" dirty="0">
               <a:solidFill>
                 <a:schemeClr val="bg1"/>
               </a:solidFill>
@@ -3276,7 +3891,7 @@
 </p:sld>
 </file>
 
-<file path=ppt/slides/slide11.xml><?xml version="1.0" encoding="utf-8"?>
+<file path=ppt/slides/slide12.xml><?xml version="1.0" encoding="utf-8"?>
 <p:sld xmlns:a="http://schemas.openxmlformats.org/drawingml/2006/main" xmlns:r="http://schemas.openxmlformats.org/officeDocument/2006/relationships" xmlns:p="http://schemas.openxmlformats.org/presentationml/2006/main">
   <p:cSld>
     <p:spTree>
@@ -3310,14 +3925,14 @@
           <a:p>
             <a:pPr algn="ctr"/>
             <a:r>
-              <a:rPr lang="de-DE" dirty="0" smtClean="0">
+              <a:rPr lang="en-US" noProof="0" dirty="0" smtClean="0">
                 <a:solidFill>
                   <a:schemeClr val="bg1"/>
                 </a:solidFill>
               </a:rPr>
               <a:t>Design Patterns</a:t>
             </a:r>
-            <a:endParaRPr lang="de-DE" dirty="0">
+            <a:endParaRPr lang="en-US" noProof="0" dirty="0">
               <a:solidFill>
                 <a:schemeClr val="bg1"/>
               </a:solidFill>
@@ -3341,7 +3956,7 @@
           <a:lstStyle/>
           <a:p>
             <a:r>
-              <a:rPr lang="de-DE" dirty="0" smtClean="0">
+              <a:rPr lang="en-US" noProof="0" dirty="0" smtClean="0">
                 <a:solidFill>
                   <a:schemeClr val="bg1"/>
                 </a:solidFill>
@@ -3351,7 +3966,7 @@
           </a:p>
           <a:p>
             <a:r>
-              <a:rPr lang="de-DE" dirty="0" smtClean="0">
+              <a:rPr lang="en-US" noProof="0" dirty="0" smtClean="0">
                 <a:solidFill>
                   <a:schemeClr val="bg1"/>
                 </a:solidFill>
@@ -3361,14 +3976,14 @@
           </a:p>
           <a:p>
             <a:r>
-              <a:rPr lang="de-DE" dirty="0" err="1" smtClean="0">
+              <a:rPr lang="en-US" noProof="0" dirty="0" smtClean="0">
                 <a:solidFill>
                   <a:schemeClr val="bg1"/>
                 </a:solidFill>
               </a:rPr>
               <a:t>Strategy</a:t>
             </a:r>
-            <a:endParaRPr lang="de-DE" dirty="0" smtClean="0">
+            <a:endParaRPr lang="en-US" noProof="0" dirty="0" smtClean="0">
               <a:solidFill>
                 <a:schemeClr val="bg1"/>
               </a:solidFill>
@@ -3396,7 +4011,7 @@
 </p:sld>
 </file>
 
-<file path=ppt/slides/slide12.xml><?xml version="1.0" encoding="utf-8"?>
+<file path=ppt/slides/slide13.xml><?xml version="1.0" encoding="utf-8"?>
 <p:sld xmlns:a="http://schemas.openxmlformats.org/drawingml/2006/main" xmlns:r="http://schemas.openxmlformats.org/officeDocument/2006/relationships" xmlns:p="http://schemas.openxmlformats.org/presentationml/2006/main">
   <p:cSld>
     <p:spTree>
@@ -3430,14 +4045,14 @@
           <a:p>
             <a:pPr algn="ctr"/>
             <a:r>
-              <a:rPr lang="de-DE" dirty="0" smtClean="0">
+              <a:rPr lang="en-US" noProof="0" dirty="0" smtClean="0">
                 <a:solidFill>
                   <a:schemeClr val="bg1"/>
                 </a:solidFill>
               </a:rPr>
               <a:t>Observer Pattern</a:t>
             </a:r>
-            <a:endParaRPr lang="de-DE" dirty="0">
+            <a:endParaRPr lang="en-US" noProof="0" dirty="0">
               <a:solidFill>
                 <a:schemeClr val="bg1"/>
               </a:solidFill>
@@ -3461,14 +4076,14 @@
           <a:lstStyle/>
           <a:p>
             <a:r>
-              <a:rPr lang="de-DE" dirty="0" smtClean="0">
+              <a:rPr lang="en-US" noProof="0" dirty="0" smtClean="0">
                 <a:solidFill>
                   <a:schemeClr val="bg1"/>
                 </a:solidFill>
               </a:rPr>
               <a:t>Observable</a:t>
             </a:r>
-            <a:endParaRPr lang="de-DE" dirty="0">
+            <a:endParaRPr lang="en-US" noProof="0" dirty="0">
               <a:solidFill>
                 <a:schemeClr val="bg1"/>
               </a:solidFill>
@@ -3492,23 +4107,15 @@
           <a:lstStyle/>
           <a:p>
             <a:r>
-              <a:rPr lang="de-DE" dirty="0" err="1" smtClean="0">
-                <a:solidFill>
-                  <a:schemeClr val="bg1"/>
-                </a:solidFill>
-              </a:rPr>
-              <a:t>Uses</a:t>
-            </a:r>
-            <a:r>
-              <a:rPr lang="de-DE" dirty="0" smtClean="0">
-                <a:solidFill>
-                  <a:schemeClr val="bg1"/>
-                </a:solidFill>
-              </a:rPr>
-              <a:t> </a:t>
-            </a:r>
-            <a:r>
-              <a:rPr lang="de-DE" dirty="0" err="1" smtClean="0">
+              <a:rPr lang="en-US" noProof="0" dirty="0" smtClean="0">
+                <a:solidFill>
+                  <a:schemeClr val="bg1"/>
+                </a:solidFill>
+              </a:rPr>
+              <a:t>Uses </a:t>
+            </a:r>
+            <a:r>
+              <a:rPr lang="en-US" b="1" noProof="0" dirty="0" err="1" smtClean="0">
                 <a:solidFill>
                   <a:schemeClr val="bg1"/>
                 </a:solidFill>
@@ -3516,54 +4123,22 @@
               <a:t>scala.swing.Publisher</a:t>
             </a:r>
             <a:r>
-              <a:rPr lang="de-DE" dirty="0" smtClean="0">
-                <a:solidFill>
-                  <a:schemeClr val="bg1"/>
-                </a:solidFill>
-              </a:rPr>
-              <a:t> </a:t>
-            </a:r>
-            <a:r>
-              <a:rPr lang="de-DE" dirty="0" err="1" smtClean="0">
-                <a:solidFill>
-                  <a:schemeClr val="bg1"/>
-                </a:solidFill>
-              </a:rPr>
-              <a:t>to</a:t>
-            </a:r>
-            <a:r>
-              <a:rPr lang="de-DE" dirty="0" smtClean="0">
-                <a:solidFill>
-                  <a:schemeClr val="bg1"/>
-                </a:solidFill>
-              </a:rPr>
-              <a:t> </a:t>
-            </a:r>
-            <a:r>
-              <a:rPr lang="de-DE" dirty="0" err="1" smtClean="0">
-                <a:solidFill>
-                  <a:schemeClr val="bg1"/>
-                </a:solidFill>
-              </a:rPr>
-              <a:t>publish</a:t>
-            </a:r>
-            <a:r>
-              <a:rPr lang="de-DE" dirty="0" smtClean="0">
-                <a:solidFill>
-                  <a:schemeClr val="bg1"/>
-                </a:solidFill>
-              </a:rPr>
-              <a:t> </a:t>
-            </a:r>
-            <a:r>
-              <a:rPr lang="de-DE" dirty="0" err="1" smtClean="0">
+              <a:rPr lang="en-US" noProof="0" dirty="0" smtClean="0">
+                <a:solidFill>
+                  <a:schemeClr val="bg1"/>
+                </a:solidFill>
+              </a:rPr>
+              <a:t> to publish </a:t>
+            </a:r>
+            <a:r>
+              <a:rPr lang="en-US" b="1" noProof="0" dirty="0" err="1" smtClean="0">
                 <a:solidFill>
                   <a:schemeClr val="bg1"/>
                 </a:solidFill>
               </a:rPr>
               <a:t>scala.swing.Event</a:t>
             </a:r>
-            <a:endParaRPr lang="de-DE" dirty="0" smtClean="0">
+            <a:endParaRPr lang="en-US" b="1" noProof="0" dirty="0" smtClean="0">
               <a:solidFill>
                 <a:schemeClr val="bg1"/>
               </a:solidFill>
@@ -3571,80 +4146,58 @@
           </a:p>
           <a:p>
             <a:r>
-              <a:rPr lang="de-DE" dirty="0" err="1" smtClean="0">
-                <a:solidFill>
-                  <a:schemeClr val="bg1"/>
-                </a:solidFill>
-              </a:rPr>
-              <a:t>Implemented</a:t>
-            </a:r>
-            <a:r>
-              <a:rPr lang="de-DE" dirty="0" smtClean="0">
-                <a:solidFill>
-                  <a:schemeClr val="bg1"/>
-                </a:solidFill>
-              </a:rPr>
-              <a:t> in </a:t>
-            </a:r>
-            <a:r>
-              <a:rPr lang="de-DE" dirty="0" err="1" smtClean="0">
-                <a:solidFill>
-                  <a:schemeClr val="bg1"/>
-                </a:solidFill>
-              </a:rPr>
-              <a:t>the</a:t>
-            </a:r>
-            <a:r>
-              <a:rPr lang="de-DE" dirty="0" smtClean="0">
-                <a:solidFill>
-                  <a:schemeClr val="bg1"/>
-                </a:solidFill>
-              </a:rPr>
-              <a:t> </a:t>
-            </a:r>
-            <a:r>
-              <a:rPr lang="de-DE" dirty="0" err="1" smtClean="0">
-                <a:solidFill>
-                  <a:schemeClr val="bg1"/>
-                </a:solidFill>
-              </a:rPr>
-              <a:t>game</a:t>
-            </a:r>
-            <a:r>
-              <a:rPr lang="de-DE" dirty="0" smtClean="0">
-                <a:solidFill>
-                  <a:schemeClr val="bg1"/>
-                </a:solidFill>
-              </a:rPr>
-              <a:t> </a:t>
-            </a:r>
-            <a:r>
-              <a:rPr lang="de-DE" dirty="0" err="1" smtClean="0">
-                <a:solidFill>
-                  <a:schemeClr val="bg1"/>
-                </a:solidFill>
-              </a:rPr>
-              <a:t>handler</a:t>
-            </a:r>
-            <a:endParaRPr lang="de-DE" dirty="0" smtClean="0">
+              <a:rPr lang="en-US" noProof="0" dirty="0" smtClean="0">
+                <a:solidFill>
+                  <a:schemeClr val="bg1"/>
+                </a:solidFill>
+              </a:rPr>
+              <a:t>Implemented in the game handler</a:t>
+            </a:r>
+          </a:p>
+          <a:p>
+            <a:endParaRPr lang="en-US" noProof="0" dirty="0"/>
+          </a:p>
+        </p:txBody>
+      </p:sp>
+      <p:sp>
+        <p:nvSpPr>
+          <p:cNvPr id="5" name="Textplatzhalter 4"/>
+          <p:cNvSpPr>
+            <a:spLocks noGrp="1"/>
+          </p:cNvSpPr>
+          <p:nvPr>
+            <p:ph type="body" sz="quarter" idx="3"/>
+          </p:nvPr>
+        </p:nvSpPr>
+        <p:spPr/>
+        <p:txBody>
+          <a:bodyPr/>
+          <a:lstStyle/>
+          <a:p>
+            <a:r>
+              <a:rPr lang="en-US" noProof="0" dirty="0" smtClean="0">
+                <a:solidFill>
+                  <a:schemeClr val="bg1"/>
+                </a:solidFill>
+              </a:rPr>
+              <a:t>Observer</a:t>
+            </a:r>
+            <a:endParaRPr lang="en-US" noProof="0" dirty="0">
               <a:solidFill>
                 <a:schemeClr val="bg1"/>
               </a:solidFill>
             </a:endParaRPr>
           </a:p>
-          <a:p>
-            <a:endParaRPr lang="de-DE" dirty="0"/>
-          </a:p>
-        </p:txBody>
-      </p:sp>
-      <p:sp>
-        <p:nvSpPr>
-          <p:cNvPr id="5" name="Textplatzhalter 4"/>
-          <p:cNvSpPr>
-            <a:spLocks noGrp="1"/>
-          </p:cNvSpPr>
-          <p:nvPr>
-            <p:ph type="body" sz="quarter" idx="3"/>
+        </p:txBody>
+      </p:sp>
+      <p:sp>
+        <p:nvSpPr>
+          <p:cNvPr id="6" name="Inhaltsplatzhalter 5"/>
+          <p:cNvSpPr>
+            <a:spLocks noGrp="1"/>
+          </p:cNvSpPr>
+          <p:nvPr>
+            <p:ph sz="quarter" idx="4"/>
           </p:nvPr>
         </p:nvSpPr>
         <p:spPr/>
@@ -3653,182 +4206,55 @@
           <a:lstStyle/>
           <a:p>
             <a:r>
-              <a:rPr lang="de-DE" dirty="0" smtClean="0">
-                <a:solidFill>
-                  <a:schemeClr val="bg1"/>
-                </a:solidFill>
-              </a:rPr>
-              <a:t>Observer</a:t>
-            </a:r>
-            <a:endParaRPr lang="de-DE" dirty="0">
+              <a:rPr lang="en-US" noProof="0" dirty="0" smtClean="0">
+                <a:solidFill>
+                  <a:schemeClr val="bg1"/>
+                </a:solidFill>
+              </a:rPr>
+              <a:t>Uses </a:t>
+            </a:r>
+            <a:r>
+              <a:rPr lang="en-US" b="1" noProof="0" dirty="0" err="1" smtClean="0">
+                <a:solidFill>
+                  <a:schemeClr val="bg1"/>
+                </a:solidFill>
+              </a:rPr>
+              <a:t>scala.swing.Reactor</a:t>
+            </a:r>
+            <a:r>
+              <a:rPr lang="en-US" noProof="0" dirty="0" smtClean="0">
+                <a:solidFill>
+                  <a:schemeClr val="bg1"/>
+                </a:solidFill>
+              </a:rPr>
+              <a:t> to receive </a:t>
+            </a:r>
+            <a:r>
+              <a:rPr lang="en-US" b="1" noProof="0" dirty="0" err="1" smtClean="0">
+                <a:solidFill>
+                  <a:schemeClr val="bg1"/>
+                </a:solidFill>
+              </a:rPr>
+              <a:t>scala.swing.Event</a:t>
+            </a:r>
+            <a:endParaRPr lang="en-US" b="1" noProof="0" dirty="0" smtClean="0">
               <a:solidFill>
                 <a:schemeClr val="bg1"/>
               </a:solidFill>
             </a:endParaRPr>
           </a:p>
-        </p:txBody>
-      </p:sp>
-      <p:sp>
-        <p:nvSpPr>
-          <p:cNvPr id="6" name="Inhaltsplatzhalter 5"/>
-          <p:cNvSpPr>
-            <a:spLocks noGrp="1"/>
-          </p:cNvSpPr>
-          <p:nvPr>
-            <p:ph sz="quarter" idx="4"/>
-          </p:nvPr>
-        </p:nvSpPr>
-        <p:spPr/>
-        <p:txBody>
-          <a:bodyPr/>
-          <a:lstStyle/>
-          <a:p>
-            <a:r>
-              <a:rPr lang="de-DE" dirty="0" err="1" smtClean="0">
-                <a:solidFill>
-                  <a:schemeClr val="bg1"/>
-                </a:solidFill>
-              </a:rPr>
-              <a:t>Uses</a:t>
-            </a:r>
-            <a:r>
-              <a:rPr lang="de-DE" dirty="0" smtClean="0">
-                <a:solidFill>
-                  <a:schemeClr val="bg1"/>
-                </a:solidFill>
-              </a:rPr>
-              <a:t> </a:t>
-            </a:r>
-            <a:r>
-              <a:rPr lang="de-DE" dirty="0" err="1" smtClean="0">
-                <a:solidFill>
-                  <a:schemeClr val="bg1"/>
-                </a:solidFill>
-              </a:rPr>
-              <a:t>scala.swing.Reactor</a:t>
-            </a:r>
-            <a:r>
-              <a:rPr lang="de-DE" dirty="0" smtClean="0">
-                <a:solidFill>
-                  <a:schemeClr val="bg1"/>
-                </a:solidFill>
-              </a:rPr>
-              <a:t> </a:t>
-            </a:r>
-            <a:r>
-              <a:rPr lang="de-DE" dirty="0" err="1" smtClean="0">
-                <a:solidFill>
-                  <a:schemeClr val="bg1"/>
-                </a:solidFill>
-              </a:rPr>
-              <a:t>to</a:t>
-            </a:r>
-            <a:r>
-              <a:rPr lang="de-DE" dirty="0" smtClean="0">
-                <a:solidFill>
-                  <a:schemeClr val="bg1"/>
-                </a:solidFill>
-              </a:rPr>
-              <a:t> </a:t>
-            </a:r>
-            <a:r>
-              <a:rPr lang="de-DE" dirty="0" err="1" smtClean="0">
-                <a:solidFill>
-                  <a:schemeClr val="bg1"/>
-                </a:solidFill>
-              </a:rPr>
-              <a:t>receives</a:t>
-            </a:r>
-            <a:r>
-              <a:rPr lang="de-DE" dirty="0" smtClean="0">
-                <a:solidFill>
-                  <a:schemeClr val="bg1"/>
-                </a:solidFill>
-              </a:rPr>
-              <a:t> </a:t>
-            </a:r>
-            <a:r>
-              <a:rPr lang="de-DE" dirty="0" err="1" smtClean="0">
-                <a:solidFill>
-                  <a:schemeClr val="bg1"/>
-                </a:solidFill>
-              </a:rPr>
-              <a:t>scala.swing.Event</a:t>
-            </a:r>
-            <a:endParaRPr lang="de-DE" dirty="0" smtClean="0">
-              <a:solidFill>
-                <a:schemeClr val="bg1"/>
-              </a:solidFill>
-            </a:endParaRPr>
-          </a:p>
-          <a:p>
-            <a:r>
-              <a:rPr lang="de-DE" dirty="0" err="1" smtClean="0">
-                <a:solidFill>
-                  <a:schemeClr val="bg1"/>
-                </a:solidFill>
-              </a:rPr>
-              <a:t>Implemented</a:t>
-            </a:r>
-            <a:r>
-              <a:rPr lang="de-DE" dirty="0" smtClean="0">
-                <a:solidFill>
-                  <a:schemeClr val="bg1"/>
-                </a:solidFill>
-              </a:rPr>
-              <a:t> in </a:t>
-            </a:r>
-            <a:r>
-              <a:rPr lang="de-DE" dirty="0" err="1" smtClean="0">
-                <a:solidFill>
-                  <a:schemeClr val="bg1"/>
-                </a:solidFill>
-              </a:rPr>
-              <a:t>the</a:t>
-            </a:r>
-            <a:r>
-              <a:rPr lang="de-DE" dirty="0" smtClean="0">
-                <a:solidFill>
-                  <a:schemeClr val="bg1"/>
-                </a:solidFill>
-              </a:rPr>
-              <a:t> </a:t>
-            </a:r>
-            <a:r>
-              <a:rPr lang="de-DE" dirty="0" err="1" smtClean="0">
-                <a:solidFill>
-                  <a:schemeClr val="bg1"/>
-                </a:solidFill>
-              </a:rPr>
-              <a:t>views</a:t>
-            </a:r>
-            <a:r>
-              <a:rPr lang="de-DE" dirty="0" smtClean="0">
-                <a:solidFill>
-                  <a:schemeClr val="bg1"/>
-                </a:solidFill>
-              </a:rPr>
-              <a:t> (TUI </a:t>
-            </a:r>
-            <a:r>
-              <a:rPr lang="de-DE" dirty="0" err="1" smtClean="0">
-                <a:solidFill>
-                  <a:schemeClr val="bg1"/>
-                </a:solidFill>
-              </a:rPr>
-              <a:t>and</a:t>
-            </a:r>
-            <a:r>
-              <a:rPr lang="de-DE" dirty="0" smtClean="0">
-                <a:solidFill>
-                  <a:schemeClr val="bg1"/>
-                </a:solidFill>
-              </a:rPr>
-              <a:t> GUI)</a:t>
-            </a:r>
-          </a:p>
-          <a:p>
-            <a:endParaRPr lang="de-DE" dirty="0">
+          <a:p>
+            <a:r>
+              <a:rPr lang="en-US" noProof="0" dirty="0" smtClean="0">
+                <a:solidFill>
+                  <a:schemeClr val="bg1"/>
+                </a:solidFill>
+              </a:rPr>
+              <a:t>Implemented in the views (TUI and GUI)</a:t>
+            </a:r>
+          </a:p>
+          <a:p>
+            <a:endParaRPr lang="en-US" noProof="0" dirty="0">
               <a:solidFill>
                 <a:schemeClr val="bg1"/>
               </a:solidFill>
@@ -3928,7 +4354,7 @@
 </p:sld>
 </file>
 
-<file path=ppt/slides/slide13.xml><?xml version="1.0" encoding="utf-8"?>
+<file path=ppt/slides/slide14.xml><?xml version="1.0" encoding="utf-8"?>
 <p:sld xmlns:a="http://schemas.openxmlformats.org/drawingml/2006/main" xmlns:r="http://schemas.openxmlformats.org/officeDocument/2006/relationships" xmlns:p="http://schemas.openxmlformats.org/presentationml/2006/main">
   <p:cSld>
     <p:spTree>
@@ -3962,14 +4388,14 @@
           <a:p>
             <a:pPr algn="ctr"/>
             <a:r>
-              <a:rPr lang="de-DE" dirty="0" smtClean="0">
+              <a:rPr lang="en-US" noProof="0" dirty="0" smtClean="0">
                 <a:solidFill>
                   <a:schemeClr val="bg1"/>
                 </a:solidFill>
               </a:rPr>
               <a:t>Singleton</a:t>
             </a:r>
-            <a:endParaRPr lang="de-DE" dirty="0">
+            <a:endParaRPr lang="en-US" noProof="0" dirty="0">
               <a:solidFill>
                 <a:schemeClr val="bg1"/>
               </a:solidFill>
@@ -3993,208 +4419,16 @@
           <a:lstStyle/>
           <a:p>
             <a:r>
-              <a:rPr lang="de-DE" dirty="0" smtClean="0">
-                <a:solidFill>
-                  <a:schemeClr val="bg1"/>
-                </a:solidFill>
-              </a:rPr>
-              <a:t>Singleton </a:t>
-            </a:r>
-            <a:r>
-              <a:rPr lang="en-GB" dirty="0" smtClean="0">
-                <a:solidFill>
-                  <a:schemeClr val="bg1"/>
-                </a:solidFill>
-              </a:rPr>
-              <a:t>through</a:t>
-            </a:r>
-            <a:r>
-              <a:rPr lang="de-DE" dirty="0" smtClean="0">
-                <a:solidFill>
-                  <a:schemeClr val="bg1"/>
-                </a:solidFill>
-              </a:rPr>
-              <a:t> </a:t>
-            </a:r>
-            <a:r>
-              <a:rPr lang="de-DE" dirty="0" err="1" smtClean="0">
-                <a:solidFill>
-                  <a:schemeClr val="bg1"/>
-                </a:solidFill>
-              </a:rPr>
-              <a:t>injection</a:t>
-            </a:r>
-            <a:r>
-              <a:rPr lang="de-DE" dirty="0" smtClean="0">
-                <a:solidFill>
-                  <a:schemeClr val="bg1"/>
-                </a:solidFill>
-              </a:rPr>
-              <a:t>. @Singleton </a:t>
-            </a:r>
-            <a:r>
-              <a:rPr lang="de-DE" dirty="0" err="1" smtClean="0">
-                <a:solidFill>
-                  <a:schemeClr val="bg1"/>
-                </a:solidFill>
-              </a:rPr>
-              <a:t>makes</a:t>
-            </a:r>
-            <a:r>
-              <a:rPr lang="de-DE" dirty="0" smtClean="0">
-                <a:solidFill>
-                  <a:schemeClr val="bg1"/>
-                </a:solidFill>
-              </a:rPr>
-              <a:t> </a:t>
-            </a:r>
-            <a:r>
-              <a:rPr lang="de-DE" dirty="0" err="1" smtClean="0">
-                <a:solidFill>
-                  <a:schemeClr val="bg1"/>
-                </a:solidFill>
-              </a:rPr>
-              <a:t>sure</a:t>
-            </a:r>
-            <a:r>
-              <a:rPr lang="de-DE" dirty="0" smtClean="0">
-                <a:solidFill>
-                  <a:schemeClr val="bg1"/>
-                </a:solidFill>
-              </a:rPr>
-              <a:t> </a:t>
-            </a:r>
-            <a:r>
-              <a:rPr lang="de-DE" dirty="0" err="1" smtClean="0">
-                <a:solidFill>
-                  <a:schemeClr val="bg1"/>
-                </a:solidFill>
-              </a:rPr>
-              <a:t>to</a:t>
-            </a:r>
-            <a:r>
-              <a:rPr lang="de-DE" dirty="0" smtClean="0">
-                <a:solidFill>
-                  <a:schemeClr val="bg1"/>
-                </a:solidFill>
-              </a:rPr>
-              <a:t> </a:t>
-            </a:r>
-            <a:r>
-              <a:rPr lang="de-DE" dirty="0" err="1" smtClean="0">
-                <a:solidFill>
-                  <a:schemeClr val="bg1"/>
-                </a:solidFill>
-              </a:rPr>
-              <a:t>inject</a:t>
-            </a:r>
-            <a:r>
-              <a:rPr lang="de-DE" dirty="0" smtClean="0">
-                <a:solidFill>
-                  <a:schemeClr val="bg1"/>
-                </a:solidFill>
-              </a:rPr>
-              <a:t> </a:t>
-            </a:r>
-            <a:r>
-              <a:rPr lang="de-DE" dirty="0" err="1" smtClean="0">
-                <a:solidFill>
-                  <a:schemeClr val="bg1"/>
-                </a:solidFill>
-              </a:rPr>
-              <a:t>only</a:t>
-            </a:r>
-            <a:r>
-              <a:rPr lang="de-DE" dirty="0" smtClean="0">
-                <a:solidFill>
-                  <a:schemeClr val="bg1"/>
-                </a:solidFill>
-              </a:rPr>
-              <a:t> </a:t>
-            </a:r>
-            <a:r>
-              <a:rPr lang="de-DE" dirty="0" err="1" smtClean="0">
-                <a:solidFill>
-                  <a:schemeClr val="bg1"/>
-                </a:solidFill>
-              </a:rPr>
-              <a:t>one</a:t>
-            </a:r>
-            <a:r>
-              <a:rPr lang="de-DE" dirty="0" smtClean="0">
-                <a:solidFill>
-                  <a:schemeClr val="bg1"/>
-                </a:solidFill>
-              </a:rPr>
-              <a:t> </a:t>
-            </a:r>
-            <a:r>
-              <a:rPr lang="de-DE" dirty="0" err="1" smtClean="0">
-                <a:solidFill>
-                  <a:schemeClr val="bg1"/>
-                </a:solidFill>
-              </a:rPr>
-              <a:t>instance</a:t>
-            </a:r>
-            <a:r>
-              <a:rPr lang="de-DE" dirty="0" smtClean="0">
-                <a:solidFill>
-                  <a:schemeClr val="bg1"/>
-                </a:solidFill>
-              </a:rPr>
-              <a:t> </a:t>
-            </a:r>
-            <a:r>
-              <a:rPr lang="de-DE" dirty="0" err="1" smtClean="0">
-                <a:solidFill>
-                  <a:schemeClr val="bg1"/>
-                </a:solidFill>
-              </a:rPr>
-              <a:t>to</a:t>
-            </a:r>
-            <a:r>
-              <a:rPr lang="de-DE" dirty="0" smtClean="0">
-                <a:solidFill>
-                  <a:schemeClr val="bg1"/>
-                </a:solidFill>
-              </a:rPr>
-              <a:t> </a:t>
-            </a:r>
-            <a:r>
-              <a:rPr lang="de-DE" dirty="0" err="1" smtClean="0">
-                <a:solidFill>
-                  <a:schemeClr val="bg1"/>
-                </a:solidFill>
-              </a:rPr>
-              <a:t>each</a:t>
-            </a:r>
-            <a:r>
-              <a:rPr lang="de-DE" dirty="0" smtClean="0">
-                <a:solidFill>
-                  <a:schemeClr val="bg1"/>
-                </a:solidFill>
-              </a:rPr>
-              <a:t> „</a:t>
-            </a:r>
-            <a:r>
-              <a:rPr lang="de-DE" dirty="0" err="1" smtClean="0">
-                <a:solidFill>
-                  <a:schemeClr val="bg1"/>
-                </a:solidFill>
-              </a:rPr>
-              <a:t>injector</a:t>
-            </a:r>
-            <a:r>
-              <a:rPr lang="de-DE" dirty="0" smtClean="0">
-                <a:solidFill>
-                  <a:schemeClr val="bg1"/>
-                </a:solidFill>
-              </a:rPr>
-              <a:t>“</a:t>
-            </a:r>
-          </a:p>
-          <a:p>
-            <a:endParaRPr lang="de-DE" dirty="0" smtClean="0">
+              <a:rPr lang="en-US" noProof="0" dirty="0" smtClean="0">
+                <a:solidFill>
+                  <a:schemeClr val="bg1"/>
+                </a:solidFill>
+              </a:rPr>
+              <a:t>Singleton through injection. @Singleton makes sure to inject only one instance to each „injector“</a:t>
+            </a:r>
+          </a:p>
+          <a:p>
+            <a:endParaRPr lang="en-US" noProof="0" dirty="0" smtClean="0">
               <a:solidFill>
                 <a:schemeClr val="bg1"/>
               </a:solidFill>
@@ -4202,192 +4436,19 @@
           </a:p>
           <a:p>
             <a:r>
-              <a:rPr lang="de-DE" dirty="0" err="1" smtClean="0">
-                <a:solidFill>
-                  <a:schemeClr val="bg1"/>
-                </a:solidFill>
-              </a:rPr>
-              <a:t>We</a:t>
-            </a:r>
-            <a:r>
-              <a:rPr lang="de-DE" dirty="0" smtClean="0">
-                <a:solidFill>
-                  <a:schemeClr val="bg1"/>
-                </a:solidFill>
-              </a:rPr>
-              <a:t> also </a:t>
-            </a:r>
-            <a:r>
-              <a:rPr lang="de-DE" dirty="0" err="1" smtClean="0">
-                <a:solidFill>
-                  <a:schemeClr val="bg1"/>
-                </a:solidFill>
-              </a:rPr>
-              <a:t>use</a:t>
-            </a:r>
-            <a:r>
-              <a:rPr lang="de-DE" dirty="0" smtClean="0">
-                <a:solidFill>
-                  <a:schemeClr val="bg1"/>
-                </a:solidFill>
-              </a:rPr>
-              <a:t> </a:t>
-            </a:r>
-            <a:r>
-              <a:rPr lang="de-DE" dirty="0">
-                <a:solidFill>
-                  <a:schemeClr val="bg1"/>
-                </a:solidFill>
-              </a:rPr>
-              <a:t>S</a:t>
-            </a:r>
-            <a:r>
-              <a:rPr lang="de-DE" dirty="0" smtClean="0">
-                <a:solidFill>
-                  <a:schemeClr val="bg1"/>
-                </a:solidFill>
-              </a:rPr>
-              <a:t>cala Objects </a:t>
-            </a:r>
-            <a:r>
-              <a:rPr lang="de-DE" dirty="0" err="1" smtClean="0">
-                <a:solidFill>
-                  <a:schemeClr val="bg1"/>
-                </a:solidFill>
-              </a:rPr>
-              <a:t>to</a:t>
-            </a:r>
-            <a:r>
-              <a:rPr lang="de-DE" dirty="0" smtClean="0">
-                <a:solidFill>
-                  <a:schemeClr val="bg1"/>
-                </a:solidFill>
-              </a:rPr>
-              <a:t> </a:t>
-            </a:r>
-            <a:r>
-              <a:rPr lang="de-DE" dirty="0" err="1" smtClean="0">
-                <a:solidFill>
-                  <a:schemeClr val="bg1"/>
-                </a:solidFill>
-              </a:rPr>
-              <a:t>act</a:t>
-            </a:r>
-            <a:r>
-              <a:rPr lang="de-DE" dirty="0" smtClean="0">
-                <a:solidFill>
-                  <a:schemeClr val="bg1"/>
-                </a:solidFill>
-              </a:rPr>
-              <a:t> </a:t>
-            </a:r>
-            <a:r>
-              <a:rPr lang="de-DE" dirty="0" err="1" smtClean="0">
-                <a:solidFill>
-                  <a:schemeClr val="bg1"/>
-                </a:solidFill>
-              </a:rPr>
-              <a:t>as</a:t>
-            </a:r>
-            <a:r>
-              <a:rPr lang="de-DE" dirty="0" smtClean="0">
-                <a:solidFill>
-                  <a:schemeClr val="bg1"/>
-                </a:solidFill>
-              </a:rPr>
-              <a:t> Singletons </a:t>
-            </a:r>
-            <a:r>
-              <a:rPr lang="de-DE" dirty="0" err="1" smtClean="0">
-                <a:solidFill>
-                  <a:schemeClr val="bg1"/>
-                </a:solidFill>
-              </a:rPr>
-              <a:t>to</a:t>
-            </a:r>
-            <a:r>
-              <a:rPr lang="de-DE" dirty="0" smtClean="0">
-                <a:solidFill>
-                  <a:schemeClr val="bg1"/>
-                </a:solidFill>
-              </a:rPr>
-              <a:t> handle </a:t>
-            </a:r>
-            <a:r>
-              <a:rPr lang="de-DE" dirty="0" err="1" smtClean="0">
-                <a:solidFill>
-                  <a:schemeClr val="bg1"/>
-                </a:solidFill>
-              </a:rPr>
-              <a:t>eg</a:t>
-            </a:r>
-            <a:r>
-              <a:rPr lang="de-DE" dirty="0" smtClean="0">
-                <a:solidFill>
-                  <a:schemeClr val="bg1"/>
-                </a:solidFill>
-              </a:rPr>
-              <a:t>. </a:t>
-            </a:r>
-            <a:r>
-              <a:rPr lang="de-DE" dirty="0" err="1">
-                <a:solidFill>
-                  <a:schemeClr val="bg1"/>
-                </a:solidFill>
-              </a:rPr>
-              <a:t>o</a:t>
-            </a:r>
-            <a:r>
-              <a:rPr lang="de-DE" dirty="0" err="1" smtClean="0">
-                <a:solidFill>
-                  <a:schemeClr val="bg1"/>
-                </a:solidFill>
-              </a:rPr>
-              <a:t>ur</a:t>
-            </a:r>
-            <a:r>
-              <a:rPr lang="de-DE" dirty="0" smtClean="0">
-                <a:solidFill>
-                  <a:schemeClr val="bg1"/>
-                </a:solidFill>
-              </a:rPr>
-              <a:t> </a:t>
-            </a:r>
-            <a:r>
-              <a:rPr lang="de-DE" dirty="0" err="1" smtClean="0">
-                <a:solidFill>
-                  <a:schemeClr val="bg1"/>
-                </a:solidFill>
-              </a:rPr>
-              <a:t>game</a:t>
-            </a:r>
-            <a:r>
-              <a:rPr lang="de-DE" dirty="0" smtClean="0">
-                <a:solidFill>
-                  <a:schemeClr val="bg1"/>
-                </a:solidFill>
-              </a:rPr>
-              <a:t> </a:t>
-            </a:r>
-            <a:r>
-              <a:rPr lang="de-DE" dirty="0" err="1" smtClean="0">
-                <a:solidFill>
-                  <a:schemeClr val="bg1"/>
-                </a:solidFill>
-              </a:rPr>
-              <a:t>settings</a:t>
-            </a:r>
-            <a:endParaRPr lang="de-DE" dirty="0" smtClean="0">
-              <a:solidFill>
-                <a:schemeClr val="bg1"/>
-              </a:solidFill>
-            </a:endParaRPr>
-          </a:p>
-          <a:p>
-            <a:endParaRPr lang="de-DE" dirty="0"/>
-          </a:p>
-          <a:p>
-            <a:endParaRPr lang="de-DE" dirty="0"/>
+              <a:rPr lang="en-US" noProof="0" dirty="0" smtClean="0">
+                <a:solidFill>
+                  <a:schemeClr val="bg1"/>
+                </a:solidFill>
+              </a:rPr>
+              <a:t>We also use Scala Objects to act as Singletons to handle e.g. our game settings</a:t>
+            </a:r>
+          </a:p>
+          <a:p>
+            <a:endParaRPr lang="en-US" noProof="0" dirty="0" smtClean="0"/>
+          </a:p>
+          <a:p>
+            <a:endParaRPr lang="en-US" noProof="0" dirty="0"/>
           </a:p>
         </p:txBody>
       </p:sp>
@@ -4464,7 +4525,7 @@
 </p:sld>
 </file>
 
-<file path=ppt/slides/slide14.xml><?xml version="1.0" encoding="utf-8"?>
+<file path=ppt/slides/slide15.xml><?xml version="1.0" encoding="utf-8"?>
 <p:sld xmlns:a="http://schemas.openxmlformats.org/drawingml/2006/main" xmlns:r="http://schemas.openxmlformats.org/officeDocument/2006/relationships" xmlns:p="http://schemas.openxmlformats.org/presentationml/2006/main">
   <p:cSld>
     <p:spTree>
@@ -4498,30 +4559,14 @@
           <a:p>
             <a:pPr algn="ctr"/>
             <a:r>
-              <a:rPr lang="de-DE" dirty="0" err="1" smtClean="0">
-                <a:solidFill>
-                  <a:schemeClr val="bg1"/>
-                </a:solidFill>
-              </a:rPr>
-              <a:t>Strategy</a:t>
-            </a:r>
-            <a:r>
-              <a:rPr lang="de-DE" dirty="0">
-                <a:solidFill>
-                  <a:schemeClr val="bg1"/>
-                </a:solidFill>
-              </a:rPr>
-              <a:t> </a:t>
-            </a:r>
-            <a:r>
-              <a:rPr lang="de-DE" dirty="0" smtClean="0">
-                <a:solidFill>
-                  <a:schemeClr val="bg1"/>
-                </a:solidFill>
-              </a:rPr>
-              <a:t>Pattern</a:t>
-            </a:r>
-            <a:endParaRPr lang="de-DE" dirty="0">
+              <a:rPr lang="en-US" noProof="0" dirty="0" smtClean="0">
+                <a:solidFill>
+                  <a:schemeClr val="bg1"/>
+                </a:solidFill>
+              </a:rPr>
+              <a:t>Strategy Pattern</a:t>
+            </a:r>
+            <a:endParaRPr lang="en-US" noProof="0" dirty="0">
               <a:solidFill>
                 <a:schemeClr val="bg1"/>
               </a:solidFill>
@@ -4704,7 +4749,7 @@
 </p:sld>
 </file>
 
-<file path=ppt/slides/slide15.xml><?xml version="1.0" encoding="utf-8"?>
+<file path=ppt/slides/slide16.xml><?xml version="1.0" encoding="utf-8"?>
 <p:sld xmlns:a="http://schemas.openxmlformats.org/drawingml/2006/main" xmlns:r="http://schemas.openxmlformats.org/officeDocument/2006/relationships" xmlns:p="http://schemas.openxmlformats.org/presentationml/2006/main">
   <p:cSld>
     <p:spTree>
@@ -4738,14 +4783,14 @@
           <a:p>
             <a:pPr algn="ctr"/>
             <a:r>
-              <a:rPr lang="de-DE" dirty="0" smtClean="0">
+              <a:rPr lang="en-US" noProof="0" dirty="0" smtClean="0">
                 <a:solidFill>
                   <a:schemeClr val="bg1"/>
                 </a:solidFill>
               </a:rPr>
               <a:t>Components &amp; Interfaces</a:t>
             </a:r>
-            <a:endParaRPr lang="de-DE" dirty="0">
+            <a:endParaRPr lang="en-US" noProof="0" dirty="0">
               <a:solidFill>
                 <a:schemeClr val="bg1"/>
               </a:solidFill>
@@ -4892,7 +4937,7 @@
 </p:sld>
 </file>
 
-<file path=ppt/slides/slide16.xml><?xml version="1.0" encoding="utf-8"?>
+<file path=ppt/slides/slide17.xml><?xml version="1.0" encoding="utf-8"?>
 <p:sld xmlns:a="http://schemas.openxmlformats.org/drawingml/2006/main" xmlns:r="http://schemas.openxmlformats.org/officeDocument/2006/relationships" xmlns:p="http://schemas.openxmlformats.org/presentationml/2006/main">
   <p:cSld>
     <p:spTree>
@@ -4926,30 +4971,14 @@
           <a:p>
             <a:pPr algn="ctr"/>
             <a:r>
-              <a:rPr lang="de-DE" dirty="0" err="1" smtClean="0">
-                <a:solidFill>
-                  <a:schemeClr val="bg1"/>
-                </a:solidFill>
-              </a:rPr>
-              <a:t>Dependency</a:t>
-            </a:r>
-            <a:r>
-              <a:rPr lang="de-DE" dirty="0" smtClean="0">
-                <a:solidFill>
-                  <a:schemeClr val="bg1"/>
-                </a:solidFill>
-              </a:rPr>
-              <a:t> </a:t>
-            </a:r>
-            <a:r>
-              <a:rPr lang="de-DE" dirty="0" err="1" smtClean="0">
-                <a:solidFill>
-                  <a:schemeClr val="bg1"/>
-                </a:solidFill>
-              </a:rPr>
-              <a:t>Injection</a:t>
-            </a:r>
-            <a:endParaRPr lang="de-DE" dirty="0">
+              <a:rPr lang="en-US" noProof="0" dirty="0" smtClean="0">
+                <a:solidFill>
+                  <a:schemeClr val="bg1"/>
+                </a:solidFill>
+              </a:rPr>
+              <a:t>Dependency Injection</a:t>
+            </a:r>
+            <a:endParaRPr lang="en-US" noProof="0" dirty="0">
               <a:solidFill>
                 <a:schemeClr val="bg1"/>
               </a:solidFill>
@@ -4976,110 +5005,38 @@
               <a:buNone/>
             </a:pPr>
             <a:r>
-              <a:rPr lang="de-DE" dirty="0" err="1" smtClean="0">
-                <a:solidFill>
-                  <a:schemeClr val="bg1"/>
-                </a:solidFill>
-              </a:rPr>
-              <a:t>We</a:t>
-            </a:r>
-            <a:r>
-              <a:rPr lang="de-DE" dirty="0" smtClean="0">
-                <a:solidFill>
-                  <a:schemeClr val="bg1"/>
-                </a:solidFill>
-              </a:rPr>
-              <a:t> </a:t>
-            </a:r>
-            <a:r>
-              <a:rPr lang="de-DE" dirty="0" err="1" smtClean="0">
-                <a:solidFill>
-                  <a:schemeClr val="bg1"/>
-                </a:solidFill>
-              </a:rPr>
-              <a:t>create</a:t>
-            </a:r>
-            <a:r>
-              <a:rPr lang="de-DE" dirty="0" smtClean="0">
-                <a:solidFill>
-                  <a:schemeClr val="bg1"/>
-                </a:solidFill>
-              </a:rPr>
-              <a:t> </a:t>
-            </a:r>
-            <a:r>
-              <a:rPr lang="de-DE" dirty="0" err="1" smtClean="0">
-                <a:solidFill>
-                  <a:schemeClr val="bg1"/>
-                </a:solidFill>
-              </a:rPr>
-              <a:t>our</a:t>
-            </a:r>
-            <a:r>
-              <a:rPr lang="de-DE" dirty="0" smtClean="0">
-                <a:solidFill>
-                  <a:schemeClr val="bg1"/>
-                </a:solidFill>
-              </a:rPr>
-              <a:t> </a:t>
-            </a:r>
-            <a:r>
-              <a:rPr lang="de-DE" dirty="0" err="1" smtClean="0">
-                <a:solidFill>
-                  <a:schemeClr val="bg1"/>
-                </a:solidFill>
-              </a:rPr>
-              <a:t>Injection</a:t>
-            </a:r>
-            <a:r>
-              <a:rPr lang="de-DE" dirty="0" smtClean="0">
-                <a:solidFill>
-                  <a:schemeClr val="bg1"/>
-                </a:solidFill>
-              </a:rPr>
-              <a:t> „</a:t>
-            </a:r>
-            <a:r>
-              <a:rPr lang="de-DE" dirty="0" err="1" smtClean="0">
-                <a:solidFill>
-                  <a:schemeClr val="bg1"/>
-                </a:solidFill>
-              </a:rPr>
-              <a:t>manager</a:t>
-            </a:r>
-            <a:r>
-              <a:rPr lang="de-DE" dirty="0" smtClean="0">
-                <a:solidFill>
-                  <a:schemeClr val="bg1"/>
-                </a:solidFill>
-              </a:rPr>
-              <a:t>“ </a:t>
-            </a:r>
-            <a:r>
-              <a:rPr lang="de-DE" dirty="0" err="1" smtClean="0">
-                <a:solidFill>
-                  <a:schemeClr val="bg1"/>
-                </a:solidFill>
-              </a:rPr>
-              <a:t>with</a:t>
-            </a:r>
-            <a:r>
-              <a:rPr lang="de-DE" dirty="0" smtClean="0">
-                <a:solidFill>
-                  <a:schemeClr val="bg1"/>
-                </a:solidFill>
-              </a:rPr>
-              <a:t> Google </a:t>
-            </a:r>
-            <a:r>
-              <a:rPr lang="de-DE" dirty="0" err="1" smtClean="0">
+              <a:rPr lang="en-US" noProof="0" dirty="0" smtClean="0">
+                <a:solidFill>
+                  <a:schemeClr val="bg1"/>
+                </a:solidFill>
+              </a:rPr>
+              <a:t>We </a:t>
+            </a:r>
+            <a:r>
+              <a:rPr lang="en-US" dirty="0" smtClean="0">
+                <a:solidFill>
+                  <a:schemeClr val="bg1"/>
+                </a:solidFill>
+              </a:rPr>
+              <a:t>define </a:t>
+            </a:r>
+            <a:r>
+              <a:rPr lang="en-US" noProof="0" dirty="0" smtClean="0">
+                <a:solidFill>
+                  <a:schemeClr val="bg1"/>
+                </a:solidFill>
+              </a:rPr>
+              <a:t>our Injection „manager“ with Google </a:t>
+            </a:r>
+            <a:r>
+              <a:rPr lang="en-US" noProof="0" dirty="0" err="1" smtClean="0">
                 <a:solidFill>
                   <a:schemeClr val="bg1"/>
                 </a:solidFill>
               </a:rPr>
               <a:t>Guice</a:t>
             </a:r>
-            <a:endParaRPr lang="de-DE" dirty="0" smtClean="0">
+            <a:endParaRPr lang="en-US" noProof="0" dirty="0" smtClean="0">
               <a:solidFill>
                 <a:schemeClr val="bg1"/>
               </a:solidFill>
@@ -5089,7 +5046,7 @@
             <a:pPr marL="0" indent="0">
               <a:buNone/>
             </a:pPr>
-            <a:endParaRPr lang="de-DE" dirty="0">
+            <a:endParaRPr lang="en-US" noProof="0" dirty="0" smtClean="0">
               <a:solidFill>
                 <a:schemeClr val="bg1"/>
               </a:solidFill>
@@ -5099,7 +5056,7 @@
             <a:pPr marL="0" indent="0">
               <a:buNone/>
             </a:pPr>
-            <a:endParaRPr lang="de-DE" dirty="0" smtClean="0">
+            <a:endParaRPr lang="en-US" noProof="0" dirty="0" smtClean="0">
               <a:solidFill>
                 <a:schemeClr val="bg1"/>
               </a:solidFill>
@@ -5109,7 +5066,7 @@
             <a:pPr marL="0" indent="0">
               <a:buNone/>
             </a:pPr>
-            <a:endParaRPr lang="de-DE" dirty="0">
+            <a:endParaRPr lang="en-US" noProof="0" dirty="0" smtClean="0">
               <a:solidFill>
                 <a:schemeClr val="bg1"/>
               </a:solidFill>
@@ -5120,71 +5077,15 @@
               <a:buNone/>
             </a:pPr>
             <a:r>
-              <a:rPr lang="de-DE" dirty="0" err="1" smtClean="0">
-                <a:solidFill>
-                  <a:schemeClr val="bg1"/>
-                </a:solidFill>
-              </a:rPr>
-              <a:t>We</a:t>
-            </a:r>
-            <a:r>
-              <a:rPr lang="de-DE" dirty="0" smtClean="0">
-                <a:solidFill>
-                  <a:schemeClr val="bg1"/>
-                </a:solidFill>
-              </a:rPr>
-              <a:t> </a:t>
-            </a:r>
-            <a:r>
-              <a:rPr lang="de-DE" dirty="0" err="1" smtClean="0">
-                <a:solidFill>
-                  <a:schemeClr val="bg1"/>
-                </a:solidFill>
-              </a:rPr>
-              <a:t>dynamically</a:t>
-            </a:r>
-            <a:r>
-              <a:rPr lang="de-DE" dirty="0" smtClean="0">
-                <a:solidFill>
-                  <a:schemeClr val="bg1"/>
-                </a:solidFill>
-              </a:rPr>
-              <a:t> </a:t>
-            </a:r>
-            <a:r>
-              <a:rPr lang="de-DE" dirty="0" err="1" smtClean="0">
-                <a:solidFill>
-                  <a:schemeClr val="bg1"/>
-                </a:solidFill>
-              </a:rPr>
-              <a:t>load</a:t>
-            </a:r>
-            <a:r>
-              <a:rPr lang="de-DE" dirty="0" smtClean="0">
-                <a:solidFill>
-                  <a:schemeClr val="bg1"/>
-                </a:solidFill>
-              </a:rPr>
-              <a:t> </a:t>
-            </a:r>
-            <a:r>
-              <a:rPr lang="de-DE" dirty="0" err="1" smtClean="0">
-                <a:solidFill>
-                  <a:schemeClr val="bg1"/>
-                </a:solidFill>
-              </a:rPr>
-              <a:t>our</a:t>
-            </a:r>
-            <a:r>
-              <a:rPr lang="de-DE" dirty="0" smtClean="0">
-                <a:solidFill>
-                  <a:schemeClr val="bg1"/>
-                </a:solidFill>
-              </a:rPr>
-              <a:t> </a:t>
-            </a:r>
-            <a:r>
-              <a:rPr lang="de-DE" dirty="0" err="1" smtClean="0">
+              <a:rPr lang="en-US" noProof="0" dirty="0" smtClean="0">
+                <a:solidFill>
+                  <a:schemeClr val="bg1"/>
+                </a:solidFill>
+              </a:rPr>
+              <a:t>We dynamically load our </a:t>
+            </a:r>
+            <a:r>
+              <a:rPr lang="en-US" noProof="0" dirty="0" err="1" smtClean="0">
                 <a:solidFill>
                   <a:schemeClr val="bg1"/>
                 </a:solidFill>
@@ -5192,131 +5093,19 @@
               <a:t>gameHandler</a:t>
             </a:r>
             <a:r>
-              <a:rPr lang="de-DE" dirty="0" smtClean="0">
-                <a:solidFill>
-                  <a:schemeClr val="bg1"/>
-                </a:solidFill>
-              </a:rPr>
-              <a:t> </a:t>
-            </a:r>
-            <a:r>
-              <a:rPr lang="de-DE" dirty="0" err="1" smtClean="0">
-                <a:solidFill>
-                  <a:schemeClr val="bg1"/>
-                </a:solidFill>
-              </a:rPr>
-              <a:t>implementation</a:t>
-            </a:r>
-            <a:r>
-              <a:rPr lang="de-DE" dirty="0" smtClean="0">
-                <a:solidFill>
-                  <a:schemeClr val="bg1"/>
-                </a:solidFill>
-              </a:rPr>
-              <a:t> </a:t>
-            </a:r>
-            <a:r>
-              <a:rPr lang="de-DE" dirty="0" err="1" smtClean="0">
-                <a:solidFill>
-                  <a:schemeClr val="bg1"/>
-                </a:solidFill>
-              </a:rPr>
-              <a:t>which</a:t>
-            </a:r>
-            <a:r>
-              <a:rPr lang="de-DE" dirty="0" smtClean="0">
-                <a:solidFill>
-                  <a:schemeClr val="bg1"/>
-                </a:solidFill>
-              </a:rPr>
-              <a:t> </a:t>
-            </a:r>
-            <a:r>
-              <a:rPr lang="de-DE" dirty="0" err="1" smtClean="0">
-                <a:solidFill>
-                  <a:schemeClr val="bg1"/>
-                </a:solidFill>
-              </a:rPr>
-              <a:t>is</a:t>
-            </a:r>
-            <a:r>
-              <a:rPr lang="de-DE" dirty="0" smtClean="0">
-                <a:solidFill>
-                  <a:schemeClr val="bg1"/>
-                </a:solidFill>
-              </a:rPr>
-              <a:t> </a:t>
-            </a:r>
-            <a:r>
-              <a:rPr lang="de-DE" dirty="0" err="1" smtClean="0">
-                <a:solidFill>
-                  <a:schemeClr val="bg1"/>
-                </a:solidFill>
-              </a:rPr>
-              <a:t>injected</a:t>
-            </a:r>
-            <a:r>
-              <a:rPr lang="de-DE" dirty="0" smtClean="0">
-                <a:solidFill>
-                  <a:schemeClr val="bg1"/>
-                </a:solidFill>
-              </a:rPr>
-              <a:t> </a:t>
-            </a:r>
-            <a:r>
-              <a:rPr lang="de-DE" dirty="0" err="1" smtClean="0">
-                <a:solidFill>
-                  <a:schemeClr val="bg1"/>
-                </a:solidFill>
-              </a:rPr>
-              <a:t>into</a:t>
-            </a:r>
-            <a:r>
-              <a:rPr lang="de-DE" dirty="0" smtClean="0">
-                <a:solidFill>
-                  <a:schemeClr val="bg1"/>
-                </a:solidFill>
-              </a:rPr>
-              <a:t> </a:t>
-            </a:r>
-            <a:r>
-              <a:rPr lang="de-DE" dirty="0" err="1" smtClean="0">
-                <a:solidFill>
-                  <a:schemeClr val="bg1"/>
-                </a:solidFill>
-              </a:rPr>
-              <a:t>the</a:t>
-            </a:r>
-            <a:r>
-              <a:rPr lang="de-DE" dirty="0" smtClean="0">
-                <a:solidFill>
-                  <a:schemeClr val="bg1"/>
-                </a:solidFill>
-              </a:rPr>
-              <a:t> TUI </a:t>
-            </a:r>
-            <a:r>
-              <a:rPr lang="de-DE" dirty="0" err="1" smtClean="0">
-                <a:solidFill>
-                  <a:schemeClr val="bg1"/>
-                </a:solidFill>
-              </a:rPr>
-              <a:t>and</a:t>
-            </a:r>
-            <a:r>
-              <a:rPr lang="de-DE" dirty="0" smtClean="0">
-                <a:solidFill>
-                  <a:schemeClr val="bg1"/>
-                </a:solidFill>
-              </a:rPr>
-              <a:t> GUI</a:t>
+              <a:rPr lang="en-US" noProof="0" dirty="0" smtClean="0">
+                <a:solidFill>
+                  <a:schemeClr val="bg1"/>
+                </a:solidFill>
+              </a:rPr>
+              <a:t> implementation which is injected into the TUI and GUI</a:t>
             </a:r>
           </a:p>
           <a:p>
             <a:pPr marL="0" indent="0">
               <a:buNone/>
             </a:pPr>
-            <a:endParaRPr lang="de-DE" dirty="0" smtClean="0">
+            <a:endParaRPr lang="en-US" noProof="0" dirty="0" smtClean="0">
               <a:solidFill>
                 <a:schemeClr val="bg1"/>
               </a:solidFill>
@@ -5333,7 +5122,7 @@
           <p:nvPr/>
         </p:nvPicPr>
         <p:blipFill>
-          <a:blip r:embed="rId2"/>
+          <a:blip r:embed="rId3"/>
           <a:stretch>
             <a:fillRect/>
           </a:stretch>
@@ -5357,7 +5146,7 @@
           <p:nvPr/>
         </p:nvPicPr>
         <p:blipFill>
-          <a:blip r:embed="rId3"/>
+          <a:blip r:embed="rId4"/>
           <a:stretch>
             <a:fillRect/>
           </a:stretch>
@@ -5431,38 +5220,14 @@
           <a:p>
             <a:pPr algn="ctr"/>
             <a:r>
-              <a:rPr lang="de-DE" dirty="0" smtClean="0">
-                <a:solidFill>
-                  <a:schemeClr val="bg1"/>
-                </a:solidFill>
-              </a:rPr>
-              <a:t>Table </a:t>
-            </a:r>
-            <a:r>
-              <a:rPr lang="de-DE" dirty="0" err="1" smtClean="0">
-                <a:solidFill>
-                  <a:schemeClr val="bg1"/>
-                </a:solidFill>
-              </a:rPr>
-              <a:t>of</a:t>
-            </a:r>
-            <a:r>
-              <a:rPr lang="de-DE" dirty="0" smtClean="0">
-                <a:solidFill>
-                  <a:schemeClr val="bg1"/>
-                </a:solidFill>
-              </a:rPr>
-              <a:t> </a:t>
-            </a:r>
-            <a:r>
-              <a:rPr lang="de-DE" dirty="0" err="1" smtClean="0">
-                <a:solidFill>
-                  <a:schemeClr val="bg1"/>
-                </a:solidFill>
-              </a:rPr>
-              <a:t>content</a:t>
-            </a:r>
-            <a:endParaRPr lang="de-DE" dirty="0">
+              <a:rPr lang="en-US" noProof="0" dirty="0" smtClean="0">
+                <a:solidFill>
+                  <a:schemeClr val="bg1"/>
+                </a:solidFill>
+              </a:rPr>
+              <a:t>Table of content</a:t>
+            </a:r>
+            <a:endParaRPr lang="en-US" noProof="0" dirty="0">
               <a:solidFill>
                 <a:schemeClr val="bg1"/>
               </a:solidFill>
@@ -5488,82 +5253,59 @@
           <a:lstStyle/>
           <a:p>
             <a:r>
-              <a:rPr lang="de-DE" sz="1800" dirty="0" smtClean="0">
-                <a:solidFill>
-                  <a:schemeClr val="bg1"/>
-                </a:solidFill>
-              </a:rPr>
-              <a:t>Organisation:</a:t>
+              <a:rPr lang="en-US" sz="1800" noProof="0" dirty="0" smtClean="0">
+                <a:solidFill>
+                  <a:schemeClr val="bg1"/>
+                </a:solidFill>
+              </a:rPr>
+              <a:t>Organization:</a:t>
             </a:r>
           </a:p>
           <a:p>
             <a:pPr lvl="1"/>
             <a:r>
-              <a:rPr lang="de-DE" sz="1800" dirty="0" err="1" smtClean="0">
+              <a:rPr lang="en-US" sz="1800" noProof="0" dirty="0" smtClean="0">
                 <a:solidFill>
                   <a:schemeClr val="bg1"/>
                 </a:solidFill>
               </a:rPr>
               <a:t>Scrum</a:t>
             </a:r>
-            <a:endParaRPr lang="de-DE" sz="1800" dirty="0" smtClean="0">
-              <a:solidFill>
-                <a:schemeClr val="bg1"/>
-              </a:solidFill>
-            </a:endParaRPr>
           </a:p>
           <a:p>
             <a:pPr lvl="1"/>
             <a:r>
-              <a:rPr lang="de-DE" sz="1800" dirty="0" err="1" smtClean="0">
+              <a:rPr lang="en-US" sz="1800" noProof="0" dirty="0" smtClean="0">
                 <a:solidFill>
                   <a:schemeClr val="bg1"/>
                 </a:solidFill>
               </a:rPr>
               <a:t>Git</a:t>
             </a:r>
-            <a:endParaRPr lang="de-DE" sz="1800" dirty="0" smtClean="0">
-              <a:solidFill>
-                <a:schemeClr val="bg1"/>
-              </a:solidFill>
-            </a:endParaRPr>
-          </a:p>
-          <a:p>
-            <a:r>
-              <a:rPr lang="de-DE" sz="1800" dirty="0" smtClean="0">
-                <a:solidFill>
-                  <a:schemeClr val="bg1"/>
-                </a:solidFill>
-              </a:rPr>
-              <a:t>TUI </a:t>
-            </a:r>
-            <a:r>
-              <a:rPr lang="de-DE" sz="1800" dirty="0" smtClean="0">
-                <a:solidFill>
-                  <a:schemeClr val="bg1"/>
-                </a:solidFill>
-              </a:rPr>
-              <a:t>Development</a:t>
-            </a:r>
-          </a:p>
-          <a:p>
-            <a:r>
-              <a:rPr lang="de-DE" sz="1800" dirty="0" smtClean="0">
+          </a:p>
+          <a:p>
+            <a:r>
+              <a:rPr lang="en-US" sz="1800" noProof="0" dirty="0" smtClean="0">
+                <a:solidFill>
+                  <a:schemeClr val="bg1"/>
+                </a:solidFill>
+              </a:rPr>
+              <a:t>TUI Development</a:t>
+            </a:r>
+          </a:p>
+          <a:p>
+            <a:r>
+              <a:rPr lang="en-US" sz="1800" noProof="0" dirty="0" smtClean="0">
                 <a:solidFill>
                   <a:schemeClr val="bg1"/>
                 </a:solidFill>
               </a:rPr>
               <a:t>GUI Development</a:t>
             </a:r>
-            <a:endParaRPr lang="de-DE" sz="1800" dirty="0" smtClean="0">
-              <a:solidFill>
-                <a:schemeClr val="bg1"/>
-              </a:solidFill>
-            </a:endParaRPr>
-          </a:p>
-          <a:p>
-            <a:r>
-              <a:rPr lang="de-DE" sz="1800" dirty="0" smtClean="0">
+          </a:p>
+          <a:p>
+            <a:r>
+              <a:rPr lang="en-US" sz="1800" noProof="0" dirty="0" smtClean="0">
                 <a:solidFill>
                   <a:schemeClr val="bg1"/>
                 </a:solidFill>
@@ -5573,30 +5315,27 @@
           </a:p>
           <a:p>
             <a:r>
-              <a:rPr lang="de-DE" sz="1800" dirty="0" smtClean="0">
-                <a:solidFill>
-                  <a:schemeClr val="bg1"/>
-                </a:solidFill>
-              </a:rPr>
-              <a:t>Model/Controller Code </a:t>
-            </a:r>
-            <a:r>
-              <a:rPr lang="de-DE" sz="1800" dirty="0" err="1" smtClean="0">
-                <a:solidFill>
-                  <a:schemeClr val="bg1"/>
-                </a:solidFill>
-              </a:rPr>
-              <a:t>Coverage</a:t>
-            </a:r>
-            <a:endParaRPr lang="de-DE" sz="1800" dirty="0" smtClean="0">
-              <a:solidFill>
-                <a:schemeClr val="bg1"/>
-              </a:solidFill>
-            </a:endParaRPr>
-          </a:p>
-          <a:p>
-            <a:r>
-              <a:rPr lang="de-DE" sz="1800" dirty="0" smtClean="0">
+              <a:rPr lang="en-US" sz="1800" noProof="0" dirty="0" smtClean="0">
+                <a:solidFill>
+                  <a:schemeClr val="bg1"/>
+                </a:solidFill>
+              </a:rPr>
+              <a:t>Model/Controller Code Coverage</a:t>
+            </a:r>
+          </a:p>
+          <a:p>
+            <a:r>
+              <a:rPr lang="en-US" sz="1800" noProof="0" dirty="0" smtClean="0">
+                <a:solidFill>
+                  <a:schemeClr val="bg1"/>
+                </a:solidFill>
+              </a:rPr>
+              <a:t>Localization</a:t>
+            </a:r>
+          </a:p>
+          <a:p>
+            <a:r>
+              <a:rPr lang="en-US" sz="1800" noProof="0" dirty="0" smtClean="0">
                 <a:solidFill>
                   <a:schemeClr val="bg1"/>
                 </a:solidFill>
@@ -5606,7 +5345,7 @@
           </a:p>
           <a:p>
             <a:r>
-              <a:rPr lang="de-DE" sz="1800" dirty="0" smtClean="0">
+              <a:rPr lang="en-US" sz="1800" noProof="0" dirty="0" smtClean="0">
                 <a:solidFill>
                   <a:schemeClr val="bg1"/>
                 </a:solidFill>
@@ -5616,30 +5355,14 @@
           </a:p>
           <a:p>
             <a:r>
-              <a:rPr lang="de-DE" sz="1800" dirty="0" err="1" smtClean="0">
-                <a:solidFill>
-                  <a:schemeClr val="bg1"/>
-                </a:solidFill>
-              </a:rPr>
-              <a:t>Dependency</a:t>
-            </a:r>
-            <a:r>
-              <a:rPr lang="de-DE" sz="1800" dirty="0" smtClean="0">
-                <a:solidFill>
-                  <a:schemeClr val="bg1"/>
-                </a:solidFill>
-              </a:rPr>
-              <a:t> </a:t>
-            </a:r>
-            <a:r>
-              <a:rPr lang="de-DE" sz="1800" dirty="0" err="1" smtClean="0">
-                <a:solidFill>
-                  <a:schemeClr val="bg1"/>
-                </a:solidFill>
-              </a:rPr>
-              <a:t>Injection</a:t>
-            </a:r>
-            <a:endParaRPr lang="de-DE" sz="1800" dirty="0" smtClean="0">
+              <a:rPr lang="en-US" sz="1800" noProof="0" dirty="0" smtClean="0">
+                <a:solidFill>
+                  <a:schemeClr val="bg1"/>
+                </a:solidFill>
+              </a:rPr>
+              <a:t>Dependency Injection</a:t>
+            </a:r>
+            <a:endParaRPr lang="en-US" sz="1800" noProof="0" dirty="0" smtClean="0">
               <a:solidFill>
                 <a:schemeClr val="bg1"/>
               </a:solidFill>
@@ -5701,38 +5424,14 @@
           <a:p>
             <a:pPr algn="ctr"/>
             <a:r>
-              <a:rPr lang="de-DE" dirty="0" err="1" smtClean="0">
-                <a:solidFill>
-                  <a:schemeClr val="bg1"/>
-                </a:solidFill>
-              </a:rPr>
-              <a:t>Scrum</a:t>
-            </a:r>
-            <a:r>
-              <a:rPr lang="de-DE" dirty="0" smtClean="0">
-                <a:solidFill>
-                  <a:schemeClr val="bg1"/>
-                </a:solidFill>
-              </a:rPr>
-              <a:t> </a:t>
-            </a:r>
-            <a:r>
-              <a:rPr lang="de-DE" dirty="0">
-                <a:solidFill>
-                  <a:schemeClr val="bg1"/>
-                </a:solidFill>
-              </a:rPr>
-              <a:t>- </a:t>
-            </a:r>
-            <a:r>
-              <a:rPr lang="de-DE" dirty="0" smtClean="0">
-                <a:solidFill>
-                  <a:schemeClr val="bg1"/>
-                </a:solidFill>
-              </a:rPr>
-              <a:t>Sprint 1</a:t>
-            </a:r>
-            <a:endParaRPr lang="de-DE" dirty="0">
+              <a:rPr lang="en-US" noProof="0" dirty="0" smtClean="0">
+                <a:solidFill>
+                  <a:schemeClr val="bg1"/>
+                </a:solidFill>
+              </a:rPr>
+              <a:t>Scrum - Sprint 1</a:t>
+            </a:r>
+            <a:endParaRPr lang="en-US" noProof="0" dirty="0">
               <a:solidFill>
                 <a:schemeClr val="bg1"/>
               </a:solidFill>
@@ -5823,46 +5522,14 @@
           <a:p>
             <a:pPr algn="ctr"/>
             <a:r>
-              <a:rPr lang="de-DE" dirty="0" err="1" smtClean="0">
-                <a:solidFill>
-                  <a:schemeClr val="bg1"/>
-                </a:solidFill>
-              </a:rPr>
-              <a:t>Git</a:t>
-            </a:r>
-            <a:r>
-              <a:rPr lang="de-DE" dirty="0" smtClean="0">
-                <a:solidFill>
-                  <a:schemeClr val="bg1"/>
-                </a:solidFill>
-              </a:rPr>
-              <a:t> </a:t>
-            </a:r>
-            <a:r>
-              <a:rPr lang="de-DE" dirty="0">
-                <a:solidFill>
-                  <a:schemeClr val="bg1"/>
-                </a:solidFill>
-              </a:rPr>
-              <a:t>- </a:t>
-            </a:r>
-            <a:r>
-              <a:rPr lang="de-DE" dirty="0" err="1" smtClean="0">
-                <a:solidFill>
-                  <a:schemeClr val="bg1"/>
-                </a:solidFill>
-              </a:rPr>
-              <a:t>Commits</a:t>
-            </a:r>
-            <a:r>
-              <a:rPr lang="de-DE" dirty="0" smtClean="0">
-                <a:solidFill>
-                  <a:schemeClr val="bg1"/>
-                </a:solidFill>
-              </a:rPr>
-              <a:t> (Sprint 1)</a:t>
-            </a:r>
-            <a:endParaRPr lang="de-DE" dirty="0">
+              <a:rPr lang="en-US" noProof="0" dirty="0" smtClean="0">
+                <a:solidFill>
+                  <a:schemeClr val="bg1"/>
+                </a:solidFill>
+              </a:rPr>
+              <a:t>Git - Commits (Sprint 1)</a:t>
+            </a:r>
+            <a:endParaRPr lang="en-US" noProof="0" dirty="0">
               <a:solidFill>
                 <a:schemeClr val="bg1"/>
               </a:solidFill>
@@ -5953,38 +5620,14 @@
           <a:p>
             <a:pPr algn="ctr"/>
             <a:r>
-              <a:rPr lang="de-DE" dirty="0" err="1" smtClean="0">
-                <a:solidFill>
-                  <a:schemeClr val="bg1"/>
-                </a:solidFill>
-              </a:rPr>
-              <a:t>Scrum</a:t>
-            </a:r>
-            <a:r>
-              <a:rPr lang="de-DE" dirty="0" smtClean="0">
-                <a:solidFill>
-                  <a:schemeClr val="bg1"/>
-                </a:solidFill>
-              </a:rPr>
-              <a:t> </a:t>
-            </a:r>
-            <a:r>
-              <a:rPr lang="de-DE" dirty="0">
-                <a:solidFill>
-                  <a:schemeClr val="bg1"/>
-                </a:solidFill>
-              </a:rPr>
-              <a:t>- </a:t>
-            </a:r>
-            <a:r>
-              <a:rPr lang="de-DE" dirty="0" smtClean="0">
-                <a:solidFill>
-                  <a:schemeClr val="bg1"/>
-                </a:solidFill>
-              </a:rPr>
-              <a:t>Sprint 2</a:t>
-            </a:r>
-            <a:endParaRPr lang="de-DE" dirty="0">
+              <a:rPr lang="en-US" noProof="0" dirty="0" smtClean="0">
+                <a:solidFill>
+                  <a:schemeClr val="bg1"/>
+                </a:solidFill>
+              </a:rPr>
+              <a:t>Scrum - Sprint 2</a:t>
+            </a:r>
+            <a:endParaRPr lang="en-US" noProof="0" dirty="0">
               <a:solidFill>
                 <a:schemeClr val="bg1"/>
               </a:solidFill>
@@ -6075,46 +5718,14 @@
           <a:p>
             <a:pPr algn="ctr"/>
             <a:r>
-              <a:rPr lang="de-DE" dirty="0" err="1" smtClean="0">
-                <a:solidFill>
-                  <a:schemeClr val="bg1"/>
-                </a:solidFill>
-              </a:rPr>
-              <a:t>Git</a:t>
-            </a:r>
-            <a:r>
-              <a:rPr lang="de-DE" dirty="0" smtClean="0">
-                <a:solidFill>
-                  <a:schemeClr val="bg1"/>
-                </a:solidFill>
-              </a:rPr>
-              <a:t> </a:t>
-            </a:r>
-            <a:r>
-              <a:rPr lang="de-DE" dirty="0">
-                <a:solidFill>
-                  <a:schemeClr val="bg1"/>
-                </a:solidFill>
-              </a:rPr>
-              <a:t>-</a:t>
-            </a:r>
-            <a:r>
-              <a:rPr lang="de-DE" dirty="0" smtClean="0">
-                <a:solidFill>
-                  <a:schemeClr val="bg1"/>
-                </a:solidFill>
-              </a:rPr>
-              <a:t> </a:t>
-            </a:r>
-            <a:r>
-              <a:rPr lang="de-DE" dirty="0" err="1" smtClean="0">
-                <a:solidFill>
-                  <a:schemeClr val="bg1"/>
-                </a:solidFill>
-              </a:rPr>
-              <a:t>Contributors</a:t>
-            </a:r>
-            <a:endParaRPr lang="de-DE" dirty="0">
+              <a:rPr lang="en-US" noProof="0" dirty="0" smtClean="0">
+                <a:solidFill>
+                  <a:schemeClr val="bg1"/>
+                </a:solidFill>
+              </a:rPr>
+              <a:t>Git - Contributors</a:t>
+            </a:r>
+            <a:endParaRPr lang="en-US" noProof="0" dirty="0">
               <a:solidFill>
                 <a:schemeClr val="bg1"/>
               </a:solidFill>
@@ -6205,14 +5816,14 @@
           <a:p>
             <a:pPr algn="ctr"/>
             <a:r>
-              <a:rPr lang="de-DE" dirty="0" smtClean="0">
+              <a:rPr lang="en-US" noProof="0" dirty="0" smtClean="0">
                 <a:solidFill>
                   <a:schemeClr val="bg1"/>
                 </a:solidFill>
               </a:rPr>
               <a:t>TUI Development</a:t>
             </a:r>
-            <a:endParaRPr lang="de-DE" dirty="0">
+            <a:endParaRPr lang="en-US" noProof="0" dirty="0">
               <a:solidFill>
                 <a:schemeClr val="bg1"/>
               </a:solidFill>
@@ -6264,447 +5875,61 @@
           <a:lstStyle/>
           <a:p>
             <a:r>
-              <a:rPr lang="de-DE" sz="2000" dirty="0" err="1" smtClean="0">
-                <a:solidFill>
-                  <a:schemeClr val="bg1"/>
-                </a:solidFill>
-              </a:rPr>
-              <a:t>Injects</a:t>
-            </a:r>
-            <a:r>
-              <a:rPr lang="de-DE" sz="2000" dirty="0" smtClean="0">
-                <a:solidFill>
-                  <a:schemeClr val="bg1"/>
-                </a:solidFill>
-              </a:rPr>
-              <a:t> </a:t>
-            </a:r>
-            <a:r>
-              <a:rPr lang="de-DE" sz="2000" dirty="0" err="1" smtClean="0">
-                <a:solidFill>
-                  <a:schemeClr val="bg1"/>
-                </a:solidFill>
-              </a:rPr>
-              <a:t>the</a:t>
-            </a:r>
-            <a:r>
-              <a:rPr lang="de-DE" sz="2000" dirty="0" smtClean="0">
-                <a:solidFill>
-                  <a:schemeClr val="bg1"/>
-                </a:solidFill>
-              </a:rPr>
-              <a:t> </a:t>
-            </a:r>
-            <a:r>
-              <a:rPr lang="de-DE" sz="2000" dirty="0" err="1" smtClean="0">
-                <a:solidFill>
-                  <a:schemeClr val="bg1"/>
-                </a:solidFill>
-              </a:rPr>
-              <a:t>controller</a:t>
-            </a:r>
-            <a:r>
-              <a:rPr lang="de-DE" sz="2000" dirty="0" smtClean="0">
-                <a:solidFill>
-                  <a:schemeClr val="bg1"/>
-                </a:solidFill>
-              </a:rPr>
-              <a:t> (</a:t>
-            </a:r>
-            <a:r>
-              <a:rPr lang="de-DE" sz="2000" dirty="0" err="1" smtClean="0">
-                <a:solidFill>
-                  <a:schemeClr val="bg1"/>
-                </a:solidFill>
-              </a:rPr>
-              <a:t>our</a:t>
-            </a:r>
-            <a:r>
-              <a:rPr lang="de-DE" sz="2000" dirty="0" smtClean="0">
-                <a:solidFill>
-                  <a:schemeClr val="bg1"/>
-                </a:solidFill>
-              </a:rPr>
-              <a:t> </a:t>
-            </a:r>
-            <a:r>
-              <a:rPr lang="de-DE" sz="2000" dirty="0" err="1" smtClean="0">
-                <a:solidFill>
-                  <a:schemeClr val="bg1"/>
-                </a:solidFill>
-              </a:rPr>
-              <a:t>game</a:t>
-            </a:r>
-            <a:r>
-              <a:rPr lang="de-DE" sz="2000" dirty="0" smtClean="0">
-                <a:solidFill>
-                  <a:schemeClr val="bg1"/>
-                </a:solidFill>
-              </a:rPr>
-              <a:t> </a:t>
-            </a:r>
-            <a:r>
-              <a:rPr lang="de-DE" sz="2000" dirty="0" err="1" smtClean="0">
-                <a:solidFill>
-                  <a:schemeClr val="bg1"/>
-                </a:solidFill>
-              </a:rPr>
-              <a:t>handler</a:t>
-            </a:r>
-            <a:r>
-              <a:rPr lang="de-DE" sz="2000" dirty="0" smtClean="0">
-                <a:solidFill>
-                  <a:schemeClr val="bg1"/>
-                </a:solidFill>
-              </a:rPr>
-              <a:t>)</a:t>
-            </a:r>
-          </a:p>
-          <a:p>
-            <a:r>
-              <a:rPr lang="de-DE" sz="2000" dirty="0" smtClean="0">
-                <a:solidFill>
-                  <a:schemeClr val="bg1"/>
-                </a:solidFill>
-              </a:rPr>
-              <a:t>Listens </a:t>
-            </a:r>
-            <a:r>
-              <a:rPr lang="de-DE" sz="2000" dirty="0" err="1" smtClean="0">
-                <a:solidFill>
-                  <a:schemeClr val="bg1"/>
-                </a:solidFill>
-              </a:rPr>
-              <a:t>to</a:t>
-            </a:r>
-            <a:r>
-              <a:rPr lang="de-DE" sz="2000" dirty="0" smtClean="0">
-                <a:solidFill>
-                  <a:schemeClr val="bg1"/>
-                </a:solidFill>
-              </a:rPr>
-              <a:t> </a:t>
-            </a:r>
-            <a:r>
-              <a:rPr lang="de-DE" sz="2000" dirty="0" err="1" smtClean="0">
-                <a:solidFill>
-                  <a:schemeClr val="bg1"/>
-                </a:solidFill>
-              </a:rPr>
-              <a:t>the</a:t>
-            </a:r>
-            <a:r>
-              <a:rPr lang="de-DE" sz="2000" dirty="0" smtClean="0">
-                <a:solidFill>
-                  <a:schemeClr val="bg1"/>
-                </a:solidFill>
-              </a:rPr>
-              <a:t> </a:t>
-            </a:r>
-            <a:r>
-              <a:rPr lang="de-DE" sz="2000" dirty="0" err="1" smtClean="0">
-                <a:solidFill>
-                  <a:schemeClr val="bg1"/>
-                </a:solidFill>
-              </a:rPr>
-              <a:t>controller</a:t>
-            </a:r>
-            <a:r>
-              <a:rPr lang="de-DE" sz="2000" dirty="0" smtClean="0">
-                <a:solidFill>
-                  <a:schemeClr val="bg1"/>
-                </a:solidFill>
-              </a:rPr>
-              <a:t> </a:t>
-            </a:r>
-            <a:r>
-              <a:rPr lang="de-DE" sz="2000" dirty="0" err="1" smtClean="0">
-                <a:solidFill>
-                  <a:schemeClr val="bg1"/>
-                </a:solidFill>
-              </a:rPr>
-              <a:t>publisher</a:t>
-            </a:r>
-            <a:endParaRPr lang="de-DE" sz="2000" dirty="0" smtClean="0">
+              <a:rPr lang="en-US" sz="2000" noProof="0" dirty="0" smtClean="0">
+                <a:solidFill>
+                  <a:schemeClr val="bg1"/>
+                </a:solidFill>
+              </a:rPr>
+              <a:t>Injects the controller (our game handler)</a:t>
+            </a:r>
+          </a:p>
+          <a:p>
+            <a:r>
+              <a:rPr lang="en-US" sz="2000" noProof="0" dirty="0" smtClean="0">
+                <a:solidFill>
+                  <a:schemeClr val="bg1"/>
+                </a:solidFill>
+              </a:rPr>
+              <a:t>Listens to the controller publisher</a:t>
+            </a:r>
+          </a:p>
+          <a:p>
+            <a:r>
+              <a:rPr lang="en-US" sz="2000" noProof="0" dirty="0" smtClean="0">
+                <a:solidFill>
+                  <a:schemeClr val="bg1"/>
+                </a:solidFill>
+              </a:rPr>
+              <a:t>Affects also the GUI through the game handler</a:t>
+            </a:r>
+          </a:p>
+          <a:p>
+            <a:endParaRPr lang="en-US" sz="2000" noProof="0" dirty="0" smtClean="0">
               <a:solidFill>
                 <a:schemeClr val="bg1"/>
               </a:solidFill>
             </a:endParaRPr>
           </a:p>
           <a:p>
-            <a:r>
-              <a:rPr lang="de-DE" sz="2000" dirty="0" err="1" smtClean="0">
-                <a:solidFill>
-                  <a:schemeClr val="bg1"/>
-                </a:solidFill>
-              </a:rPr>
-              <a:t>Affects</a:t>
-            </a:r>
-            <a:r>
-              <a:rPr lang="de-DE" sz="2000" dirty="0" smtClean="0">
-                <a:solidFill>
-                  <a:schemeClr val="bg1"/>
-                </a:solidFill>
-              </a:rPr>
-              <a:t> also </a:t>
-            </a:r>
-            <a:r>
-              <a:rPr lang="de-DE" sz="2000" dirty="0" err="1" smtClean="0">
-                <a:solidFill>
-                  <a:schemeClr val="bg1"/>
-                </a:solidFill>
-              </a:rPr>
-              <a:t>the</a:t>
-            </a:r>
-            <a:r>
-              <a:rPr lang="de-DE" sz="2000" dirty="0" smtClean="0">
-                <a:solidFill>
-                  <a:schemeClr val="bg1"/>
-                </a:solidFill>
-              </a:rPr>
-              <a:t> GUI </a:t>
-            </a:r>
-            <a:r>
-              <a:rPr lang="de-DE" sz="2000" dirty="0" err="1" smtClean="0">
-                <a:solidFill>
-                  <a:schemeClr val="bg1"/>
-                </a:solidFill>
-              </a:rPr>
-              <a:t>through</a:t>
-            </a:r>
-            <a:r>
-              <a:rPr lang="de-DE" sz="2000" dirty="0" smtClean="0">
-                <a:solidFill>
-                  <a:schemeClr val="bg1"/>
-                </a:solidFill>
-              </a:rPr>
-              <a:t> </a:t>
-            </a:r>
-            <a:r>
-              <a:rPr lang="de-DE" sz="2000" dirty="0" err="1" smtClean="0">
-                <a:solidFill>
-                  <a:schemeClr val="bg1"/>
-                </a:solidFill>
-              </a:rPr>
-              <a:t>the</a:t>
-            </a:r>
-            <a:r>
-              <a:rPr lang="de-DE" sz="2000" dirty="0" smtClean="0">
-                <a:solidFill>
-                  <a:schemeClr val="bg1"/>
-                </a:solidFill>
-              </a:rPr>
-              <a:t> </a:t>
-            </a:r>
-            <a:r>
-              <a:rPr lang="de-DE" sz="2000" dirty="0" err="1" smtClean="0">
-                <a:solidFill>
-                  <a:schemeClr val="bg1"/>
-                </a:solidFill>
-              </a:rPr>
-              <a:t>game</a:t>
-            </a:r>
-            <a:r>
-              <a:rPr lang="de-DE" sz="2000" dirty="0" smtClean="0">
-                <a:solidFill>
-                  <a:schemeClr val="bg1"/>
-                </a:solidFill>
-              </a:rPr>
-              <a:t> </a:t>
-            </a:r>
-            <a:r>
-              <a:rPr lang="de-DE" sz="2000" dirty="0" err="1" smtClean="0">
-                <a:solidFill>
-                  <a:schemeClr val="bg1"/>
-                </a:solidFill>
-              </a:rPr>
-              <a:t>handler</a:t>
-            </a:r>
-            <a:endParaRPr lang="de-DE" sz="2000" dirty="0" smtClean="0">
+            <a:pPr marL="0" indent="0">
+              <a:buNone/>
+            </a:pPr>
+            <a:endParaRPr lang="en-US" sz="2000" noProof="0" dirty="0" smtClean="0">
               <a:solidFill>
                 <a:schemeClr val="bg1"/>
               </a:solidFill>
             </a:endParaRPr>
           </a:p>
           <a:p>
-            <a:endParaRPr lang="de-DE" sz="2000" dirty="0">
-              <a:solidFill>
-                <a:schemeClr val="bg1"/>
-              </a:solidFill>
-            </a:endParaRPr>
-          </a:p>
-          <a:p>
-            <a:pPr marL="0" indent="0">
-              <a:buNone/>
-            </a:pPr>
-            <a:endParaRPr lang="de-DE" sz="2000" dirty="0" smtClean="0">
-              <a:solidFill>
-                <a:schemeClr val="bg1"/>
-              </a:solidFill>
-            </a:endParaRPr>
-          </a:p>
-          <a:p>
-            <a:r>
-              <a:rPr lang="de-DE" sz="2000" dirty="0" err="1" smtClean="0">
-                <a:solidFill>
-                  <a:schemeClr val="bg1"/>
-                </a:solidFill>
-              </a:rPr>
-              <a:t>Uses</a:t>
-            </a:r>
-            <a:r>
-              <a:rPr lang="de-DE" sz="2000" dirty="0" smtClean="0">
-                <a:solidFill>
-                  <a:schemeClr val="bg1"/>
-                </a:solidFill>
-              </a:rPr>
-              <a:t> </a:t>
-            </a:r>
-            <a:r>
-              <a:rPr lang="de-DE" sz="2000" dirty="0" err="1">
-                <a:solidFill>
-                  <a:schemeClr val="bg1"/>
-                </a:solidFill>
-              </a:rPr>
-              <a:t>backlog</a:t>
-            </a:r>
-            <a:r>
-              <a:rPr lang="de-DE" sz="2000" dirty="0">
-                <a:solidFill>
-                  <a:schemeClr val="bg1"/>
-                </a:solidFill>
-              </a:rPr>
-              <a:t> </a:t>
-            </a:r>
-            <a:r>
-              <a:rPr lang="de-DE" sz="2000" dirty="0" err="1">
-                <a:solidFill>
-                  <a:schemeClr val="bg1"/>
-                </a:solidFill>
-              </a:rPr>
-              <a:t>to</a:t>
-            </a:r>
-            <a:r>
-              <a:rPr lang="de-DE" sz="2000" dirty="0">
-                <a:solidFill>
-                  <a:schemeClr val="bg1"/>
-                </a:solidFill>
-              </a:rPr>
-              <a:t> </a:t>
-            </a:r>
-            <a:r>
-              <a:rPr lang="de-DE" sz="2000" dirty="0" err="1">
-                <a:solidFill>
-                  <a:schemeClr val="bg1"/>
-                </a:solidFill>
-              </a:rPr>
-              <a:t>write</a:t>
-            </a:r>
-            <a:r>
-              <a:rPr lang="de-DE" sz="2000" dirty="0">
-                <a:solidFill>
-                  <a:schemeClr val="bg1"/>
-                </a:solidFill>
-              </a:rPr>
-              <a:t> out </a:t>
-            </a:r>
-            <a:r>
-              <a:rPr lang="de-DE" sz="2000" dirty="0" err="1" smtClean="0">
-                <a:solidFill>
-                  <a:schemeClr val="bg1"/>
-                </a:solidFill>
-              </a:rPr>
-              <a:t>to</a:t>
-            </a:r>
-            <a:r>
-              <a:rPr lang="de-DE" sz="2000" dirty="0" smtClean="0">
-                <a:solidFill>
-                  <a:schemeClr val="bg1"/>
-                </a:solidFill>
-              </a:rPr>
-              <a:t> a </a:t>
-            </a:r>
-            <a:r>
-              <a:rPr lang="de-DE" sz="2000" dirty="0" err="1">
-                <a:solidFill>
-                  <a:schemeClr val="bg1"/>
-                </a:solidFill>
-              </a:rPr>
-              <a:t>file</a:t>
-            </a:r>
-            <a:r>
-              <a:rPr lang="de-DE" sz="2000" dirty="0">
-                <a:solidFill>
-                  <a:schemeClr val="bg1"/>
-                </a:solidFill>
-              </a:rPr>
-              <a:t> </a:t>
-            </a:r>
-            <a:r>
-              <a:rPr lang="de-DE" sz="2000" dirty="0" err="1">
-                <a:solidFill>
-                  <a:schemeClr val="bg1"/>
-                </a:solidFill>
-              </a:rPr>
-              <a:t>and</a:t>
-            </a:r>
-            <a:r>
-              <a:rPr lang="de-DE" sz="2000" dirty="0">
-                <a:solidFill>
-                  <a:schemeClr val="bg1"/>
-                </a:solidFill>
-              </a:rPr>
-              <a:t> </a:t>
-            </a:r>
-            <a:r>
-              <a:rPr lang="de-DE" sz="2000" dirty="0" err="1">
-                <a:solidFill>
-                  <a:schemeClr val="bg1"/>
-                </a:solidFill>
-              </a:rPr>
-              <a:t>the</a:t>
-            </a:r>
-            <a:r>
-              <a:rPr lang="de-DE" sz="2000" dirty="0">
-                <a:solidFill>
-                  <a:schemeClr val="bg1"/>
-                </a:solidFill>
-              </a:rPr>
-              <a:t> </a:t>
-            </a:r>
-            <a:r>
-              <a:rPr lang="de-DE" sz="2000" dirty="0" err="1" smtClean="0">
-                <a:solidFill>
-                  <a:schemeClr val="bg1"/>
-                </a:solidFill>
-              </a:rPr>
-              <a:t>console</a:t>
-            </a:r>
-            <a:r>
-              <a:rPr lang="de-DE" sz="2000" dirty="0" smtClean="0">
-                <a:solidFill>
-                  <a:schemeClr val="bg1"/>
-                </a:solidFill>
-              </a:rPr>
-              <a:t> (logback.xml </a:t>
-            </a:r>
-            <a:r>
-              <a:rPr lang="de-DE" sz="2000" dirty="0" err="1" smtClean="0">
-                <a:solidFill>
-                  <a:schemeClr val="bg1"/>
-                </a:solidFill>
-              </a:rPr>
-              <a:t>example</a:t>
-            </a:r>
-            <a:r>
-              <a:rPr lang="de-DE" sz="2000" dirty="0" smtClean="0">
-                <a:solidFill>
-                  <a:schemeClr val="bg1"/>
-                </a:solidFill>
-              </a:rPr>
-              <a:t>)</a:t>
-            </a:r>
-            <a:endParaRPr lang="de-DE" sz="2000" dirty="0">
+            <a:r>
+              <a:rPr lang="en-US" sz="2000" noProof="0" dirty="0" smtClean="0">
+                <a:solidFill>
+                  <a:schemeClr val="bg1"/>
+                </a:solidFill>
+              </a:rPr>
+              <a:t>Uses backlog to write out to a file and the console (logback.xml example)</a:t>
+            </a:r>
+            <a:endParaRPr lang="en-US" sz="2000" noProof="0" dirty="0">
               <a:solidFill>
                 <a:schemeClr val="bg1"/>
               </a:solidFill>
@@ -6814,14 +6039,14 @@
           <a:p>
             <a:pPr algn="ctr"/>
             <a:r>
-              <a:rPr lang="de-DE" dirty="0" smtClean="0">
+              <a:rPr lang="en-US" noProof="0" dirty="0" smtClean="0">
                 <a:solidFill>
                   <a:schemeClr val="bg1"/>
                 </a:solidFill>
               </a:rPr>
               <a:t>GUI Development</a:t>
             </a:r>
-            <a:endParaRPr lang="de-DE" dirty="0">
+            <a:endParaRPr lang="en-US" noProof="0" dirty="0">
               <a:solidFill>
                 <a:schemeClr val="bg1"/>
               </a:solidFill>
@@ -6871,425 +6096,68 @@
           <a:lstStyle/>
           <a:p>
             <a:r>
-              <a:rPr lang="de-DE" dirty="0" err="1" smtClean="0">
-                <a:solidFill>
-                  <a:schemeClr val="bg1"/>
-                </a:solidFill>
-              </a:rPr>
-              <a:t>Uses</a:t>
-            </a:r>
-            <a:r>
-              <a:rPr lang="de-DE" dirty="0" smtClean="0">
-                <a:solidFill>
-                  <a:schemeClr val="bg1"/>
-                </a:solidFill>
-              </a:rPr>
-              <a:t> </a:t>
-            </a:r>
-            <a:r>
-              <a:rPr lang="de-DE" dirty="0" err="1">
-                <a:solidFill>
-                  <a:schemeClr val="bg1"/>
-                </a:solidFill>
-              </a:rPr>
-              <a:t>S</a:t>
-            </a:r>
-            <a:r>
-              <a:rPr lang="de-DE" dirty="0" err="1" smtClean="0">
-                <a:solidFill>
-                  <a:schemeClr val="bg1"/>
-                </a:solidFill>
-              </a:rPr>
-              <a:t>calaFX</a:t>
-            </a:r>
-            <a:r>
-              <a:rPr lang="de-DE" dirty="0" smtClean="0">
-                <a:solidFill>
-                  <a:schemeClr val="bg1"/>
-                </a:solidFill>
-              </a:rPr>
-              <a:t> </a:t>
-            </a:r>
-            <a:r>
-              <a:rPr lang="de-DE" dirty="0" err="1" smtClean="0">
-                <a:solidFill>
-                  <a:schemeClr val="bg1"/>
-                </a:solidFill>
-              </a:rPr>
-              <a:t>merged</a:t>
-            </a:r>
-            <a:r>
-              <a:rPr lang="de-DE" dirty="0" smtClean="0">
-                <a:solidFill>
-                  <a:schemeClr val="bg1"/>
-                </a:solidFill>
-              </a:rPr>
-              <a:t> </a:t>
-            </a:r>
-            <a:r>
-              <a:rPr lang="de-DE" dirty="0" err="1" smtClean="0">
-                <a:solidFill>
-                  <a:schemeClr val="bg1"/>
-                </a:solidFill>
-              </a:rPr>
-              <a:t>into</a:t>
-            </a:r>
-            <a:r>
-              <a:rPr lang="de-DE" dirty="0" smtClean="0">
-                <a:solidFill>
-                  <a:schemeClr val="bg1"/>
-                </a:solidFill>
-              </a:rPr>
-              <a:t> a swing </a:t>
-            </a:r>
-            <a:r>
-              <a:rPr lang="de-DE" dirty="0" err="1" smtClean="0">
-                <a:solidFill>
-                  <a:schemeClr val="bg1"/>
-                </a:solidFill>
-              </a:rPr>
-              <a:t>frame</a:t>
-            </a:r>
-            <a:endParaRPr lang="de-DE" dirty="0" smtClean="0">
+              <a:rPr lang="en-US" noProof="0" dirty="0" smtClean="0">
+                <a:solidFill>
+                  <a:schemeClr val="bg1"/>
+                </a:solidFill>
+              </a:rPr>
+              <a:t>Uses ScalaFX (Panel) merged into a swing frame for non-blocking</a:t>
+            </a:r>
+          </a:p>
+          <a:p>
+            <a:r>
+              <a:rPr lang="en-US" noProof="0" dirty="0" smtClean="0">
+                <a:solidFill>
+                  <a:schemeClr val="bg1"/>
+                </a:solidFill>
+              </a:rPr>
+              <a:t>Forced us to make sure methods run in the FX Application Thread</a:t>
+            </a:r>
+          </a:p>
+          <a:p>
+            <a:r>
+              <a:rPr lang="en-US" noProof="0" dirty="0" smtClean="0">
+                <a:solidFill>
+                  <a:schemeClr val="bg1"/>
+                </a:solidFill>
+              </a:rPr>
+              <a:t>Affects TUI (obviously)</a:t>
+            </a:r>
+          </a:p>
+          <a:p>
+            <a:r>
+              <a:rPr lang="en-US" noProof="0" dirty="0" smtClean="0">
+                <a:solidFill>
+                  <a:schemeClr val="bg1"/>
+                </a:solidFill>
+              </a:rPr>
+              <a:t>ScalaFX offers awesome Properties that can be bound like that:</a:t>
+            </a:r>
+            <a:br>
+              <a:rPr lang="en-US" noProof="0" dirty="0" smtClean="0">
+                <a:solidFill>
+                  <a:schemeClr val="bg1"/>
+                </a:solidFill>
+              </a:rPr>
+            </a:br>
+            <a:r>
+              <a:rPr lang="en-US" noProof="0" dirty="0" smtClean="0">
+                <a:solidFill>
+                  <a:schemeClr val="bg1"/>
+                </a:solidFill>
+              </a:rPr>
+              <a:t>Something &lt;== Property()</a:t>
+            </a:r>
+          </a:p>
+          <a:p>
+            <a:endParaRPr lang="en-US" noProof="0" dirty="0" smtClean="0">
               <a:solidFill>
                 <a:schemeClr val="bg1"/>
               </a:solidFill>
             </a:endParaRPr>
           </a:p>
           <a:p>
-            <a:r>
-              <a:rPr lang="de-DE" dirty="0" err="1" smtClean="0">
-                <a:solidFill>
-                  <a:schemeClr val="bg1"/>
-                </a:solidFill>
-              </a:rPr>
-              <a:t>Forced</a:t>
-            </a:r>
-            <a:r>
-              <a:rPr lang="de-DE" dirty="0" smtClean="0">
-                <a:solidFill>
-                  <a:schemeClr val="bg1"/>
-                </a:solidFill>
-              </a:rPr>
-              <a:t> </a:t>
-            </a:r>
-            <a:r>
-              <a:rPr lang="de-DE" dirty="0" err="1" smtClean="0">
-                <a:solidFill>
-                  <a:schemeClr val="bg1"/>
-                </a:solidFill>
-              </a:rPr>
-              <a:t>us</a:t>
-            </a:r>
-            <a:r>
-              <a:rPr lang="de-DE" dirty="0" smtClean="0">
-                <a:solidFill>
-                  <a:schemeClr val="bg1"/>
-                </a:solidFill>
-              </a:rPr>
-              <a:t> </a:t>
-            </a:r>
-            <a:r>
-              <a:rPr lang="de-DE" dirty="0" err="1" smtClean="0">
-                <a:solidFill>
-                  <a:schemeClr val="bg1"/>
-                </a:solidFill>
-              </a:rPr>
-              <a:t>to</a:t>
-            </a:r>
-            <a:r>
-              <a:rPr lang="de-DE" dirty="0" smtClean="0">
-                <a:solidFill>
-                  <a:schemeClr val="bg1"/>
-                </a:solidFill>
-              </a:rPr>
-              <a:t> </a:t>
-            </a:r>
-            <a:r>
-              <a:rPr lang="de-DE" dirty="0" err="1" smtClean="0">
-                <a:solidFill>
-                  <a:schemeClr val="bg1"/>
-                </a:solidFill>
-              </a:rPr>
-              <a:t>make</a:t>
-            </a:r>
-            <a:r>
-              <a:rPr lang="de-DE" dirty="0" smtClean="0">
-                <a:solidFill>
-                  <a:schemeClr val="bg1"/>
-                </a:solidFill>
-              </a:rPr>
-              <a:t> </a:t>
-            </a:r>
-            <a:r>
-              <a:rPr lang="de-DE" dirty="0" err="1" smtClean="0">
-                <a:solidFill>
-                  <a:schemeClr val="bg1"/>
-                </a:solidFill>
-              </a:rPr>
-              <a:t>sure</a:t>
-            </a:r>
-            <a:r>
-              <a:rPr lang="de-DE" dirty="0" smtClean="0">
-                <a:solidFill>
-                  <a:schemeClr val="bg1"/>
-                </a:solidFill>
-              </a:rPr>
-              <a:t> </a:t>
-            </a:r>
-            <a:r>
-              <a:rPr lang="de-DE" dirty="0" err="1" smtClean="0">
-                <a:solidFill>
-                  <a:schemeClr val="bg1"/>
-                </a:solidFill>
-              </a:rPr>
-              <a:t>methods</a:t>
-            </a:r>
-            <a:r>
-              <a:rPr lang="de-DE" dirty="0" smtClean="0">
-                <a:solidFill>
-                  <a:schemeClr val="bg1"/>
-                </a:solidFill>
-              </a:rPr>
-              <a:t> </a:t>
-            </a:r>
-            <a:r>
-              <a:rPr lang="de-DE" dirty="0" err="1" smtClean="0">
-                <a:solidFill>
-                  <a:schemeClr val="bg1"/>
-                </a:solidFill>
-              </a:rPr>
-              <a:t>run</a:t>
-            </a:r>
-            <a:r>
-              <a:rPr lang="de-DE" dirty="0" smtClean="0">
-                <a:solidFill>
-                  <a:schemeClr val="bg1"/>
-                </a:solidFill>
-              </a:rPr>
-              <a:t> in </a:t>
-            </a:r>
-            <a:r>
-              <a:rPr lang="de-DE" dirty="0" err="1" smtClean="0">
-                <a:solidFill>
-                  <a:schemeClr val="bg1"/>
-                </a:solidFill>
-              </a:rPr>
-              <a:t>the</a:t>
-            </a:r>
-            <a:r>
-              <a:rPr lang="de-DE" dirty="0" smtClean="0">
-                <a:solidFill>
-                  <a:schemeClr val="bg1"/>
-                </a:solidFill>
-              </a:rPr>
-              <a:t> FX </a:t>
-            </a:r>
-            <a:r>
-              <a:rPr lang="de-DE" dirty="0" err="1" smtClean="0">
-                <a:solidFill>
-                  <a:schemeClr val="bg1"/>
-                </a:solidFill>
-              </a:rPr>
-              <a:t>Application</a:t>
-            </a:r>
-            <a:r>
-              <a:rPr lang="de-DE" dirty="0" smtClean="0">
-                <a:solidFill>
-                  <a:schemeClr val="bg1"/>
-                </a:solidFill>
-              </a:rPr>
-              <a:t> Thread</a:t>
-            </a:r>
-          </a:p>
-          <a:p>
-            <a:r>
-              <a:rPr lang="de-DE" dirty="0" err="1" smtClean="0">
-                <a:solidFill>
-                  <a:schemeClr val="bg1"/>
-                </a:solidFill>
-              </a:rPr>
-              <a:t>Affects</a:t>
-            </a:r>
-            <a:r>
-              <a:rPr lang="de-DE" dirty="0" smtClean="0">
-                <a:solidFill>
-                  <a:schemeClr val="bg1"/>
-                </a:solidFill>
-              </a:rPr>
-              <a:t> TUI (</a:t>
-            </a:r>
-            <a:r>
-              <a:rPr lang="de-DE" dirty="0" err="1" smtClean="0">
-                <a:solidFill>
-                  <a:schemeClr val="bg1"/>
-                </a:solidFill>
-              </a:rPr>
-              <a:t>obviously</a:t>
-            </a:r>
-            <a:r>
-              <a:rPr lang="de-DE" dirty="0" smtClean="0">
-                <a:solidFill>
-                  <a:schemeClr val="bg1"/>
-                </a:solidFill>
-              </a:rPr>
-              <a:t>)</a:t>
-            </a:r>
-          </a:p>
-          <a:p>
-            <a:r>
-              <a:rPr lang="de-DE" dirty="0" err="1" smtClean="0">
-                <a:solidFill>
-                  <a:schemeClr val="bg1"/>
-                </a:solidFill>
-              </a:rPr>
-              <a:t>ScalaFX</a:t>
-            </a:r>
-            <a:r>
-              <a:rPr lang="de-DE" dirty="0" smtClean="0">
-                <a:solidFill>
-                  <a:schemeClr val="bg1"/>
-                </a:solidFill>
-              </a:rPr>
-              <a:t> </a:t>
-            </a:r>
-            <a:r>
-              <a:rPr lang="de-DE" dirty="0" err="1" smtClean="0">
-                <a:solidFill>
-                  <a:schemeClr val="bg1"/>
-                </a:solidFill>
-              </a:rPr>
-              <a:t>offers</a:t>
-            </a:r>
-            <a:r>
-              <a:rPr lang="de-DE" dirty="0" smtClean="0">
-                <a:solidFill>
-                  <a:schemeClr val="bg1"/>
-                </a:solidFill>
-              </a:rPr>
-              <a:t> </a:t>
-            </a:r>
-            <a:r>
-              <a:rPr lang="de-DE" dirty="0" err="1" smtClean="0">
-                <a:solidFill>
-                  <a:schemeClr val="bg1"/>
-                </a:solidFill>
-              </a:rPr>
-              <a:t>awesome</a:t>
-            </a:r>
-            <a:r>
-              <a:rPr lang="de-DE" dirty="0" smtClean="0">
-                <a:solidFill>
-                  <a:schemeClr val="bg1"/>
-                </a:solidFill>
-              </a:rPr>
-              <a:t> Properties </a:t>
-            </a:r>
-            <a:r>
-              <a:rPr lang="de-DE" dirty="0" err="1" smtClean="0">
-                <a:solidFill>
-                  <a:schemeClr val="bg1"/>
-                </a:solidFill>
-              </a:rPr>
-              <a:t>that</a:t>
-            </a:r>
-            <a:r>
-              <a:rPr lang="de-DE" dirty="0" smtClean="0">
-                <a:solidFill>
-                  <a:schemeClr val="bg1"/>
-                </a:solidFill>
-              </a:rPr>
-              <a:t> </a:t>
-            </a:r>
-            <a:r>
-              <a:rPr lang="de-DE" dirty="0" err="1" smtClean="0">
-                <a:solidFill>
-                  <a:schemeClr val="bg1"/>
-                </a:solidFill>
-              </a:rPr>
-              <a:t>can</a:t>
-            </a:r>
-            <a:r>
-              <a:rPr lang="de-DE" dirty="0" smtClean="0">
-                <a:solidFill>
-                  <a:schemeClr val="bg1"/>
-                </a:solidFill>
-              </a:rPr>
-              <a:t> </a:t>
-            </a:r>
-            <a:r>
-              <a:rPr lang="de-DE" dirty="0" err="1" smtClean="0">
-                <a:solidFill>
-                  <a:schemeClr val="bg1"/>
-                </a:solidFill>
-              </a:rPr>
-              <a:t>be</a:t>
-            </a:r>
-            <a:r>
-              <a:rPr lang="de-DE" dirty="0" smtClean="0">
-                <a:solidFill>
-                  <a:schemeClr val="bg1"/>
-                </a:solidFill>
-              </a:rPr>
-              <a:t> </a:t>
-            </a:r>
-            <a:r>
-              <a:rPr lang="de-DE" dirty="0" err="1" smtClean="0">
-                <a:solidFill>
-                  <a:schemeClr val="bg1"/>
-                </a:solidFill>
-              </a:rPr>
-              <a:t>bound</a:t>
-            </a:r>
-            <a:r>
-              <a:rPr lang="de-DE" dirty="0" smtClean="0">
-                <a:solidFill>
-                  <a:schemeClr val="bg1"/>
-                </a:solidFill>
-              </a:rPr>
-              <a:t> like </a:t>
-            </a:r>
-            <a:r>
-              <a:rPr lang="de-DE" dirty="0" err="1" smtClean="0">
-                <a:solidFill>
-                  <a:schemeClr val="bg1"/>
-                </a:solidFill>
-              </a:rPr>
-              <a:t>that</a:t>
-            </a:r>
-            <a:r>
-              <a:rPr lang="de-DE" dirty="0" smtClean="0">
-                <a:solidFill>
-                  <a:schemeClr val="bg1"/>
-                </a:solidFill>
-              </a:rPr>
-              <a:t>:</a:t>
-            </a:r>
-            <a:br>
-              <a:rPr lang="de-DE" dirty="0" smtClean="0">
-                <a:solidFill>
-                  <a:schemeClr val="bg1"/>
-                </a:solidFill>
-              </a:rPr>
-            </a:br>
-            <a:r>
-              <a:rPr lang="de-DE" dirty="0" smtClean="0">
-                <a:solidFill>
-                  <a:schemeClr val="bg1"/>
-                </a:solidFill>
-              </a:rPr>
-              <a:t>Something &lt;== Property()</a:t>
-            </a:r>
-          </a:p>
-          <a:p>
-            <a:endParaRPr lang="de-DE" dirty="0">
-              <a:solidFill>
-                <a:schemeClr val="bg1"/>
-              </a:solidFill>
-            </a:endParaRPr>
-          </a:p>
-          <a:p>
-            <a:endParaRPr lang="de-DE" dirty="0"/>
+            <a:endParaRPr lang="en-US" noProof="0" dirty="0"/>
           </a:p>
         </p:txBody>
       </p:sp>
@@ -7419,22 +6287,14 @@
           <a:p>
             <a:pPr algn="ctr"/>
             <a:r>
-              <a:rPr lang="de-DE" dirty="0" smtClean="0">
-                <a:solidFill>
-                  <a:schemeClr val="bg1"/>
-                </a:solidFill>
-              </a:rPr>
-              <a:t>Model-View-Controller </a:t>
-            </a:r>
-            <a:r>
-              <a:rPr lang="de-DE" dirty="0" err="1" smtClean="0">
-                <a:solidFill>
-                  <a:schemeClr val="bg1"/>
-                </a:solidFill>
-              </a:rPr>
-              <a:t>Architecture</a:t>
-            </a:r>
-            <a:endParaRPr lang="de-DE" dirty="0">
+              <a:rPr lang="en-US" noProof="0" dirty="0" smtClean="0">
+                <a:solidFill>
+                  <a:schemeClr val="bg1"/>
+                </a:solidFill>
+              </a:rPr>
+              <a:t>Model-View-Controller Architecture</a:t>
+            </a:r>
+            <a:endParaRPr lang="en-US" noProof="0" dirty="0">
               <a:solidFill>
                 <a:schemeClr val="bg1"/>
               </a:solidFill>
@@ -7458,7 +6318,7 @@
           <a:lstStyle/>
           <a:p>
             <a:r>
-              <a:rPr lang="de-DE" sz="1800" dirty="0" err="1" smtClean="0">
+              <a:rPr lang="en-US" sz="1800" noProof="0" dirty="0" err="1" smtClean="0">
                 <a:solidFill>
                   <a:schemeClr val="bg1"/>
                 </a:solidFill>
@@ -7466,7 +6326,7 @@
               <a:t>environmentController</a:t>
             </a:r>
             <a:r>
-              <a:rPr lang="de-DE" sz="1800" dirty="0" smtClean="0">
+              <a:rPr lang="en-US" sz="1800" noProof="0" dirty="0" smtClean="0">
                 <a:solidFill>
                   <a:schemeClr val="bg1"/>
                 </a:solidFill>
@@ -7477,7 +6337,7 @@
           <a:p>
             <a:pPr lvl="1"/>
             <a:r>
-              <a:rPr lang="de-DE" sz="1800" dirty="0" smtClean="0">
+              <a:rPr lang="en-US" sz="1800" noProof="0" dirty="0" smtClean="0">
                 <a:solidFill>
                   <a:schemeClr val="bg1"/>
                 </a:solidFill>
@@ -7487,7 +6347,7 @@
           </a:p>
           <a:p>
             <a:r>
-              <a:rPr lang="de-DE" sz="1800" dirty="0" err="1" smtClean="0">
+              <a:rPr lang="en-US" sz="1800" noProof="0" dirty="0" err="1" smtClean="0">
                 <a:solidFill>
                   <a:schemeClr val="bg1"/>
                 </a:solidFill>
@@ -7495,7 +6355,7 @@
               <a:t>gameController</a:t>
             </a:r>
             <a:r>
-              <a:rPr lang="de-DE" sz="1800" dirty="0" smtClean="0">
+              <a:rPr lang="en-US" sz="1800" noProof="0" dirty="0" smtClean="0">
                 <a:solidFill>
                   <a:schemeClr val="bg1"/>
                 </a:solidFill>
@@ -7506,356 +6366,106 @@
           <a:p>
             <a:pPr lvl="1"/>
             <a:r>
-              <a:rPr lang="de-DE" sz="1800" dirty="0" err="1" smtClean="0">
-                <a:solidFill>
-                  <a:schemeClr val="bg1"/>
-                </a:solidFill>
-              </a:rPr>
-              <a:t>controls</a:t>
-            </a:r>
-            <a:r>
-              <a:rPr lang="de-DE" sz="1800" dirty="0" smtClean="0">
-                <a:solidFill>
-                  <a:schemeClr val="bg1"/>
-                </a:solidFill>
-              </a:rPr>
-              <a:t> </a:t>
-            </a:r>
-            <a:r>
-              <a:rPr lang="de-DE" sz="1800" dirty="0" err="1" smtClean="0">
-                <a:solidFill>
-                  <a:schemeClr val="bg1"/>
-                </a:solidFill>
-              </a:rPr>
-              <a:t>game</a:t>
-            </a:r>
-            <a:r>
-              <a:rPr lang="de-DE" sz="1800" dirty="0" smtClean="0">
-                <a:solidFill>
-                  <a:schemeClr val="bg1"/>
-                </a:solidFill>
-              </a:rPr>
-              <a:t> </a:t>
-            </a:r>
-            <a:r>
-              <a:rPr lang="de-DE" sz="1800" dirty="0" err="1" smtClean="0">
-                <a:solidFill>
-                  <a:schemeClr val="bg1"/>
-                </a:solidFill>
-              </a:rPr>
-              <a:t>states</a:t>
-            </a:r>
-            <a:endParaRPr lang="de-DE" sz="1800" dirty="0">
+              <a:rPr lang="en-US" sz="1800" noProof="0" dirty="0" smtClean="0">
+                <a:solidFill>
+                  <a:schemeClr val="bg1"/>
+                </a:solidFill>
+              </a:rPr>
+              <a:t>controls game states</a:t>
+            </a:r>
+          </a:p>
+          <a:p>
+            <a:pPr lvl="1"/>
+            <a:r>
+              <a:rPr lang="en-US" sz="1800" noProof="0" dirty="0" smtClean="0">
+                <a:solidFill>
+                  <a:schemeClr val="bg1"/>
+                </a:solidFill>
+              </a:rPr>
+              <a:t>publish events</a:t>
+            </a:r>
+          </a:p>
+          <a:p>
+            <a:r>
+              <a:rPr lang="en-US" sz="1800" noProof="0" dirty="0" err="1" smtClean="0">
+                <a:solidFill>
+                  <a:schemeClr val="bg1"/>
+                </a:solidFill>
+              </a:rPr>
+              <a:t>languageController</a:t>
+            </a:r>
+            <a:r>
+              <a:rPr lang="en-US" sz="1800" noProof="0" dirty="0" smtClean="0">
+                <a:solidFill>
+                  <a:schemeClr val="bg1"/>
+                </a:solidFill>
+              </a:rPr>
+              <a:t>:</a:t>
+            </a:r>
+          </a:p>
+          <a:p>
+            <a:pPr lvl="1"/>
+            <a:r>
+              <a:rPr lang="en-US" sz="1800" noProof="0" dirty="0" smtClean="0">
+                <a:solidFill>
+                  <a:schemeClr val="bg1"/>
+                </a:solidFill>
+              </a:rPr>
+              <a:t>controls translations for </a:t>
+            </a:r>
+            <a:r>
+              <a:rPr lang="en-US" sz="1800" noProof="0" dirty="0" err="1" smtClean="0">
+                <a:solidFill>
+                  <a:schemeClr val="bg1"/>
+                </a:solidFill>
+              </a:rPr>
+              <a:t>german</a:t>
+            </a:r>
+            <a:r>
+              <a:rPr lang="en-US" sz="1800" noProof="0" dirty="0" smtClean="0">
+                <a:solidFill>
+                  <a:schemeClr val="bg1"/>
+                </a:solidFill>
+              </a:rPr>
+              <a:t>/</a:t>
+            </a:r>
+            <a:r>
+              <a:rPr lang="en-US" sz="1800" noProof="0" dirty="0" err="1" smtClean="0">
+                <a:solidFill>
+                  <a:schemeClr val="bg1"/>
+                </a:solidFill>
+              </a:rPr>
+              <a:t>english</a:t>
+            </a:r>
+            <a:endParaRPr lang="en-US" sz="1800" noProof="0" dirty="0" smtClean="0">
               <a:solidFill>
                 <a:schemeClr val="bg1"/>
               </a:solidFill>
             </a:endParaRPr>
           </a:p>
           <a:p>
-            <a:pPr lvl="1"/>
-            <a:r>
-              <a:rPr lang="de-DE" sz="1800" dirty="0" err="1" smtClean="0">
-                <a:solidFill>
-                  <a:schemeClr val="bg1"/>
-                </a:solidFill>
-              </a:rPr>
-              <a:t>publish</a:t>
-            </a:r>
-            <a:r>
-              <a:rPr lang="de-DE" sz="1800" dirty="0" smtClean="0">
-                <a:solidFill>
-                  <a:schemeClr val="bg1"/>
-                </a:solidFill>
-              </a:rPr>
-              <a:t> </a:t>
-            </a:r>
-            <a:r>
-              <a:rPr lang="de-DE" sz="1800" dirty="0" err="1" smtClean="0">
-                <a:solidFill>
-                  <a:schemeClr val="bg1"/>
-                </a:solidFill>
-              </a:rPr>
-              <a:t>events</a:t>
-            </a:r>
-            <a:endParaRPr lang="de-DE" sz="1800" dirty="0" smtClean="0">
-              <a:solidFill>
-                <a:schemeClr val="bg1"/>
-              </a:solidFill>
-            </a:endParaRPr>
-          </a:p>
-          <a:p>
-            <a:r>
-              <a:rPr lang="de-DE" sz="1800" dirty="0" err="1" smtClean="0">
-                <a:solidFill>
-                  <a:schemeClr val="bg1"/>
-                </a:solidFill>
-              </a:rPr>
-              <a:t>languageController</a:t>
-            </a:r>
-            <a:r>
-              <a:rPr lang="de-DE" sz="1800" dirty="0" smtClean="0">
-                <a:solidFill>
-                  <a:schemeClr val="bg1"/>
-                </a:solidFill>
-              </a:rPr>
-              <a:t>:</a:t>
-            </a:r>
-          </a:p>
-          <a:p>
-            <a:pPr lvl="1"/>
-            <a:r>
-              <a:rPr lang="de-DE" sz="1800" dirty="0" err="1">
-                <a:solidFill>
-                  <a:schemeClr val="bg1"/>
-                </a:solidFill>
-              </a:rPr>
-              <a:t>c</a:t>
-            </a:r>
-            <a:r>
-              <a:rPr lang="de-DE" sz="1800" dirty="0" err="1" smtClean="0">
-                <a:solidFill>
-                  <a:schemeClr val="bg1"/>
-                </a:solidFill>
-              </a:rPr>
-              <a:t>ontrols</a:t>
-            </a:r>
-            <a:r>
-              <a:rPr lang="de-DE" sz="1800" dirty="0" smtClean="0">
-                <a:solidFill>
-                  <a:schemeClr val="bg1"/>
-                </a:solidFill>
-              </a:rPr>
-              <a:t> </a:t>
-            </a:r>
-            <a:r>
-              <a:rPr lang="de-DE" sz="1800" dirty="0" err="1" smtClean="0">
-                <a:solidFill>
-                  <a:schemeClr val="bg1"/>
-                </a:solidFill>
-              </a:rPr>
-              <a:t>translations</a:t>
-            </a:r>
-            <a:r>
-              <a:rPr lang="de-DE" sz="1800" dirty="0" smtClean="0">
-                <a:solidFill>
-                  <a:schemeClr val="bg1"/>
-                </a:solidFill>
-              </a:rPr>
-              <a:t> Ger/Eng</a:t>
-            </a:r>
-          </a:p>
-          <a:p>
-            <a:r>
-              <a:rPr lang="de-DE" sz="1800" dirty="0" smtClean="0">
-                <a:solidFill>
-                  <a:schemeClr val="bg1"/>
-                </a:solidFill>
-              </a:rPr>
-              <a:t>Model </a:t>
-            </a:r>
-            <a:r>
-              <a:rPr lang="de-DE" sz="1800" dirty="0" err="1" smtClean="0">
-                <a:solidFill>
-                  <a:schemeClr val="bg1"/>
-                </a:solidFill>
-              </a:rPr>
-              <a:t>contains</a:t>
-            </a:r>
-            <a:r>
-              <a:rPr lang="de-DE" sz="1800" dirty="0">
-                <a:solidFill>
-                  <a:schemeClr val="bg1"/>
-                </a:solidFill>
-              </a:rPr>
-              <a:t> </a:t>
-            </a:r>
-            <a:r>
-              <a:rPr lang="de-DE" sz="1800" dirty="0" err="1" smtClean="0">
-                <a:solidFill>
-                  <a:schemeClr val="bg1"/>
-                </a:solidFill>
-              </a:rPr>
-              <a:t>languages</a:t>
-            </a:r>
-            <a:r>
-              <a:rPr lang="de-DE" sz="1800" dirty="0" smtClean="0">
-                <a:solidFill>
-                  <a:schemeClr val="bg1"/>
-                </a:solidFill>
-              </a:rPr>
-              <a:t>, </a:t>
-            </a:r>
-            <a:r>
-              <a:rPr lang="de-DE" sz="1800" dirty="0" err="1" smtClean="0">
-                <a:solidFill>
-                  <a:schemeClr val="bg1"/>
-                </a:solidFill>
-              </a:rPr>
-              <a:t>card</a:t>
-            </a:r>
-            <a:r>
-              <a:rPr lang="de-DE" sz="1800" dirty="0" smtClean="0">
-                <a:solidFill>
-                  <a:schemeClr val="bg1"/>
-                </a:solidFill>
-              </a:rPr>
-              <a:t> </a:t>
-            </a:r>
-            <a:r>
-              <a:rPr lang="de-DE" sz="1800" dirty="0" err="1" smtClean="0">
-                <a:solidFill>
-                  <a:schemeClr val="bg1"/>
-                </a:solidFill>
-              </a:rPr>
-              <a:t>structure</a:t>
-            </a:r>
-            <a:r>
-              <a:rPr lang="de-DE" sz="1800" dirty="0" smtClean="0">
-                <a:solidFill>
-                  <a:schemeClr val="bg1"/>
-                </a:solidFill>
-              </a:rPr>
-              <a:t>, deck </a:t>
-            </a:r>
-            <a:r>
-              <a:rPr lang="de-DE" sz="1800" dirty="0" err="1" smtClean="0">
-                <a:solidFill>
-                  <a:schemeClr val="bg1"/>
-                </a:solidFill>
-              </a:rPr>
-              <a:t>structure</a:t>
-            </a:r>
-            <a:r>
-              <a:rPr lang="de-DE" sz="1800" dirty="0" smtClean="0">
-                <a:solidFill>
-                  <a:schemeClr val="bg1"/>
-                </a:solidFill>
-              </a:rPr>
-              <a:t>, </a:t>
-            </a:r>
-            <a:r>
-              <a:rPr lang="de-DE" sz="1800" dirty="0" err="1" smtClean="0">
-                <a:solidFill>
-                  <a:schemeClr val="bg1"/>
-                </a:solidFill>
-              </a:rPr>
-              <a:t>languages</a:t>
-            </a:r>
-            <a:r>
-              <a:rPr lang="de-DE" sz="1800" dirty="0" smtClean="0">
-                <a:solidFill>
-                  <a:schemeClr val="bg1"/>
-                </a:solidFill>
-              </a:rPr>
-              <a:t>, </a:t>
-            </a:r>
-            <a:r>
-              <a:rPr lang="de-DE" sz="1800" dirty="0" err="1" smtClean="0">
-                <a:solidFill>
-                  <a:schemeClr val="bg1"/>
-                </a:solidFill>
-              </a:rPr>
-              <a:t>messages</a:t>
-            </a:r>
-            <a:r>
-              <a:rPr lang="de-DE" sz="1800" dirty="0" smtClean="0">
-                <a:solidFill>
-                  <a:schemeClr val="bg1"/>
-                </a:solidFill>
-              </a:rPr>
-              <a:t>, </a:t>
-            </a:r>
-            <a:r>
-              <a:rPr lang="de-DE" sz="1800" dirty="0" err="1" smtClean="0">
-                <a:solidFill>
-                  <a:schemeClr val="bg1"/>
-                </a:solidFill>
-              </a:rPr>
-              <a:t>gui</a:t>
-            </a:r>
-            <a:r>
-              <a:rPr lang="de-DE" sz="1800" dirty="0" smtClean="0">
-                <a:solidFill>
-                  <a:schemeClr val="bg1"/>
-                </a:solidFill>
-              </a:rPr>
-              <a:t> </a:t>
-            </a:r>
-            <a:r>
-              <a:rPr lang="de-DE" sz="1800" dirty="0" err="1" smtClean="0">
-                <a:solidFill>
-                  <a:schemeClr val="bg1"/>
-                </a:solidFill>
-              </a:rPr>
-              <a:t>images</a:t>
-            </a:r>
-            <a:r>
-              <a:rPr lang="de-DE" sz="1800" dirty="0" smtClean="0">
-                <a:solidFill>
-                  <a:schemeClr val="bg1"/>
-                </a:solidFill>
-              </a:rPr>
-              <a:t>, </a:t>
-            </a:r>
-            <a:r>
-              <a:rPr lang="de-DE" sz="1800" dirty="0" err="1" smtClean="0">
-                <a:solidFill>
-                  <a:schemeClr val="bg1"/>
-                </a:solidFill>
-              </a:rPr>
-              <a:t>player</a:t>
-            </a:r>
-            <a:r>
-              <a:rPr lang="de-DE" sz="1800" dirty="0" smtClean="0">
-                <a:solidFill>
-                  <a:schemeClr val="bg1"/>
-                </a:solidFill>
-              </a:rPr>
-              <a:t> </a:t>
-            </a:r>
-            <a:r>
-              <a:rPr lang="de-DE" sz="1800" dirty="0" err="1" smtClean="0">
-                <a:solidFill>
-                  <a:schemeClr val="bg1"/>
-                </a:solidFill>
-              </a:rPr>
-              <a:t>class</a:t>
-            </a:r>
-            <a:endParaRPr lang="de-DE" sz="1800" dirty="0" smtClean="0">
-              <a:solidFill>
-                <a:schemeClr val="bg1"/>
-              </a:solidFill>
-            </a:endParaRPr>
-          </a:p>
-          <a:p>
-            <a:r>
-              <a:rPr lang="de-DE" sz="1800" dirty="0" smtClean="0">
-                <a:solidFill>
-                  <a:schemeClr val="bg1"/>
-                </a:solidFill>
-              </a:rPr>
-              <a:t>View </a:t>
-            </a:r>
-            <a:r>
-              <a:rPr lang="de-DE" sz="1800" dirty="0" err="1" smtClean="0">
-                <a:solidFill>
-                  <a:schemeClr val="bg1"/>
-                </a:solidFill>
-              </a:rPr>
-              <a:t>contains</a:t>
-            </a:r>
-            <a:r>
-              <a:rPr lang="de-DE" sz="1800" dirty="0" smtClean="0">
-                <a:solidFill>
-                  <a:schemeClr val="bg1"/>
-                </a:solidFill>
-              </a:rPr>
-              <a:t> GUI / TUI</a:t>
-            </a:r>
-            <a:endParaRPr lang="de-DE" sz="1400" dirty="0"/>
-          </a:p>
-          <a:p>
-            <a:endParaRPr lang="de-DE" dirty="0" smtClean="0"/>
+            <a:r>
+              <a:rPr lang="en-US" sz="1800" noProof="0" dirty="0" smtClean="0">
+                <a:solidFill>
+                  <a:schemeClr val="bg1"/>
+                </a:solidFill>
+              </a:rPr>
+              <a:t>Model contains languages, card structure, deck structure, languages, messages, GUI images, player class</a:t>
+            </a:r>
+          </a:p>
+          <a:p>
+            <a:r>
+              <a:rPr lang="en-US" sz="1800" noProof="0" dirty="0" smtClean="0">
+                <a:solidFill>
+                  <a:schemeClr val="bg1"/>
+                </a:solidFill>
+              </a:rPr>
+              <a:t>View contains GUI / TUI</a:t>
+            </a:r>
+            <a:endParaRPr lang="en-US" sz="1400" noProof="0" dirty="0" smtClean="0"/>
+          </a:p>
+          <a:p>
+            <a:endParaRPr lang="en-US" noProof="0" dirty="0" smtClean="0"/>
           </a:p>
         </p:txBody>
       </p:sp>
@@ -8167,4 +6777,265 @@
     </a:ext>
   </a:extLst>
 </a:theme>
+</file>
+
+<file path=ppt/theme/theme2.xml><?xml version="1.0" encoding="utf-8"?>
+<a:theme xmlns:a="http://schemas.openxmlformats.org/drawingml/2006/main" name="Office Theme">
+  <a:themeElements>
+    <a:clrScheme name="Office">
+      <a:dk1>
+        <a:sysClr val="windowText" lastClr="000000"/>
+      </a:dk1>
+      <a:lt1>
+        <a:sysClr val="window" lastClr="FFFFFF"/>
+      </a:lt1>
+      <a:dk2>
+        <a:srgbClr val="44546A"/>
+      </a:dk2>
+      <a:lt2>
+        <a:srgbClr val="E7E6E6"/>
+      </a:lt2>
+      <a:accent1>
+        <a:srgbClr val="5B9BD5"/>
+      </a:accent1>
+      <a:accent2>
+        <a:srgbClr val="ED7D31"/>
+      </a:accent2>
+      <a:accent3>
+        <a:srgbClr val="A5A5A5"/>
+      </a:accent3>
+      <a:accent4>
+        <a:srgbClr val="FFC000"/>
+      </a:accent4>
+      <a:accent5>
+        <a:srgbClr val="4472C4"/>
+      </a:accent5>
+      <a:accent6>
+        <a:srgbClr val="70AD47"/>
+      </a:accent6>
+      <a:hlink>
+        <a:srgbClr val="0563C1"/>
+      </a:hlink>
+      <a:folHlink>
+        <a:srgbClr val="954F72"/>
+      </a:folHlink>
+    </a:clrScheme>
+    <a:fontScheme name="Office">
+      <a:majorFont>
+        <a:latin typeface="Calibri Light" panose="020F0302020204030204"/>
+        <a:ea typeface=""/>
+        <a:cs typeface=""/>
+        <a:font script="Jpan" typeface="ＭＳ Ｐゴシック"/>
+        <a:font script="Hang" typeface="맑은 고딕"/>
+        <a:font script="Hans" typeface="宋体"/>
+        <a:font script="Hant" typeface="新細明體"/>
+        <a:font script="Arab" typeface="Times New Roman"/>
+        <a:font script="Hebr" typeface="Times New Roman"/>
+        <a:font script="Thai" typeface="Angsana New"/>
+        <a:font script="Ethi" typeface="Nyala"/>
+        <a:font script="Beng" typeface="Vrinda"/>
+        <a:font script="Gujr" typeface="Shruti"/>
+        <a:font script="Khmr" typeface="MoolBoran"/>
+        <a:font script="Knda" typeface="Tunga"/>
+        <a:font script="Guru" typeface="Raavi"/>
+        <a:font script="Cans" typeface="Euphemia"/>
+        <a:font script="Cher" typeface="Plantagenet Cherokee"/>
+        <a:font script="Yiii" typeface="Microsoft Yi Baiti"/>
+        <a:font script="Tibt" typeface="Microsoft Himalaya"/>
+        <a:font script="Thaa" typeface="MV Boli"/>
+        <a:font script="Deva" typeface="Mangal"/>
+        <a:font script="Telu" typeface="Gautami"/>
+        <a:font script="Taml" typeface="Latha"/>
+        <a:font script="Syrc" typeface="Estrangelo Edessa"/>
+        <a:font script="Orya" typeface="Kalinga"/>
+        <a:font script="Mlym" typeface="Kartika"/>
+        <a:font script="Laoo" typeface="DokChampa"/>
+        <a:font script="Sinh" typeface="Iskoola Pota"/>
+        <a:font script="Mong" typeface="Mongolian Baiti"/>
+        <a:font script="Viet" typeface="Times New Roman"/>
+        <a:font script="Uigh" typeface="Microsoft Uighur"/>
+        <a:font script="Geor" typeface="Sylfaen"/>
+      </a:majorFont>
+      <a:minorFont>
+        <a:latin typeface="Calibri" panose="020F0502020204030204"/>
+        <a:ea typeface=""/>
+        <a:cs typeface=""/>
+        <a:font script="Jpan" typeface="ＭＳ Ｐゴシック"/>
+        <a:font script="Hang" typeface="맑은 고딕"/>
+        <a:font script="Hans" typeface="宋体"/>
+        <a:font script="Hant" typeface="新細明體"/>
+        <a:font script="Arab" typeface="Arial"/>
+        <a:font script="Hebr" typeface="Arial"/>
+        <a:font script="Thai" typeface="Cordia New"/>
+        <a:font script="Ethi" typeface="Nyala"/>
+        <a:font script="Beng" typeface="Vrinda"/>
+        <a:font script="Gujr" typeface="Shruti"/>
+        <a:font script="Khmr" typeface="DaunPenh"/>
+        <a:font script="Knda" typeface="Tunga"/>
+        <a:font script="Guru" typeface="Raavi"/>
+        <a:font script="Cans" typeface="Euphemia"/>
+        <a:font script="Cher" typeface="Plantagenet Cherokee"/>
+        <a:font script="Yiii" typeface="Microsoft Yi Baiti"/>
+        <a:font script="Tibt" typeface="Microsoft Himalaya"/>
+        <a:font script="Thaa" typeface="MV Boli"/>
+        <a:font script="Deva" typeface="Mangal"/>
+        <a:font script="Telu" typeface="Gautami"/>
+        <a:font script="Taml" typeface="Latha"/>
+        <a:font script="Syrc" typeface="Estrangelo Edessa"/>
+        <a:font script="Orya" typeface="Kalinga"/>
+        <a:font script="Mlym" typeface="Kartika"/>
+        <a:font script="Laoo" typeface="DokChampa"/>
+        <a:font script="Sinh" typeface="Iskoola Pota"/>
+        <a:font script="Mong" typeface="Mongolian Baiti"/>
+        <a:font script="Viet" typeface="Arial"/>
+        <a:font script="Uigh" typeface="Microsoft Uighur"/>
+        <a:font script="Geor" typeface="Sylfaen"/>
+      </a:minorFont>
+    </a:fontScheme>
+    <a:fmtScheme name="Office">
+      <a:fillStyleLst>
+        <a:solidFill>
+          <a:schemeClr val="phClr"/>
+        </a:solidFill>
+        <a:gradFill rotWithShape="1">
+          <a:gsLst>
+            <a:gs pos="0">
+              <a:schemeClr val="phClr">
+                <a:lumMod val="110000"/>
+                <a:satMod val="105000"/>
+                <a:tint val="67000"/>
+              </a:schemeClr>
+            </a:gs>
+            <a:gs pos="50000">
+              <a:schemeClr val="phClr">
+                <a:lumMod val="105000"/>
+                <a:satMod val="103000"/>
+                <a:tint val="73000"/>
+              </a:schemeClr>
+            </a:gs>
+            <a:gs pos="100000">
+              <a:schemeClr val="phClr">
+                <a:lumMod val="105000"/>
+                <a:satMod val="109000"/>
+                <a:tint val="81000"/>
+              </a:schemeClr>
+            </a:gs>
+          </a:gsLst>
+          <a:lin ang="5400000" scaled="0"/>
+        </a:gradFill>
+        <a:gradFill rotWithShape="1">
+          <a:gsLst>
+            <a:gs pos="0">
+              <a:schemeClr val="phClr">
+                <a:satMod val="103000"/>
+                <a:lumMod val="102000"/>
+                <a:tint val="94000"/>
+              </a:schemeClr>
+            </a:gs>
+            <a:gs pos="50000">
+              <a:schemeClr val="phClr">
+                <a:satMod val="110000"/>
+                <a:lumMod val="100000"/>
+                <a:shade val="100000"/>
+              </a:schemeClr>
+            </a:gs>
+            <a:gs pos="100000">
+              <a:schemeClr val="phClr">
+                <a:lumMod val="99000"/>
+                <a:satMod val="120000"/>
+                <a:shade val="78000"/>
+              </a:schemeClr>
+            </a:gs>
+          </a:gsLst>
+          <a:lin ang="5400000" scaled="0"/>
+        </a:gradFill>
+      </a:fillStyleLst>
+      <a:lnStyleLst>
+        <a:ln w="6350" cap="flat" cmpd="sng" algn="ctr">
+          <a:solidFill>
+            <a:schemeClr val="phClr"/>
+          </a:solidFill>
+          <a:prstDash val="solid"/>
+          <a:miter lim="800000"/>
+        </a:ln>
+        <a:ln w="12700" cap="flat" cmpd="sng" algn="ctr">
+          <a:solidFill>
+            <a:schemeClr val="phClr"/>
+          </a:solidFill>
+          <a:prstDash val="solid"/>
+          <a:miter lim="800000"/>
+        </a:ln>
+        <a:ln w="19050" cap="flat" cmpd="sng" algn="ctr">
+          <a:solidFill>
+            <a:schemeClr val="phClr"/>
+          </a:solidFill>
+          <a:prstDash val="solid"/>
+          <a:miter lim="800000"/>
+        </a:ln>
+      </a:lnStyleLst>
+      <a:effectStyleLst>
+        <a:effectStyle>
+          <a:effectLst/>
+        </a:effectStyle>
+        <a:effectStyle>
+          <a:effectLst/>
+        </a:effectStyle>
+        <a:effectStyle>
+          <a:effectLst>
+            <a:outerShdw blurRad="57150" dist="19050" dir="5400000" algn="ctr" rotWithShape="0">
+              <a:srgbClr val="000000">
+                <a:alpha val="63000"/>
+              </a:srgbClr>
+            </a:outerShdw>
+          </a:effectLst>
+        </a:effectStyle>
+      </a:effectStyleLst>
+      <a:bgFillStyleLst>
+        <a:solidFill>
+          <a:schemeClr val="phClr"/>
+        </a:solidFill>
+        <a:solidFill>
+          <a:schemeClr val="phClr">
+            <a:tint val="95000"/>
+            <a:satMod val="170000"/>
+          </a:schemeClr>
+        </a:solidFill>
+        <a:gradFill rotWithShape="1">
+          <a:gsLst>
+            <a:gs pos="0">
+              <a:schemeClr val="phClr">
+                <a:tint val="93000"/>
+                <a:satMod val="150000"/>
+                <a:shade val="98000"/>
+                <a:lumMod val="102000"/>
+              </a:schemeClr>
+            </a:gs>
+            <a:gs pos="50000">
+              <a:schemeClr val="phClr">
+                <a:tint val="98000"/>
+                <a:satMod val="130000"/>
+                <a:shade val="90000"/>
+                <a:lumMod val="103000"/>
+              </a:schemeClr>
+            </a:gs>
+            <a:gs pos="100000">
+              <a:schemeClr val="phClr">
+                <a:shade val="63000"/>
+                <a:satMod val="120000"/>
+              </a:schemeClr>
+            </a:gs>
+          </a:gsLst>
+          <a:lin ang="5400000" scaled="0"/>
+        </a:gradFill>
+      </a:bgFillStyleLst>
+    </a:fmtScheme>
+  </a:themeElements>
+  <a:objectDefaults/>
+  <a:extraClrSchemeLst/>
+  <a:extLst>
+    <a:ext uri="{05A4C25C-085E-4340-85A3-A5531E510DB2}">
+      <thm15:themeFamily xmlns:thm15="http://schemas.microsoft.com/office/thememl/2012/main" name="Office Theme" id="{62F939B6-93AF-4DB8-9C6B-D6C7DFDC589F}" vid="{4A3C46E8-61CC-4603-A589-7422A47A8E4A}"/>
+    </a:ext>
+  </a:extLst>
+</a:theme>
 </file>
--- a/Projektpräsentation SE.pptx
+++ b/Projektpräsentation SE.pptx
@@ -126,6 +126,9 @@
   <p:extLst>
     <p:ext uri="{EFAFB233-063F-42B5-8137-9DF3F51BA10A}">
       <p15:sldGuideLst xmlns:p15="http://schemas.microsoft.com/office/powerpoint/2012/main"/>
+    </p:ext>
+    <p:ext uri="{2D200454-40CA-4A62-9FC3-DE9A4176ACB9}">
+      <p15:notesGuideLst xmlns:p15="http://schemas.microsoft.com/office/powerpoint/2012/main"/>
     </p:ext>
   </p:extLst>
 </p:presentation>
@@ -3983,11 +3986,6 @@
               </a:rPr>
               <a:t>Strategy</a:t>
             </a:r>
-            <a:endParaRPr lang="en-US" noProof="0" dirty="0" smtClean="0">
-              <a:solidFill>
-                <a:schemeClr val="bg1"/>
-              </a:solidFill>
-            </a:endParaRPr>
           </a:p>
         </p:txBody>
       </p:sp>
@@ -4441,7 +4439,31 @@
                   <a:schemeClr val="bg1"/>
                 </a:solidFill>
               </a:rPr>
-              <a:t>We also use Scala Objects to act as Singletons to handle e.g. our game settings</a:t>
+              <a:t>We also use Scala Objects to act </a:t>
+            </a:r>
+            <a:r>
+              <a:rPr lang="en-US" dirty="0">
+                <a:solidFill>
+                  <a:schemeClr val="bg1"/>
+                </a:solidFill>
+              </a:rPr>
+              <a:t>as </a:t>
+            </a:r>
+            <a:r>
+              <a:rPr lang="en-US" dirty="0" smtClean="0">
+                <a:solidFill>
+                  <a:schemeClr val="bg1"/>
+                </a:solidFill>
+              </a:rPr>
+              <a:t>„Singletons“ </a:t>
+            </a:r>
+            <a:r>
+              <a:rPr lang="en-US" noProof="0" dirty="0" smtClean="0">
+                <a:solidFill>
+                  <a:schemeClr val="bg1"/>
+                </a:solidFill>
+              </a:rPr>
+              <a:t>to handle e.g. our game settings</a:t>
             </a:r>
           </a:p>
           <a:p>
@@ -4788,7 +4810,7 @@
                   <a:schemeClr val="bg1"/>
                 </a:solidFill>
               </a:rPr>
-              <a:t>Components &amp; Interfaces</a:t>
+              <a:t>Components</a:t>
             </a:r>
             <a:endParaRPr lang="en-US" noProof="0" dirty="0">
               <a:solidFill>
@@ -5350,23 +5372,23 @@
                   <a:schemeClr val="bg1"/>
                 </a:solidFill>
               </a:rPr>
-              <a:t>Components &amp; Interfaces</a:t>
-            </a:r>
-          </a:p>
-          <a:p>
-            <a:r>
-              <a:rPr lang="en-US" sz="1800" noProof="0" dirty="0" smtClean="0">
-                <a:solidFill>
-                  <a:schemeClr val="bg1"/>
-                </a:solidFill>
-              </a:rPr>
-              <a:t>Dependency Injection</a:t>
+              <a:t>Components</a:t>
             </a:r>
             <a:endParaRPr lang="en-US" sz="1800" noProof="0" dirty="0" smtClean="0">
               <a:solidFill>
                 <a:schemeClr val="bg1"/>
               </a:solidFill>
             </a:endParaRPr>
+          </a:p>
+          <a:p>
+            <a:r>
+              <a:rPr lang="en-US" sz="1800" noProof="0" dirty="0" smtClean="0">
+                <a:solidFill>
+                  <a:schemeClr val="bg1"/>
+                </a:solidFill>
+              </a:rPr>
+              <a:t>Dependency Injection</a:t>
+            </a:r>
           </a:p>
         </p:txBody>
       </p:sp>
